--- a/lecture/Purr - tidyverse iterations.pptx
+++ b/lecture/Purr - tidyverse iterations.pptx
@@ -220,7 +220,7 @@
           <a:p>
             <a:fld id="{5C93CA8F-50F8-44B5-B48F-4C4452AC4FCB}" type="datetimeFigureOut">
               <a:rPr lang="he-IL" smtClean="0"/>
-              <a:t>ח'/סיון/תשע"ט</a:t>
+              <a:t>י'/סיון/תשע"ט</a:t>
             </a:fld>
             <a:endParaRPr lang="he-IL"/>
           </a:p>
@@ -4908,12 +4908,494 @@
           </a:p>
         </p:txBody>
       </p:sp>
+      <p:sp>
+        <p:nvSpPr>
+          <p:cNvPr id="8" name="Rectangle: Rounded Corners 7">
+            <a:extLst>
+              <a:ext uri="{FF2B5EF4-FFF2-40B4-BE49-F238E27FC236}">
+                <a16:creationId xmlns:a16="http://schemas.microsoft.com/office/drawing/2014/main" id="{C5E4ED0F-63AF-4D7E-BFFF-21BAC43539EA}"/>
+              </a:ext>
+            </a:extLst>
+          </p:cNvPr>
+          <p:cNvSpPr/>
+          <p:nvPr/>
+        </p:nvSpPr>
+        <p:spPr>
+          <a:xfrm>
+            <a:off x="676148" y="2280565"/>
+            <a:ext cx="1365849" cy="615408"/>
+          </a:xfrm>
+          <a:prstGeom prst="roundRect">
+            <a:avLst/>
+          </a:prstGeom>
+        </p:spPr>
+        <p:style>
+          <a:lnRef idx="2">
+            <a:schemeClr val="accent5">
+              <a:shade val="50000"/>
+            </a:schemeClr>
+          </a:lnRef>
+          <a:fillRef idx="1">
+            <a:schemeClr val="accent5"/>
+          </a:fillRef>
+          <a:effectRef idx="0">
+            <a:schemeClr val="accent5"/>
+          </a:effectRef>
+          <a:fontRef idx="minor">
+            <a:schemeClr val="lt1"/>
+          </a:fontRef>
+        </p:style>
+        <p:txBody>
+          <a:bodyPr rtlCol="0" anchor="ctr"/>
+          <a:lstStyle/>
+          <a:p>
+            <a:pPr algn="ctr"/>
+            <a:r>
+              <a:rPr lang="en-US" dirty="0"/>
+              <a:t>map</a:t>
+            </a:r>
+            <a:endParaRPr lang="en-IL" dirty="0"/>
+          </a:p>
+        </p:txBody>
+      </p:sp>
+      <p:sp>
+        <p:nvSpPr>
+          <p:cNvPr id="9" name="Rectangle: Rounded Corners 8">
+            <a:extLst>
+              <a:ext uri="{FF2B5EF4-FFF2-40B4-BE49-F238E27FC236}">
+                <a16:creationId xmlns:a16="http://schemas.microsoft.com/office/drawing/2014/main" id="{DFF4F4AB-8C57-4A76-8AB6-33D9741651B8}"/>
+              </a:ext>
+            </a:extLst>
+          </p:cNvPr>
+          <p:cNvSpPr/>
+          <p:nvPr/>
+        </p:nvSpPr>
+        <p:spPr>
+          <a:xfrm>
+            <a:off x="676148" y="3126384"/>
+            <a:ext cx="1365849" cy="615408"/>
+          </a:xfrm>
+          <a:prstGeom prst="roundRect">
+            <a:avLst/>
+          </a:prstGeom>
+        </p:spPr>
+        <p:style>
+          <a:lnRef idx="2">
+            <a:schemeClr val="accent5">
+              <a:shade val="50000"/>
+            </a:schemeClr>
+          </a:lnRef>
+          <a:fillRef idx="1">
+            <a:schemeClr val="accent5"/>
+          </a:fillRef>
+          <a:effectRef idx="0">
+            <a:schemeClr val="accent5"/>
+          </a:effectRef>
+          <a:fontRef idx="minor">
+            <a:schemeClr val="lt1"/>
+          </a:fontRef>
+        </p:style>
+        <p:txBody>
+          <a:bodyPr rtlCol="0" anchor="ctr"/>
+          <a:lstStyle/>
+          <a:p>
+            <a:pPr algn="ctr"/>
+            <a:r>
+              <a:rPr lang="en-US" dirty="0"/>
+              <a:t>map2</a:t>
+            </a:r>
+            <a:endParaRPr lang="en-IL" dirty="0"/>
+          </a:p>
+        </p:txBody>
+      </p:sp>
+      <p:sp>
+        <p:nvSpPr>
+          <p:cNvPr id="10" name="Rectangle: Rounded Corners 9">
+            <a:extLst>
+              <a:ext uri="{FF2B5EF4-FFF2-40B4-BE49-F238E27FC236}">
+                <a16:creationId xmlns:a16="http://schemas.microsoft.com/office/drawing/2014/main" id="{FC6D6DD1-91F8-49FA-8ACA-2EBDC10E2228}"/>
+              </a:ext>
+            </a:extLst>
+          </p:cNvPr>
+          <p:cNvSpPr/>
+          <p:nvPr/>
+        </p:nvSpPr>
+        <p:spPr>
+          <a:xfrm>
+            <a:off x="676148" y="3977035"/>
+            <a:ext cx="1365849" cy="615408"/>
+          </a:xfrm>
+          <a:prstGeom prst="roundRect">
+            <a:avLst/>
+          </a:prstGeom>
+        </p:spPr>
+        <p:style>
+          <a:lnRef idx="2">
+            <a:schemeClr val="accent5">
+              <a:shade val="50000"/>
+            </a:schemeClr>
+          </a:lnRef>
+          <a:fillRef idx="1">
+            <a:schemeClr val="accent5"/>
+          </a:fillRef>
+          <a:effectRef idx="0">
+            <a:schemeClr val="accent5"/>
+          </a:effectRef>
+          <a:fontRef idx="minor">
+            <a:schemeClr val="lt1"/>
+          </a:fontRef>
+        </p:style>
+        <p:txBody>
+          <a:bodyPr rtlCol="0" anchor="ctr"/>
+          <a:lstStyle/>
+          <a:p>
+            <a:pPr algn="ctr"/>
+            <a:r>
+              <a:rPr lang="en-US" dirty="0" err="1"/>
+              <a:t>pmap</a:t>
+            </a:r>
+            <a:endParaRPr lang="en-IL" dirty="0"/>
+          </a:p>
+        </p:txBody>
+      </p:sp>
+      <p:sp>
+        <p:nvSpPr>
+          <p:cNvPr id="16" name="Rectangle: Rounded Corners 15">
+            <a:extLst>
+              <a:ext uri="{FF2B5EF4-FFF2-40B4-BE49-F238E27FC236}">
+                <a16:creationId xmlns:a16="http://schemas.microsoft.com/office/drawing/2014/main" id="{1D1C8656-2D5D-47B3-8F63-637A0DEE3041}"/>
+              </a:ext>
+            </a:extLst>
+          </p:cNvPr>
+          <p:cNvSpPr/>
+          <p:nvPr/>
+        </p:nvSpPr>
+        <p:spPr>
+          <a:xfrm>
+            <a:off x="4293079" y="4628590"/>
+            <a:ext cx="1656272" cy="615408"/>
+          </a:xfrm>
+          <a:prstGeom prst="roundRect">
+            <a:avLst/>
+          </a:prstGeom>
+        </p:spPr>
+        <p:style>
+          <a:lnRef idx="2">
+            <a:schemeClr val="accent1">
+              <a:shade val="50000"/>
+            </a:schemeClr>
+          </a:lnRef>
+          <a:fillRef idx="1">
+            <a:schemeClr val="accent1"/>
+          </a:fillRef>
+          <a:effectRef idx="0">
+            <a:schemeClr val="accent1"/>
+          </a:effectRef>
+          <a:fontRef idx="minor">
+            <a:schemeClr val="lt1"/>
+          </a:fontRef>
+        </p:style>
+        <p:txBody>
+          <a:bodyPr rtlCol="0" anchor="ctr"/>
+          <a:lstStyle/>
+          <a:p>
+            <a:pPr algn="ctr"/>
+            <a:r>
+              <a:rPr lang="en-US" dirty="0"/>
+              <a:t>function(x) x</a:t>
+            </a:r>
+            <a:endParaRPr lang="en-IL" dirty="0"/>
+          </a:p>
+        </p:txBody>
+      </p:sp>
+      <p:sp>
+        <p:nvSpPr>
+          <p:cNvPr id="17" name="Rectangle: Rounded Corners 16">
+            <a:extLst>
+              <a:ext uri="{FF2B5EF4-FFF2-40B4-BE49-F238E27FC236}">
+                <a16:creationId xmlns:a16="http://schemas.microsoft.com/office/drawing/2014/main" id="{879C7F9C-CBDA-43D9-B879-2C31A5D3503E}"/>
+              </a:ext>
+            </a:extLst>
+          </p:cNvPr>
+          <p:cNvSpPr/>
+          <p:nvPr/>
+        </p:nvSpPr>
+        <p:spPr>
+          <a:xfrm>
+            <a:off x="6157823" y="4628590"/>
+            <a:ext cx="733244" cy="615408"/>
+          </a:xfrm>
+          <a:prstGeom prst="roundRect">
+            <a:avLst/>
+          </a:prstGeom>
+        </p:spPr>
+        <p:style>
+          <a:lnRef idx="2">
+            <a:schemeClr val="accent1">
+              <a:shade val="50000"/>
+            </a:schemeClr>
+          </a:lnRef>
+          <a:fillRef idx="1">
+            <a:schemeClr val="accent1"/>
+          </a:fillRef>
+          <a:effectRef idx="0">
+            <a:schemeClr val="accent1"/>
+          </a:effectRef>
+          <a:fontRef idx="minor">
+            <a:schemeClr val="lt1"/>
+          </a:fontRef>
+        </p:style>
+        <p:txBody>
+          <a:bodyPr rtlCol="0" anchor="ctr"/>
+          <a:lstStyle/>
+          <a:p>
+            <a:pPr algn="ctr"/>
+            <a:r>
+              <a:rPr lang="en-US" dirty="0"/>
+              <a:t>~ .x</a:t>
+            </a:r>
+            <a:endParaRPr lang="en-IL" dirty="0"/>
+          </a:p>
+        </p:txBody>
+      </p:sp>
+      <p:sp>
+        <p:nvSpPr>
+          <p:cNvPr id="18" name="Rectangle: Rounded Corners 17">
+            <a:extLst>
+              <a:ext uri="{FF2B5EF4-FFF2-40B4-BE49-F238E27FC236}">
+                <a16:creationId xmlns:a16="http://schemas.microsoft.com/office/drawing/2014/main" id="{5F430E96-87E6-43E7-8369-41CD2FA6237E}"/>
+              </a:ext>
+            </a:extLst>
+          </p:cNvPr>
+          <p:cNvSpPr/>
+          <p:nvPr/>
+        </p:nvSpPr>
+        <p:spPr>
+          <a:xfrm>
+            <a:off x="4482860" y="5428345"/>
+            <a:ext cx="2296064" cy="615408"/>
+          </a:xfrm>
+          <a:prstGeom prst="roundRect">
+            <a:avLst/>
+          </a:prstGeom>
+        </p:spPr>
+        <p:style>
+          <a:lnRef idx="2">
+            <a:schemeClr val="accent1">
+              <a:shade val="50000"/>
+            </a:schemeClr>
+          </a:lnRef>
+          <a:fillRef idx="1">
+            <a:schemeClr val="accent1"/>
+          </a:fillRef>
+          <a:effectRef idx="0">
+            <a:schemeClr val="accent1"/>
+          </a:effectRef>
+          <a:fontRef idx="minor">
+            <a:schemeClr val="lt1"/>
+          </a:fontRef>
+        </p:style>
+        <p:txBody>
+          <a:bodyPr rtlCol="0" anchor="ctr"/>
+          <a:lstStyle/>
+          <a:p>
+            <a:pPr algn="ctr"/>
+            <a:r>
+              <a:rPr lang="en-US" dirty="0" err="1"/>
+              <a:t>my_func</a:t>
+            </a:r>
+            <a:r>
+              <a:rPr lang="en-US" dirty="0"/>
+              <a:t> &lt;- function(x) {x}</a:t>
+            </a:r>
+            <a:endParaRPr lang="en-IL" dirty="0"/>
+          </a:p>
+        </p:txBody>
+      </p:sp>
+      <p:sp>
+        <p:nvSpPr>
+          <p:cNvPr id="19" name="Rectangle: Rounded Corners 18">
+            <a:extLst>
+              <a:ext uri="{FF2B5EF4-FFF2-40B4-BE49-F238E27FC236}">
+                <a16:creationId xmlns:a16="http://schemas.microsoft.com/office/drawing/2014/main" id="{B07BEC83-5A2B-4AE2-ACF6-8F9D0D1845F6}"/>
+              </a:ext>
+            </a:extLst>
+          </p:cNvPr>
+          <p:cNvSpPr/>
+          <p:nvPr/>
+        </p:nvSpPr>
+        <p:spPr>
+          <a:xfrm>
+            <a:off x="4947967" y="3131216"/>
+            <a:ext cx="1365849" cy="615408"/>
+          </a:xfrm>
+          <a:prstGeom prst="roundRect">
+            <a:avLst/>
+          </a:prstGeom>
+        </p:spPr>
+        <p:style>
+          <a:lnRef idx="2">
+            <a:schemeClr val="dk1">
+              <a:shade val="50000"/>
+            </a:schemeClr>
+          </a:lnRef>
+          <a:fillRef idx="1">
+            <a:schemeClr val="dk1"/>
+          </a:fillRef>
+          <a:effectRef idx="0">
+            <a:schemeClr val="dk1"/>
+          </a:effectRef>
+          <a:fontRef idx="minor">
+            <a:schemeClr val="lt1"/>
+          </a:fontRef>
+        </p:style>
+        <p:txBody>
+          <a:bodyPr rtlCol="0" anchor="ctr"/>
+          <a:lstStyle/>
+          <a:p>
+            <a:pPr algn="ctr"/>
+            <a:r>
+              <a:rPr lang="en-US" dirty="0" err="1"/>
+              <a:t>purrr</a:t>
+            </a:r>
+            <a:endParaRPr lang="en-IL" dirty="0"/>
+          </a:p>
+        </p:txBody>
+      </p:sp>
+      <p:cxnSp>
+        <p:nvCxnSpPr>
+          <p:cNvPr id="23" name="Straight Arrow Connector 22">
+            <a:extLst>
+              <a:ext uri="{FF2B5EF4-FFF2-40B4-BE49-F238E27FC236}">
+                <a16:creationId xmlns:a16="http://schemas.microsoft.com/office/drawing/2014/main" id="{0D9A309D-A863-4595-9CC1-F0761695F7E6}"/>
+              </a:ext>
+            </a:extLst>
+          </p:cNvPr>
+          <p:cNvCxnSpPr>
+            <a:cxnSpLocks/>
+            <a:stCxn id="19" idx="3"/>
+          </p:cNvCxnSpPr>
+          <p:nvPr/>
+        </p:nvCxnSpPr>
+        <p:spPr>
+          <a:xfrm>
+            <a:off x="6313816" y="3438920"/>
+            <a:ext cx="1424078" cy="0"/>
+          </a:xfrm>
+          <a:prstGeom prst="straightConnector1">
+            <a:avLst/>
+          </a:prstGeom>
+          <a:ln>
+            <a:tailEnd type="triangle"/>
+          </a:ln>
+        </p:spPr>
+        <p:style>
+          <a:lnRef idx="2">
+            <a:schemeClr val="dk1"/>
+          </a:lnRef>
+          <a:fillRef idx="0">
+            <a:schemeClr val="dk1"/>
+          </a:fillRef>
+          <a:effectRef idx="1">
+            <a:schemeClr val="dk1"/>
+          </a:effectRef>
+          <a:fontRef idx="minor">
+            <a:schemeClr val="tx1"/>
+          </a:fontRef>
+        </p:style>
+      </p:cxnSp>
+      <p:cxnSp>
+        <p:nvCxnSpPr>
+          <p:cNvPr id="25" name="Straight Arrow Connector 24">
+            <a:extLst>
+              <a:ext uri="{FF2B5EF4-FFF2-40B4-BE49-F238E27FC236}">
+                <a16:creationId xmlns:a16="http://schemas.microsoft.com/office/drawing/2014/main" id="{41C9F6EB-70FD-43BB-AC23-96677DEBD827}"/>
+              </a:ext>
+            </a:extLst>
+          </p:cNvPr>
+          <p:cNvCxnSpPr>
+            <a:cxnSpLocks/>
+            <a:stCxn id="19" idx="2"/>
+            <a:endCxn id="33" idx="0"/>
+          </p:cNvCxnSpPr>
+          <p:nvPr/>
+        </p:nvCxnSpPr>
+        <p:spPr>
+          <a:xfrm flipH="1">
+            <a:off x="5629952" y="3746624"/>
+            <a:ext cx="940" cy="449409"/>
+          </a:xfrm>
+          <a:prstGeom prst="straightConnector1">
+            <a:avLst/>
+          </a:prstGeom>
+          <a:ln>
+            <a:tailEnd type="triangle"/>
+          </a:ln>
+        </p:spPr>
+        <p:style>
+          <a:lnRef idx="2">
+            <a:schemeClr val="dk1"/>
+          </a:lnRef>
+          <a:fillRef idx="0">
+            <a:schemeClr val="dk1"/>
+          </a:fillRef>
+          <a:effectRef idx="1">
+            <a:schemeClr val="dk1"/>
+          </a:effectRef>
+          <a:fontRef idx="minor">
+            <a:schemeClr val="tx1"/>
+          </a:fontRef>
+        </p:style>
+      </p:cxnSp>
+      <p:cxnSp>
+        <p:nvCxnSpPr>
+          <p:cNvPr id="27" name="Straight Arrow Connector 26">
+            <a:extLst>
+              <a:ext uri="{FF2B5EF4-FFF2-40B4-BE49-F238E27FC236}">
+                <a16:creationId xmlns:a16="http://schemas.microsoft.com/office/drawing/2014/main" id="{5A1F5631-8B1D-4363-9DF7-96DEFF572180}"/>
+              </a:ext>
+            </a:extLst>
+          </p:cNvPr>
+          <p:cNvCxnSpPr>
+            <a:cxnSpLocks/>
+            <a:stCxn id="19" idx="1"/>
+            <a:endCxn id="9" idx="3"/>
+          </p:cNvCxnSpPr>
+          <p:nvPr/>
+        </p:nvCxnSpPr>
+        <p:spPr>
+          <a:xfrm flipH="1" flipV="1">
+            <a:off x="2041997" y="3434088"/>
+            <a:ext cx="2905970" cy="4832"/>
+          </a:xfrm>
+          <a:prstGeom prst="straightConnector1">
+            <a:avLst/>
+          </a:prstGeom>
+          <a:ln>
+            <a:tailEnd type="triangle"/>
+          </a:ln>
+        </p:spPr>
+        <p:style>
+          <a:lnRef idx="2">
+            <a:schemeClr val="dk1"/>
+          </a:lnRef>
+          <a:fillRef idx="0">
+            <a:schemeClr val="dk1"/>
+          </a:fillRef>
+          <a:effectRef idx="1">
+            <a:schemeClr val="dk1"/>
+          </a:effectRef>
+          <a:fontRef idx="minor">
+            <a:schemeClr val="tx1"/>
+          </a:fontRef>
+        </p:style>
+      </p:cxnSp>
       <p:grpSp>
         <p:nvGrpSpPr>
-          <p:cNvPr id="3" name="Group 2">
+          <p:cNvPr id="24" name="Group 23">
             <a:extLst>
               <a:ext uri="{FF2B5EF4-FFF2-40B4-BE49-F238E27FC236}">
-                <a16:creationId xmlns:a16="http://schemas.microsoft.com/office/drawing/2014/main" id="{C814F718-C400-433D-95AC-0AE962F95BC8}"/>
+                <a16:creationId xmlns:a16="http://schemas.microsoft.com/office/drawing/2014/main" id="{A70A76B6-3299-4CB0-AE15-6455E1D258C9}"/>
               </a:ext>
             </a:extLst>
           </p:cNvPr>
@@ -4922,18 +5404,18 @@
         </p:nvGrpSpPr>
         <p:grpSpPr>
           <a:xfrm>
-            <a:off x="1858992" y="1944697"/>
-            <a:ext cx="9113807" cy="4099056"/>
-            <a:chOff x="1858992" y="1944697"/>
-            <a:chExt cx="9113807" cy="4099056"/>
+            <a:off x="8222407" y="2093976"/>
+            <a:ext cx="3321170" cy="3921823"/>
+            <a:chOff x="7763772" y="2246060"/>
+            <a:chExt cx="3321170" cy="3921823"/>
           </a:xfrm>
         </p:grpSpPr>
         <p:sp>
           <p:nvSpPr>
-            <p:cNvPr id="8" name="Rectangle: Rounded Corners 7">
+            <p:cNvPr id="20" name="Rectangle: Rounded Corners 19">
               <a:extLst>
                 <a:ext uri="{FF2B5EF4-FFF2-40B4-BE49-F238E27FC236}">
-                  <a16:creationId xmlns:a16="http://schemas.microsoft.com/office/drawing/2014/main" id="{C5E4ED0F-63AF-4D7E-BFFF-21BAC43539EA}"/>
+                  <a16:creationId xmlns:a16="http://schemas.microsoft.com/office/drawing/2014/main" id="{31BCA351-2915-45D4-AF64-D1AC5B341575}"/>
                 </a:ext>
               </a:extLst>
             </p:cNvPr>
@@ -4942,27 +5424,27 @@
           </p:nvSpPr>
           <p:spPr>
             <a:xfrm>
-              <a:off x="1858992" y="2246061"/>
-              <a:ext cx="1365849" cy="615408"/>
+              <a:off x="7763772" y="2246060"/>
+              <a:ext cx="3321170" cy="3921823"/>
             </a:xfrm>
             <a:prstGeom prst="roundRect">
-              <a:avLst/>
+              <a:avLst>
+                <a:gd name="adj" fmla="val 5864"/>
+              </a:avLst>
             </a:prstGeom>
           </p:spPr>
           <p:style>
             <a:lnRef idx="2">
-              <a:schemeClr val="accent5">
-                <a:shade val="50000"/>
-              </a:schemeClr>
+              <a:schemeClr val="accent5"/>
             </a:lnRef>
             <a:fillRef idx="1">
-              <a:schemeClr val="accent5"/>
+              <a:schemeClr val="lt1"/>
             </a:fillRef>
             <a:effectRef idx="0">
               <a:schemeClr val="accent5"/>
             </a:effectRef>
             <a:fontRef idx="minor">
-              <a:schemeClr val="lt1"/>
+              <a:schemeClr val="dk1"/>
             </a:fontRef>
           </p:style>
           <p:txBody>
@@ -4970,111 +5452,7 @@
             <a:lstStyle/>
             <a:p>
               <a:pPr algn="ctr"/>
-              <a:r>
-                <a:rPr lang="en-US" dirty="0"/>
-                <a:t>map</a:t>
-              </a:r>
-              <a:endParaRPr lang="en-IL" dirty="0"/>
-            </a:p>
-          </p:txBody>
-        </p:sp>
-        <p:sp>
-          <p:nvSpPr>
-            <p:cNvPr id="9" name="Rectangle: Rounded Corners 8">
-              <a:extLst>
-                <a:ext uri="{FF2B5EF4-FFF2-40B4-BE49-F238E27FC236}">
-                  <a16:creationId xmlns:a16="http://schemas.microsoft.com/office/drawing/2014/main" id="{DFF4F4AB-8C57-4A76-8AB6-33D9741651B8}"/>
-                </a:ext>
-              </a:extLst>
-            </p:cNvPr>
-            <p:cNvSpPr/>
-            <p:nvPr/>
-          </p:nvSpPr>
-          <p:spPr>
-            <a:xfrm>
-              <a:off x="1858992" y="3091880"/>
-              <a:ext cx="1365849" cy="615408"/>
-            </a:xfrm>
-            <a:prstGeom prst="roundRect">
-              <a:avLst/>
-            </a:prstGeom>
-          </p:spPr>
-          <p:style>
-            <a:lnRef idx="2">
-              <a:schemeClr val="accent5">
-                <a:shade val="50000"/>
-              </a:schemeClr>
-            </a:lnRef>
-            <a:fillRef idx="1">
-              <a:schemeClr val="accent5"/>
-            </a:fillRef>
-            <a:effectRef idx="0">
-              <a:schemeClr val="accent5"/>
-            </a:effectRef>
-            <a:fontRef idx="minor">
-              <a:schemeClr val="lt1"/>
-            </a:fontRef>
-          </p:style>
-          <p:txBody>
-            <a:bodyPr rtlCol="0" anchor="ctr"/>
-            <a:lstStyle/>
-            <a:p>
-              <a:pPr algn="ctr"/>
-              <a:r>
-                <a:rPr lang="en-US" dirty="0"/>
-                <a:t>map2</a:t>
-              </a:r>
-              <a:endParaRPr lang="en-IL" dirty="0"/>
-            </a:p>
-          </p:txBody>
-        </p:sp>
-        <p:sp>
-          <p:nvSpPr>
-            <p:cNvPr id="10" name="Rectangle: Rounded Corners 9">
-              <a:extLst>
-                <a:ext uri="{FF2B5EF4-FFF2-40B4-BE49-F238E27FC236}">
-                  <a16:creationId xmlns:a16="http://schemas.microsoft.com/office/drawing/2014/main" id="{FC6D6DD1-91F8-49FA-8ACA-2EBDC10E2228}"/>
-                </a:ext>
-              </a:extLst>
-            </p:cNvPr>
-            <p:cNvSpPr/>
-            <p:nvPr/>
-          </p:nvSpPr>
-          <p:spPr>
-            <a:xfrm>
-              <a:off x="1858992" y="3942531"/>
-              <a:ext cx="1365849" cy="615408"/>
-            </a:xfrm>
-            <a:prstGeom prst="roundRect">
-              <a:avLst/>
-            </a:prstGeom>
-          </p:spPr>
-          <p:style>
-            <a:lnRef idx="2">
-              <a:schemeClr val="accent5">
-                <a:shade val="50000"/>
-              </a:schemeClr>
-            </a:lnRef>
-            <a:fillRef idx="1">
-              <a:schemeClr val="accent5"/>
-            </a:fillRef>
-            <a:effectRef idx="0">
-              <a:schemeClr val="accent5"/>
-            </a:effectRef>
-            <a:fontRef idx="minor">
-              <a:schemeClr val="lt1"/>
-            </a:fontRef>
-          </p:style>
-          <p:txBody>
-            <a:bodyPr rtlCol="0" anchor="ctr"/>
-            <a:lstStyle/>
-            <a:p>
-              <a:pPr algn="ctr"/>
-              <a:r>
-                <a:rPr lang="en-US" dirty="0" err="1"/>
-                <a:t>pmap</a:t>
-              </a:r>
-              <a:endParaRPr lang="en-IL" dirty="0"/>
+              <a:endParaRPr lang="en-IL"/>
             </a:p>
           </p:txBody>
         </p:sp>
@@ -5092,7 +5470,7 @@
           </p:nvSpPr>
           <p:spPr>
             <a:xfrm>
-              <a:off x="7976558" y="2092510"/>
+              <a:off x="9512057" y="2861469"/>
               <a:ext cx="1365849" cy="615408"/>
             </a:xfrm>
             <a:prstGeom prst="roundRect">
@@ -5122,9 +5500,13 @@
               <a:pPr algn="ctr"/>
               <a:r>
                 <a:rPr lang="en-US" dirty="0" err="1"/>
-                <a:t>map_chr</a:t>
+                <a:t>map_</a:t>
               </a:r>
-              <a:endParaRPr lang="en-IL" dirty="0"/>
+              <a:r>
+                <a:rPr lang="en-US" b="1" dirty="0" err="1"/>
+                <a:t>chr</a:t>
+              </a:r>
+              <a:endParaRPr lang="en-IL" b="1" dirty="0"/>
             </a:p>
           </p:txBody>
         </p:sp>
@@ -5142,7 +5524,7 @@
           </p:nvSpPr>
           <p:spPr>
             <a:xfrm>
-              <a:off x="7976558" y="2828602"/>
+              <a:off x="9512058" y="3747271"/>
               <a:ext cx="1365849" cy="615408"/>
             </a:xfrm>
             <a:prstGeom prst="roundRect">
@@ -5172,9 +5554,13 @@
               <a:pPr algn="ctr"/>
               <a:r>
                 <a:rPr lang="en-US" dirty="0" err="1"/>
-                <a:t>map_dbl</a:t>
+                <a:t>map_</a:t>
               </a:r>
-              <a:endParaRPr lang="en-IL" dirty="0"/>
+              <a:r>
+                <a:rPr lang="en-US" b="1" dirty="0" err="1"/>
+                <a:t>dbl</a:t>
+              </a:r>
+              <a:endParaRPr lang="en-IL" b="1" dirty="0"/>
             </a:p>
           </p:txBody>
         </p:sp>
@@ -5192,7 +5578,7 @@
           </p:nvSpPr>
           <p:spPr>
             <a:xfrm>
-              <a:off x="9606950" y="2828602"/>
+              <a:off x="9512059" y="4628590"/>
               <a:ext cx="1365849" cy="615408"/>
             </a:xfrm>
             <a:prstGeom prst="roundRect">
@@ -5222,9 +5608,13 @@
               <a:pPr algn="ctr"/>
               <a:r>
                 <a:rPr lang="en-US" dirty="0" err="1"/>
-                <a:t>map_int</a:t>
+                <a:t>map_</a:t>
               </a:r>
-              <a:endParaRPr lang="en-IL" dirty="0"/>
+              <a:r>
+                <a:rPr lang="en-US" b="1" dirty="0" err="1"/>
+                <a:t>int</a:t>
+              </a:r>
+              <a:endParaRPr lang="en-IL" b="1" dirty="0"/>
             </a:p>
           </p:txBody>
         </p:sp>
@@ -5272,9 +5662,13 @@
               <a:pPr algn="ctr"/>
               <a:r>
                 <a:rPr lang="en-US" dirty="0" err="1"/>
-                <a:t>map_lgl</a:t>
+                <a:t>map_</a:t>
               </a:r>
-              <a:endParaRPr lang="en-IL" dirty="0"/>
+              <a:r>
+                <a:rPr lang="en-US" b="1" dirty="0" err="1"/>
+                <a:t>lgl</a:t>
+              </a:r>
+              <a:endParaRPr lang="en-IL" b="1" dirty="0"/>
             </a:p>
           </p:txBody>
         </p:sp>
@@ -5322,339 +5716,16 @@
               <a:pPr algn="ctr"/>
               <a:r>
                 <a:rPr lang="en-US" dirty="0" err="1"/>
-                <a:t>map_df</a:t>
+                <a:t>map_</a:t>
               </a:r>
-              <a:endParaRPr lang="en-IL" dirty="0"/>
+              <a:r>
+                <a:rPr lang="en-US" b="1" dirty="0" err="1"/>
+                <a:t>df</a:t>
+              </a:r>
+              <a:endParaRPr lang="en-IL" b="1" dirty="0"/>
             </a:p>
           </p:txBody>
         </p:sp>
-        <p:sp>
-          <p:nvSpPr>
-            <p:cNvPr id="16" name="Rectangle: Rounded Corners 15">
-              <a:extLst>
-                <a:ext uri="{FF2B5EF4-FFF2-40B4-BE49-F238E27FC236}">
-                  <a16:creationId xmlns:a16="http://schemas.microsoft.com/office/drawing/2014/main" id="{1D1C8656-2D5D-47B3-8F63-637A0DEE3041}"/>
-                </a:ext>
-              </a:extLst>
-            </p:cNvPr>
-            <p:cNvSpPr/>
-            <p:nvPr/>
-          </p:nvSpPr>
-          <p:spPr>
-            <a:xfrm>
-              <a:off x="4293079" y="4628590"/>
-              <a:ext cx="1656272" cy="615408"/>
-            </a:xfrm>
-            <a:prstGeom prst="roundRect">
-              <a:avLst/>
-            </a:prstGeom>
-          </p:spPr>
-          <p:style>
-            <a:lnRef idx="2">
-              <a:schemeClr val="accent1">
-                <a:shade val="50000"/>
-              </a:schemeClr>
-            </a:lnRef>
-            <a:fillRef idx="1">
-              <a:schemeClr val="accent1"/>
-            </a:fillRef>
-            <a:effectRef idx="0">
-              <a:schemeClr val="accent1"/>
-            </a:effectRef>
-            <a:fontRef idx="minor">
-              <a:schemeClr val="lt1"/>
-            </a:fontRef>
-          </p:style>
-          <p:txBody>
-            <a:bodyPr rtlCol="0" anchor="ctr"/>
-            <a:lstStyle/>
-            <a:p>
-              <a:pPr algn="ctr"/>
-              <a:r>
-                <a:rPr lang="en-US" dirty="0"/>
-                <a:t>function(x) x</a:t>
-              </a:r>
-              <a:endParaRPr lang="en-IL" dirty="0"/>
-            </a:p>
-          </p:txBody>
-        </p:sp>
-        <p:sp>
-          <p:nvSpPr>
-            <p:cNvPr id="17" name="Rectangle: Rounded Corners 16">
-              <a:extLst>
-                <a:ext uri="{FF2B5EF4-FFF2-40B4-BE49-F238E27FC236}">
-                  <a16:creationId xmlns:a16="http://schemas.microsoft.com/office/drawing/2014/main" id="{879C7F9C-CBDA-43D9-B879-2C31A5D3503E}"/>
-                </a:ext>
-              </a:extLst>
-            </p:cNvPr>
-            <p:cNvSpPr/>
-            <p:nvPr/>
-          </p:nvSpPr>
-          <p:spPr>
-            <a:xfrm>
-              <a:off x="6157823" y="4628590"/>
-              <a:ext cx="733244" cy="615408"/>
-            </a:xfrm>
-            <a:prstGeom prst="roundRect">
-              <a:avLst/>
-            </a:prstGeom>
-          </p:spPr>
-          <p:style>
-            <a:lnRef idx="2">
-              <a:schemeClr val="accent1">
-                <a:shade val="50000"/>
-              </a:schemeClr>
-            </a:lnRef>
-            <a:fillRef idx="1">
-              <a:schemeClr val="accent1"/>
-            </a:fillRef>
-            <a:effectRef idx="0">
-              <a:schemeClr val="accent1"/>
-            </a:effectRef>
-            <a:fontRef idx="minor">
-              <a:schemeClr val="lt1"/>
-            </a:fontRef>
-          </p:style>
-          <p:txBody>
-            <a:bodyPr rtlCol="0" anchor="ctr"/>
-            <a:lstStyle/>
-            <a:p>
-              <a:pPr algn="ctr"/>
-              <a:r>
-                <a:rPr lang="en-US" dirty="0"/>
-                <a:t>~ .x</a:t>
-              </a:r>
-              <a:endParaRPr lang="en-IL" dirty="0"/>
-            </a:p>
-          </p:txBody>
-        </p:sp>
-        <p:sp>
-          <p:nvSpPr>
-            <p:cNvPr id="18" name="Rectangle: Rounded Corners 17">
-              <a:extLst>
-                <a:ext uri="{FF2B5EF4-FFF2-40B4-BE49-F238E27FC236}">
-                  <a16:creationId xmlns:a16="http://schemas.microsoft.com/office/drawing/2014/main" id="{5F430E96-87E6-43E7-8369-41CD2FA6237E}"/>
-                </a:ext>
-              </a:extLst>
-            </p:cNvPr>
-            <p:cNvSpPr/>
-            <p:nvPr/>
-          </p:nvSpPr>
-          <p:spPr>
-            <a:xfrm>
-              <a:off x="4482860" y="5428345"/>
-              <a:ext cx="2296064" cy="615408"/>
-            </a:xfrm>
-            <a:prstGeom prst="roundRect">
-              <a:avLst/>
-            </a:prstGeom>
-          </p:spPr>
-          <p:style>
-            <a:lnRef idx="2">
-              <a:schemeClr val="accent1">
-                <a:shade val="50000"/>
-              </a:schemeClr>
-            </a:lnRef>
-            <a:fillRef idx="1">
-              <a:schemeClr val="accent1"/>
-            </a:fillRef>
-            <a:effectRef idx="0">
-              <a:schemeClr val="accent1"/>
-            </a:effectRef>
-            <a:fontRef idx="minor">
-              <a:schemeClr val="lt1"/>
-            </a:fontRef>
-          </p:style>
-          <p:txBody>
-            <a:bodyPr rtlCol="0" anchor="ctr"/>
-            <a:lstStyle/>
-            <a:p>
-              <a:pPr algn="ctr"/>
-              <a:r>
-                <a:rPr lang="en-US" dirty="0" err="1"/>
-                <a:t>my_func</a:t>
-              </a:r>
-              <a:r>
-                <a:rPr lang="en-US" dirty="0"/>
-                <a:t> &lt;- function(x) {x}</a:t>
-              </a:r>
-              <a:endParaRPr lang="en-IL" dirty="0"/>
-            </a:p>
-          </p:txBody>
-        </p:sp>
-        <p:sp>
-          <p:nvSpPr>
-            <p:cNvPr id="19" name="Rectangle: Rounded Corners 18">
-              <a:extLst>
-                <a:ext uri="{FF2B5EF4-FFF2-40B4-BE49-F238E27FC236}">
-                  <a16:creationId xmlns:a16="http://schemas.microsoft.com/office/drawing/2014/main" id="{B07BEC83-5A2B-4AE2-ACF6-8F9D0D1845F6}"/>
-                </a:ext>
-              </a:extLst>
-            </p:cNvPr>
-            <p:cNvSpPr/>
-            <p:nvPr/>
-          </p:nvSpPr>
-          <p:spPr>
-            <a:xfrm>
-              <a:off x="4947967" y="3131216"/>
-              <a:ext cx="1365849" cy="615408"/>
-            </a:xfrm>
-            <a:prstGeom prst="roundRect">
-              <a:avLst/>
-            </a:prstGeom>
-          </p:spPr>
-          <p:style>
-            <a:lnRef idx="2">
-              <a:schemeClr val="dk1">
-                <a:shade val="50000"/>
-              </a:schemeClr>
-            </a:lnRef>
-            <a:fillRef idx="1">
-              <a:schemeClr val="dk1"/>
-            </a:fillRef>
-            <a:effectRef idx="0">
-              <a:schemeClr val="dk1"/>
-            </a:effectRef>
-            <a:fontRef idx="minor">
-              <a:schemeClr val="lt1"/>
-            </a:fontRef>
-          </p:style>
-          <p:txBody>
-            <a:bodyPr rtlCol="0" anchor="ctr"/>
-            <a:lstStyle/>
-            <a:p>
-              <a:pPr algn="ctr"/>
-              <a:r>
-                <a:rPr lang="en-US" dirty="0" err="1"/>
-                <a:t>purrr</a:t>
-              </a:r>
-              <a:endParaRPr lang="en-IL" dirty="0"/>
-            </a:p>
-          </p:txBody>
-        </p:sp>
-        <p:cxnSp>
-          <p:nvCxnSpPr>
-            <p:cNvPr id="23" name="Straight Arrow Connector 22">
-              <a:extLst>
-                <a:ext uri="{FF2B5EF4-FFF2-40B4-BE49-F238E27FC236}">
-                  <a16:creationId xmlns:a16="http://schemas.microsoft.com/office/drawing/2014/main" id="{0D9A309D-A863-4595-9CC1-F0761695F7E6}"/>
-                </a:ext>
-              </a:extLst>
-            </p:cNvPr>
-            <p:cNvCxnSpPr>
-              <a:stCxn id="19" idx="3"/>
-            </p:cNvCxnSpPr>
-            <p:nvPr/>
-          </p:nvCxnSpPr>
-          <p:spPr>
-            <a:xfrm flipV="1">
-              <a:off x="6313816" y="3414984"/>
-              <a:ext cx="1101968" cy="23936"/>
-            </a:xfrm>
-            <a:prstGeom prst="straightConnector1">
-              <a:avLst/>
-            </a:prstGeom>
-            <a:ln>
-              <a:tailEnd type="triangle"/>
-            </a:ln>
-          </p:spPr>
-          <p:style>
-            <a:lnRef idx="2">
-              <a:schemeClr val="dk1"/>
-            </a:lnRef>
-            <a:fillRef idx="0">
-              <a:schemeClr val="dk1"/>
-            </a:fillRef>
-            <a:effectRef idx="1">
-              <a:schemeClr val="dk1"/>
-            </a:effectRef>
-            <a:fontRef idx="minor">
-              <a:schemeClr val="tx1"/>
-            </a:fontRef>
-          </p:style>
-        </p:cxnSp>
-        <p:cxnSp>
-          <p:nvCxnSpPr>
-            <p:cNvPr id="25" name="Straight Arrow Connector 24">
-              <a:extLst>
-                <a:ext uri="{FF2B5EF4-FFF2-40B4-BE49-F238E27FC236}">
-                  <a16:creationId xmlns:a16="http://schemas.microsoft.com/office/drawing/2014/main" id="{41C9F6EB-70FD-43BB-AC23-96677DEBD827}"/>
-                </a:ext>
-              </a:extLst>
-            </p:cNvPr>
-            <p:cNvCxnSpPr>
-              <a:stCxn id="19" idx="2"/>
-            </p:cNvCxnSpPr>
-            <p:nvPr/>
-          </p:nvCxnSpPr>
-          <p:spPr>
-            <a:xfrm flipH="1">
-              <a:off x="5630891" y="3746624"/>
-              <a:ext cx="1" cy="502425"/>
-            </a:xfrm>
-            <a:prstGeom prst="straightConnector1">
-              <a:avLst/>
-            </a:prstGeom>
-            <a:ln>
-              <a:tailEnd type="triangle"/>
-            </a:ln>
-          </p:spPr>
-          <p:style>
-            <a:lnRef idx="2">
-              <a:schemeClr val="dk1"/>
-            </a:lnRef>
-            <a:fillRef idx="0">
-              <a:schemeClr val="dk1"/>
-            </a:fillRef>
-            <a:effectRef idx="1">
-              <a:schemeClr val="dk1"/>
-            </a:effectRef>
-            <a:fontRef idx="minor">
-              <a:schemeClr val="tx1"/>
-            </a:fontRef>
-          </p:style>
-        </p:cxnSp>
-        <p:cxnSp>
-          <p:nvCxnSpPr>
-            <p:cNvPr id="27" name="Straight Arrow Connector 26">
-              <a:extLst>
-                <a:ext uri="{FF2B5EF4-FFF2-40B4-BE49-F238E27FC236}">
-                  <a16:creationId xmlns:a16="http://schemas.microsoft.com/office/drawing/2014/main" id="{5A1F5631-8B1D-4363-9DF7-96DEFF572180}"/>
-                </a:ext>
-              </a:extLst>
-            </p:cNvPr>
-            <p:cNvCxnSpPr>
-              <a:stCxn id="19" idx="1"/>
-            </p:cNvCxnSpPr>
-            <p:nvPr/>
-          </p:nvCxnSpPr>
-          <p:spPr>
-            <a:xfrm flipH="1" flipV="1">
-              <a:off x="3838755" y="3429000"/>
-              <a:ext cx="1109212" cy="9920"/>
-            </a:xfrm>
-            <a:prstGeom prst="straightConnector1">
-              <a:avLst/>
-            </a:prstGeom>
-            <a:ln>
-              <a:tailEnd type="triangle"/>
-            </a:ln>
-          </p:spPr>
-          <p:style>
-            <a:lnRef idx="2">
-              <a:schemeClr val="dk1"/>
-            </a:lnRef>
-            <a:fillRef idx="0">
-              <a:schemeClr val="dk1"/>
-            </a:fillRef>
-            <a:effectRef idx="1">
-              <a:schemeClr val="dk1"/>
-            </a:effectRef>
-            <a:fontRef idx="minor">
-              <a:schemeClr val="tx1"/>
-            </a:fontRef>
-          </p:style>
-        </p:cxnSp>
         <p:sp>
           <p:nvSpPr>
             <p:cNvPr id="28" name="Rectangle: Rounded Corners 27">
@@ -5669,7 +5740,7 @@
           </p:nvSpPr>
           <p:spPr>
             <a:xfrm>
-              <a:off x="4947966" y="1944697"/>
+              <a:off x="7959305" y="2876456"/>
               <a:ext cx="1365849" cy="615408"/>
             </a:xfrm>
             <a:prstGeom prst="roundRect">
@@ -5677,17 +5748,17 @@
             </a:prstGeom>
           </p:spPr>
           <p:style>
-            <a:lnRef idx="3">
-              <a:schemeClr val="lt1"/>
+            <a:lnRef idx="2">
+              <a:schemeClr val="dk1"/>
             </a:lnRef>
             <a:fillRef idx="1">
-              <a:schemeClr val="accent6"/>
+              <a:schemeClr val="lt1"/>
             </a:fillRef>
-            <a:effectRef idx="1">
-              <a:schemeClr val="accent6"/>
+            <a:effectRef idx="0">
+              <a:schemeClr val="dk1"/>
             </a:effectRef>
             <a:fontRef idx="minor">
-              <a:schemeClr val="lt1"/>
+              <a:schemeClr val="dk1"/>
             </a:fontRef>
           </p:style>
           <p:txBody>
@@ -5703,49 +5774,201 @@
             </a:p>
           </p:txBody>
         </p:sp>
-        <p:cxnSp>
-          <p:nvCxnSpPr>
-            <p:cNvPr id="30" name="Straight Arrow Connector 29">
+        <p:sp>
+          <p:nvSpPr>
+            <p:cNvPr id="29" name="Rectangle: Rounded Corners 28">
               <a:extLst>
                 <a:ext uri="{FF2B5EF4-FFF2-40B4-BE49-F238E27FC236}">
-                  <a16:creationId xmlns:a16="http://schemas.microsoft.com/office/drawing/2014/main" id="{C284D696-6F4D-47C0-B5F5-420C818164CE}"/>
+                  <a16:creationId xmlns:a16="http://schemas.microsoft.com/office/drawing/2014/main" id="{BD3C19E0-E7D2-44A7-9448-1B840B7D5183}"/>
                 </a:ext>
               </a:extLst>
             </p:cNvPr>
-            <p:cNvCxnSpPr>
-              <a:stCxn id="19" idx="0"/>
-              <a:endCxn id="28" idx="2"/>
-            </p:cNvCxnSpPr>
+            <p:cNvSpPr/>
             <p:nvPr/>
-          </p:nvCxnSpPr>
+          </p:nvSpPr>
           <p:spPr>
-            <a:xfrm flipH="1" flipV="1">
-              <a:off x="5630891" y="2560105"/>
-              <a:ext cx="1" cy="571111"/>
+            <a:xfrm>
+              <a:off x="7976558" y="5390225"/>
+              <a:ext cx="1365849" cy="615408"/>
             </a:xfrm>
-            <a:prstGeom prst="straightConnector1">
+            <a:prstGeom prst="roundRect">
               <a:avLst/>
             </a:prstGeom>
-            <a:ln>
-              <a:tailEnd type="triangle"/>
-            </a:ln>
           </p:spPr>
           <p:style>
             <a:lnRef idx="2">
-              <a:schemeClr val="dk1"/>
+              <a:schemeClr val="accent2">
+                <a:shade val="50000"/>
+              </a:schemeClr>
             </a:lnRef>
-            <a:fillRef idx="0">
-              <a:schemeClr val="dk1"/>
+            <a:fillRef idx="1">
+              <a:schemeClr val="accent2"/>
             </a:fillRef>
-            <a:effectRef idx="1">
-              <a:schemeClr val="dk1"/>
+            <a:effectRef idx="0">
+              <a:schemeClr val="accent2"/>
             </a:effectRef>
             <a:fontRef idx="minor">
-              <a:schemeClr val="tx1"/>
+              <a:schemeClr val="lt1"/>
             </a:fontRef>
           </p:style>
-        </p:cxnSp>
+          <p:txBody>
+            <a:bodyPr rtlCol="0" anchor="ctr"/>
+            <a:lstStyle/>
+            <a:p>
+              <a:pPr algn="ctr"/>
+              <a:r>
+                <a:rPr lang="en-US" dirty="0"/>
+                <a:t>map</a:t>
+              </a:r>
+              <a:endParaRPr lang="en-IL" dirty="0"/>
+            </a:p>
+          </p:txBody>
+        </p:sp>
+        <p:sp>
+          <p:nvSpPr>
+            <p:cNvPr id="21" name="TextBox 20">
+              <a:extLst>
+                <a:ext uri="{FF2B5EF4-FFF2-40B4-BE49-F238E27FC236}">
+                  <a16:creationId xmlns:a16="http://schemas.microsoft.com/office/drawing/2014/main" id="{475DD93D-BD92-493B-851D-8F770DEAAB82}"/>
+                </a:ext>
+              </a:extLst>
+            </p:cNvPr>
+            <p:cNvSpPr txBox="1"/>
+            <p:nvPr/>
+          </p:nvSpPr>
+          <p:spPr>
+            <a:xfrm>
+              <a:off x="7954243" y="2300500"/>
+              <a:ext cx="2940228" cy="369332"/>
+            </a:xfrm>
+            <a:prstGeom prst="rect">
+              <a:avLst/>
+            </a:prstGeom>
+            <a:noFill/>
+          </p:spPr>
+          <p:txBody>
+            <a:bodyPr wrap="none" rtlCol="0">
+              <a:spAutoFit/>
+            </a:bodyPr>
+            <a:lstStyle/>
+            <a:p>
+              <a:r>
+                <a:rPr lang="en-US" dirty="0"/>
+                <a:t>Objects that you can get</a:t>
+              </a:r>
+              <a:endParaRPr lang="en-IL" dirty="0"/>
+            </a:p>
+          </p:txBody>
+        </p:sp>
       </p:grpSp>
+      <p:sp>
+        <p:nvSpPr>
+          <p:cNvPr id="26" name="TextBox 25">
+            <a:extLst>
+              <a:ext uri="{FF2B5EF4-FFF2-40B4-BE49-F238E27FC236}">
+                <a16:creationId xmlns:a16="http://schemas.microsoft.com/office/drawing/2014/main" id="{5BA72C67-B0FD-4498-8C63-A2231099EA30}"/>
+              </a:ext>
+            </a:extLst>
+          </p:cNvPr>
+          <p:cNvSpPr txBox="1"/>
+          <p:nvPr/>
+        </p:nvSpPr>
+        <p:spPr>
+          <a:xfrm>
+            <a:off x="2226080" y="3099450"/>
+            <a:ext cx="2829363" cy="646331"/>
+          </a:xfrm>
+          <a:prstGeom prst="rect">
+            <a:avLst/>
+          </a:prstGeom>
+          <a:noFill/>
+        </p:spPr>
+        <p:txBody>
+          <a:bodyPr wrap="square" rtlCol="0">
+            <a:spAutoFit/>
+          </a:bodyPr>
+          <a:lstStyle/>
+          <a:p>
+            <a:r>
+              <a:rPr lang="en-US" dirty="0"/>
+              <a:t>Can iterate on objects of varying size</a:t>
+            </a:r>
+            <a:endParaRPr lang="en-IL" dirty="0"/>
+          </a:p>
+        </p:txBody>
+      </p:sp>
+      <p:sp>
+        <p:nvSpPr>
+          <p:cNvPr id="32" name="TextBox 31">
+            <a:extLst>
+              <a:ext uri="{FF2B5EF4-FFF2-40B4-BE49-F238E27FC236}">
+                <a16:creationId xmlns:a16="http://schemas.microsoft.com/office/drawing/2014/main" id="{18E4F285-8D35-485D-9A57-0818749DBDF8}"/>
+              </a:ext>
+            </a:extLst>
+          </p:cNvPr>
+          <p:cNvSpPr txBox="1"/>
+          <p:nvPr/>
+        </p:nvSpPr>
+        <p:spPr>
+          <a:xfrm>
+            <a:off x="6427183" y="3099450"/>
+            <a:ext cx="1424079" cy="369332"/>
+          </a:xfrm>
+          <a:prstGeom prst="rect">
+            <a:avLst/>
+          </a:prstGeom>
+          <a:noFill/>
+        </p:spPr>
+        <p:txBody>
+          <a:bodyPr wrap="square" rtlCol="0">
+            <a:spAutoFit/>
+          </a:bodyPr>
+          <a:lstStyle/>
+          <a:p>
+            <a:r>
+              <a:rPr lang="en-US" dirty="0"/>
+              <a:t>Return a…</a:t>
+            </a:r>
+            <a:endParaRPr lang="en-IL" dirty="0"/>
+          </a:p>
+        </p:txBody>
+      </p:sp>
+      <p:sp>
+        <p:nvSpPr>
+          <p:cNvPr id="33" name="TextBox 32">
+            <a:extLst>
+              <a:ext uri="{FF2B5EF4-FFF2-40B4-BE49-F238E27FC236}">
+                <a16:creationId xmlns:a16="http://schemas.microsoft.com/office/drawing/2014/main" id="{AC962A59-25E4-4BF7-B9B5-D9A7D88C1375}"/>
+              </a:ext>
+            </a:extLst>
+          </p:cNvPr>
+          <p:cNvSpPr txBox="1"/>
+          <p:nvPr/>
+        </p:nvSpPr>
+        <p:spPr>
+          <a:xfrm>
+            <a:off x="4002658" y="4196033"/>
+            <a:ext cx="3254588" cy="369332"/>
+          </a:xfrm>
+          <a:prstGeom prst="rect">
+            <a:avLst/>
+          </a:prstGeom>
+          <a:noFill/>
+        </p:spPr>
+        <p:txBody>
+          <a:bodyPr wrap="square" rtlCol="0">
+            <a:spAutoFit/>
+          </a:bodyPr>
+          <a:lstStyle/>
+          <a:p>
+            <a:r>
+              <a:rPr lang="en-US" dirty="0"/>
+              <a:t>By defining a function like:</a:t>
+            </a:r>
+            <a:endParaRPr lang="en-IL" dirty="0"/>
+          </a:p>
+        </p:txBody>
+      </p:sp>
     </p:spTree>
     <p:extLst>
       <p:ext uri="{BB962C8B-B14F-4D97-AF65-F5344CB8AC3E}">

--- a/lecture/Purr - tidyverse iterations.pptx
+++ b/lecture/Purr - tidyverse iterations.pptx
@@ -9,11 +9,11 @@
   </p:notesMasterIdLst>
   <p:sldIdLst>
     <p:sldId id="256" r:id="rId2"/>
-    <p:sldId id="257" r:id="rId3"/>
-    <p:sldId id="258" r:id="rId4"/>
-    <p:sldId id="259" r:id="rId5"/>
-    <p:sldId id="260" r:id="rId6"/>
-    <p:sldId id="261" r:id="rId7"/>
+    <p:sldId id="258" r:id="rId3"/>
+    <p:sldId id="259" r:id="rId4"/>
+    <p:sldId id="260" r:id="rId5"/>
+    <p:sldId id="261" r:id="rId6"/>
+    <p:sldId id="257" r:id="rId7"/>
     <p:sldId id="262" r:id="rId8"/>
     <p:sldId id="263" r:id="rId9"/>
     <p:sldId id="264" r:id="rId10"/>
@@ -220,7 +220,7 @@
           <a:p>
             <a:fld id="{5C93CA8F-50F8-44B5-B48F-4C4452AC4FCB}" type="datetimeFigureOut">
               <a:rPr lang="he-IL" smtClean="0"/>
-              <a:t>י'/סיון/תשע"ט</a:t>
+              <a:t>י"ח/סיון/תשע"ט</a:t>
             </a:fld>
             <a:endParaRPr lang="he-IL"/>
           </a:p>
@@ -6922,6 +6922,1127 @@
           <p:cNvPr id="2" name="Title 1">
             <a:extLst>
               <a:ext uri="{FF2B5EF4-FFF2-40B4-BE49-F238E27FC236}">
+                <a16:creationId xmlns:a16="http://schemas.microsoft.com/office/drawing/2014/main" id="{A2992973-ABCE-4744-94FF-8CEE1D8BFF8F}"/>
+              </a:ext>
+            </a:extLst>
+          </p:cNvPr>
+          <p:cNvSpPr>
+            <a:spLocks noGrp="1"/>
+          </p:cNvSpPr>
+          <p:nvPr>
+            <p:ph type="title"/>
+          </p:nvPr>
+        </p:nvSpPr>
+        <p:spPr/>
+        <p:txBody>
+          <a:bodyPr/>
+          <a:lstStyle/>
+          <a:p>
+            <a:r>
+              <a:rPr lang="en-US" dirty="0"/>
+              <a:t>Why </a:t>
+            </a:r>
+            <a:r>
+              <a:rPr lang="en-US" dirty="0" err="1"/>
+              <a:t>purrr</a:t>
+            </a:r>
+            <a:r>
+              <a:rPr lang="en-US" dirty="0"/>
+              <a:t>? </a:t>
+            </a:r>
+            <a:br>
+              <a:rPr lang="en-US" dirty="0"/>
+            </a:br>
+            <a:r>
+              <a:rPr lang="en-US" dirty="0"/>
+              <a:t>What is functional programming?</a:t>
+            </a:r>
+            <a:endParaRPr lang="en-IL" dirty="0"/>
+          </a:p>
+        </p:txBody>
+      </p:sp>
+      <p:sp>
+        <p:nvSpPr>
+          <p:cNvPr id="3" name="Content Placeholder 2">
+            <a:extLst>
+              <a:ext uri="{FF2B5EF4-FFF2-40B4-BE49-F238E27FC236}">
+                <a16:creationId xmlns:a16="http://schemas.microsoft.com/office/drawing/2014/main" id="{3D32442E-0F4D-4FDE-8312-B884AB1A08A6}"/>
+              </a:ext>
+            </a:extLst>
+          </p:cNvPr>
+          <p:cNvSpPr>
+            <a:spLocks noGrp="1"/>
+          </p:cNvSpPr>
+          <p:nvPr>
+            <p:ph idx="1"/>
+          </p:nvPr>
+        </p:nvSpPr>
+        <p:spPr/>
+        <p:txBody>
+          <a:bodyPr>
+            <a:normAutofit lnSpcReduction="10000"/>
+          </a:bodyPr>
+          <a:lstStyle/>
+          <a:p>
+            <a:r>
+              <a:rPr lang="en-US" sz="2400" dirty="0"/>
+              <a:t>“</a:t>
+            </a:r>
+            <a:r>
+              <a:rPr lang="en-US" sz="2400" i="1" dirty="0" err="1"/>
+              <a:t>purrr</a:t>
+            </a:r>
+            <a:r>
+              <a:rPr lang="en-US" sz="2400" i="1" dirty="0"/>
+              <a:t> enhances R’s functional programming (FP) toolkit by providing a complete and consistent set of tools for working with functions and vectors</a:t>
+            </a:r>
+            <a:r>
+              <a:rPr lang="en-US" sz="2400" dirty="0"/>
+              <a:t>”</a:t>
+            </a:r>
+          </a:p>
+          <a:p>
+            <a:pPr lvl="1"/>
+            <a:r>
+              <a:rPr lang="en-US" sz="2000" dirty="0" err="1"/>
+              <a:t>purrr’s</a:t>
+            </a:r>
+            <a:r>
+              <a:rPr lang="en-US" sz="2000" dirty="0"/>
+              <a:t> overview (</a:t>
+            </a:r>
+            <a:r>
+              <a:rPr lang="en-US" sz="2000" dirty="0">
+                <a:hlinkClick r:id="rId2"/>
+              </a:rPr>
+              <a:t>https://purrr.tidyverse.org/</a:t>
+            </a:r>
+            <a:r>
+              <a:rPr lang="en-US" sz="2000" dirty="0"/>
+              <a:t>)</a:t>
+            </a:r>
+            <a:endParaRPr lang="en-US" sz="2000" i="1" dirty="0"/>
+          </a:p>
+          <a:p>
+            <a:r>
+              <a:rPr lang="en-US" sz="2200" dirty="0"/>
+              <a:t>What makes a programming language “</a:t>
+            </a:r>
+            <a:r>
+              <a:rPr lang="en-US" sz="2200" i="1" dirty="0"/>
+              <a:t>functional</a:t>
+            </a:r>
+            <a:r>
+              <a:rPr lang="en-US" sz="2200" dirty="0"/>
+              <a:t>”?</a:t>
+            </a:r>
+          </a:p>
+          <a:p>
+            <a:pPr lvl="1"/>
+            <a:r>
+              <a:rPr lang="en-US" sz="2000" dirty="0"/>
+              <a:t>Functions behave like any other data structure (e.g. you can “pass them” as a variable)</a:t>
+            </a:r>
+          </a:p>
+          <a:p>
+            <a:pPr lvl="1"/>
+            <a:r>
+              <a:rPr lang="en-US" sz="2000" dirty="0"/>
+              <a:t>Functions are </a:t>
+            </a:r>
+            <a:r>
+              <a:rPr lang="en-US" sz="2000" i="1" dirty="0"/>
+              <a:t>pure</a:t>
+            </a:r>
+            <a:endParaRPr lang="en-US" sz="2000" dirty="0"/>
+          </a:p>
+          <a:p>
+            <a:pPr lvl="2"/>
+            <a:r>
+              <a:rPr lang="en-US" sz="1800" dirty="0"/>
+              <a:t>Output depends only on input (consistent), i.e., </a:t>
+            </a:r>
+            <a:r>
+              <a:rPr lang="en-US" sz="1800" dirty="0" err="1"/>
+              <a:t>runif</a:t>
+            </a:r>
+            <a:r>
+              <a:rPr lang="en-US" sz="1800" dirty="0"/>
+              <a:t>(), </a:t>
+            </a:r>
+            <a:r>
+              <a:rPr lang="en-US" sz="1800" dirty="0" err="1"/>
+              <a:t>read_csv</a:t>
+            </a:r>
+            <a:r>
+              <a:rPr lang="en-US" sz="1800" dirty="0"/>
+              <a:t>(), </a:t>
+            </a:r>
+            <a:r>
+              <a:rPr lang="en-US" sz="1800" dirty="0" err="1"/>
+              <a:t>Sys.time</a:t>
+            </a:r>
+            <a:r>
+              <a:rPr lang="en-US" sz="1800" dirty="0"/>
+              <a:t>() are not pure</a:t>
+            </a:r>
+          </a:p>
+          <a:p>
+            <a:pPr lvl="2"/>
+            <a:r>
+              <a:rPr lang="en-US" sz="1800" dirty="0"/>
+              <a:t>No side-effects (e.g., not changing global variables or writing to a file)</a:t>
+            </a:r>
+          </a:p>
+          <a:p>
+            <a:pPr lvl="2"/>
+            <a:r>
+              <a:rPr lang="en-US" sz="1800" dirty="0"/>
+              <a:t>Hence, R is not entirely “</a:t>
+            </a:r>
+            <a:r>
+              <a:rPr lang="en-US" sz="1800" i="1" dirty="0"/>
+              <a:t>functional</a:t>
+            </a:r>
+            <a:r>
+              <a:rPr lang="en-US" sz="1800" dirty="0"/>
+              <a:t>” but adopts some elements</a:t>
+            </a:r>
+          </a:p>
+          <a:p>
+            <a:pPr lvl="1"/>
+            <a:endParaRPr lang="en-IL" sz="2000" dirty="0"/>
+          </a:p>
+        </p:txBody>
+      </p:sp>
+      <p:sp>
+        <p:nvSpPr>
+          <p:cNvPr id="4" name="Footer Placeholder 3">
+            <a:extLst>
+              <a:ext uri="{FF2B5EF4-FFF2-40B4-BE49-F238E27FC236}">
+                <a16:creationId xmlns:a16="http://schemas.microsoft.com/office/drawing/2014/main" id="{49478C39-79FE-43DB-B774-2DA03F700A33}"/>
+              </a:ext>
+            </a:extLst>
+          </p:cNvPr>
+          <p:cNvSpPr>
+            <a:spLocks noGrp="1"/>
+          </p:cNvSpPr>
+          <p:nvPr>
+            <p:ph type="ftr" sz="quarter" idx="11"/>
+          </p:nvPr>
+        </p:nvSpPr>
+        <p:spPr/>
+        <p:txBody>
+          <a:bodyPr/>
+          <a:lstStyle/>
+          <a:p>
+            <a:r>
+              <a:rPr lang="en-US"/>
+              <a:t>Materials by Adi Sarid https://adisarid.github.io and http://www.sarid-ins.com</a:t>
+            </a:r>
+            <a:endParaRPr lang="en-US" dirty="0"/>
+          </a:p>
+        </p:txBody>
+      </p:sp>
+      <p:sp>
+        <p:nvSpPr>
+          <p:cNvPr id="5" name="Slide Number Placeholder 4">
+            <a:extLst>
+              <a:ext uri="{FF2B5EF4-FFF2-40B4-BE49-F238E27FC236}">
+                <a16:creationId xmlns:a16="http://schemas.microsoft.com/office/drawing/2014/main" id="{DAB25C23-1D89-4AA2-998E-F7B9F0C35768}"/>
+              </a:ext>
+            </a:extLst>
+          </p:cNvPr>
+          <p:cNvSpPr>
+            <a:spLocks noGrp="1"/>
+          </p:cNvSpPr>
+          <p:nvPr>
+            <p:ph type="sldNum" sz="quarter" idx="12"/>
+          </p:nvPr>
+        </p:nvSpPr>
+        <p:spPr/>
+        <p:txBody>
+          <a:bodyPr/>
+          <a:lstStyle/>
+          <a:p>
+            <a:fld id="{4FAB73BC-B049-4115-A692-8D63A059BFB8}" type="slidenum">
+              <a:rPr lang="en-US" smtClean="0"/>
+              <a:t>2</a:t>
+            </a:fld>
+            <a:endParaRPr lang="en-US" dirty="0"/>
+          </a:p>
+        </p:txBody>
+      </p:sp>
+    </p:spTree>
+    <p:extLst>
+      <p:ext uri="{BB962C8B-B14F-4D97-AF65-F5344CB8AC3E}">
+        <p14:creationId xmlns:p14="http://schemas.microsoft.com/office/powerpoint/2010/main" val="800250464"/>
+      </p:ext>
+    </p:extLst>
+  </p:cSld>
+  <p:clrMapOvr>
+    <a:masterClrMapping/>
+  </p:clrMapOvr>
+</p:sld>
+</file>
+
+<file path=ppt/slides/slide3.xml><?xml version="1.0" encoding="utf-8"?>
+<p:sld xmlns:a="http://schemas.openxmlformats.org/drawingml/2006/main" xmlns:r="http://schemas.openxmlformats.org/officeDocument/2006/relationships" xmlns:p="http://schemas.openxmlformats.org/presentationml/2006/main">
+  <p:cSld>
+    <p:spTree>
+      <p:nvGrpSpPr>
+        <p:cNvPr id="1" name=""/>
+        <p:cNvGrpSpPr/>
+        <p:nvPr/>
+      </p:nvGrpSpPr>
+      <p:grpSpPr>
+        <a:xfrm>
+          <a:off x="0" y="0"/>
+          <a:ext cx="0" cy="0"/>
+          <a:chOff x="0" y="0"/>
+          <a:chExt cx="0" cy="0"/>
+        </a:xfrm>
+      </p:grpSpPr>
+      <p:sp>
+        <p:nvSpPr>
+          <p:cNvPr id="2" name="Title 1">
+            <a:extLst>
+              <a:ext uri="{FF2B5EF4-FFF2-40B4-BE49-F238E27FC236}">
+                <a16:creationId xmlns:a16="http://schemas.microsoft.com/office/drawing/2014/main" id="{89180BCA-BF5C-441D-9DDD-F8A913063388}"/>
+              </a:ext>
+            </a:extLst>
+          </p:cNvPr>
+          <p:cNvSpPr>
+            <a:spLocks noGrp="1"/>
+          </p:cNvSpPr>
+          <p:nvPr>
+            <p:ph type="title"/>
+          </p:nvPr>
+        </p:nvSpPr>
+        <p:spPr/>
+        <p:txBody>
+          <a:bodyPr/>
+          <a:lstStyle/>
+          <a:p>
+            <a:r>
+              <a:rPr lang="en-US" dirty="0"/>
+              <a:t>A functional</a:t>
+            </a:r>
+            <a:endParaRPr lang="en-IL" dirty="0"/>
+          </a:p>
+        </p:txBody>
+      </p:sp>
+      <p:sp>
+        <p:nvSpPr>
+          <p:cNvPr id="3" name="Content Placeholder 2">
+            <a:extLst>
+              <a:ext uri="{FF2B5EF4-FFF2-40B4-BE49-F238E27FC236}">
+                <a16:creationId xmlns:a16="http://schemas.microsoft.com/office/drawing/2014/main" id="{5B037B4C-714F-4C6C-BB15-C878FDAC84D9}"/>
+              </a:ext>
+            </a:extLst>
+          </p:cNvPr>
+          <p:cNvSpPr>
+            <a:spLocks noGrp="1"/>
+          </p:cNvSpPr>
+          <p:nvPr>
+            <p:ph idx="1"/>
+          </p:nvPr>
+        </p:nvSpPr>
+        <p:spPr/>
+        <p:txBody>
+          <a:bodyPr/>
+          <a:lstStyle/>
+          <a:p>
+            <a:r>
+              <a:rPr lang="en-US" dirty="0"/>
+              <a:t>Functional is a function that takes a function as an input and returns a vector as an output (like in math), e.g.:</a:t>
+            </a:r>
+          </a:p>
+          <a:p>
+            <a:pPr marL="0" indent="0">
+              <a:buNone/>
+            </a:pPr>
+            <a:r>
+              <a:rPr lang="en-US" dirty="0">
+                <a:latin typeface="Courier New" panose="02070309020205020404" pitchFamily="49" charset="0"/>
+                <a:cs typeface="Courier New" panose="02070309020205020404" pitchFamily="49" charset="0"/>
+              </a:rPr>
+              <a:t>randomize &lt;- function(f) f(</a:t>
+            </a:r>
+            <a:r>
+              <a:rPr lang="en-US" dirty="0" err="1">
+                <a:latin typeface="Courier New" panose="02070309020205020404" pitchFamily="49" charset="0"/>
+                <a:cs typeface="Courier New" panose="02070309020205020404" pitchFamily="49" charset="0"/>
+              </a:rPr>
+              <a:t>runif</a:t>
+            </a:r>
+            <a:r>
+              <a:rPr lang="en-US" dirty="0">
+                <a:latin typeface="Courier New" panose="02070309020205020404" pitchFamily="49" charset="0"/>
+                <a:cs typeface="Courier New" panose="02070309020205020404" pitchFamily="49" charset="0"/>
+              </a:rPr>
+              <a:t>(1e3))</a:t>
+            </a:r>
+          </a:p>
+          <a:p>
+            <a:pPr marL="0" indent="0">
+              <a:buNone/>
+            </a:pPr>
+            <a:r>
+              <a:rPr lang="en-US" dirty="0">
+                <a:latin typeface="Courier New" panose="02070309020205020404" pitchFamily="49" charset="0"/>
+                <a:cs typeface="Courier New" panose="02070309020205020404" pitchFamily="49" charset="0"/>
+              </a:rPr>
+              <a:t>randomize(mean)</a:t>
+            </a:r>
+          </a:p>
+          <a:p>
+            <a:pPr marL="0" indent="0">
+              <a:buNone/>
+            </a:pPr>
+            <a:r>
+              <a:rPr lang="en-US" dirty="0">
+                <a:latin typeface="Courier New" panose="02070309020205020404" pitchFamily="49" charset="0"/>
+                <a:cs typeface="Courier New" panose="02070309020205020404" pitchFamily="49" charset="0"/>
+              </a:rPr>
+              <a:t>randomize(</a:t>
+            </a:r>
+            <a:r>
+              <a:rPr lang="en-US" dirty="0" err="1">
+                <a:latin typeface="Courier New" panose="02070309020205020404" pitchFamily="49" charset="0"/>
+                <a:cs typeface="Courier New" panose="02070309020205020404" pitchFamily="49" charset="0"/>
+              </a:rPr>
+              <a:t>sd</a:t>
+            </a:r>
+            <a:r>
+              <a:rPr lang="en-US" dirty="0">
+                <a:latin typeface="Courier New" panose="02070309020205020404" pitchFamily="49" charset="0"/>
+                <a:cs typeface="Courier New" panose="02070309020205020404" pitchFamily="49" charset="0"/>
+              </a:rPr>
+              <a:t>)</a:t>
+            </a:r>
+          </a:p>
+          <a:p>
+            <a:pPr marL="0" indent="0">
+              <a:buNone/>
+            </a:pPr>
+            <a:r>
+              <a:rPr lang="en-US" dirty="0">
+                <a:latin typeface="Courier New" panose="02070309020205020404" pitchFamily="49" charset="0"/>
+                <a:cs typeface="Courier New" panose="02070309020205020404" pitchFamily="49" charset="0"/>
+              </a:rPr>
+              <a:t>randomize(plot)</a:t>
+            </a:r>
+          </a:p>
+          <a:p>
+            <a:pPr marL="0" indent="0">
+              <a:buNone/>
+            </a:pPr>
+            <a:r>
+              <a:rPr lang="en-US" dirty="0">
+                <a:latin typeface="Courier New" panose="02070309020205020404" pitchFamily="49" charset="0"/>
+                <a:cs typeface="Courier New" panose="02070309020205020404" pitchFamily="49" charset="0"/>
+              </a:rPr>
+              <a:t>integrate(sin, lower = 0, upper = pi/2)</a:t>
+            </a:r>
+          </a:p>
+          <a:p>
+            <a:pPr marL="0" indent="0">
+              <a:buNone/>
+            </a:pPr>
+            <a:r>
+              <a:rPr lang="en-US" dirty="0">
+                <a:latin typeface="Courier New" panose="02070309020205020404" pitchFamily="49" charset="0"/>
+                <a:cs typeface="Courier New" panose="02070309020205020404" pitchFamily="49" charset="0"/>
+              </a:rPr>
+              <a:t>map, </a:t>
+            </a:r>
+            <a:r>
+              <a:rPr lang="en-US" dirty="0" err="1">
+                <a:latin typeface="Courier New" panose="02070309020205020404" pitchFamily="49" charset="0"/>
+                <a:cs typeface="Courier New" panose="02070309020205020404" pitchFamily="49" charset="0"/>
+              </a:rPr>
+              <a:t>lapply</a:t>
+            </a:r>
+            <a:r>
+              <a:rPr lang="en-US" dirty="0">
+                <a:latin typeface="Courier New" panose="02070309020205020404" pitchFamily="49" charset="0"/>
+                <a:cs typeface="Courier New" panose="02070309020205020404" pitchFamily="49" charset="0"/>
+              </a:rPr>
+              <a:t>, apply,…</a:t>
+            </a:r>
+            <a:endParaRPr lang="en-IL" dirty="0">
+              <a:latin typeface="Courier New" panose="02070309020205020404" pitchFamily="49" charset="0"/>
+              <a:cs typeface="Courier New" panose="02070309020205020404" pitchFamily="49" charset="0"/>
+            </a:endParaRPr>
+          </a:p>
+        </p:txBody>
+      </p:sp>
+      <p:sp>
+        <p:nvSpPr>
+          <p:cNvPr id="4" name="Footer Placeholder 3">
+            <a:extLst>
+              <a:ext uri="{FF2B5EF4-FFF2-40B4-BE49-F238E27FC236}">
+                <a16:creationId xmlns:a16="http://schemas.microsoft.com/office/drawing/2014/main" id="{E5513B86-F51A-4AD7-9D59-4E73D9692F17}"/>
+              </a:ext>
+            </a:extLst>
+          </p:cNvPr>
+          <p:cNvSpPr>
+            <a:spLocks noGrp="1"/>
+          </p:cNvSpPr>
+          <p:nvPr>
+            <p:ph type="ftr" sz="quarter" idx="11"/>
+          </p:nvPr>
+        </p:nvSpPr>
+        <p:spPr/>
+        <p:txBody>
+          <a:bodyPr/>
+          <a:lstStyle/>
+          <a:p>
+            <a:r>
+              <a:rPr lang="en-US"/>
+              <a:t>Materials by Adi Sarid https://adisarid.github.io and http://www.sarid-ins.com</a:t>
+            </a:r>
+            <a:endParaRPr lang="en-US" dirty="0"/>
+          </a:p>
+        </p:txBody>
+      </p:sp>
+      <p:sp>
+        <p:nvSpPr>
+          <p:cNvPr id="5" name="Slide Number Placeholder 4">
+            <a:extLst>
+              <a:ext uri="{FF2B5EF4-FFF2-40B4-BE49-F238E27FC236}">
+                <a16:creationId xmlns:a16="http://schemas.microsoft.com/office/drawing/2014/main" id="{E225B4B7-FDBE-4C4C-BC33-E27BAA8072FB}"/>
+              </a:ext>
+            </a:extLst>
+          </p:cNvPr>
+          <p:cNvSpPr>
+            <a:spLocks noGrp="1"/>
+          </p:cNvSpPr>
+          <p:nvPr>
+            <p:ph type="sldNum" sz="quarter" idx="12"/>
+          </p:nvPr>
+        </p:nvSpPr>
+        <p:spPr/>
+        <p:txBody>
+          <a:bodyPr/>
+          <a:lstStyle/>
+          <a:p>
+            <a:fld id="{4FAB73BC-B049-4115-A692-8D63A059BFB8}" type="slidenum">
+              <a:rPr lang="en-US" smtClean="0"/>
+              <a:t>3</a:t>
+            </a:fld>
+            <a:endParaRPr lang="en-US" dirty="0"/>
+          </a:p>
+        </p:txBody>
+      </p:sp>
+    </p:spTree>
+    <p:extLst>
+      <p:ext uri="{BB962C8B-B14F-4D97-AF65-F5344CB8AC3E}">
+        <p14:creationId xmlns:p14="http://schemas.microsoft.com/office/powerpoint/2010/main" val="202388887"/>
+      </p:ext>
+    </p:extLst>
+  </p:cSld>
+  <p:clrMapOvr>
+    <a:masterClrMapping/>
+  </p:clrMapOvr>
+</p:sld>
+</file>
+
+<file path=ppt/slides/slide4.xml><?xml version="1.0" encoding="utf-8"?>
+<p:sld xmlns:a="http://schemas.openxmlformats.org/drawingml/2006/main" xmlns:r="http://schemas.openxmlformats.org/officeDocument/2006/relationships" xmlns:p="http://schemas.openxmlformats.org/presentationml/2006/main">
+  <p:cSld>
+    <p:spTree>
+      <p:nvGrpSpPr>
+        <p:cNvPr id="1" name=""/>
+        <p:cNvGrpSpPr/>
+        <p:nvPr/>
+      </p:nvGrpSpPr>
+      <p:grpSpPr>
+        <a:xfrm>
+          <a:off x="0" y="0"/>
+          <a:ext cx="0" cy="0"/>
+          <a:chOff x="0" y="0"/>
+          <a:chExt cx="0" cy="0"/>
+        </a:xfrm>
+      </p:grpSpPr>
+      <p:sp>
+        <p:nvSpPr>
+          <p:cNvPr id="2" name="Title 1">
+            <a:extLst>
+              <a:ext uri="{FF2B5EF4-FFF2-40B4-BE49-F238E27FC236}">
+                <a16:creationId xmlns:a16="http://schemas.microsoft.com/office/drawing/2014/main" id="{4E845991-19E7-46CE-A706-A6AB32FB95DB}"/>
+              </a:ext>
+            </a:extLst>
+          </p:cNvPr>
+          <p:cNvSpPr>
+            <a:spLocks noGrp="1"/>
+          </p:cNvSpPr>
+          <p:nvPr>
+            <p:ph type="title"/>
+          </p:nvPr>
+        </p:nvSpPr>
+        <p:spPr/>
+        <p:txBody>
+          <a:bodyPr/>
+          <a:lstStyle/>
+          <a:p>
+            <a:r>
+              <a:rPr lang="en-US" dirty="0"/>
+              <a:t>Be specific</a:t>
+            </a:r>
+            <a:endParaRPr lang="en-IL" dirty="0"/>
+          </a:p>
+        </p:txBody>
+      </p:sp>
+      <p:sp>
+        <p:nvSpPr>
+          <p:cNvPr id="3" name="Content Placeholder 2">
+            <a:extLst>
+              <a:ext uri="{FF2B5EF4-FFF2-40B4-BE49-F238E27FC236}">
+                <a16:creationId xmlns:a16="http://schemas.microsoft.com/office/drawing/2014/main" id="{7F742DAE-0B4B-4BD3-88E6-476E488ED7F5}"/>
+              </a:ext>
+            </a:extLst>
+          </p:cNvPr>
+          <p:cNvSpPr>
+            <a:spLocks noGrp="1"/>
+          </p:cNvSpPr>
+          <p:nvPr>
+            <p:ph idx="1"/>
+          </p:nvPr>
+        </p:nvSpPr>
+        <p:spPr/>
+        <p:txBody>
+          <a:bodyPr/>
+          <a:lstStyle/>
+          <a:p>
+            <a:r>
+              <a:rPr lang="en-US" dirty="0"/>
+              <a:t>As a “best practice”, when you are using iterations, you should be as specific as possible, and pre-allocate as much as possible.</a:t>
+            </a:r>
+          </a:p>
+          <a:p>
+            <a:r>
+              <a:rPr lang="en-US" dirty="0"/>
+              <a:t>In other words your preference should be:</a:t>
+            </a:r>
+          </a:p>
+          <a:p>
+            <a:pPr lvl="1"/>
+            <a:r>
+              <a:rPr lang="en-US" dirty="0" err="1"/>
+              <a:t>purrr</a:t>
+            </a:r>
+            <a:r>
+              <a:rPr lang="en-US" dirty="0"/>
+              <a:t> &gt; for &gt; while &gt; repeat</a:t>
+            </a:r>
+          </a:p>
+          <a:p>
+            <a:endParaRPr lang="en-IL" dirty="0"/>
+          </a:p>
+        </p:txBody>
+      </p:sp>
+      <p:sp>
+        <p:nvSpPr>
+          <p:cNvPr id="4" name="Footer Placeholder 3">
+            <a:extLst>
+              <a:ext uri="{FF2B5EF4-FFF2-40B4-BE49-F238E27FC236}">
+                <a16:creationId xmlns:a16="http://schemas.microsoft.com/office/drawing/2014/main" id="{86DFC2BD-5534-4B78-A616-48FE5D57B7E7}"/>
+              </a:ext>
+            </a:extLst>
+          </p:cNvPr>
+          <p:cNvSpPr>
+            <a:spLocks noGrp="1"/>
+          </p:cNvSpPr>
+          <p:nvPr>
+            <p:ph type="ftr" sz="quarter" idx="11"/>
+          </p:nvPr>
+        </p:nvSpPr>
+        <p:spPr/>
+        <p:txBody>
+          <a:bodyPr/>
+          <a:lstStyle/>
+          <a:p>
+            <a:r>
+              <a:rPr lang="en-US"/>
+              <a:t>Materials by Adi Sarid https://adisarid.github.io and http://www.sarid-ins.com</a:t>
+            </a:r>
+            <a:endParaRPr lang="en-US" dirty="0"/>
+          </a:p>
+        </p:txBody>
+      </p:sp>
+      <p:sp>
+        <p:nvSpPr>
+          <p:cNvPr id="5" name="Slide Number Placeholder 4">
+            <a:extLst>
+              <a:ext uri="{FF2B5EF4-FFF2-40B4-BE49-F238E27FC236}">
+                <a16:creationId xmlns:a16="http://schemas.microsoft.com/office/drawing/2014/main" id="{04CE614E-9172-45D0-B7BA-66D99F548630}"/>
+              </a:ext>
+            </a:extLst>
+          </p:cNvPr>
+          <p:cNvSpPr>
+            <a:spLocks noGrp="1"/>
+          </p:cNvSpPr>
+          <p:nvPr>
+            <p:ph type="sldNum" sz="quarter" idx="12"/>
+          </p:nvPr>
+        </p:nvSpPr>
+        <p:spPr/>
+        <p:txBody>
+          <a:bodyPr/>
+          <a:lstStyle/>
+          <a:p>
+            <a:fld id="{4FAB73BC-B049-4115-A692-8D63A059BFB8}" type="slidenum">
+              <a:rPr lang="en-US" smtClean="0"/>
+              <a:t>4</a:t>
+            </a:fld>
+            <a:endParaRPr lang="en-US" dirty="0"/>
+          </a:p>
+        </p:txBody>
+      </p:sp>
+    </p:spTree>
+    <p:extLst>
+      <p:ext uri="{BB962C8B-B14F-4D97-AF65-F5344CB8AC3E}">
+        <p14:creationId xmlns:p14="http://schemas.microsoft.com/office/powerpoint/2010/main" val="1285495968"/>
+      </p:ext>
+    </p:extLst>
+  </p:cSld>
+  <p:clrMapOvr>
+    <a:masterClrMapping/>
+  </p:clrMapOvr>
+</p:sld>
+</file>
+
+<file path=ppt/slides/slide5.xml><?xml version="1.0" encoding="utf-8"?>
+<p:sld xmlns:a="http://schemas.openxmlformats.org/drawingml/2006/main" xmlns:r="http://schemas.openxmlformats.org/officeDocument/2006/relationships" xmlns:p="http://schemas.openxmlformats.org/presentationml/2006/main">
+  <p:cSld>
+    <p:spTree>
+      <p:nvGrpSpPr>
+        <p:cNvPr id="1" name=""/>
+        <p:cNvGrpSpPr/>
+        <p:nvPr/>
+      </p:nvGrpSpPr>
+      <p:grpSpPr>
+        <a:xfrm>
+          <a:off x="0" y="0"/>
+          <a:ext cx="0" cy="0"/>
+          <a:chOff x="0" y="0"/>
+          <a:chExt cx="0" cy="0"/>
+        </a:xfrm>
+      </p:grpSpPr>
+      <p:sp>
+        <p:nvSpPr>
+          <p:cNvPr id="2" name="Title 1">
+            <a:extLst>
+              <a:ext uri="{FF2B5EF4-FFF2-40B4-BE49-F238E27FC236}">
+                <a16:creationId xmlns:a16="http://schemas.microsoft.com/office/drawing/2014/main" id="{DE376234-FF2E-49D6-B9EB-716F60664C94}"/>
+              </a:ext>
+            </a:extLst>
+          </p:cNvPr>
+          <p:cNvSpPr>
+            <a:spLocks noGrp="1"/>
+          </p:cNvSpPr>
+          <p:nvPr>
+            <p:ph type="title"/>
+          </p:nvPr>
+        </p:nvSpPr>
+        <p:spPr/>
+        <p:txBody>
+          <a:bodyPr/>
+          <a:lstStyle/>
+          <a:p>
+            <a:r>
+              <a:rPr lang="en-US" dirty="0" err="1"/>
+              <a:t>purrr</a:t>
+            </a:r>
+            <a:r>
+              <a:rPr lang="en-US" dirty="0"/>
+              <a:t>::map</a:t>
+            </a:r>
+            <a:endParaRPr lang="en-IL" dirty="0"/>
+          </a:p>
+        </p:txBody>
+      </p:sp>
+      <p:sp>
+        <p:nvSpPr>
+          <p:cNvPr id="3" name="Content Placeholder 2">
+            <a:extLst>
+              <a:ext uri="{FF2B5EF4-FFF2-40B4-BE49-F238E27FC236}">
+                <a16:creationId xmlns:a16="http://schemas.microsoft.com/office/drawing/2014/main" id="{D550A6E6-1042-415F-AD8A-943DFD49D2EB}"/>
+              </a:ext>
+            </a:extLst>
+          </p:cNvPr>
+          <p:cNvSpPr>
+            <a:spLocks noGrp="1"/>
+          </p:cNvSpPr>
+          <p:nvPr>
+            <p:ph idx="1"/>
+          </p:nvPr>
+        </p:nvSpPr>
+        <p:spPr/>
+        <p:txBody>
+          <a:bodyPr/>
+          <a:lstStyle/>
+          <a:p>
+            <a:r>
+              <a:rPr lang="en-US" dirty="0"/>
+              <a:t>Takes a vector and a function and does this:</a:t>
+            </a:r>
+          </a:p>
+          <a:p>
+            <a:r>
+              <a:rPr lang="en-US" dirty="0"/>
+              <a:t>The </a:t>
+            </a:r>
+            <a:r>
+              <a:rPr lang="en-US" b="1" dirty="0"/>
+              <a:t>implementation is in C code</a:t>
+            </a:r>
+            <a:r>
+              <a:rPr lang="en-US" dirty="0"/>
+              <a:t>, </a:t>
+            </a:r>
+          </a:p>
+          <a:p>
+            <a:r>
+              <a:rPr lang="en-US" dirty="0"/>
+              <a:t>but is equivalent logically to something like:</a:t>
+            </a:r>
+          </a:p>
+          <a:p>
+            <a:pPr marL="0" indent="0">
+              <a:buNone/>
+            </a:pPr>
+            <a:r>
+              <a:rPr lang="en-US" sz="1200" dirty="0" err="1">
+                <a:latin typeface="Courier New" panose="02070309020205020404" pitchFamily="49" charset="0"/>
+                <a:cs typeface="Courier New" panose="02070309020205020404" pitchFamily="49" charset="0"/>
+              </a:rPr>
+              <a:t>simple_map</a:t>
+            </a:r>
+            <a:r>
+              <a:rPr lang="en-US" sz="1200" dirty="0">
+                <a:latin typeface="Courier New" panose="02070309020205020404" pitchFamily="49" charset="0"/>
+                <a:cs typeface="Courier New" panose="02070309020205020404" pitchFamily="49" charset="0"/>
+              </a:rPr>
+              <a:t> &lt;- function(x, f, ...) {</a:t>
+            </a:r>
+            <a:br>
+              <a:rPr lang="en-US" sz="1200" dirty="0">
+                <a:latin typeface="Courier New" panose="02070309020205020404" pitchFamily="49" charset="0"/>
+                <a:cs typeface="Courier New" panose="02070309020205020404" pitchFamily="49" charset="0"/>
+              </a:rPr>
+            </a:br>
+            <a:r>
+              <a:rPr lang="en-US" sz="1200" dirty="0">
+                <a:latin typeface="Courier New" panose="02070309020205020404" pitchFamily="49" charset="0"/>
+                <a:cs typeface="Courier New" panose="02070309020205020404" pitchFamily="49" charset="0"/>
+              </a:rPr>
+              <a:t>   out &lt;- vector("list", length(x))</a:t>
+            </a:r>
+            <a:br>
+              <a:rPr lang="en-US" sz="1200" dirty="0">
+                <a:latin typeface="Courier New" panose="02070309020205020404" pitchFamily="49" charset="0"/>
+                <a:cs typeface="Courier New" panose="02070309020205020404" pitchFamily="49" charset="0"/>
+              </a:rPr>
+            </a:br>
+            <a:r>
+              <a:rPr lang="en-US" sz="1200" dirty="0">
+                <a:latin typeface="Courier New" panose="02070309020205020404" pitchFamily="49" charset="0"/>
+                <a:cs typeface="Courier New" panose="02070309020205020404" pitchFamily="49" charset="0"/>
+              </a:rPr>
+              <a:t>   for (</a:t>
+            </a:r>
+            <a:r>
+              <a:rPr lang="en-US" sz="1200" dirty="0" err="1">
+                <a:latin typeface="Courier New" panose="02070309020205020404" pitchFamily="49" charset="0"/>
+                <a:cs typeface="Courier New" panose="02070309020205020404" pitchFamily="49" charset="0"/>
+              </a:rPr>
+              <a:t>i</a:t>
+            </a:r>
+            <a:r>
+              <a:rPr lang="en-US" sz="1200" dirty="0">
+                <a:latin typeface="Courier New" panose="02070309020205020404" pitchFamily="49" charset="0"/>
+                <a:cs typeface="Courier New" panose="02070309020205020404" pitchFamily="49" charset="0"/>
+              </a:rPr>
+              <a:t> in </a:t>
+            </a:r>
+            <a:r>
+              <a:rPr lang="en-US" sz="1200" dirty="0" err="1">
+                <a:latin typeface="Courier New" panose="02070309020205020404" pitchFamily="49" charset="0"/>
+                <a:cs typeface="Courier New" panose="02070309020205020404" pitchFamily="49" charset="0"/>
+              </a:rPr>
+              <a:t>seq_along</a:t>
+            </a:r>
+            <a:r>
+              <a:rPr lang="en-US" sz="1200" dirty="0">
+                <a:latin typeface="Courier New" panose="02070309020205020404" pitchFamily="49" charset="0"/>
+                <a:cs typeface="Courier New" panose="02070309020205020404" pitchFamily="49" charset="0"/>
+              </a:rPr>
+              <a:t>(x)) {</a:t>
+            </a:r>
+            <a:br>
+              <a:rPr lang="en-US" sz="1200" dirty="0">
+                <a:latin typeface="Courier New" panose="02070309020205020404" pitchFamily="49" charset="0"/>
+                <a:cs typeface="Courier New" panose="02070309020205020404" pitchFamily="49" charset="0"/>
+              </a:rPr>
+            </a:br>
+            <a:r>
+              <a:rPr lang="en-US" sz="1200" dirty="0">
+                <a:latin typeface="Courier New" panose="02070309020205020404" pitchFamily="49" charset="0"/>
+                <a:cs typeface="Courier New" panose="02070309020205020404" pitchFamily="49" charset="0"/>
+              </a:rPr>
+              <a:t>      out[[</a:t>
+            </a:r>
+            <a:r>
+              <a:rPr lang="en-US" sz="1200" dirty="0" err="1">
+                <a:latin typeface="Courier New" panose="02070309020205020404" pitchFamily="49" charset="0"/>
+                <a:cs typeface="Courier New" panose="02070309020205020404" pitchFamily="49" charset="0"/>
+              </a:rPr>
+              <a:t>i</a:t>
+            </a:r>
+            <a:r>
+              <a:rPr lang="en-US" sz="1200" dirty="0">
+                <a:latin typeface="Courier New" panose="02070309020205020404" pitchFamily="49" charset="0"/>
+                <a:cs typeface="Courier New" panose="02070309020205020404" pitchFamily="49" charset="0"/>
+              </a:rPr>
+              <a:t>]] &lt;- f(x[[</a:t>
+            </a:r>
+            <a:r>
+              <a:rPr lang="en-US" sz="1200" dirty="0" err="1">
+                <a:latin typeface="Courier New" panose="02070309020205020404" pitchFamily="49" charset="0"/>
+                <a:cs typeface="Courier New" panose="02070309020205020404" pitchFamily="49" charset="0"/>
+              </a:rPr>
+              <a:t>i</a:t>
+            </a:r>
+            <a:r>
+              <a:rPr lang="en-US" sz="1200" dirty="0">
+                <a:latin typeface="Courier New" panose="02070309020205020404" pitchFamily="49" charset="0"/>
+                <a:cs typeface="Courier New" panose="02070309020205020404" pitchFamily="49" charset="0"/>
+              </a:rPr>
+              <a:t>]], ...)</a:t>
+            </a:r>
+            <a:br>
+              <a:rPr lang="en-US" sz="1200" dirty="0">
+                <a:latin typeface="Courier New" panose="02070309020205020404" pitchFamily="49" charset="0"/>
+                <a:cs typeface="Courier New" panose="02070309020205020404" pitchFamily="49" charset="0"/>
+              </a:rPr>
+            </a:br>
+            <a:r>
+              <a:rPr lang="en-US" sz="1200" dirty="0">
+                <a:latin typeface="Courier New" panose="02070309020205020404" pitchFamily="49" charset="0"/>
+                <a:cs typeface="Courier New" panose="02070309020205020404" pitchFamily="49" charset="0"/>
+              </a:rPr>
+              <a:t>   }</a:t>
+            </a:r>
+            <a:br>
+              <a:rPr lang="en-US" sz="1200" dirty="0">
+                <a:latin typeface="Courier New" panose="02070309020205020404" pitchFamily="49" charset="0"/>
+                <a:cs typeface="Courier New" panose="02070309020205020404" pitchFamily="49" charset="0"/>
+              </a:rPr>
+            </a:br>
+            <a:r>
+              <a:rPr lang="en-US" sz="1200" dirty="0">
+                <a:latin typeface="Courier New" panose="02070309020205020404" pitchFamily="49" charset="0"/>
+                <a:cs typeface="Courier New" panose="02070309020205020404" pitchFamily="49" charset="0"/>
+              </a:rPr>
+              <a:t>   out</a:t>
+            </a:r>
+            <a:br>
+              <a:rPr lang="en-US" sz="1200" dirty="0">
+                <a:latin typeface="Courier New" panose="02070309020205020404" pitchFamily="49" charset="0"/>
+                <a:cs typeface="Courier New" panose="02070309020205020404" pitchFamily="49" charset="0"/>
+              </a:rPr>
+            </a:br>
+            <a:r>
+              <a:rPr lang="en-US" sz="1200" dirty="0">
+                <a:latin typeface="Courier New" panose="02070309020205020404" pitchFamily="49" charset="0"/>
+                <a:cs typeface="Courier New" panose="02070309020205020404" pitchFamily="49" charset="0"/>
+              </a:rPr>
+              <a:t>}</a:t>
+            </a:r>
+          </a:p>
+          <a:p>
+            <a:pPr marL="0" indent="0">
+              <a:buNone/>
+            </a:pPr>
+            <a:endParaRPr lang="en-IL" sz="1200" dirty="0">
+              <a:latin typeface="Courier New" panose="02070309020205020404" pitchFamily="49" charset="0"/>
+              <a:cs typeface="Courier New" panose="02070309020205020404" pitchFamily="49" charset="0"/>
+            </a:endParaRPr>
+          </a:p>
+          <a:p>
+            <a:r>
+              <a:rPr lang="en-US" dirty="0"/>
+              <a:t>map() returns a list, </a:t>
+            </a:r>
+            <a:r>
+              <a:rPr lang="en-US" dirty="0" err="1"/>
+              <a:t>map_dbl</a:t>
+            </a:r>
+            <a:r>
+              <a:rPr lang="en-US" dirty="0"/>
+              <a:t>(), </a:t>
+            </a:r>
+            <a:r>
+              <a:rPr lang="en-US" dirty="0" err="1"/>
+              <a:t>map_lgl</a:t>
+            </a:r>
+            <a:r>
+              <a:rPr lang="en-US" dirty="0"/>
+              <a:t>(), </a:t>
+            </a:r>
+            <a:r>
+              <a:rPr lang="en-US" dirty="0" err="1"/>
+              <a:t>map_int</a:t>
+            </a:r>
+            <a:r>
+              <a:rPr lang="en-US" dirty="0"/>
+              <a:t>(), </a:t>
+            </a:r>
+            <a:r>
+              <a:rPr lang="en-US" dirty="0" err="1"/>
+              <a:t>map_chr</a:t>
+            </a:r>
+            <a:r>
+              <a:rPr lang="en-US" dirty="0"/>
+              <a:t>() return a </a:t>
+            </a:r>
+            <a:r>
+              <a:rPr lang="en-US" dirty="0" err="1"/>
+              <a:t>vecor</a:t>
+            </a:r>
+            <a:r>
+              <a:rPr lang="en-US" dirty="0"/>
+              <a:t> of type double, logical, integer, and character.</a:t>
+            </a:r>
+          </a:p>
+        </p:txBody>
+      </p:sp>
+      <p:sp>
+        <p:nvSpPr>
+          <p:cNvPr id="4" name="Footer Placeholder 3">
+            <a:extLst>
+              <a:ext uri="{FF2B5EF4-FFF2-40B4-BE49-F238E27FC236}">
+                <a16:creationId xmlns:a16="http://schemas.microsoft.com/office/drawing/2014/main" id="{47CCA91D-765B-4BD0-80FE-07F0351E5727}"/>
+              </a:ext>
+            </a:extLst>
+          </p:cNvPr>
+          <p:cNvSpPr>
+            <a:spLocks noGrp="1"/>
+          </p:cNvSpPr>
+          <p:nvPr>
+            <p:ph type="ftr" sz="quarter" idx="11"/>
+          </p:nvPr>
+        </p:nvSpPr>
+        <p:spPr/>
+        <p:txBody>
+          <a:bodyPr/>
+          <a:lstStyle/>
+          <a:p>
+            <a:r>
+              <a:rPr lang="en-US"/>
+              <a:t>Materials by Adi Sarid https://adisarid.github.io and http://www.sarid-ins.com</a:t>
+            </a:r>
+            <a:endParaRPr lang="en-US" dirty="0"/>
+          </a:p>
+        </p:txBody>
+      </p:sp>
+      <p:sp>
+        <p:nvSpPr>
+          <p:cNvPr id="5" name="Slide Number Placeholder 4">
+            <a:extLst>
+              <a:ext uri="{FF2B5EF4-FFF2-40B4-BE49-F238E27FC236}">
+                <a16:creationId xmlns:a16="http://schemas.microsoft.com/office/drawing/2014/main" id="{EFDC0F16-25B5-4F02-B3FA-CA058A17C590}"/>
+              </a:ext>
+            </a:extLst>
+          </p:cNvPr>
+          <p:cNvSpPr>
+            <a:spLocks noGrp="1"/>
+          </p:cNvSpPr>
+          <p:nvPr>
+            <p:ph type="sldNum" sz="quarter" idx="12"/>
+          </p:nvPr>
+        </p:nvSpPr>
+        <p:spPr/>
+        <p:txBody>
+          <a:bodyPr/>
+          <a:lstStyle/>
+          <a:p>
+            <a:fld id="{4FAB73BC-B049-4115-A692-8D63A059BFB8}" type="slidenum">
+              <a:rPr lang="en-US" smtClean="0"/>
+              <a:t>5</a:t>
+            </a:fld>
+            <a:endParaRPr lang="en-US" dirty="0"/>
+          </a:p>
+        </p:txBody>
+      </p:sp>
+      <p:pic>
+        <p:nvPicPr>
+          <p:cNvPr id="6" name="Picture 5">
+            <a:extLst>
+              <a:ext uri="{FF2B5EF4-FFF2-40B4-BE49-F238E27FC236}">
+                <a16:creationId xmlns:a16="http://schemas.microsoft.com/office/drawing/2014/main" id="{A3C058F5-DE12-4D5A-88E5-26297C2459A7}"/>
+              </a:ext>
+            </a:extLst>
+          </p:cNvPr>
+          <p:cNvPicPr>
+            <a:picLocks noChangeAspect="1"/>
+          </p:cNvPicPr>
+          <p:nvPr/>
+        </p:nvPicPr>
+        <p:blipFill>
+          <a:blip r:embed="rId2"/>
+          <a:stretch>
+            <a:fillRect/>
+          </a:stretch>
+        </p:blipFill>
+        <p:spPr>
+          <a:xfrm>
+            <a:off x="7976501" y="1423358"/>
+            <a:ext cx="2475699" cy="1892060"/>
+          </a:xfrm>
+          <a:prstGeom prst="rect">
+            <a:avLst/>
+          </a:prstGeom>
+        </p:spPr>
+      </p:pic>
+    </p:spTree>
+    <p:extLst>
+      <p:ext uri="{BB962C8B-B14F-4D97-AF65-F5344CB8AC3E}">
+        <p14:creationId xmlns:p14="http://schemas.microsoft.com/office/powerpoint/2010/main" val="4231588211"/>
+      </p:ext>
+    </p:extLst>
+  </p:cSld>
+  <p:clrMapOvr>
+    <a:masterClrMapping/>
+  </p:clrMapOvr>
+</p:sld>
+</file>
+
+<file path=ppt/slides/slide6.xml><?xml version="1.0" encoding="utf-8"?>
+<p:sld xmlns:a="http://schemas.openxmlformats.org/drawingml/2006/main" xmlns:r="http://schemas.openxmlformats.org/officeDocument/2006/relationships" xmlns:p="http://schemas.openxmlformats.org/presentationml/2006/main">
+  <p:cSld>
+    <p:spTree>
+      <p:nvGrpSpPr>
+        <p:cNvPr id="1" name=""/>
+        <p:cNvGrpSpPr/>
+        <p:nvPr/>
+      </p:nvGrpSpPr>
+      <p:grpSpPr>
+        <a:xfrm>
+          <a:off x="0" y="0"/>
+          <a:ext cx="0" cy="0"/>
+          <a:chOff x="0" y="0"/>
+          <a:chExt cx="0" cy="0"/>
+        </a:xfrm>
+      </p:grpSpPr>
+      <p:sp>
+        <p:nvSpPr>
+          <p:cNvPr id="2" name="Title 1">
+            <a:extLst>
+              <a:ext uri="{FF2B5EF4-FFF2-40B4-BE49-F238E27FC236}">
                 <a16:creationId xmlns:a16="http://schemas.microsoft.com/office/drawing/2014/main" id="{D2AC8D4D-D8EB-4870-8716-D75DC1D78066}"/>
               </a:ext>
             </a:extLst>
@@ -7005,7 +8126,7 @@
           <a:p>
             <a:fld id="{4FAB73BC-B049-4115-A692-8D63A059BFB8}" type="slidenum">
               <a:rPr lang="en-US" smtClean="0"/>
-              <a:t>2</a:t>
+              <a:t>6</a:t>
             </a:fld>
             <a:endParaRPr lang="en-US" dirty="0"/>
           </a:p>
@@ -8145,1127 +9266,6 @@
       <p:bldP spid="20" grpId="0" animBg="1"/>
     </p:bldLst>
   </p:timing>
-</p:sld>
-</file>
-
-<file path=ppt/slides/slide3.xml><?xml version="1.0" encoding="utf-8"?>
-<p:sld xmlns:a="http://schemas.openxmlformats.org/drawingml/2006/main" xmlns:r="http://schemas.openxmlformats.org/officeDocument/2006/relationships" xmlns:p="http://schemas.openxmlformats.org/presentationml/2006/main">
-  <p:cSld>
-    <p:spTree>
-      <p:nvGrpSpPr>
-        <p:cNvPr id="1" name=""/>
-        <p:cNvGrpSpPr/>
-        <p:nvPr/>
-      </p:nvGrpSpPr>
-      <p:grpSpPr>
-        <a:xfrm>
-          <a:off x="0" y="0"/>
-          <a:ext cx="0" cy="0"/>
-          <a:chOff x="0" y="0"/>
-          <a:chExt cx="0" cy="0"/>
-        </a:xfrm>
-      </p:grpSpPr>
-      <p:sp>
-        <p:nvSpPr>
-          <p:cNvPr id="2" name="Title 1">
-            <a:extLst>
-              <a:ext uri="{FF2B5EF4-FFF2-40B4-BE49-F238E27FC236}">
-                <a16:creationId xmlns:a16="http://schemas.microsoft.com/office/drawing/2014/main" id="{A2992973-ABCE-4744-94FF-8CEE1D8BFF8F}"/>
-              </a:ext>
-            </a:extLst>
-          </p:cNvPr>
-          <p:cNvSpPr>
-            <a:spLocks noGrp="1"/>
-          </p:cNvSpPr>
-          <p:nvPr>
-            <p:ph type="title"/>
-          </p:nvPr>
-        </p:nvSpPr>
-        <p:spPr/>
-        <p:txBody>
-          <a:bodyPr/>
-          <a:lstStyle/>
-          <a:p>
-            <a:r>
-              <a:rPr lang="en-US" dirty="0"/>
-              <a:t>Why </a:t>
-            </a:r>
-            <a:r>
-              <a:rPr lang="en-US" dirty="0" err="1"/>
-              <a:t>purrr</a:t>
-            </a:r>
-            <a:r>
-              <a:rPr lang="en-US" dirty="0"/>
-              <a:t>? </a:t>
-            </a:r>
-            <a:br>
-              <a:rPr lang="en-US" dirty="0"/>
-            </a:br>
-            <a:r>
-              <a:rPr lang="en-US" dirty="0"/>
-              <a:t>What is functional programming?</a:t>
-            </a:r>
-            <a:endParaRPr lang="en-IL" dirty="0"/>
-          </a:p>
-        </p:txBody>
-      </p:sp>
-      <p:sp>
-        <p:nvSpPr>
-          <p:cNvPr id="3" name="Content Placeholder 2">
-            <a:extLst>
-              <a:ext uri="{FF2B5EF4-FFF2-40B4-BE49-F238E27FC236}">
-                <a16:creationId xmlns:a16="http://schemas.microsoft.com/office/drawing/2014/main" id="{3D32442E-0F4D-4FDE-8312-B884AB1A08A6}"/>
-              </a:ext>
-            </a:extLst>
-          </p:cNvPr>
-          <p:cNvSpPr>
-            <a:spLocks noGrp="1"/>
-          </p:cNvSpPr>
-          <p:nvPr>
-            <p:ph idx="1"/>
-          </p:nvPr>
-        </p:nvSpPr>
-        <p:spPr/>
-        <p:txBody>
-          <a:bodyPr>
-            <a:normAutofit lnSpcReduction="10000"/>
-          </a:bodyPr>
-          <a:lstStyle/>
-          <a:p>
-            <a:r>
-              <a:rPr lang="en-US" sz="2400" dirty="0"/>
-              <a:t>“</a:t>
-            </a:r>
-            <a:r>
-              <a:rPr lang="en-US" sz="2400" i="1" dirty="0" err="1"/>
-              <a:t>purrr</a:t>
-            </a:r>
-            <a:r>
-              <a:rPr lang="en-US" sz="2400" i="1" dirty="0"/>
-              <a:t> enhances R’s functional programming (FP) toolkit by providing a complete and consistent set of tools for working with functions and vectors</a:t>
-            </a:r>
-            <a:r>
-              <a:rPr lang="en-US" sz="2400" dirty="0"/>
-              <a:t>”</a:t>
-            </a:r>
-          </a:p>
-          <a:p>
-            <a:pPr lvl="1"/>
-            <a:r>
-              <a:rPr lang="en-US" sz="2000" dirty="0" err="1"/>
-              <a:t>purrr’s</a:t>
-            </a:r>
-            <a:r>
-              <a:rPr lang="en-US" sz="2000" dirty="0"/>
-              <a:t> overview (</a:t>
-            </a:r>
-            <a:r>
-              <a:rPr lang="en-US" sz="2000" dirty="0">
-                <a:hlinkClick r:id="rId2"/>
-              </a:rPr>
-              <a:t>https://purrr.tidyverse.org/</a:t>
-            </a:r>
-            <a:r>
-              <a:rPr lang="en-US" sz="2000" dirty="0"/>
-              <a:t>)</a:t>
-            </a:r>
-            <a:endParaRPr lang="en-US" sz="2000" i="1" dirty="0"/>
-          </a:p>
-          <a:p>
-            <a:r>
-              <a:rPr lang="en-US" sz="2200" dirty="0"/>
-              <a:t>What makes a programming language “</a:t>
-            </a:r>
-            <a:r>
-              <a:rPr lang="en-US" sz="2200" i="1" dirty="0"/>
-              <a:t>functional</a:t>
-            </a:r>
-            <a:r>
-              <a:rPr lang="en-US" sz="2200" dirty="0"/>
-              <a:t>”?</a:t>
-            </a:r>
-          </a:p>
-          <a:p>
-            <a:pPr lvl="1"/>
-            <a:r>
-              <a:rPr lang="en-US" sz="2000" dirty="0"/>
-              <a:t>Functions behave like any other data structure (e.g. you can “pass them” as a variable)</a:t>
-            </a:r>
-          </a:p>
-          <a:p>
-            <a:pPr lvl="1"/>
-            <a:r>
-              <a:rPr lang="en-US" sz="2000" dirty="0"/>
-              <a:t>Functions are </a:t>
-            </a:r>
-            <a:r>
-              <a:rPr lang="en-US" sz="2000" i="1" dirty="0"/>
-              <a:t>pure</a:t>
-            </a:r>
-            <a:endParaRPr lang="en-US" sz="2000" dirty="0"/>
-          </a:p>
-          <a:p>
-            <a:pPr lvl="2"/>
-            <a:r>
-              <a:rPr lang="en-US" sz="1800" dirty="0"/>
-              <a:t>Output depends only on input (consistent), i.e., </a:t>
-            </a:r>
-            <a:r>
-              <a:rPr lang="en-US" sz="1800" dirty="0" err="1"/>
-              <a:t>runif</a:t>
-            </a:r>
-            <a:r>
-              <a:rPr lang="en-US" sz="1800" dirty="0"/>
-              <a:t>(), </a:t>
-            </a:r>
-            <a:r>
-              <a:rPr lang="en-US" sz="1800" dirty="0" err="1"/>
-              <a:t>read_csv</a:t>
-            </a:r>
-            <a:r>
-              <a:rPr lang="en-US" sz="1800" dirty="0"/>
-              <a:t>(), </a:t>
-            </a:r>
-            <a:r>
-              <a:rPr lang="en-US" sz="1800" dirty="0" err="1"/>
-              <a:t>Sys.time</a:t>
-            </a:r>
-            <a:r>
-              <a:rPr lang="en-US" sz="1800" dirty="0"/>
-              <a:t>() are not pure</a:t>
-            </a:r>
-          </a:p>
-          <a:p>
-            <a:pPr lvl="2"/>
-            <a:r>
-              <a:rPr lang="en-US" sz="1800" dirty="0"/>
-              <a:t>No side-effects (e.g., not changing global variables or writing to a file)</a:t>
-            </a:r>
-          </a:p>
-          <a:p>
-            <a:pPr lvl="2"/>
-            <a:r>
-              <a:rPr lang="en-US" sz="1800" dirty="0"/>
-              <a:t>Hence, R is not entirely “</a:t>
-            </a:r>
-            <a:r>
-              <a:rPr lang="en-US" sz="1800" i="1" dirty="0"/>
-              <a:t>functional</a:t>
-            </a:r>
-            <a:r>
-              <a:rPr lang="en-US" sz="1800" dirty="0"/>
-              <a:t>” but adopts some elements</a:t>
-            </a:r>
-          </a:p>
-          <a:p>
-            <a:pPr lvl="1"/>
-            <a:endParaRPr lang="en-IL" sz="2000" dirty="0"/>
-          </a:p>
-        </p:txBody>
-      </p:sp>
-      <p:sp>
-        <p:nvSpPr>
-          <p:cNvPr id="4" name="Footer Placeholder 3">
-            <a:extLst>
-              <a:ext uri="{FF2B5EF4-FFF2-40B4-BE49-F238E27FC236}">
-                <a16:creationId xmlns:a16="http://schemas.microsoft.com/office/drawing/2014/main" id="{49478C39-79FE-43DB-B774-2DA03F700A33}"/>
-              </a:ext>
-            </a:extLst>
-          </p:cNvPr>
-          <p:cNvSpPr>
-            <a:spLocks noGrp="1"/>
-          </p:cNvSpPr>
-          <p:nvPr>
-            <p:ph type="ftr" sz="quarter" idx="11"/>
-          </p:nvPr>
-        </p:nvSpPr>
-        <p:spPr/>
-        <p:txBody>
-          <a:bodyPr/>
-          <a:lstStyle/>
-          <a:p>
-            <a:r>
-              <a:rPr lang="en-US"/>
-              <a:t>Materials by Adi Sarid https://adisarid.github.io and http://www.sarid-ins.com</a:t>
-            </a:r>
-            <a:endParaRPr lang="en-US" dirty="0"/>
-          </a:p>
-        </p:txBody>
-      </p:sp>
-      <p:sp>
-        <p:nvSpPr>
-          <p:cNvPr id="5" name="Slide Number Placeholder 4">
-            <a:extLst>
-              <a:ext uri="{FF2B5EF4-FFF2-40B4-BE49-F238E27FC236}">
-                <a16:creationId xmlns:a16="http://schemas.microsoft.com/office/drawing/2014/main" id="{DAB25C23-1D89-4AA2-998E-F7B9F0C35768}"/>
-              </a:ext>
-            </a:extLst>
-          </p:cNvPr>
-          <p:cNvSpPr>
-            <a:spLocks noGrp="1"/>
-          </p:cNvSpPr>
-          <p:nvPr>
-            <p:ph type="sldNum" sz="quarter" idx="12"/>
-          </p:nvPr>
-        </p:nvSpPr>
-        <p:spPr/>
-        <p:txBody>
-          <a:bodyPr/>
-          <a:lstStyle/>
-          <a:p>
-            <a:fld id="{4FAB73BC-B049-4115-A692-8D63A059BFB8}" type="slidenum">
-              <a:rPr lang="en-US" smtClean="0"/>
-              <a:t>3</a:t>
-            </a:fld>
-            <a:endParaRPr lang="en-US" dirty="0"/>
-          </a:p>
-        </p:txBody>
-      </p:sp>
-    </p:spTree>
-    <p:extLst>
-      <p:ext uri="{BB962C8B-B14F-4D97-AF65-F5344CB8AC3E}">
-        <p14:creationId xmlns:p14="http://schemas.microsoft.com/office/powerpoint/2010/main" val="800250464"/>
-      </p:ext>
-    </p:extLst>
-  </p:cSld>
-  <p:clrMapOvr>
-    <a:masterClrMapping/>
-  </p:clrMapOvr>
-</p:sld>
-</file>
-
-<file path=ppt/slides/slide4.xml><?xml version="1.0" encoding="utf-8"?>
-<p:sld xmlns:a="http://schemas.openxmlformats.org/drawingml/2006/main" xmlns:r="http://schemas.openxmlformats.org/officeDocument/2006/relationships" xmlns:p="http://schemas.openxmlformats.org/presentationml/2006/main">
-  <p:cSld>
-    <p:spTree>
-      <p:nvGrpSpPr>
-        <p:cNvPr id="1" name=""/>
-        <p:cNvGrpSpPr/>
-        <p:nvPr/>
-      </p:nvGrpSpPr>
-      <p:grpSpPr>
-        <a:xfrm>
-          <a:off x="0" y="0"/>
-          <a:ext cx="0" cy="0"/>
-          <a:chOff x="0" y="0"/>
-          <a:chExt cx="0" cy="0"/>
-        </a:xfrm>
-      </p:grpSpPr>
-      <p:sp>
-        <p:nvSpPr>
-          <p:cNvPr id="2" name="Title 1">
-            <a:extLst>
-              <a:ext uri="{FF2B5EF4-FFF2-40B4-BE49-F238E27FC236}">
-                <a16:creationId xmlns:a16="http://schemas.microsoft.com/office/drawing/2014/main" id="{89180BCA-BF5C-441D-9DDD-F8A913063388}"/>
-              </a:ext>
-            </a:extLst>
-          </p:cNvPr>
-          <p:cNvSpPr>
-            <a:spLocks noGrp="1"/>
-          </p:cNvSpPr>
-          <p:nvPr>
-            <p:ph type="title"/>
-          </p:nvPr>
-        </p:nvSpPr>
-        <p:spPr/>
-        <p:txBody>
-          <a:bodyPr/>
-          <a:lstStyle/>
-          <a:p>
-            <a:r>
-              <a:rPr lang="en-US" dirty="0"/>
-              <a:t>A functional</a:t>
-            </a:r>
-            <a:endParaRPr lang="en-IL" dirty="0"/>
-          </a:p>
-        </p:txBody>
-      </p:sp>
-      <p:sp>
-        <p:nvSpPr>
-          <p:cNvPr id="3" name="Content Placeholder 2">
-            <a:extLst>
-              <a:ext uri="{FF2B5EF4-FFF2-40B4-BE49-F238E27FC236}">
-                <a16:creationId xmlns:a16="http://schemas.microsoft.com/office/drawing/2014/main" id="{5B037B4C-714F-4C6C-BB15-C878FDAC84D9}"/>
-              </a:ext>
-            </a:extLst>
-          </p:cNvPr>
-          <p:cNvSpPr>
-            <a:spLocks noGrp="1"/>
-          </p:cNvSpPr>
-          <p:nvPr>
-            <p:ph idx="1"/>
-          </p:nvPr>
-        </p:nvSpPr>
-        <p:spPr/>
-        <p:txBody>
-          <a:bodyPr/>
-          <a:lstStyle/>
-          <a:p>
-            <a:r>
-              <a:rPr lang="en-US" dirty="0"/>
-              <a:t>Functional is a function that takes a function as an input and returns a vector as an output (like in math), e.g.:</a:t>
-            </a:r>
-          </a:p>
-          <a:p>
-            <a:pPr marL="0" indent="0">
-              <a:buNone/>
-            </a:pPr>
-            <a:r>
-              <a:rPr lang="en-US" dirty="0">
-                <a:latin typeface="Courier New" panose="02070309020205020404" pitchFamily="49" charset="0"/>
-                <a:cs typeface="Courier New" panose="02070309020205020404" pitchFamily="49" charset="0"/>
-              </a:rPr>
-              <a:t>randomize &lt;- function(f) f(</a:t>
-            </a:r>
-            <a:r>
-              <a:rPr lang="en-US" dirty="0" err="1">
-                <a:latin typeface="Courier New" panose="02070309020205020404" pitchFamily="49" charset="0"/>
-                <a:cs typeface="Courier New" panose="02070309020205020404" pitchFamily="49" charset="0"/>
-              </a:rPr>
-              <a:t>runif</a:t>
-            </a:r>
-            <a:r>
-              <a:rPr lang="en-US" dirty="0">
-                <a:latin typeface="Courier New" panose="02070309020205020404" pitchFamily="49" charset="0"/>
-                <a:cs typeface="Courier New" panose="02070309020205020404" pitchFamily="49" charset="0"/>
-              </a:rPr>
-              <a:t>(1e3))</a:t>
-            </a:r>
-          </a:p>
-          <a:p>
-            <a:pPr marL="0" indent="0">
-              <a:buNone/>
-            </a:pPr>
-            <a:r>
-              <a:rPr lang="en-US" dirty="0">
-                <a:latin typeface="Courier New" panose="02070309020205020404" pitchFamily="49" charset="0"/>
-                <a:cs typeface="Courier New" panose="02070309020205020404" pitchFamily="49" charset="0"/>
-              </a:rPr>
-              <a:t>randomize(mean)</a:t>
-            </a:r>
-          </a:p>
-          <a:p>
-            <a:pPr marL="0" indent="0">
-              <a:buNone/>
-            </a:pPr>
-            <a:r>
-              <a:rPr lang="en-US" dirty="0">
-                <a:latin typeface="Courier New" panose="02070309020205020404" pitchFamily="49" charset="0"/>
-                <a:cs typeface="Courier New" panose="02070309020205020404" pitchFamily="49" charset="0"/>
-              </a:rPr>
-              <a:t>randomize(</a:t>
-            </a:r>
-            <a:r>
-              <a:rPr lang="en-US" dirty="0" err="1">
-                <a:latin typeface="Courier New" panose="02070309020205020404" pitchFamily="49" charset="0"/>
-                <a:cs typeface="Courier New" panose="02070309020205020404" pitchFamily="49" charset="0"/>
-              </a:rPr>
-              <a:t>sd</a:t>
-            </a:r>
-            <a:r>
-              <a:rPr lang="en-US" dirty="0">
-                <a:latin typeface="Courier New" panose="02070309020205020404" pitchFamily="49" charset="0"/>
-                <a:cs typeface="Courier New" panose="02070309020205020404" pitchFamily="49" charset="0"/>
-              </a:rPr>
-              <a:t>)</a:t>
-            </a:r>
-          </a:p>
-          <a:p>
-            <a:pPr marL="0" indent="0">
-              <a:buNone/>
-            </a:pPr>
-            <a:r>
-              <a:rPr lang="en-US" dirty="0">
-                <a:latin typeface="Courier New" panose="02070309020205020404" pitchFamily="49" charset="0"/>
-                <a:cs typeface="Courier New" panose="02070309020205020404" pitchFamily="49" charset="0"/>
-              </a:rPr>
-              <a:t>randomize(plot)</a:t>
-            </a:r>
-          </a:p>
-          <a:p>
-            <a:pPr marL="0" indent="0">
-              <a:buNone/>
-            </a:pPr>
-            <a:r>
-              <a:rPr lang="en-US" dirty="0">
-                <a:latin typeface="Courier New" panose="02070309020205020404" pitchFamily="49" charset="0"/>
-                <a:cs typeface="Courier New" panose="02070309020205020404" pitchFamily="49" charset="0"/>
-              </a:rPr>
-              <a:t>integrate(sin, lower = 0, upper = pi/2)</a:t>
-            </a:r>
-          </a:p>
-          <a:p>
-            <a:pPr marL="0" indent="0">
-              <a:buNone/>
-            </a:pPr>
-            <a:r>
-              <a:rPr lang="en-US" dirty="0">
-                <a:latin typeface="Courier New" panose="02070309020205020404" pitchFamily="49" charset="0"/>
-                <a:cs typeface="Courier New" panose="02070309020205020404" pitchFamily="49" charset="0"/>
-              </a:rPr>
-              <a:t>map, </a:t>
-            </a:r>
-            <a:r>
-              <a:rPr lang="en-US" dirty="0" err="1">
-                <a:latin typeface="Courier New" panose="02070309020205020404" pitchFamily="49" charset="0"/>
-                <a:cs typeface="Courier New" panose="02070309020205020404" pitchFamily="49" charset="0"/>
-              </a:rPr>
-              <a:t>lapply</a:t>
-            </a:r>
-            <a:r>
-              <a:rPr lang="en-US" dirty="0">
-                <a:latin typeface="Courier New" panose="02070309020205020404" pitchFamily="49" charset="0"/>
-                <a:cs typeface="Courier New" panose="02070309020205020404" pitchFamily="49" charset="0"/>
-              </a:rPr>
-              <a:t>, apply,…</a:t>
-            </a:r>
-            <a:endParaRPr lang="en-IL" dirty="0">
-              <a:latin typeface="Courier New" panose="02070309020205020404" pitchFamily="49" charset="0"/>
-              <a:cs typeface="Courier New" panose="02070309020205020404" pitchFamily="49" charset="0"/>
-            </a:endParaRPr>
-          </a:p>
-        </p:txBody>
-      </p:sp>
-      <p:sp>
-        <p:nvSpPr>
-          <p:cNvPr id="4" name="Footer Placeholder 3">
-            <a:extLst>
-              <a:ext uri="{FF2B5EF4-FFF2-40B4-BE49-F238E27FC236}">
-                <a16:creationId xmlns:a16="http://schemas.microsoft.com/office/drawing/2014/main" id="{E5513B86-F51A-4AD7-9D59-4E73D9692F17}"/>
-              </a:ext>
-            </a:extLst>
-          </p:cNvPr>
-          <p:cNvSpPr>
-            <a:spLocks noGrp="1"/>
-          </p:cNvSpPr>
-          <p:nvPr>
-            <p:ph type="ftr" sz="quarter" idx="11"/>
-          </p:nvPr>
-        </p:nvSpPr>
-        <p:spPr/>
-        <p:txBody>
-          <a:bodyPr/>
-          <a:lstStyle/>
-          <a:p>
-            <a:r>
-              <a:rPr lang="en-US"/>
-              <a:t>Materials by Adi Sarid https://adisarid.github.io and http://www.sarid-ins.com</a:t>
-            </a:r>
-            <a:endParaRPr lang="en-US" dirty="0"/>
-          </a:p>
-        </p:txBody>
-      </p:sp>
-      <p:sp>
-        <p:nvSpPr>
-          <p:cNvPr id="5" name="Slide Number Placeholder 4">
-            <a:extLst>
-              <a:ext uri="{FF2B5EF4-FFF2-40B4-BE49-F238E27FC236}">
-                <a16:creationId xmlns:a16="http://schemas.microsoft.com/office/drawing/2014/main" id="{E225B4B7-FDBE-4C4C-BC33-E27BAA8072FB}"/>
-              </a:ext>
-            </a:extLst>
-          </p:cNvPr>
-          <p:cNvSpPr>
-            <a:spLocks noGrp="1"/>
-          </p:cNvSpPr>
-          <p:nvPr>
-            <p:ph type="sldNum" sz="quarter" idx="12"/>
-          </p:nvPr>
-        </p:nvSpPr>
-        <p:spPr/>
-        <p:txBody>
-          <a:bodyPr/>
-          <a:lstStyle/>
-          <a:p>
-            <a:fld id="{4FAB73BC-B049-4115-A692-8D63A059BFB8}" type="slidenum">
-              <a:rPr lang="en-US" smtClean="0"/>
-              <a:t>4</a:t>
-            </a:fld>
-            <a:endParaRPr lang="en-US" dirty="0"/>
-          </a:p>
-        </p:txBody>
-      </p:sp>
-    </p:spTree>
-    <p:extLst>
-      <p:ext uri="{BB962C8B-B14F-4D97-AF65-F5344CB8AC3E}">
-        <p14:creationId xmlns:p14="http://schemas.microsoft.com/office/powerpoint/2010/main" val="202388887"/>
-      </p:ext>
-    </p:extLst>
-  </p:cSld>
-  <p:clrMapOvr>
-    <a:masterClrMapping/>
-  </p:clrMapOvr>
-</p:sld>
-</file>
-
-<file path=ppt/slides/slide5.xml><?xml version="1.0" encoding="utf-8"?>
-<p:sld xmlns:a="http://schemas.openxmlformats.org/drawingml/2006/main" xmlns:r="http://schemas.openxmlformats.org/officeDocument/2006/relationships" xmlns:p="http://schemas.openxmlformats.org/presentationml/2006/main">
-  <p:cSld>
-    <p:spTree>
-      <p:nvGrpSpPr>
-        <p:cNvPr id="1" name=""/>
-        <p:cNvGrpSpPr/>
-        <p:nvPr/>
-      </p:nvGrpSpPr>
-      <p:grpSpPr>
-        <a:xfrm>
-          <a:off x="0" y="0"/>
-          <a:ext cx="0" cy="0"/>
-          <a:chOff x="0" y="0"/>
-          <a:chExt cx="0" cy="0"/>
-        </a:xfrm>
-      </p:grpSpPr>
-      <p:sp>
-        <p:nvSpPr>
-          <p:cNvPr id="2" name="Title 1">
-            <a:extLst>
-              <a:ext uri="{FF2B5EF4-FFF2-40B4-BE49-F238E27FC236}">
-                <a16:creationId xmlns:a16="http://schemas.microsoft.com/office/drawing/2014/main" id="{4E845991-19E7-46CE-A706-A6AB32FB95DB}"/>
-              </a:ext>
-            </a:extLst>
-          </p:cNvPr>
-          <p:cNvSpPr>
-            <a:spLocks noGrp="1"/>
-          </p:cNvSpPr>
-          <p:nvPr>
-            <p:ph type="title"/>
-          </p:nvPr>
-        </p:nvSpPr>
-        <p:spPr/>
-        <p:txBody>
-          <a:bodyPr/>
-          <a:lstStyle/>
-          <a:p>
-            <a:r>
-              <a:rPr lang="en-US" dirty="0"/>
-              <a:t>Be specific</a:t>
-            </a:r>
-            <a:endParaRPr lang="en-IL" dirty="0"/>
-          </a:p>
-        </p:txBody>
-      </p:sp>
-      <p:sp>
-        <p:nvSpPr>
-          <p:cNvPr id="3" name="Content Placeholder 2">
-            <a:extLst>
-              <a:ext uri="{FF2B5EF4-FFF2-40B4-BE49-F238E27FC236}">
-                <a16:creationId xmlns:a16="http://schemas.microsoft.com/office/drawing/2014/main" id="{7F742DAE-0B4B-4BD3-88E6-476E488ED7F5}"/>
-              </a:ext>
-            </a:extLst>
-          </p:cNvPr>
-          <p:cNvSpPr>
-            <a:spLocks noGrp="1"/>
-          </p:cNvSpPr>
-          <p:nvPr>
-            <p:ph idx="1"/>
-          </p:nvPr>
-        </p:nvSpPr>
-        <p:spPr/>
-        <p:txBody>
-          <a:bodyPr/>
-          <a:lstStyle/>
-          <a:p>
-            <a:r>
-              <a:rPr lang="en-US" dirty="0"/>
-              <a:t>As a “best practice”, when you are using iterations, you should be as specific as possible, and pre-allocate as much as possible.</a:t>
-            </a:r>
-          </a:p>
-          <a:p>
-            <a:r>
-              <a:rPr lang="en-US" dirty="0"/>
-              <a:t>In other words your preference should be:</a:t>
-            </a:r>
-          </a:p>
-          <a:p>
-            <a:pPr lvl="1"/>
-            <a:r>
-              <a:rPr lang="en-US" dirty="0" err="1"/>
-              <a:t>purrr</a:t>
-            </a:r>
-            <a:r>
-              <a:rPr lang="en-US" dirty="0"/>
-              <a:t> &gt; for &gt; while &gt; repeat</a:t>
-            </a:r>
-          </a:p>
-          <a:p>
-            <a:endParaRPr lang="en-IL" dirty="0"/>
-          </a:p>
-        </p:txBody>
-      </p:sp>
-      <p:sp>
-        <p:nvSpPr>
-          <p:cNvPr id="4" name="Footer Placeholder 3">
-            <a:extLst>
-              <a:ext uri="{FF2B5EF4-FFF2-40B4-BE49-F238E27FC236}">
-                <a16:creationId xmlns:a16="http://schemas.microsoft.com/office/drawing/2014/main" id="{86DFC2BD-5534-4B78-A616-48FE5D57B7E7}"/>
-              </a:ext>
-            </a:extLst>
-          </p:cNvPr>
-          <p:cNvSpPr>
-            <a:spLocks noGrp="1"/>
-          </p:cNvSpPr>
-          <p:nvPr>
-            <p:ph type="ftr" sz="quarter" idx="11"/>
-          </p:nvPr>
-        </p:nvSpPr>
-        <p:spPr/>
-        <p:txBody>
-          <a:bodyPr/>
-          <a:lstStyle/>
-          <a:p>
-            <a:r>
-              <a:rPr lang="en-US"/>
-              <a:t>Materials by Adi Sarid https://adisarid.github.io and http://www.sarid-ins.com</a:t>
-            </a:r>
-            <a:endParaRPr lang="en-US" dirty="0"/>
-          </a:p>
-        </p:txBody>
-      </p:sp>
-      <p:sp>
-        <p:nvSpPr>
-          <p:cNvPr id="5" name="Slide Number Placeholder 4">
-            <a:extLst>
-              <a:ext uri="{FF2B5EF4-FFF2-40B4-BE49-F238E27FC236}">
-                <a16:creationId xmlns:a16="http://schemas.microsoft.com/office/drawing/2014/main" id="{04CE614E-9172-45D0-B7BA-66D99F548630}"/>
-              </a:ext>
-            </a:extLst>
-          </p:cNvPr>
-          <p:cNvSpPr>
-            <a:spLocks noGrp="1"/>
-          </p:cNvSpPr>
-          <p:nvPr>
-            <p:ph type="sldNum" sz="quarter" idx="12"/>
-          </p:nvPr>
-        </p:nvSpPr>
-        <p:spPr/>
-        <p:txBody>
-          <a:bodyPr/>
-          <a:lstStyle/>
-          <a:p>
-            <a:fld id="{4FAB73BC-B049-4115-A692-8D63A059BFB8}" type="slidenum">
-              <a:rPr lang="en-US" smtClean="0"/>
-              <a:t>5</a:t>
-            </a:fld>
-            <a:endParaRPr lang="en-US" dirty="0"/>
-          </a:p>
-        </p:txBody>
-      </p:sp>
-    </p:spTree>
-    <p:extLst>
-      <p:ext uri="{BB962C8B-B14F-4D97-AF65-F5344CB8AC3E}">
-        <p14:creationId xmlns:p14="http://schemas.microsoft.com/office/powerpoint/2010/main" val="1285495968"/>
-      </p:ext>
-    </p:extLst>
-  </p:cSld>
-  <p:clrMapOvr>
-    <a:masterClrMapping/>
-  </p:clrMapOvr>
-</p:sld>
-</file>
-
-<file path=ppt/slides/slide6.xml><?xml version="1.0" encoding="utf-8"?>
-<p:sld xmlns:a="http://schemas.openxmlformats.org/drawingml/2006/main" xmlns:r="http://schemas.openxmlformats.org/officeDocument/2006/relationships" xmlns:p="http://schemas.openxmlformats.org/presentationml/2006/main">
-  <p:cSld>
-    <p:spTree>
-      <p:nvGrpSpPr>
-        <p:cNvPr id="1" name=""/>
-        <p:cNvGrpSpPr/>
-        <p:nvPr/>
-      </p:nvGrpSpPr>
-      <p:grpSpPr>
-        <a:xfrm>
-          <a:off x="0" y="0"/>
-          <a:ext cx="0" cy="0"/>
-          <a:chOff x="0" y="0"/>
-          <a:chExt cx="0" cy="0"/>
-        </a:xfrm>
-      </p:grpSpPr>
-      <p:sp>
-        <p:nvSpPr>
-          <p:cNvPr id="2" name="Title 1">
-            <a:extLst>
-              <a:ext uri="{FF2B5EF4-FFF2-40B4-BE49-F238E27FC236}">
-                <a16:creationId xmlns:a16="http://schemas.microsoft.com/office/drawing/2014/main" id="{DE376234-FF2E-49D6-B9EB-716F60664C94}"/>
-              </a:ext>
-            </a:extLst>
-          </p:cNvPr>
-          <p:cNvSpPr>
-            <a:spLocks noGrp="1"/>
-          </p:cNvSpPr>
-          <p:nvPr>
-            <p:ph type="title"/>
-          </p:nvPr>
-        </p:nvSpPr>
-        <p:spPr/>
-        <p:txBody>
-          <a:bodyPr/>
-          <a:lstStyle/>
-          <a:p>
-            <a:r>
-              <a:rPr lang="en-US" dirty="0" err="1"/>
-              <a:t>purrr</a:t>
-            </a:r>
-            <a:r>
-              <a:rPr lang="en-US" dirty="0"/>
-              <a:t>::map</a:t>
-            </a:r>
-            <a:endParaRPr lang="en-IL" dirty="0"/>
-          </a:p>
-        </p:txBody>
-      </p:sp>
-      <p:sp>
-        <p:nvSpPr>
-          <p:cNvPr id="3" name="Content Placeholder 2">
-            <a:extLst>
-              <a:ext uri="{FF2B5EF4-FFF2-40B4-BE49-F238E27FC236}">
-                <a16:creationId xmlns:a16="http://schemas.microsoft.com/office/drawing/2014/main" id="{D550A6E6-1042-415F-AD8A-943DFD49D2EB}"/>
-              </a:ext>
-            </a:extLst>
-          </p:cNvPr>
-          <p:cNvSpPr>
-            <a:spLocks noGrp="1"/>
-          </p:cNvSpPr>
-          <p:nvPr>
-            <p:ph idx="1"/>
-          </p:nvPr>
-        </p:nvSpPr>
-        <p:spPr/>
-        <p:txBody>
-          <a:bodyPr/>
-          <a:lstStyle/>
-          <a:p>
-            <a:r>
-              <a:rPr lang="en-US" dirty="0"/>
-              <a:t>Takes a vector and a function and does this:</a:t>
-            </a:r>
-          </a:p>
-          <a:p>
-            <a:r>
-              <a:rPr lang="en-US" dirty="0"/>
-              <a:t>The </a:t>
-            </a:r>
-            <a:r>
-              <a:rPr lang="en-US" b="1" dirty="0"/>
-              <a:t>implementation is in C code</a:t>
-            </a:r>
-            <a:r>
-              <a:rPr lang="en-US" dirty="0"/>
-              <a:t>, </a:t>
-            </a:r>
-          </a:p>
-          <a:p>
-            <a:r>
-              <a:rPr lang="en-US" dirty="0"/>
-              <a:t>but is equivalent logically to something like:</a:t>
-            </a:r>
-          </a:p>
-          <a:p>
-            <a:pPr marL="0" indent="0">
-              <a:buNone/>
-            </a:pPr>
-            <a:r>
-              <a:rPr lang="en-US" sz="1200" dirty="0" err="1">
-                <a:latin typeface="Courier New" panose="02070309020205020404" pitchFamily="49" charset="0"/>
-                <a:cs typeface="Courier New" panose="02070309020205020404" pitchFamily="49" charset="0"/>
-              </a:rPr>
-              <a:t>simple_map</a:t>
-            </a:r>
-            <a:r>
-              <a:rPr lang="en-US" sz="1200" dirty="0">
-                <a:latin typeface="Courier New" panose="02070309020205020404" pitchFamily="49" charset="0"/>
-                <a:cs typeface="Courier New" panose="02070309020205020404" pitchFamily="49" charset="0"/>
-              </a:rPr>
-              <a:t> &lt;- function(x, f, ...) {</a:t>
-            </a:r>
-            <a:br>
-              <a:rPr lang="en-US" sz="1200" dirty="0">
-                <a:latin typeface="Courier New" panose="02070309020205020404" pitchFamily="49" charset="0"/>
-                <a:cs typeface="Courier New" panose="02070309020205020404" pitchFamily="49" charset="0"/>
-              </a:rPr>
-            </a:br>
-            <a:r>
-              <a:rPr lang="en-US" sz="1200" dirty="0">
-                <a:latin typeface="Courier New" panose="02070309020205020404" pitchFamily="49" charset="0"/>
-                <a:cs typeface="Courier New" panose="02070309020205020404" pitchFamily="49" charset="0"/>
-              </a:rPr>
-              <a:t>   out &lt;- vector("list", length(x))</a:t>
-            </a:r>
-            <a:br>
-              <a:rPr lang="en-US" sz="1200" dirty="0">
-                <a:latin typeface="Courier New" panose="02070309020205020404" pitchFamily="49" charset="0"/>
-                <a:cs typeface="Courier New" panose="02070309020205020404" pitchFamily="49" charset="0"/>
-              </a:rPr>
-            </a:br>
-            <a:r>
-              <a:rPr lang="en-US" sz="1200" dirty="0">
-                <a:latin typeface="Courier New" panose="02070309020205020404" pitchFamily="49" charset="0"/>
-                <a:cs typeface="Courier New" panose="02070309020205020404" pitchFamily="49" charset="0"/>
-              </a:rPr>
-              <a:t>   for (</a:t>
-            </a:r>
-            <a:r>
-              <a:rPr lang="en-US" sz="1200" dirty="0" err="1">
-                <a:latin typeface="Courier New" panose="02070309020205020404" pitchFamily="49" charset="0"/>
-                <a:cs typeface="Courier New" panose="02070309020205020404" pitchFamily="49" charset="0"/>
-              </a:rPr>
-              <a:t>i</a:t>
-            </a:r>
-            <a:r>
-              <a:rPr lang="en-US" sz="1200" dirty="0">
-                <a:latin typeface="Courier New" panose="02070309020205020404" pitchFamily="49" charset="0"/>
-                <a:cs typeface="Courier New" panose="02070309020205020404" pitchFamily="49" charset="0"/>
-              </a:rPr>
-              <a:t> in </a:t>
-            </a:r>
-            <a:r>
-              <a:rPr lang="en-US" sz="1200" dirty="0" err="1">
-                <a:latin typeface="Courier New" panose="02070309020205020404" pitchFamily="49" charset="0"/>
-                <a:cs typeface="Courier New" panose="02070309020205020404" pitchFamily="49" charset="0"/>
-              </a:rPr>
-              <a:t>seq_along</a:t>
-            </a:r>
-            <a:r>
-              <a:rPr lang="en-US" sz="1200" dirty="0">
-                <a:latin typeface="Courier New" panose="02070309020205020404" pitchFamily="49" charset="0"/>
-                <a:cs typeface="Courier New" panose="02070309020205020404" pitchFamily="49" charset="0"/>
-              </a:rPr>
-              <a:t>(x)) {</a:t>
-            </a:r>
-            <a:br>
-              <a:rPr lang="en-US" sz="1200" dirty="0">
-                <a:latin typeface="Courier New" panose="02070309020205020404" pitchFamily="49" charset="0"/>
-                <a:cs typeface="Courier New" panose="02070309020205020404" pitchFamily="49" charset="0"/>
-              </a:rPr>
-            </a:br>
-            <a:r>
-              <a:rPr lang="en-US" sz="1200" dirty="0">
-                <a:latin typeface="Courier New" panose="02070309020205020404" pitchFamily="49" charset="0"/>
-                <a:cs typeface="Courier New" panose="02070309020205020404" pitchFamily="49" charset="0"/>
-              </a:rPr>
-              <a:t>      out[[</a:t>
-            </a:r>
-            <a:r>
-              <a:rPr lang="en-US" sz="1200" dirty="0" err="1">
-                <a:latin typeface="Courier New" panose="02070309020205020404" pitchFamily="49" charset="0"/>
-                <a:cs typeface="Courier New" panose="02070309020205020404" pitchFamily="49" charset="0"/>
-              </a:rPr>
-              <a:t>i</a:t>
-            </a:r>
-            <a:r>
-              <a:rPr lang="en-US" sz="1200" dirty="0">
-                <a:latin typeface="Courier New" panose="02070309020205020404" pitchFamily="49" charset="0"/>
-                <a:cs typeface="Courier New" panose="02070309020205020404" pitchFamily="49" charset="0"/>
-              </a:rPr>
-              <a:t>]] &lt;- f(x[[</a:t>
-            </a:r>
-            <a:r>
-              <a:rPr lang="en-US" sz="1200" dirty="0" err="1">
-                <a:latin typeface="Courier New" panose="02070309020205020404" pitchFamily="49" charset="0"/>
-                <a:cs typeface="Courier New" panose="02070309020205020404" pitchFamily="49" charset="0"/>
-              </a:rPr>
-              <a:t>i</a:t>
-            </a:r>
-            <a:r>
-              <a:rPr lang="en-US" sz="1200" dirty="0">
-                <a:latin typeface="Courier New" panose="02070309020205020404" pitchFamily="49" charset="0"/>
-                <a:cs typeface="Courier New" panose="02070309020205020404" pitchFamily="49" charset="0"/>
-              </a:rPr>
-              <a:t>]], ...)</a:t>
-            </a:r>
-            <a:br>
-              <a:rPr lang="en-US" sz="1200" dirty="0">
-                <a:latin typeface="Courier New" panose="02070309020205020404" pitchFamily="49" charset="0"/>
-                <a:cs typeface="Courier New" panose="02070309020205020404" pitchFamily="49" charset="0"/>
-              </a:rPr>
-            </a:br>
-            <a:r>
-              <a:rPr lang="en-US" sz="1200" dirty="0">
-                <a:latin typeface="Courier New" panose="02070309020205020404" pitchFamily="49" charset="0"/>
-                <a:cs typeface="Courier New" panose="02070309020205020404" pitchFamily="49" charset="0"/>
-              </a:rPr>
-              <a:t>   }</a:t>
-            </a:r>
-            <a:br>
-              <a:rPr lang="en-US" sz="1200" dirty="0">
-                <a:latin typeface="Courier New" panose="02070309020205020404" pitchFamily="49" charset="0"/>
-                <a:cs typeface="Courier New" panose="02070309020205020404" pitchFamily="49" charset="0"/>
-              </a:rPr>
-            </a:br>
-            <a:r>
-              <a:rPr lang="en-US" sz="1200" dirty="0">
-                <a:latin typeface="Courier New" panose="02070309020205020404" pitchFamily="49" charset="0"/>
-                <a:cs typeface="Courier New" panose="02070309020205020404" pitchFamily="49" charset="0"/>
-              </a:rPr>
-              <a:t>   out</a:t>
-            </a:r>
-            <a:br>
-              <a:rPr lang="en-US" sz="1200" dirty="0">
-                <a:latin typeface="Courier New" panose="02070309020205020404" pitchFamily="49" charset="0"/>
-                <a:cs typeface="Courier New" panose="02070309020205020404" pitchFamily="49" charset="0"/>
-              </a:rPr>
-            </a:br>
-            <a:r>
-              <a:rPr lang="en-US" sz="1200" dirty="0">
-                <a:latin typeface="Courier New" panose="02070309020205020404" pitchFamily="49" charset="0"/>
-                <a:cs typeface="Courier New" panose="02070309020205020404" pitchFamily="49" charset="0"/>
-              </a:rPr>
-              <a:t>}</a:t>
-            </a:r>
-          </a:p>
-          <a:p>
-            <a:pPr marL="0" indent="0">
-              <a:buNone/>
-            </a:pPr>
-            <a:endParaRPr lang="en-IL" sz="1200" dirty="0">
-              <a:latin typeface="Courier New" panose="02070309020205020404" pitchFamily="49" charset="0"/>
-              <a:cs typeface="Courier New" panose="02070309020205020404" pitchFamily="49" charset="0"/>
-            </a:endParaRPr>
-          </a:p>
-          <a:p>
-            <a:r>
-              <a:rPr lang="en-US" dirty="0"/>
-              <a:t>map() returns a list, </a:t>
-            </a:r>
-            <a:r>
-              <a:rPr lang="en-US" dirty="0" err="1"/>
-              <a:t>map_dbl</a:t>
-            </a:r>
-            <a:r>
-              <a:rPr lang="en-US" dirty="0"/>
-              <a:t>(), </a:t>
-            </a:r>
-            <a:r>
-              <a:rPr lang="en-US" dirty="0" err="1"/>
-              <a:t>map_lgl</a:t>
-            </a:r>
-            <a:r>
-              <a:rPr lang="en-US" dirty="0"/>
-              <a:t>(), </a:t>
-            </a:r>
-            <a:r>
-              <a:rPr lang="en-US" dirty="0" err="1"/>
-              <a:t>map_int</a:t>
-            </a:r>
-            <a:r>
-              <a:rPr lang="en-US" dirty="0"/>
-              <a:t>(), </a:t>
-            </a:r>
-            <a:r>
-              <a:rPr lang="en-US" dirty="0" err="1"/>
-              <a:t>map_chr</a:t>
-            </a:r>
-            <a:r>
-              <a:rPr lang="en-US" dirty="0"/>
-              <a:t>() return a </a:t>
-            </a:r>
-            <a:r>
-              <a:rPr lang="en-US" dirty="0" err="1"/>
-              <a:t>vecor</a:t>
-            </a:r>
-            <a:r>
-              <a:rPr lang="en-US" dirty="0"/>
-              <a:t> of type double, logical, integer, and character.</a:t>
-            </a:r>
-          </a:p>
-        </p:txBody>
-      </p:sp>
-      <p:sp>
-        <p:nvSpPr>
-          <p:cNvPr id="4" name="Footer Placeholder 3">
-            <a:extLst>
-              <a:ext uri="{FF2B5EF4-FFF2-40B4-BE49-F238E27FC236}">
-                <a16:creationId xmlns:a16="http://schemas.microsoft.com/office/drawing/2014/main" id="{47CCA91D-765B-4BD0-80FE-07F0351E5727}"/>
-              </a:ext>
-            </a:extLst>
-          </p:cNvPr>
-          <p:cNvSpPr>
-            <a:spLocks noGrp="1"/>
-          </p:cNvSpPr>
-          <p:nvPr>
-            <p:ph type="ftr" sz="quarter" idx="11"/>
-          </p:nvPr>
-        </p:nvSpPr>
-        <p:spPr/>
-        <p:txBody>
-          <a:bodyPr/>
-          <a:lstStyle/>
-          <a:p>
-            <a:r>
-              <a:rPr lang="en-US"/>
-              <a:t>Materials by Adi Sarid https://adisarid.github.io and http://www.sarid-ins.com</a:t>
-            </a:r>
-            <a:endParaRPr lang="en-US" dirty="0"/>
-          </a:p>
-        </p:txBody>
-      </p:sp>
-      <p:sp>
-        <p:nvSpPr>
-          <p:cNvPr id="5" name="Slide Number Placeholder 4">
-            <a:extLst>
-              <a:ext uri="{FF2B5EF4-FFF2-40B4-BE49-F238E27FC236}">
-                <a16:creationId xmlns:a16="http://schemas.microsoft.com/office/drawing/2014/main" id="{EFDC0F16-25B5-4F02-B3FA-CA058A17C590}"/>
-              </a:ext>
-            </a:extLst>
-          </p:cNvPr>
-          <p:cNvSpPr>
-            <a:spLocks noGrp="1"/>
-          </p:cNvSpPr>
-          <p:nvPr>
-            <p:ph type="sldNum" sz="quarter" idx="12"/>
-          </p:nvPr>
-        </p:nvSpPr>
-        <p:spPr/>
-        <p:txBody>
-          <a:bodyPr/>
-          <a:lstStyle/>
-          <a:p>
-            <a:fld id="{4FAB73BC-B049-4115-A692-8D63A059BFB8}" type="slidenum">
-              <a:rPr lang="en-US" smtClean="0"/>
-              <a:t>6</a:t>
-            </a:fld>
-            <a:endParaRPr lang="en-US" dirty="0"/>
-          </a:p>
-        </p:txBody>
-      </p:sp>
-      <p:pic>
-        <p:nvPicPr>
-          <p:cNvPr id="6" name="Picture 5">
-            <a:extLst>
-              <a:ext uri="{FF2B5EF4-FFF2-40B4-BE49-F238E27FC236}">
-                <a16:creationId xmlns:a16="http://schemas.microsoft.com/office/drawing/2014/main" id="{A3C058F5-DE12-4D5A-88E5-26297C2459A7}"/>
-              </a:ext>
-            </a:extLst>
-          </p:cNvPr>
-          <p:cNvPicPr>
-            <a:picLocks noChangeAspect="1"/>
-          </p:cNvPicPr>
-          <p:nvPr/>
-        </p:nvPicPr>
-        <p:blipFill>
-          <a:blip r:embed="rId2"/>
-          <a:stretch>
-            <a:fillRect/>
-          </a:stretch>
-        </p:blipFill>
-        <p:spPr>
-          <a:xfrm>
-            <a:off x="7976501" y="1423358"/>
-            <a:ext cx="2475699" cy="1892060"/>
-          </a:xfrm>
-          <a:prstGeom prst="rect">
-            <a:avLst/>
-          </a:prstGeom>
-        </p:spPr>
-      </p:pic>
-    </p:spTree>
-    <p:extLst>
-      <p:ext uri="{BB962C8B-B14F-4D97-AF65-F5344CB8AC3E}">
-        <p14:creationId xmlns:p14="http://schemas.microsoft.com/office/powerpoint/2010/main" val="4231588211"/>
-      </p:ext>
-    </p:extLst>
-  </p:cSld>
-  <p:clrMapOvr>
-    <a:masterClrMapping/>
-  </p:clrMapOvr>
 </p:sld>
 </file>
 

--- a/lecture/Purr - tidyverse iterations.pptx
+++ b/lecture/Purr - tidyverse iterations.pptx
@@ -9,15 +9,15 @@
   </p:notesMasterIdLst>
   <p:sldIdLst>
     <p:sldId id="256" r:id="rId2"/>
-    <p:sldId id="258" r:id="rId3"/>
-    <p:sldId id="259" r:id="rId4"/>
-    <p:sldId id="260" r:id="rId5"/>
-    <p:sldId id="261" r:id="rId6"/>
-    <p:sldId id="257" r:id="rId7"/>
-    <p:sldId id="262" r:id="rId8"/>
-    <p:sldId id="263" r:id="rId9"/>
-    <p:sldId id="264" r:id="rId10"/>
-    <p:sldId id="266" r:id="rId11"/>
+    <p:sldId id="257" r:id="rId3"/>
+    <p:sldId id="258" r:id="rId4"/>
+    <p:sldId id="259" r:id="rId5"/>
+    <p:sldId id="260" r:id="rId6"/>
+    <p:sldId id="261" r:id="rId7"/>
+    <p:sldId id="266" r:id="rId8"/>
+    <p:sldId id="262" r:id="rId9"/>
+    <p:sldId id="263" r:id="rId10"/>
+    <p:sldId id="264" r:id="rId11"/>
     <p:sldId id="265" r:id="rId12"/>
     <p:sldId id="268" r:id="rId13"/>
     <p:sldId id="267" r:id="rId14"/>
@@ -4699,6 +4699,10 @@
               <a:rPr lang="en-US" dirty="0" err="1"/>
               <a:t>purrr</a:t>
             </a:r>
+            <a:r>
+              <a:rPr lang="en-US" dirty="0"/>
+              <a:t/>
+            </a:r>
             <a:br>
               <a:rPr lang="en-US" dirty="0"/>
             </a:br>
@@ -4793,6 +4797,13 @@
   <p:clrMapOvr>
     <a:masterClrMapping/>
   </p:clrMapOvr>
+  <p:timing>
+    <p:tnLst>
+      <p:par>
+        <p:cTn id="1" dur="indefinite" restart="never" nodeType="tmRoot"/>
+      </p:par>
+    </p:tnLst>
+  </p:timing>
 </p:sld>
 </file>
 
@@ -4818,6 +4829,3593 @@
           <p:cNvPr id="2" name="Title 1">
             <a:extLst>
               <a:ext uri="{FF2B5EF4-FFF2-40B4-BE49-F238E27FC236}">
+                <a16:creationId xmlns:a16="http://schemas.microsoft.com/office/drawing/2014/main" id="{24570F96-9F5C-4DEC-9537-BA8E526CB72F}"/>
+              </a:ext>
+            </a:extLst>
+          </p:cNvPr>
+          <p:cNvSpPr>
+            <a:spLocks noGrp="1"/>
+          </p:cNvSpPr>
+          <p:nvPr>
+            <p:ph type="title"/>
+          </p:nvPr>
+        </p:nvSpPr>
+        <p:spPr/>
+        <p:txBody>
+          <a:bodyPr/>
+          <a:lstStyle/>
+          <a:p>
+            <a:r>
+              <a:rPr lang="en-US" dirty="0"/>
+              <a:t>Passing additional arguments to map</a:t>
+            </a:r>
+            <a:endParaRPr lang="en-IL" dirty="0"/>
+          </a:p>
+        </p:txBody>
+      </p:sp>
+      <p:sp>
+        <p:nvSpPr>
+          <p:cNvPr id="3" name="Content Placeholder 2">
+            <a:extLst>
+              <a:ext uri="{FF2B5EF4-FFF2-40B4-BE49-F238E27FC236}">
+                <a16:creationId xmlns:a16="http://schemas.microsoft.com/office/drawing/2014/main" id="{0379A6CD-577C-4493-A0A2-54677FC017E8}"/>
+              </a:ext>
+            </a:extLst>
+          </p:cNvPr>
+          <p:cNvSpPr>
+            <a:spLocks noGrp="1"/>
+          </p:cNvSpPr>
+          <p:nvPr>
+            <p:ph idx="1"/>
+          </p:nvPr>
+        </p:nvSpPr>
+        <p:spPr/>
+        <p:txBody>
+          <a:bodyPr>
+            <a:normAutofit/>
+          </a:bodyPr>
+          <a:lstStyle/>
+          <a:p>
+            <a:pPr marL="0" indent="0">
+              <a:buNone/>
+            </a:pPr>
+            <a:r>
+              <a:rPr lang="en-US" sz="1800" dirty="0">
+                <a:latin typeface="Courier New" panose="02070309020205020404" pitchFamily="49" charset="0"/>
+                <a:cs typeface="Courier New" panose="02070309020205020404" pitchFamily="49" charset="0"/>
+              </a:rPr>
+              <a:t>x &lt;- list(1:5, c(1:10, NA))</a:t>
+            </a:r>
+          </a:p>
+          <a:p>
+            <a:pPr marL="0" indent="0">
+              <a:buNone/>
+            </a:pPr>
+            <a:endParaRPr lang="en-US" sz="1800" dirty="0">
+              <a:latin typeface="Courier New" panose="02070309020205020404" pitchFamily="49" charset="0"/>
+              <a:cs typeface="Courier New" panose="02070309020205020404" pitchFamily="49" charset="0"/>
+            </a:endParaRPr>
+          </a:p>
+          <a:p>
+            <a:pPr marL="0" indent="0">
+              <a:buNone/>
+            </a:pPr>
+            <a:r>
+              <a:rPr lang="en-US" sz="1800" dirty="0">
+                <a:cs typeface="Courier New" panose="02070309020205020404" pitchFamily="49" charset="0"/>
+              </a:rPr>
+              <a:t>Using an inline function:</a:t>
+            </a:r>
+          </a:p>
+          <a:p>
+            <a:pPr marL="0" indent="0">
+              <a:buNone/>
+            </a:pPr>
+            <a:r>
+              <a:rPr lang="en-US" sz="1800" dirty="0" err="1">
+                <a:latin typeface="Courier New" panose="02070309020205020404" pitchFamily="49" charset="0"/>
+                <a:cs typeface="Courier New" panose="02070309020205020404" pitchFamily="49" charset="0"/>
+              </a:rPr>
+              <a:t>map_dbl</a:t>
+            </a:r>
+            <a:r>
+              <a:rPr lang="en-US" sz="1800" dirty="0">
+                <a:latin typeface="Courier New" panose="02070309020205020404" pitchFamily="49" charset="0"/>
+                <a:cs typeface="Courier New" panose="02070309020205020404" pitchFamily="49" charset="0"/>
+              </a:rPr>
+              <a:t>(x, ~ mean(.x, na.rm = TRUE))</a:t>
+            </a:r>
+          </a:p>
+          <a:p>
+            <a:pPr marL="0" indent="0">
+              <a:buNone/>
+            </a:pPr>
+            <a:endParaRPr lang="en-US" sz="1800" dirty="0">
+              <a:cs typeface="Courier New" panose="02070309020205020404" pitchFamily="49" charset="0"/>
+            </a:endParaRPr>
+          </a:p>
+          <a:p>
+            <a:pPr marL="0" indent="0">
+              <a:buNone/>
+            </a:pPr>
+            <a:r>
+              <a:rPr lang="en-US" sz="1800" dirty="0">
+                <a:cs typeface="Courier New" panose="02070309020205020404" pitchFamily="49" charset="0"/>
+              </a:rPr>
+              <a:t>Map also passes the ..., so you can just keep on specifying:</a:t>
+            </a:r>
+          </a:p>
+          <a:p>
+            <a:pPr marL="0" indent="0">
+              <a:buNone/>
+            </a:pPr>
+            <a:r>
+              <a:rPr lang="en-US" sz="1800" dirty="0" err="1">
+                <a:latin typeface="Courier New" panose="02070309020205020404" pitchFamily="49" charset="0"/>
+                <a:cs typeface="Courier New" panose="02070309020205020404" pitchFamily="49" charset="0"/>
+              </a:rPr>
+              <a:t>map_dbl</a:t>
+            </a:r>
+            <a:r>
+              <a:rPr lang="en-US" sz="1800" dirty="0">
+                <a:latin typeface="Courier New" panose="02070309020205020404" pitchFamily="49" charset="0"/>
+                <a:cs typeface="Courier New" panose="02070309020205020404" pitchFamily="49" charset="0"/>
+              </a:rPr>
+              <a:t>(x, mean, na.rm = TRUE)</a:t>
+            </a:r>
+            <a:endParaRPr lang="en-IL" sz="1800" dirty="0">
+              <a:latin typeface="Courier New" panose="02070309020205020404" pitchFamily="49" charset="0"/>
+              <a:cs typeface="Courier New" panose="02070309020205020404" pitchFamily="49" charset="0"/>
+            </a:endParaRPr>
+          </a:p>
+        </p:txBody>
+      </p:sp>
+      <p:sp>
+        <p:nvSpPr>
+          <p:cNvPr id="4" name="Footer Placeholder 3">
+            <a:extLst>
+              <a:ext uri="{FF2B5EF4-FFF2-40B4-BE49-F238E27FC236}">
+                <a16:creationId xmlns:a16="http://schemas.microsoft.com/office/drawing/2014/main" id="{87821B7F-BFA6-491D-8D66-A2900660A5E1}"/>
+              </a:ext>
+            </a:extLst>
+          </p:cNvPr>
+          <p:cNvSpPr>
+            <a:spLocks noGrp="1"/>
+          </p:cNvSpPr>
+          <p:nvPr>
+            <p:ph type="ftr" sz="quarter" idx="11"/>
+          </p:nvPr>
+        </p:nvSpPr>
+        <p:spPr/>
+        <p:txBody>
+          <a:bodyPr/>
+          <a:lstStyle/>
+          <a:p>
+            <a:r>
+              <a:rPr lang="en-US"/>
+              <a:t>Materials by Adi Sarid https://adisarid.github.io and http://www.sarid-ins.com</a:t>
+            </a:r>
+            <a:endParaRPr lang="en-US" dirty="0"/>
+          </a:p>
+        </p:txBody>
+      </p:sp>
+      <p:sp>
+        <p:nvSpPr>
+          <p:cNvPr id="5" name="Slide Number Placeholder 4">
+            <a:extLst>
+              <a:ext uri="{FF2B5EF4-FFF2-40B4-BE49-F238E27FC236}">
+                <a16:creationId xmlns:a16="http://schemas.microsoft.com/office/drawing/2014/main" id="{16A9F158-9DD2-477B-8115-FF7F6FDF495A}"/>
+              </a:ext>
+            </a:extLst>
+          </p:cNvPr>
+          <p:cNvSpPr>
+            <a:spLocks noGrp="1"/>
+          </p:cNvSpPr>
+          <p:nvPr>
+            <p:ph type="sldNum" sz="quarter" idx="12"/>
+          </p:nvPr>
+        </p:nvSpPr>
+        <p:spPr/>
+        <p:txBody>
+          <a:bodyPr/>
+          <a:lstStyle/>
+          <a:p>
+            <a:fld id="{4FAB73BC-B049-4115-A692-8D63A059BFB8}" type="slidenum">
+              <a:rPr lang="en-US" smtClean="0"/>
+              <a:t>10</a:t>
+            </a:fld>
+            <a:endParaRPr lang="en-US" dirty="0"/>
+          </a:p>
+        </p:txBody>
+      </p:sp>
+      <p:pic>
+        <p:nvPicPr>
+          <p:cNvPr id="6" name="Picture 5">
+            <a:extLst>
+              <a:ext uri="{FF2B5EF4-FFF2-40B4-BE49-F238E27FC236}">
+                <a16:creationId xmlns:a16="http://schemas.microsoft.com/office/drawing/2014/main" id="{A853284A-7422-4666-974D-ED62354BAB23}"/>
+              </a:ext>
+            </a:extLst>
+          </p:cNvPr>
+          <p:cNvPicPr>
+            <a:picLocks noChangeAspect="1"/>
+          </p:cNvPicPr>
+          <p:nvPr/>
+        </p:nvPicPr>
+        <p:blipFill>
+          <a:blip r:embed="rId2"/>
+          <a:stretch>
+            <a:fillRect/>
+          </a:stretch>
+        </p:blipFill>
+        <p:spPr>
+          <a:xfrm>
+            <a:off x="9497683" y="1726722"/>
+            <a:ext cx="2331882" cy="1289424"/>
+          </a:xfrm>
+          <a:prstGeom prst="rect">
+            <a:avLst/>
+          </a:prstGeom>
+        </p:spPr>
+      </p:pic>
+    </p:spTree>
+    <p:extLst>
+      <p:ext uri="{BB962C8B-B14F-4D97-AF65-F5344CB8AC3E}">
+        <p14:creationId xmlns:p14="http://schemas.microsoft.com/office/powerpoint/2010/main" val="2761124793"/>
+      </p:ext>
+    </p:extLst>
+  </p:cSld>
+  <p:clrMapOvr>
+    <a:masterClrMapping/>
+  </p:clrMapOvr>
+</p:sld>
+</file>
+
+<file path=ppt/slides/slide11.xml><?xml version="1.0" encoding="utf-8"?>
+<p:sld xmlns:a="http://schemas.openxmlformats.org/drawingml/2006/main" xmlns:r="http://schemas.openxmlformats.org/officeDocument/2006/relationships" xmlns:p="http://schemas.openxmlformats.org/presentationml/2006/main">
+  <p:cSld>
+    <p:spTree>
+      <p:nvGrpSpPr>
+        <p:cNvPr id="1" name=""/>
+        <p:cNvGrpSpPr/>
+        <p:nvPr/>
+      </p:nvGrpSpPr>
+      <p:grpSpPr>
+        <a:xfrm>
+          <a:off x="0" y="0"/>
+          <a:ext cx="0" cy="0"/>
+          <a:chOff x="0" y="0"/>
+          <a:chExt cx="0" cy="0"/>
+        </a:xfrm>
+      </p:grpSpPr>
+      <p:sp>
+        <p:nvSpPr>
+          <p:cNvPr id="2" name="Title 1">
+            <a:extLst>
+              <a:ext uri="{FF2B5EF4-FFF2-40B4-BE49-F238E27FC236}">
+                <a16:creationId xmlns:a16="http://schemas.microsoft.com/office/drawing/2014/main" id="{7B23A2F1-8AF7-442C-A3C6-CE78DBA411D7}"/>
+              </a:ext>
+            </a:extLst>
+          </p:cNvPr>
+          <p:cNvSpPr>
+            <a:spLocks noGrp="1"/>
+          </p:cNvSpPr>
+          <p:nvPr>
+            <p:ph type="title"/>
+          </p:nvPr>
+        </p:nvSpPr>
+        <p:spPr/>
+        <p:txBody>
+          <a:bodyPr/>
+          <a:lstStyle/>
+          <a:p>
+            <a:r>
+              <a:rPr lang="en-US" dirty="0"/>
+              <a:t>Exercise (question 1)</a:t>
+            </a:r>
+            <a:br>
+              <a:rPr lang="en-US" dirty="0"/>
+            </a:br>
+            <a:r>
+              <a:rPr lang="en-US" sz="3600" dirty="0"/>
+              <a:t>(code available at 06-Purrr.R)</a:t>
+            </a:r>
+            <a:endParaRPr lang="en-IL" sz="3600" dirty="0"/>
+          </a:p>
+        </p:txBody>
+      </p:sp>
+      <p:sp>
+        <p:nvSpPr>
+          <p:cNvPr id="3" name="Content Placeholder 2">
+            <a:extLst>
+              <a:ext uri="{FF2B5EF4-FFF2-40B4-BE49-F238E27FC236}">
+                <a16:creationId xmlns:a16="http://schemas.microsoft.com/office/drawing/2014/main" id="{051EA1D0-D7C5-40C4-A252-F2CADEAF5470}"/>
+              </a:ext>
+            </a:extLst>
+          </p:cNvPr>
+          <p:cNvSpPr>
+            <a:spLocks noGrp="1"/>
+          </p:cNvSpPr>
+          <p:nvPr>
+            <p:ph idx="1"/>
+          </p:nvPr>
+        </p:nvSpPr>
+        <p:spPr>
+          <a:xfrm>
+            <a:off x="1069848" y="2121408"/>
+            <a:ext cx="10058400" cy="3787686"/>
+          </a:xfrm>
+        </p:spPr>
+        <p:txBody>
+          <a:bodyPr>
+            <a:normAutofit fontScale="92500" lnSpcReduction="10000"/>
+          </a:bodyPr>
+          <a:lstStyle/>
+          <a:p>
+            <a:r>
+              <a:rPr lang="en-US" dirty="0"/>
+              <a:t>Explain the differences between the following four code segments. Explain what happens in each:</a:t>
+            </a:r>
+          </a:p>
+          <a:p>
+            <a:pPr marL="0" indent="0">
+              <a:buNone/>
+            </a:pPr>
+            <a:r>
+              <a:rPr lang="en-US" sz="1100" dirty="0">
+                <a:latin typeface="Courier New" panose="02070309020205020404" pitchFamily="49" charset="0"/>
+                <a:cs typeface="Courier New" panose="02070309020205020404" pitchFamily="49" charset="0"/>
+              </a:rPr>
+              <a:t>iris %&gt;% </a:t>
+            </a:r>
+          </a:p>
+          <a:p>
+            <a:pPr marL="0" indent="0">
+              <a:lnSpc>
+                <a:spcPct val="120000"/>
+              </a:lnSpc>
+              <a:spcBef>
+                <a:spcPts val="0"/>
+              </a:spcBef>
+              <a:buNone/>
+            </a:pPr>
+            <a:r>
+              <a:rPr lang="en-US" sz="1100" dirty="0">
+                <a:latin typeface="Courier New" panose="02070309020205020404" pitchFamily="49" charset="0"/>
+                <a:cs typeface="Courier New" panose="02070309020205020404" pitchFamily="49" charset="0"/>
+              </a:rPr>
+              <a:t>  </a:t>
+            </a:r>
+            <a:r>
+              <a:rPr lang="en-US" sz="1100" dirty="0" err="1">
+                <a:latin typeface="Courier New" panose="02070309020205020404" pitchFamily="49" charset="0"/>
+                <a:cs typeface="Courier New" panose="02070309020205020404" pitchFamily="49" charset="0"/>
+              </a:rPr>
+              <a:t>group_by</a:t>
+            </a:r>
+            <a:r>
+              <a:rPr lang="en-US" sz="1100" dirty="0">
+                <a:latin typeface="Courier New" panose="02070309020205020404" pitchFamily="49" charset="0"/>
+                <a:cs typeface="Courier New" panose="02070309020205020404" pitchFamily="49" charset="0"/>
+              </a:rPr>
+              <a:t>(Species) %&gt;% </a:t>
+            </a:r>
+          </a:p>
+          <a:p>
+            <a:pPr marL="0" indent="0">
+              <a:lnSpc>
+                <a:spcPct val="120000"/>
+              </a:lnSpc>
+              <a:spcBef>
+                <a:spcPts val="0"/>
+              </a:spcBef>
+              <a:buNone/>
+            </a:pPr>
+            <a:r>
+              <a:rPr lang="en-US" sz="1100" dirty="0">
+                <a:latin typeface="Courier New" panose="02070309020205020404" pitchFamily="49" charset="0"/>
+                <a:cs typeface="Courier New" panose="02070309020205020404" pitchFamily="49" charset="0"/>
+              </a:rPr>
+              <a:t>  </a:t>
+            </a:r>
+            <a:r>
+              <a:rPr lang="en-US" sz="1100" dirty="0" err="1">
+                <a:latin typeface="Courier New" panose="02070309020205020404" pitchFamily="49" charset="0"/>
+                <a:cs typeface="Courier New" panose="02070309020205020404" pitchFamily="49" charset="0"/>
+              </a:rPr>
+              <a:t>map_dbl</a:t>
+            </a:r>
+            <a:r>
+              <a:rPr lang="en-US" sz="1100" dirty="0">
+                <a:latin typeface="Courier New" panose="02070309020205020404" pitchFamily="49" charset="0"/>
+                <a:cs typeface="Courier New" panose="02070309020205020404" pitchFamily="49" charset="0"/>
+              </a:rPr>
+              <a:t>(length)</a:t>
+            </a:r>
+          </a:p>
+          <a:p>
+            <a:pPr marL="0" indent="0">
+              <a:lnSpc>
+                <a:spcPct val="120000"/>
+              </a:lnSpc>
+              <a:spcBef>
+                <a:spcPts val="0"/>
+              </a:spcBef>
+              <a:buNone/>
+            </a:pPr>
+            <a:endParaRPr lang="en-US" sz="1100" dirty="0">
+              <a:latin typeface="Courier New" panose="02070309020205020404" pitchFamily="49" charset="0"/>
+              <a:cs typeface="Courier New" panose="02070309020205020404" pitchFamily="49" charset="0"/>
+            </a:endParaRPr>
+          </a:p>
+          <a:p>
+            <a:pPr marL="0" indent="0">
+              <a:lnSpc>
+                <a:spcPct val="120000"/>
+              </a:lnSpc>
+              <a:spcBef>
+                <a:spcPts val="0"/>
+              </a:spcBef>
+              <a:buNone/>
+            </a:pPr>
+            <a:r>
+              <a:rPr lang="en-US" sz="1100" dirty="0">
+                <a:latin typeface="Courier New" panose="02070309020205020404" pitchFamily="49" charset="0"/>
+                <a:cs typeface="Courier New" panose="02070309020205020404" pitchFamily="49" charset="0"/>
+              </a:rPr>
+              <a:t>iris %&gt;% </a:t>
+            </a:r>
+          </a:p>
+          <a:p>
+            <a:pPr marL="0" indent="0">
+              <a:lnSpc>
+                <a:spcPct val="120000"/>
+              </a:lnSpc>
+              <a:spcBef>
+                <a:spcPts val="0"/>
+              </a:spcBef>
+              <a:buNone/>
+            </a:pPr>
+            <a:r>
+              <a:rPr lang="en-US" sz="1100" dirty="0">
+                <a:latin typeface="Courier New" panose="02070309020205020404" pitchFamily="49" charset="0"/>
+                <a:cs typeface="Courier New" panose="02070309020205020404" pitchFamily="49" charset="0"/>
+              </a:rPr>
+              <a:t>  </a:t>
+            </a:r>
+            <a:r>
+              <a:rPr lang="en-US" sz="1100" dirty="0" err="1">
+                <a:latin typeface="Courier New" panose="02070309020205020404" pitchFamily="49" charset="0"/>
+                <a:cs typeface="Courier New" panose="02070309020205020404" pitchFamily="49" charset="0"/>
+              </a:rPr>
+              <a:t>group_by</a:t>
+            </a:r>
+            <a:r>
+              <a:rPr lang="en-US" sz="1100" dirty="0">
+                <a:latin typeface="Courier New" panose="02070309020205020404" pitchFamily="49" charset="0"/>
+                <a:cs typeface="Courier New" panose="02070309020205020404" pitchFamily="49" charset="0"/>
+              </a:rPr>
+              <a:t>(Species) %&gt;%</a:t>
+            </a:r>
+          </a:p>
+          <a:p>
+            <a:pPr marL="0" indent="0">
+              <a:lnSpc>
+                <a:spcPct val="120000"/>
+              </a:lnSpc>
+              <a:spcBef>
+                <a:spcPts val="0"/>
+              </a:spcBef>
+              <a:buNone/>
+            </a:pPr>
+            <a:r>
+              <a:rPr lang="en-US" sz="1100" dirty="0">
+                <a:latin typeface="Courier New" panose="02070309020205020404" pitchFamily="49" charset="0"/>
+                <a:cs typeface="Courier New" panose="02070309020205020404" pitchFamily="49" charset="0"/>
+              </a:rPr>
+              <a:t>  nest() %&gt;% </a:t>
+            </a:r>
+          </a:p>
+          <a:p>
+            <a:pPr marL="0" indent="0">
+              <a:lnSpc>
+                <a:spcPct val="120000"/>
+              </a:lnSpc>
+              <a:spcBef>
+                <a:spcPts val="0"/>
+              </a:spcBef>
+              <a:buNone/>
+            </a:pPr>
+            <a:r>
+              <a:rPr lang="en-US" sz="1100" dirty="0">
+                <a:latin typeface="Courier New" panose="02070309020205020404" pitchFamily="49" charset="0"/>
+                <a:cs typeface="Courier New" panose="02070309020205020404" pitchFamily="49" charset="0"/>
+              </a:rPr>
+              <a:t>  mutate(mean1 = </a:t>
+            </a:r>
+            <a:r>
+              <a:rPr lang="en-US" sz="1100" dirty="0" err="1">
+                <a:latin typeface="Courier New" panose="02070309020205020404" pitchFamily="49" charset="0"/>
+                <a:cs typeface="Courier New" panose="02070309020205020404" pitchFamily="49" charset="0"/>
+              </a:rPr>
+              <a:t>map_int</a:t>
+            </a:r>
+            <a:r>
+              <a:rPr lang="en-US" sz="1100" dirty="0">
+                <a:latin typeface="Courier New" panose="02070309020205020404" pitchFamily="49" charset="0"/>
+                <a:cs typeface="Courier New" panose="02070309020205020404" pitchFamily="49" charset="0"/>
+              </a:rPr>
+              <a:t>(data, length))</a:t>
+            </a:r>
+          </a:p>
+          <a:p>
+            <a:pPr marL="0" indent="0">
+              <a:lnSpc>
+                <a:spcPct val="120000"/>
+              </a:lnSpc>
+              <a:spcBef>
+                <a:spcPts val="0"/>
+              </a:spcBef>
+              <a:buNone/>
+            </a:pPr>
+            <a:endParaRPr lang="en-US" sz="1100" dirty="0">
+              <a:latin typeface="Courier New" panose="02070309020205020404" pitchFamily="49" charset="0"/>
+              <a:cs typeface="Courier New" panose="02070309020205020404" pitchFamily="49" charset="0"/>
+            </a:endParaRPr>
+          </a:p>
+          <a:p>
+            <a:pPr marL="0" indent="0">
+              <a:lnSpc>
+                <a:spcPct val="120000"/>
+              </a:lnSpc>
+              <a:spcBef>
+                <a:spcPts val="0"/>
+              </a:spcBef>
+              <a:buNone/>
+            </a:pPr>
+            <a:r>
+              <a:rPr lang="en-US" sz="1100" dirty="0">
+                <a:latin typeface="Courier New" panose="02070309020205020404" pitchFamily="49" charset="0"/>
+                <a:cs typeface="Courier New" panose="02070309020205020404" pitchFamily="49" charset="0"/>
+              </a:rPr>
+              <a:t>iris %&gt;% </a:t>
+            </a:r>
+          </a:p>
+          <a:p>
+            <a:pPr marL="0" indent="0">
+              <a:lnSpc>
+                <a:spcPct val="120000"/>
+              </a:lnSpc>
+              <a:spcBef>
+                <a:spcPts val="0"/>
+              </a:spcBef>
+              <a:buNone/>
+            </a:pPr>
+            <a:r>
+              <a:rPr lang="en-US" sz="1100" dirty="0">
+                <a:latin typeface="Courier New" panose="02070309020205020404" pitchFamily="49" charset="0"/>
+                <a:cs typeface="Courier New" panose="02070309020205020404" pitchFamily="49" charset="0"/>
+              </a:rPr>
+              <a:t>  </a:t>
+            </a:r>
+            <a:r>
+              <a:rPr lang="en-US" sz="1100" dirty="0" err="1">
+                <a:latin typeface="Courier New" panose="02070309020205020404" pitchFamily="49" charset="0"/>
+                <a:cs typeface="Courier New" panose="02070309020205020404" pitchFamily="49" charset="0"/>
+              </a:rPr>
+              <a:t>group_by</a:t>
+            </a:r>
+            <a:r>
+              <a:rPr lang="en-US" sz="1100" dirty="0">
+                <a:latin typeface="Courier New" panose="02070309020205020404" pitchFamily="49" charset="0"/>
+                <a:cs typeface="Courier New" panose="02070309020205020404" pitchFamily="49" charset="0"/>
+              </a:rPr>
+              <a:t>(Species) %&gt;%</a:t>
+            </a:r>
+          </a:p>
+          <a:p>
+            <a:pPr marL="0" indent="0">
+              <a:lnSpc>
+                <a:spcPct val="120000"/>
+              </a:lnSpc>
+              <a:spcBef>
+                <a:spcPts val="0"/>
+              </a:spcBef>
+              <a:buNone/>
+            </a:pPr>
+            <a:r>
+              <a:rPr lang="en-US" sz="1100" dirty="0">
+                <a:latin typeface="Courier New" panose="02070309020205020404" pitchFamily="49" charset="0"/>
+                <a:cs typeface="Courier New" panose="02070309020205020404" pitchFamily="49" charset="0"/>
+              </a:rPr>
+              <a:t>  nest() %&gt;% </a:t>
+            </a:r>
+          </a:p>
+          <a:p>
+            <a:pPr marL="0" indent="0">
+              <a:lnSpc>
+                <a:spcPct val="120000"/>
+              </a:lnSpc>
+              <a:spcBef>
+                <a:spcPts val="0"/>
+              </a:spcBef>
+              <a:buNone/>
+            </a:pPr>
+            <a:r>
+              <a:rPr lang="en-US" sz="1100" dirty="0">
+                <a:latin typeface="Courier New" panose="02070309020205020404" pitchFamily="49" charset="0"/>
+                <a:cs typeface="Courier New" panose="02070309020205020404" pitchFamily="49" charset="0"/>
+              </a:rPr>
+              <a:t>  mutate(mean2 = </a:t>
+            </a:r>
+            <a:r>
+              <a:rPr lang="en-US" sz="1100" dirty="0" err="1">
+                <a:latin typeface="Courier New" panose="02070309020205020404" pitchFamily="49" charset="0"/>
+                <a:cs typeface="Courier New" panose="02070309020205020404" pitchFamily="49" charset="0"/>
+              </a:rPr>
+              <a:t>map_int</a:t>
+            </a:r>
+            <a:r>
+              <a:rPr lang="en-US" sz="1100" dirty="0">
+                <a:latin typeface="Courier New" panose="02070309020205020404" pitchFamily="49" charset="0"/>
+                <a:cs typeface="Courier New" panose="02070309020205020404" pitchFamily="49" charset="0"/>
+              </a:rPr>
+              <a:t>(data, NROW))</a:t>
+            </a:r>
+          </a:p>
+          <a:p>
+            <a:pPr marL="0" indent="0">
+              <a:lnSpc>
+                <a:spcPct val="120000"/>
+              </a:lnSpc>
+              <a:spcBef>
+                <a:spcPts val="0"/>
+              </a:spcBef>
+              <a:buNone/>
+            </a:pPr>
+            <a:endParaRPr lang="en-US" sz="1100" dirty="0">
+              <a:latin typeface="Courier New" panose="02070309020205020404" pitchFamily="49" charset="0"/>
+              <a:cs typeface="Courier New" panose="02070309020205020404" pitchFamily="49" charset="0"/>
+            </a:endParaRPr>
+          </a:p>
+          <a:p>
+            <a:pPr marL="0" indent="0">
+              <a:lnSpc>
+                <a:spcPct val="120000"/>
+              </a:lnSpc>
+              <a:spcBef>
+                <a:spcPts val="0"/>
+              </a:spcBef>
+              <a:buNone/>
+            </a:pPr>
+            <a:r>
+              <a:rPr lang="en-US" sz="1100" dirty="0">
+                <a:latin typeface="Courier New" panose="02070309020205020404" pitchFamily="49" charset="0"/>
+                <a:cs typeface="Courier New" panose="02070309020205020404" pitchFamily="49" charset="0"/>
+              </a:rPr>
+              <a:t>iris %&gt;% </a:t>
+            </a:r>
+          </a:p>
+          <a:p>
+            <a:pPr marL="0" indent="0">
+              <a:lnSpc>
+                <a:spcPct val="120000"/>
+              </a:lnSpc>
+              <a:spcBef>
+                <a:spcPts val="0"/>
+              </a:spcBef>
+              <a:buNone/>
+            </a:pPr>
+            <a:r>
+              <a:rPr lang="en-US" sz="1100" dirty="0">
+                <a:latin typeface="Courier New" panose="02070309020205020404" pitchFamily="49" charset="0"/>
+                <a:cs typeface="Courier New" panose="02070309020205020404" pitchFamily="49" charset="0"/>
+              </a:rPr>
+              <a:t>  </a:t>
+            </a:r>
+            <a:r>
+              <a:rPr lang="en-US" sz="1100" dirty="0" err="1">
+                <a:latin typeface="Courier New" panose="02070309020205020404" pitchFamily="49" charset="0"/>
+                <a:cs typeface="Courier New" panose="02070309020205020404" pitchFamily="49" charset="0"/>
+              </a:rPr>
+              <a:t>group_by</a:t>
+            </a:r>
+            <a:r>
+              <a:rPr lang="en-US" sz="1100" dirty="0">
+                <a:latin typeface="Courier New" panose="02070309020205020404" pitchFamily="49" charset="0"/>
+                <a:cs typeface="Courier New" panose="02070309020205020404" pitchFamily="49" charset="0"/>
+              </a:rPr>
+              <a:t>(Species) %&gt;%</a:t>
+            </a:r>
+          </a:p>
+          <a:p>
+            <a:pPr marL="0" indent="0">
+              <a:lnSpc>
+                <a:spcPct val="120000"/>
+              </a:lnSpc>
+              <a:spcBef>
+                <a:spcPts val="0"/>
+              </a:spcBef>
+              <a:buNone/>
+            </a:pPr>
+            <a:r>
+              <a:rPr lang="en-US" sz="1100" dirty="0">
+                <a:latin typeface="Courier New" panose="02070309020205020404" pitchFamily="49" charset="0"/>
+                <a:cs typeface="Courier New" panose="02070309020205020404" pitchFamily="49" charset="0"/>
+              </a:rPr>
+              <a:t>  nest() %&gt;% </a:t>
+            </a:r>
+          </a:p>
+          <a:p>
+            <a:pPr marL="0" indent="0">
+              <a:lnSpc>
+                <a:spcPct val="120000"/>
+              </a:lnSpc>
+              <a:spcBef>
+                <a:spcPts val="0"/>
+              </a:spcBef>
+              <a:buNone/>
+            </a:pPr>
+            <a:r>
+              <a:rPr lang="en-US" sz="1100" dirty="0">
+                <a:latin typeface="Courier New" panose="02070309020205020404" pitchFamily="49" charset="0"/>
+                <a:cs typeface="Courier New" panose="02070309020205020404" pitchFamily="49" charset="0"/>
+              </a:rPr>
+              <a:t>  mutate(</a:t>
+            </a:r>
+            <a:r>
+              <a:rPr lang="en-US" sz="1100" dirty="0" err="1">
+                <a:latin typeface="Courier New" panose="02070309020205020404" pitchFamily="49" charset="0"/>
+                <a:cs typeface="Courier New" panose="02070309020205020404" pitchFamily="49" charset="0"/>
+              </a:rPr>
+              <a:t>lm</a:t>
+            </a:r>
+            <a:r>
+              <a:rPr lang="en-US" sz="1100" dirty="0">
+                <a:latin typeface="Courier New" panose="02070309020205020404" pitchFamily="49" charset="0"/>
+                <a:cs typeface="Courier New" panose="02070309020205020404" pitchFamily="49" charset="0"/>
+              </a:rPr>
+              <a:t> = map(data, function(df) </a:t>
+            </a:r>
+            <a:r>
+              <a:rPr lang="en-US" sz="1100" dirty="0" err="1">
+                <a:latin typeface="Courier New" panose="02070309020205020404" pitchFamily="49" charset="0"/>
+                <a:cs typeface="Courier New" panose="02070309020205020404" pitchFamily="49" charset="0"/>
+              </a:rPr>
+              <a:t>lm</a:t>
+            </a:r>
+            <a:r>
+              <a:rPr lang="en-US" sz="1100" dirty="0">
+                <a:latin typeface="Courier New" panose="02070309020205020404" pitchFamily="49" charset="0"/>
+                <a:cs typeface="Courier New" panose="02070309020205020404" pitchFamily="49" charset="0"/>
+              </a:rPr>
+              <a:t>(data = df, </a:t>
+            </a:r>
+            <a:r>
+              <a:rPr lang="en-US" sz="1100" dirty="0" err="1">
+                <a:latin typeface="Courier New" panose="02070309020205020404" pitchFamily="49" charset="0"/>
+                <a:cs typeface="Courier New" panose="02070309020205020404" pitchFamily="49" charset="0"/>
+              </a:rPr>
+              <a:t>Sepal.Length</a:t>
+            </a:r>
+            <a:r>
+              <a:rPr lang="en-US" sz="1100" dirty="0">
+                <a:latin typeface="Courier New" panose="02070309020205020404" pitchFamily="49" charset="0"/>
+                <a:cs typeface="Courier New" panose="02070309020205020404" pitchFamily="49" charset="0"/>
+              </a:rPr>
+              <a:t> ~ .)))</a:t>
+            </a:r>
+            <a:endParaRPr lang="en-IL" sz="1100" dirty="0">
+              <a:latin typeface="Courier New" panose="02070309020205020404" pitchFamily="49" charset="0"/>
+              <a:cs typeface="Courier New" panose="02070309020205020404" pitchFamily="49" charset="0"/>
+            </a:endParaRPr>
+          </a:p>
+        </p:txBody>
+      </p:sp>
+      <p:sp>
+        <p:nvSpPr>
+          <p:cNvPr id="4" name="Footer Placeholder 3">
+            <a:extLst>
+              <a:ext uri="{FF2B5EF4-FFF2-40B4-BE49-F238E27FC236}">
+                <a16:creationId xmlns:a16="http://schemas.microsoft.com/office/drawing/2014/main" id="{53086374-6218-480F-B2CC-89DD0C826AA2}"/>
+              </a:ext>
+            </a:extLst>
+          </p:cNvPr>
+          <p:cNvSpPr>
+            <a:spLocks noGrp="1"/>
+          </p:cNvSpPr>
+          <p:nvPr>
+            <p:ph type="ftr" sz="quarter" idx="11"/>
+          </p:nvPr>
+        </p:nvSpPr>
+        <p:spPr/>
+        <p:txBody>
+          <a:bodyPr/>
+          <a:lstStyle/>
+          <a:p>
+            <a:r>
+              <a:rPr lang="en-US"/>
+              <a:t>Materials by Adi Sarid https://adisarid.github.io and http://www.sarid-ins.com</a:t>
+            </a:r>
+            <a:endParaRPr lang="en-US" dirty="0"/>
+          </a:p>
+        </p:txBody>
+      </p:sp>
+      <p:sp>
+        <p:nvSpPr>
+          <p:cNvPr id="5" name="Slide Number Placeholder 4">
+            <a:extLst>
+              <a:ext uri="{FF2B5EF4-FFF2-40B4-BE49-F238E27FC236}">
+                <a16:creationId xmlns:a16="http://schemas.microsoft.com/office/drawing/2014/main" id="{EB52CB8C-5F1B-4EBB-9CF0-274837BD913E}"/>
+              </a:ext>
+            </a:extLst>
+          </p:cNvPr>
+          <p:cNvSpPr>
+            <a:spLocks noGrp="1"/>
+          </p:cNvSpPr>
+          <p:nvPr>
+            <p:ph type="sldNum" sz="quarter" idx="12"/>
+          </p:nvPr>
+        </p:nvSpPr>
+        <p:spPr/>
+        <p:txBody>
+          <a:bodyPr/>
+          <a:lstStyle/>
+          <a:p>
+            <a:fld id="{4FAB73BC-B049-4115-A692-8D63A059BFB8}" type="slidenum">
+              <a:rPr lang="en-US" smtClean="0"/>
+              <a:t>11</a:t>
+            </a:fld>
+            <a:endParaRPr lang="en-US" dirty="0"/>
+          </a:p>
+        </p:txBody>
+      </p:sp>
+    </p:spTree>
+    <p:extLst>
+      <p:ext uri="{BB962C8B-B14F-4D97-AF65-F5344CB8AC3E}">
+        <p14:creationId xmlns:p14="http://schemas.microsoft.com/office/powerpoint/2010/main" val="1456093150"/>
+      </p:ext>
+    </p:extLst>
+  </p:cSld>
+  <p:clrMapOvr>
+    <a:masterClrMapping/>
+  </p:clrMapOvr>
+</p:sld>
+</file>
+
+<file path=ppt/slides/slide12.xml><?xml version="1.0" encoding="utf-8"?>
+<p:sld xmlns:a="http://schemas.openxmlformats.org/drawingml/2006/main" xmlns:r="http://schemas.openxmlformats.org/officeDocument/2006/relationships" xmlns:p="http://schemas.openxmlformats.org/presentationml/2006/main">
+  <p:cSld>
+    <p:spTree>
+      <p:nvGrpSpPr>
+        <p:cNvPr id="1" name=""/>
+        <p:cNvGrpSpPr/>
+        <p:nvPr/>
+      </p:nvGrpSpPr>
+      <p:grpSpPr>
+        <a:xfrm>
+          <a:off x="0" y="0"/>
+          <a:ext cx="0" cy="0"/>
+          <a:chOff x="0" y="0"/>
+          <a:chExt cx="0" cy="0"/>
+        </a:xfrm>
+      </p:grpSpPr>
+      <p:sp>
+        <p:nvSpPr>
+          <p:cNvPr id="2" name="Title 1">
+            <a:extLst>
+              <a:ext uri="{FF2B5EF4-FFF2-40B4-BE49-F238E27FC236}">
+                <a16:creationId xmlns:a16="http://schemas.microsoft.com/office/drawing/2014/main" id="{64F8E03E-D32E-4DBD-B37B-497E869704FC}"/>
+              </a:ext>
+            </a:extLst>
+          </p:cNvPr>
+          <p:cNvSpPr>
+            <a:spLocks noGrp="1"/>
+          </p:cNvSpPr>
+          <p:nvPr>
+            <p:ph type="title"/>
+          </p:nvPr>
+        </p:nvSpPr>
+        <p:spPr/>
+        <p:txBody>
+          <a:bodyPr/>
+          <a:lstStyle/>
+          <a:p>
+            <a:r>
+              <a:rPr lang="en-US" dirty="0"/>
+              <a:t>Exercise (question 2)</a:t>
+            </a:r>
+            <a:br>
+              <a:rPr lang="en-US" dirty="0"/>
+            </a:br>
+            <a:r>
+              <a:rPr lang="en-US" dirty="0"/>
+              <a:t>(code available at 06-Purrr.R)</a:t>
+            </a:r>
+            <a:endParaRPr lang="en-IL" dirty="0"/>
+          </a:p>
+        </p:txBody>
+      </p:sp>
+      <p:sp>
+        <p:nvSpPr>
+          <p:cNvPr id="3" name="Content Placeholder 2">
+            <a:extLst>
+              <a:ext uri="{FF2B5EF4-FFF2-40B4-BE49-F238E27FC236}">
+                <a16:creationId xmlns:a16="http://schemas.microsoft.com/office/drawing/2014/main" id="{704B2C5F-BDD7-4648-8FE8-8494F216562A}"/>
+              </a:ext>
+            </a:extLst>
+          </p:cNvPr>
+          <p:cNvSpPr>
+            <a:spLocks noGrp="1"/>
+          </p:cNvSpPr>
+          <p:nvPr>
+            <p:ph idx="1"/>
+          </p:nvPr>
+        </p:nvSpPr>
+        <p:spPr/>
+        <p:txBody>
+          <a:bodyPr/>
+          <a:lstStyle/>
+          <a:p>
+            <a:r>
+              <a:rPr lang="en-US" dirty="0"/>
+              <a:t>Reading multiple files using map and extracting information out of them, using map_*</a:t>
+            </a:r>
+            <a:endParaRPr lang="en-IL" dirty="0"/>
+          </a:p>
+        </p:txBody>
+      </p:sp>
+      <p:sp>
+        <p:nvSpPr>
+          <p:cNvPr id="4" name="Footer Placeholder 3">
+            <a:extLst>
+              <a:ext uri="{FF2B5EF4-FFF2-40B4-BE49-F238E27FC236}">
+                <a16:creationId xmlns:a16="http://schemas.microsoft.com/office/drawing/2014/main" id="{4C692D46-F197-4049-9F78-FA39FEBB65EC}"/>
+              </a:ext>
+            </a:extLst>
+          </p:cNvPr>
+          <p:cNvSpPr>
+            <a:spLocks noGrp="1"/>
+          </p:cNvSpPr>
+          <p:nvPr>
+            <p:ph type="ftr" sz="quarter" idx="11"/>
+          </p:nvPr>
+        </p:nvSpPr>
+        <p:spPr/>
+        <p:txBody>
+          <a:bodyPr/>
+          <a:lstStyle/>
+          <a:p>
+            <a:r>
+              <a:rPr lang="en-US"/>
+              <a:t>Materials by Adi Sarid https://adisarid.github.io and http://www.sarid-ins.com</a:t>
+            </a:r>
+            <a:endParaRPr lang="en-US" dirty="0"/>
+          </a:p>
+        </p:txBody>
+      </p:sp>
+      <p:sp>
+        <p:nvSpPr>
+          <p:cNvPr id="5" name="Slide Number Placeholder 4">
+            <a:extLst>
+              <a:ext uri="{FF2B5EF4-FFF2-40B4-BE49-F238E27FC236}">
+                <a16:creationId xmlns:a16="http://schemas.microsoft.com/office/drawing/2014/main" id="{6156C53A-8821-47CA-88C7-66377B44B4F9}"/>
+              </a:ext>
+            </a:extLst>
+          </p:cNvPr>
+          <p:cNvSpPr>
+            <a:spLocks noGrp="1"/>
+          </p:cNvSpPr>
+          <p:nvPr>
+            <p:ph type="sldNum" sz="quarter" idx="12"/>
+          </p:nvPr>
+        </p:nvSpPr>
+        <p:spPr/>
+        <p:txBody>
+          <a:bodyPr/>
+          <a:lstStyle/>
+          <a:p>
+            <a:fld id="{4FAB73BC-B049-4115-A692-8D63A059BFB8}" type="slidenum">
+              <a:rPr lang="en-US" smtClean="0"/>
+              <a:t>12</a:t>
+            </a:fld>
+            <a:endParaRPr lang="en-US" dirty="0"/>
+          </a:p>
+        </p:txBody>
+      </p:sp>
+    </p:spTree>
+    <p:extLst>
+      <p:ext uri="{BB962C8B-B14F-4D97-AF65-F5344CB8AC3E}">
+        <p14:creationId xmlns:p14="http://schemas.microsoft.com/office/powerpoint/2010/main" val="3314034414"/>
+      </p:ext>
+    </p:extLst>
+  </p:cSld>
+  <p:clrMapOvr>
+    <a:masterClrMapping/>
+  </p:clrMapOvr>
+</p:sld>
+</file>
+
+<file path=ppt/slides/slide13.xml><?xml version="1.0" encoding="utf-8"?>
+<p:sld xmlns:a="http://schemas.openxmlformats.org/drawingml/2006/main" xmlns:r="http://schemas.openxmlformats.org/officeDocument/2006/relationships" xmlns:p="http://schemas.openxmlformats.org/presentationml/2006/main">
+  <p:cSld>
+    <p:spTree>
+      <p:nvGrpSpPr>
+        <p:cNvPr id="1" name=""/>
+        <p:cNvGrpSpPr/>
+        <p:nvPr/>
+      </p:nvGrpSpPr>
+      <p:grpSpPr>
+        <a:xfrm>
+          <a:off x="0" y="0"/>
+          <a:ext cx="0" cy="0"/>
+          <a:chOff x="0" y="0"/>
+          <a:chExt cx="0" cy="0"/>
+        </a:xfrm>
+      </p:grpSpPr>
+      <p:sp>
+        <p:nvSpPr>
+          <p:cNvPr id="2" name="Title 1">
+            <a:extLst>
+              <a:ext uri="{FF2B5EF4-FFF2-40B4-BE49-F238E27FC236}">
+                <a16:creationId xmlns:a16="http://schemas.microsoft.com/office/drawing/2014/main" id="{64F8E03E-D32E-4DBD-B37B-497E869704FC}"/>
+              </a:ext>
+            </a:extLst>
+          </p:cNvPr>
+          <p:cNvSpPr>
+            <a:spLocks noGrp="1"/>
+          </p:cNvSpPr>
+          <p:nvPr>
+            <p:ph type="title"/>
+          </p:nvPr>
+        </p:nvSpPr>
+        <p:spPr/>
+        <p:txBody>
+          <a:bodyPr/>
+          <a:lstStyle/>
+          <a:p>
+            <a:r>
+              <a:rPr lang="en-US" dirty="0"/>
+              <a:t>Exercise (question 3)</a:t>
+            </a:r>
+            <a:br>
+              <a:rPr lang="en-US" dirty="0"/>
+            </a:br>
+            <a:r>
+              <a:rPr lang="en-US" dirty="0"/>
+              <a:t>(code available at 06-Purrr.R)</a:t>
+            </a:r>
+            <a:endParaRPr lang="en-IL" dirty="0"/>
+          </a:p>
+        </p:txBody>
+      </p:sp>
+      <p:sp>
+        <p:nvSpPr>
+          <p:cNvPr id="3" name="Content Placeholder 2">
+            <a:extLst>
+              <a:ext uri="{FF2B5EF4-FFF2-40B4-BE49-F238E27FC236}">
+                <a16:creationId xmlns:a16="http://schemas.microsoft.com/office/drawing/2014/main" id="{704B2C5F-BDD7-4648-8FE8-8494F216562A}"/>
+              </a:ext>
+            </a:extLst>
+          </p:cNvPr>
+          <p:cNvSpPr>
+            <a:spLocks noGrp="1"/>
+          </p:cNvSpPr>
+          <p:nvPr>
+            <p:ph idx="1"/>
+          </p:nvPr>
+        </p:nvSpPr>
+        <p:spPr/>
+        <p:txBody>
+          <a:bodyPr/>
+          <a:lstStyle/>
+          <a:p>
+            <a:r>
+              <a:rPr lang="en-US" dirty="0"/>
+              <a:t>Using walk to get the function’s side effect.</a:t>
+            </a:r>
+            <a:endParaRPr lang="en-IL" dirty="0"/>
+          </a:p>
+        </p:txBody>
+      </p:sp>
+      <p:sp>
+        <p:nvSpPr>
+          <p:cNvPr id="4" name="Footer Placeholder 3">
+            <a:extLst>
+              <a:ext uri="{FF2B5EF4-FFF2-40B4-BE49-F238E27FC236}">
+                <a16:creationId xmlns:a16="http://schemas.microsoft.com/office/drawing/2014/main" id="{4C692D46-F197-4049-9F78-FA39FEBB65EC}"/>
+              </a:ext>
+            </a:extLst>
+          </p:cNvPr>
+          <p:cNvSpPr>
+            <a:spLocks noGrp="1"/>
+          </p:cNvSpPr>
+          <p:nvPr>
+            <p:ph type="ftr" sz="quarter" idx="11"/>
+          </p:nvPr>
+        </p:nvSpPr>
+        <p:spPr/>
+        <p:txBody>
+          <a:bodyPr/>
+          <a:lstStyle/>
+          <a:p>
+            <a:r>
+              <a:rPr lang="en-US"/>
+              <a:t>Materials by Adi Sarid https://adisarid.github.io and http://www.sarid-ins.com</a:t>
+            </a:r>
+            <a:endParaRPr lang="en-US" dirty="0"/>
+          </a:p>
+        </p:txBody>
+      </p:sp>
+      <p:sp>
+        <p:nvSpPr>
+          <p:cNvPr id="5" name="Slide Number Placeholder 4">
+            <a:extLst>
+              <a:ext uri="{FF2B5EF4-FFF2-40B4-BE49-F238E27FC236}">
+                <a16:creationId xmlns:a16="http://schemas.microsoft.com/office/drawing/2014/main" id="{6156C53A-8821-47CA-88C7-66377B44B4F9}"/>
+              </a:ext>
+            </a:extLst>
+          </p:cNvPr>
+          <p:cNvSpPr>
+            <a:spLocks noGrp="1"/>
+          </p:cNvSpPr>
+          <p:nvPr>
+            <p:ph type="sldNum" sz="quarter" idx="12"/>
+          </p:nvPr>
+        </p:nvSpPr>
+        <p:spPr/>
+        <p:txBody>
+          <a:bodyPr/>
+          <a:lstStyle/>
+          <a:p>
+            <a:fld id="{4FAB73BC-B049-4115-A692-8D63A059BFB8}" type="slidenum">
+              <a:rPr lang="en-US" smtClean="0"/>
+              <a:t>13</a:t>
+            </a:fld>
+            <a:endParaRPr lang="en-US" dirty="0"/>
+          </a:p>
+        </p:txBody>
+      </p:sp>
+    </p:spTree>
+    <p:extLst>
+      <p:ext uri="{BB962C8B-B14F-4D97-AF65-F5344CB8AC3E}">
+        <p14:creationId xmlns:p14="http://schemas.microsoft.com/office/powerpoint/2010/main" val="2851889973"/>
+      </p:ext>
+    </p:extLst>
+  </p:cSld>
+  <p:clrMapOvr>
+    <a:masterClrMapping/>
+  </p:clrMapOvr>
+</p:sld>
+</file>
+
+<file path=ppt/slides/slide2.xml><?xml version="1.0" encoding="utf-8"?>
+<p:sld xmlns:a="http://schemas.openxmlformats.org/drawingml/2006/main" xmlns:r="http://schemas.openxmlformats.org/officeDocument/2006/relationships" xmlns:p="http://schemas.openxmlformats.org/presentationml/2006/main">
+  <p:cSld>
+    <p:spTree>
+      <p:nvGrpSpPr>
+        <p:cNvPr id="1" name=""/>
+        <p:cNvGrpSpPr/>
+        <p:nvPr/>
+      </p:nvGrpSpPr>
+      <p:grpSpPr>
+        <a:xfrm>
+          <a:off x="0" y="0"/>
+          <a:ext cx="0" cy="0"/>
+          <a:chOff x="0" y="0"/>
+          <a:chExt cx="0" cy="0"/>
+        </a:xfrm>
+      </p:grpSpPr>
+      <p:sp>
+        <p:nvSpPr>
+          <p:cNvPr id="2" name="Title 1">
+            <a:extLst>
+              <a:ext uri="{FF2B5EF4-FFF2-40B4-BE49-F238E27FC236}">
+                <a16:creationId xmlns:a16="http://schemas.microsoft.com/office/drawing/2014/main" id="{D2AC8D4D-D8EB-4870-8716-D75DC1D78066}"/>
+              </a:ext>
+            </a:extLst>
+          </p:cNvPr>
+          <p:cNvSpPr>
+            <a:spLocks noGrp="1"/>
+          </p:cNvSpPr>
+          <p:nvPr>
+            <p:ph type="title"/>
+          </p:nvPr>
+        </p:nvSpPr>
+        <p:spPr/>
+        <p:txBody>
+          <a:bodyPr/>
+          <a:lstStyle/>
+          <a:p>
+            <a:r>
+              <a:rPr lang="en-US" dirty="0"/>
+              <a:t>Short “quiz” </a:t>
+            </a:r>
+            <a:br>
+              <a:rPr lang="en-US" dirty="0"/>
+            </a:br>
+            <a:r>
+              <a:rPr lang="en-US" dirty="0"/>
+              <a:t>Which of these are iterations?</a:t>
+            </a:r>
+            <a:endParaRPr lang="en-IL" dirty="0"/>
+          </a:p>
+        </p:txBody>
+      </p:sp>
+      <p:sp>
+        <p:nvSpPr>
+          <p:cNvPr id="4" name="Footer Placeholder 3">
+            <a:extLst>
+              <a:ext uri="{FF2B5EF4-FFF2-40B4-BE49-F238E27FC236}">
+                <a16:creationId xmlns:a16="http://schemas.microsoft.com/office/drawing/2014/main" id="{027ECB56-EE8F-4CB8-8692-4AD65AC82BEC}"/>
+              </a:ext>
+            </a:extLst>
+          </p:cNvPr>
+          <p:cNvSpPr>
+            <a:spLocks noGrp="1"/>
+          </p:cNvSpPr>
+          <p:nvPr>
+            <p:ph type="ftr" sz="quarter" idx="11"/>
+          </p:nvPr>
+        </p:nvSpPr>
+        <p:spPr/>
+        <p:txBody>
+          <a:bodyPr/>
+          <a:lstStyle/>
+          <a:p>
+            <a:r>
+              <a:rPr lang="en-US"/>
+              <a:t>Materials by Adi Sarid https://adisarid.github.io and http://www.sarid-ins.com</a:t>
+            </a:r>
+            <a:endParaRPr lang="en-US" dirty="0"/>
+          </a:p>
+        </p:txBody>
+      </p:sp>
+      <p:sp>
+        <p:nvSpPr>
+          <p:cNvPr id="5" name="Slide Number Placeholder 4">
+            <a:extLst>
+              <a:ext uri="{FF2B5EF4-FFF2-40B4-BE49-F238E27FC236}">
+                <a16:creationId xmlns:a16="http://schemas.microsoft.com/office/drawing/2014/main" id="{8321800A-3469-42B6-AB8D-AFEEAB318F59}"/>
+              </a:ext>
+            </a:extLst>
+          </p:cNvPr>
+          <p:cNvSpPr>
+            <a:spLocks noGrp="1"/>
+          </p:cNvSpPr>
+          <p:nvPr>
+            <p:ph type="sldNum" sz="quarter" idx="12"/>
+          </p:nvPr>
+        </p:nvSpPr>
+        <p:spPr/>
+        <p:txBody>
+          <a:bodyPr/>
+          <a:lstStyle/>
+          <a:p>
+            <a:fld id="{4FAB73BC-B049-4115-A692-8D63A059BFB8}" type="slidenum">
+              <a:rPr lang="en-US" smtClean="0"/>
+              <a:t>2</a:t>
+            </a:fld>
+            <a:endParaRPr lang="en-US" dirty="0"/>
+          </a:p>
+        </p:txBody>
+      </p:sp>
+      <p:sp>
+        <p:nvSpPr>
+          <p:cNvPr id="6" name="Rounded Rectangle 5">
+            <a:extLst>
+              <a:ext uri="{FF2B5EF4-FFF2-40B4-BE49-F238E27FC236}">
+                <a16:creationId xmlns:a16="http://schemas.microsoft.com/office/drawing/2014/main" id="{F90A866C-CA13-4918-B1BB-ED9BBA1D8AD5}"/>
+              </a:ext>
+            </a:extLst>
+          </p:cNvPr>
+          <p:cNvSpPr/>
+          <p:nvPr/>
+        </p:nvSpPr>
+        <p:spPr>
+          <a:xfrm>
+            <a:off x="1064873" y="2205195"/>
+            <a:ext cx="4988689" cy="1597307"/>
+          </a:xfrm>
+          <a:prstGeom prst="roundRect">
+            <a:avLst/>
+          </a:prstGeom>
+        </p:spPr>
+        <p:style>
+          <a:lnRef idx="2">
+            <a:schemeClr val="accent1"/>
+          </a:lnRef>
+          <a:fillRef idx="1">
+            <a:schemeClr val="lt1"/>
+          </a:fillRef>
+          <a:effectRef idx="0">
+            <a:schemeClr val="accent1"/>
+          </a:effectRef>
+          <a:fontRef idx="minor">
+            <a:schemeClr val="dk1"/>
+          </a:fontRef>
+        </p:style>
+        <p:txBody>
+          <a:bodyPr rtlCol="1" anchor="ctr"/>
+          <a:lstStyle/>
+          <a:p>
+            <a:pPr algn="ctr"/>
+            <a:endParaRPr lang="he-IL"/>
+          </a:p>
+        </p:txBody>
+      </p:sp>
+      <p:sp>
+        <p:nvSpPr>
+          <p:cNvPr id="7" name="Rounded Rectangle 7">
+            <a:extLst>
+              <a:ext uri="{FF2B5EF4-FFF2-40B4-BE49-F238E27FC236}">
+                <a16:creationId xmlns:a16="http://schemas.microsoft.com/office/drawing/2014/main" id="{850ABDB3-49EF-47C4-B913-5EE854FFB35B}"/>
+              </a:ext>
+            </a:extLst>
+          </p:cNvPr>
+          <p:cNvSpPr/>
+          <p:nvPr/>
+        </p:nvSpPr>
+        <p:spPr>
+          <a:xfrm>
+            <a:off x="6551273" y="2205195"/>
+            <a:ext cx="4988689" cy="1597307"/>
+          </a:xfrm>
+          <a:prstGeom prst="roundRect">
+            <a:avLst/>
+          </a:prstGeom>
+        </p:spPr>
+        <p:style>
+          <a:lnRef idx="2">
+            <a:schemeClr val="accent1"/>
+          </a:lnRef>
+          <a:fillRef idx="1">
+            <a:schemeClr val="lt1"/>
+          </a:fillRef>
+          <a:effectRef idx="0">
+            <a:schemeClr val="accent1"/>
+          </a:effectRef>
+          <a:fontRef idx="minor">
+            <a:schemeClr val="dk1"/>
+          </a:fontRef>
+        </p:style>
+        <p:txBody>
+          <a:bodyPr rtlCol="1" anchor="ctr"/>
+          <a:lstStyle/>
+          <a:p>
+            <a:pPr algn="ctr"/>
+            <a:endParaRPr lang="he-IL" dirty="0"/>
+          </a:p>
+        </p:txBody>
+      </p:sp>
+      <p:sp>
+        <p:nvSpPr>
+          <p:cNvPr id="8" name="Rounded Rectangle 8">
+            <a:extLst>
+              <a:ext uri="{FF2B5EF4-FFF2-40B4-BE49-F238E27FC236}">
+                <a16:creationId xmlns:a16="http://schemas.microsoft.com/office/drawing/2014/main" id="{D7FF959E-2E77-4875-9CE1-E13B07E41966}"/>
+              </a:ext>
+            </a:extLst>
+          </p:cNvPr>
+          <p:cNvSpPr/>
+          <p:nvPr/>
+        </p:nvSpPr>
+        <p:spPr>
+          <a:xfrm>
+            <a:off x="6551273" y="3976121"/>
+            <a:ext cx="4988689" cy="1597307"/>
+          </a:xfrm>
+          <a:prstGeom prst="roundRect">
+            <a:avLst/>
+          </a:prstGeom>
+        </p:spPr>
+        <p:style>
+          <a:lnRef idx="2">
+            <a:schemeClr val="accent1"/>
+          </a:lnRef>
+          <a:fillRef idx="1">
+            <a:schemeClr val="lt1"/>
+          </a:fillRef>
+          <a:effectRef idx="0">
+            <a:schemeClr val="accent1"/>
+          </a:effectRef>
+          <a:fontRef idx="minor">
+            <a:schemeClr val="dk1"/>
+          </a:fontRef>
+        </p:style>
+        <p:txBody>
+          <a:bodyPr rtlCol="1" anchor="ctr"/>
+          <a:lstStyle/>
+          <a:p>
+            <a:pPr algn="ctr"/>
+            <a:endParaRPr lang="he-IL"/>
+          </a:p>
+        </p:txBody>
+      </p:sp>
+      <p:sp>
+        <p:nvSpPr>
+          <p:cNvPr id="9" name="Rounded Rectangle 10">
+            <a:extLst>
+              <a:ext uri="{FF2B5EF4-FFF2-40B4-BE49-F238E27FC236}">
+                <a16:creationId xmlns:a16="http://schemas.microsoft.com/office/drawing/2014/main" id="{B33E5364-FEEE-4DE5-8966-C61FD57AD295}"/>
+              </a:ext>
+            </a:extLst>
+          </p:cNvPr>
+          <p:cNvSpPr/>
+          <p:nvPr/>
+        </p:nvSpPr>
+        <p:spPr>
+          <a:xfrm>
+            <a:off x="1064873" y="3976121"/>
+            <a:ext cx="4988689" cy="1597307"/>
+          </a:xfrm>
+          <a:prstGeom prst="roundRect">
+            <a:avLst/>
+          </a:prstGeom>
+        </p:spPr>
+        <p:style>
+          <a:lnRef idx="2">
+            <a:schemeClr val="accent1"/>
+          </a:lnRef>
+          <a:fillRef idx="1">
+            <a:schemeClr val="lt1"/>
+          </a:fillRef>
+          <a:effectRef idx="0">
+            <a:schemeClr val="accent1"/>
+          </a:effectRef>
+          <a:fontRef idx="minor">
+            <a:schemeClr val="dk1"/>
+          </a:fontRef>
+        </p:style>
+        <p:txBody>
+          <a:bodyPr rtlCol="1" anchor="ctr"/>
+          <a:lstStyle/>
+          <a:p>
+            <a:pPr algn="ctr"/>
+            <a:endParaRPr lang="he-IL"/>
+          </a:p>
+        </p:txBody>
+      </p:sp>
+      <p:sp>
+        <p:nvSpPr>
+          <p:cNvPr id="10" name="TextBox 9">
+            <a:extLst>
+              <a:ext uri="{FF2B5EF4-FFF2-40B4-BE49-F238E27FC236}">
+                <a16:creationId xmlns:a16="http://schemas.microsoft.com/office/drawing/2014/main" id="{E6AF1F79-A742-49DE-93BD-79B28C714136}"/>
+              </a:ext>
+            </a:extLst>
+          </p:cNvPr>
+          <p:cNvSpPr txBox="1"/>
+          <p:nvPr/>
+        </p:nvSpPr>
+        <p:spPr>
+          <a:xfrm>
+            <a:off x="6759615" y="4126593"/>
+            <a:ext cx="4641448" cy="1200329"/>
+          </a:xfrm>
+          <a:prstGeom prst="rect">
+            <a:avLst/>
+          </a:prstGeom>
+          <a:noFill/>
+        </p:spPr>
+        <p:txBody>
+          <a:bodyPr wrap="square" rtlCol="1">
+            <a:spAutoFit/>
+          </a:bodyPr>
+          <a:lstStyle/>
+          <a:p>
+            <a:r>
+              <a:rPr lang="en-US" dirty="0">
+                <a:latin typeface="Courier New" panose="02070309020205020404" pitchFamily="49" charset="0"/>
+                <a:cs typeface="Courier New" panose="02070309020205020404" pitchFamily="49" charset="0"/>
+              </a:rPr>
+              <a:t>a &lt;- 0</a:t>
+            </a:r>
+          </a:p>
+          <a:p>
+            <a:r>
+              <a:rPr lang="en-US" dirty="0">
+                <a:latin typeface="Courier New" panose="02070309020205020404" pitchFamily="49" charset="0"/>
+                <a:cs typeface="Courier New" panose="02070309020205020404" pitchFamily="49" charset="0"/>
+              </a:rPr>
+              <a:t>for (</a:t>
+            </a:r>
+            <a:r>
+              <a:rPr lang="en-US" dirty="0" err="1">
+                <a:latin typeface="Courier New" panose="02070309020205020404" pitchFamily="49" charset="0"/>
+                <a:cs typeface="Courier New" panose="02070309020205020404" pitchFamily="49" charset="0"/>
+              </a:rPr>
+              <a:t>i</a:t>
+            </a:r>
+            <a:r>
+              <a:rPr lang="en-US" dirty="0">
+                <a:latin typeface="Courier New" panose="02070309020205020404" pitchFamily="49" charset="0"/>
+                <a:cs typeface="Courier New" panose="02070309020205020404" pitchFamily="49" charset="0"/>
+              </a:rPr>
+              <a:t> in 1:10){</a:t>
+            </a:r>
+          </a:p>
+          <a:p>
+            <a:r>
+              <a:rPr lang="en-US" dirty="0">
+                <a:latin typeface="Courier New" panose="02070309020205020404" pitchFamily="49" charset="0"/>
+                <a:cs typeface="Courier New" panose="02070309020205020404" pitchFamily="49" charset="0"/>
+              </a:rPr>
+              <a:t>   a &lt;- a+1</a:t>
+            </a:r>
+          </a:p>
+          <a:p>
+            <a:r>
+              <a:rPr lang="en-US" dirty="0">
+                <a:latin typeface="Courier New" panose="02070309020205020404" pitchFamily="49" charset="0"/>
+                <a:cs typeface="Courier New" panose="02070309020205020404" pitchFamily="49" charset="0"/>
+              </a:rPr>
+              <a:t>}</a:t>
+            </a:r>
+            <a:endParaRPr lang="he-IL" dirty="0">
+              <a:latin typeface="Courier New" panose="02070309020205020404" pitchFamily="49" charset="0"/>
+              <a:cs typeface="Courier New" panose="02070309020205020404" pitchFamily="49" charset="0"/>
+            </a:endParaRPr>
+          </a:p>
+        </p:txBody>
+      </p:sp>
+      <p:sp>
+        <p:nvSpPr>
+          <p:cNvPr id="11" name="TextBox 10">
+            <a:extLst>
+              <a:ext uri="{FF2B5EF4-FFF2-40B4-BE49-F238E27FC236}">
+                <a16:creationId xmlns:a16="http://schemas.microsoft.com/office/drawing/2014/main" id="{EF8B2C04-0696-48C4-A399-0426F2B4F0A8}"/>
+              </a:ext>
+            </a:extLst>
+          </p:cNvPr>
+          <p:cNvSpPr txBox="1"/>
+          <p:nvPr/>
+        </p:nvSpPr>
+        <p:spPr>
+          <a:xfrm>
+            <a:off x="1250066" y="2367241"/>
+            <a:ext cx="4641448" cy="1200329"/>
+          </a:xfrm>
+          <a:prstGeom prst="rect">
+            <a:avLst/>
+          </a:prstGeom>
+          <a:noFill/>
+        </p:spPr>
+        <p:txBody>
+          <a:bodyPr wrap="square" rtlCol="1">
+            <a:spAutoFit/>
+          </a:bodyPr>
+          <a:lstStyle/>
+          <a:p>
+            <a:r>
+              <a:rPr lang="en-US" dirty="0">
+                <a:latin typeface="Courier New" panose="02070309020205020404" pitchFamily="49" charset="0"/>
+                <a:cs typeface="Courier New" panose="02070309020205020404" pitchFamily="49" charset="0"/>
+              </a:rPr>
+              <a:t>a &lt;- 0</a:t>
+            </a:r>
+          </a:p>
+          <a:p>
+            <a:r>
+              <a:rPr lang="en-US" dirty="0">
+                <a:latin typeface="Courier New" panose="02070309020205020404" pitchFamily="49" charset="0"/>
+                <a:cs typeface="Courier New" panose="02070309020205020404" pitchFamily="49" charset="0"/>
+              </a:rPr>
+              <a:t>while (a &lt; 100){</a:t>
+            </a:r>
+          </a:p>
+          <a:p>
+            <a:r>
+              <a:rPr lang="en-US" dirty="0">
+                <a:latin typeface="Courier New" panose="02070309020205020404" pitchFamily="49" charset="0"/>
+                <a:cs typeface="Courier New" panose="02070309020205020404" pitchFamily="49" charset="0"/>
+              </a:rPr>
+              <a:t>   a &lt;- a+1</a:t>
+            </a:r>
+          </a:p>
+          <a:p>
+            <a:r>
+              <a:rPr lang="en-US" dirty="0">
+                <a:latin typeface="Courier New" panose="02070309020205020404" pitchFamily="49" charset="0"/>
+                <a:cs typeface="Courier New" panose="02070309020205020404" pitchFamily="49" charset="0"/>
+              </a:rPr>
+              <a:t>}</a:t>
+            </a:r>
+            <a:endParaRPr lang="he-IL" dirty="0">
+              <a:latin typeface="Courier New" panose="02070309020205020404" pitchFamily="49" charset="0"/>
+              <a:cs typeface="Courier New" panose="02070309020205020404" pitchFamily="49" charset="0"/>
+            </a:endParaRPr>
+          </a:p>
+        </p:txBody>
+      </p:sp>
+      <p:sp>
+        <p:nvSpPr>
+          <p:cNvPr id="12" name="TextBox 11">
+            <a:extLst>
+              <a:ext uri="{FF2B5EF4-FFF2-40B4-BE49-F238E27FC236}">
+                <a16:creationId xmlns:a16="http://schemas.microsoft.com/office/drawing/2014/main" id="{1394BD88-6C83-487D-BDA3-5B0E76585B4D}"/>
+              </a:ext>
+            </a:extLst>
+          </p:cNvPr>
+          <p:cNvSpPr txBox="1"/>
+          <p:nvPr/>
+        </p:nvSpPr>
+        <p:spPr>
+          <a:xfrm>
+            <a:off x="6759615" y="2645034"/>
+            <a:ext cx="4641448" cy="646331"/>
+          </a:xfrm>
+          <a:prstGeom prst="rect">
+            <a:avLst/>
+          </a:prstGeom>
+          <a:noFill/>
+        </p:spPr>
+        <p:txBody>
+          <a:bodyPr wrap="square" rtlCol="1">
+            <a:spAutoFit/>
+          </a:bodyPr>
+          <a:lstStyle/>
+          <a:p>
+            <a:r>
+              <a:rPr lang="en-US" dirty="0">
+                <a:latin typeface="Courier New" panose="02070309020205020404" pitchFamily="49" charset="0"/>
+                <a:cs typeface="Courier New" panose="02070309020205020404" pitchFamily="49" charset="0"/>
+              </a:rPr>
+              <a:t>library(</a:t>
+            </a:r>
+            <a:r>
+              <a:rPr lang="en-US" dirty="0" err="1">
+                <a:latin typeface="Courier New" panose="02070309020205020404" pitchFamily="49" charset="0"/>
+                <a:cs typeface="Courier New" panose="02070309020205020404" pitchFamily="49" charset="0"/>
+              </a:rPr>
+              <a:t>purrr</a:t>
+            </a:r>
+            <a:r>
+              <a:rPr lang="en-US" dirty="0">
+                <a:latin typeface="Courier New" panose="02070309020205020404" pitchFamily="49" charset="0"/>
+                <a:cs typeface="Courier New" panose="02070309020205020404" pitchFamily="49" charset="0"/>
+              </a:rPr>
+              <a:t>)</a:t>
+            </a:r>
+          </a:p>
+          <a:p>
+            <a:r>
+              <a:rPr lang="en-US" dirty="0" err="1">
+                <a:latin typeface="Courier New" panose="02070309020205020404" pitchFamily="49" charset="0"/>
+                <a:cs typeface="Courier New" panose="02070309020205020404" pitchFamily="49" charset="0"/>
+              </a:rPr>
+              <a:t>map_dbl</a:t>
+            </a:r>
+            <a:r>
+              <a:rPr lang="en-US" dirty="0">
+                <a:latin typeface="Courier New" panose="02070309020205020404" pitchFamily="49" charset="0"/>
+                <a:cs typeface="Courier New" panose="02070309020205020404" pitchFamily="49" charset="0"/>
+              </a:rPr>
+              <a:t>(1:100, function(a){a+1})</a:t>
+            </a:r>
+          </a:p>
+        </p:txBody>
+      </p:sp>
+      <p:sp>
+        <p:nvSpPr>
+          <p:cNvPr id="13" name="TextBox 12">
+            <a:extLst>
+              <a:ext uri="{FF2B5EF4-FFF2-40B4-BE49-F238E27FC236}">
+                <a16:creationId xmlns:a16="http://schemas.microsoft.com/office/drawing/2014/main" id="{355A2C28-C99E-4B62-BA7D-CC9F401E7F87}"/>
+              </a:ext>
+            </a:extLst>
+          </p:cNvPr>
+          <p:cNvSpPr txBox="1"/>
+          <p:nvPr/>
+        </p:nvSpPr>
+        <p:spPr>
+          <a:xfrm>
+            <a:off x="1250066" y="4462258"/>
+            <a:ext cx="4641448" cy="646331"/>
+          </a:xfrm>
+          <a:prstGeom prst="rect">
+            <a:avLst/>
+          </a:prstGeom>
+          <a:noFill/>
+        </p:spPr>
+        <p:txBody>
+          <a:bodyPr wrap="square" rtlCol="1">
+            <a:spAutoFit/>
+          </a:bodyPr>
+          <a:lstStyle/>
+          <a:p>
+            <a:r>
+              <a:rPr lang="en-US" dirty="0">
+                <a:latin typeface="Courier New" panose="02070309020205020404" pitchFamily="49" charset="0"/>
+                <a:cs typeface="Courier New" panose="02070309020205020404" pitchFamily="49" charset="0"/>
+              </a:rPr>
+              <a:t>a &lt;- 1:100</a:t>
+            </a:r>
+          </a:p>
+          <a:p>
+            <a:r>
+              <a:rPr lang="en-US" dirty="0">
+                <a:latin typeface="Courier New" panose="02070309020205020404" pitchFamily="49" charset="0"/>
+                <a:cs typeface="Courier New" panose="02070309020205020404" pitchFamily="49" charset="0"/>
+              </a:rPr>
+              <a:t>a &lt;- a + 1</a:t>
+            </a:r>
+            <a:endParaRPr lang="he-IL" dirty="0">
+              <a:latin typeface="Courier New" panose="02070309020205020404" pitchFamily="49" charset="0"/>
+              <a:cs typeface="Courier New" panose="02070309020205020404" pitchFamily="49" charset="0"/>
+            </a:endParaRPr>
+          </a:p>
+        </p:txBody>
+      </p:sp>
+      <p:sp>
+        <p:nvSpPr>
+          <p:cNvPr id="14" name="Rounded Rectangle 6">
+            <a:extLst>
+              <a:ext uri="{FF2B5EF4-FFF2-40B4-BE49-F238E27FC236}">
+                <a16:creationId xmlns:a16="http://schemas.microsoft.com/office/drawing/2014/main" id="{BF280F82-1DE2-40A7-AFD8-7B22C37ABA8A}"/>
+              </a:ext>
+            </a:extLst>
+          </p:cNvPr>
+          <p:cNvSpPr/>
+          <p:nvPr/>
+        </p:nvSpPr>
+        <p:spPr>
+          <a:xfrm>
+            <a:off x="4132161" y="3281641"/>
+            <a:ext cx="1782501" cy="416689"/>
+          </a:xfrm>
+          <a:prstGeom prst="roundRect">
+            <a:avLst/>
+          </a:prstGeom>
+        </p:spPr>
+        <p:style>
+          <a:lnRef idx="2">
+            <a:schemeClr val="accent4">
+              <a:shade val="50000"/>
+            </a:schemeClr>
+          </a:lnRef>
+          <a:fillRef idx="1">
+            <a:schemeClr val="accent4"/>
+          </a:fillRef>
+          <a:effectRef idx="0">
+            <a:schemeClr val="accent4"/>
+          </a:effectRef>
+          <a:fontRef idx="minor">
+            <a:schemeClr val="lt1"/>
+          </a:fontRef>
+        </p:style>
+        <p:txBody>
+          <a:bodyPr rtlCol="1" anchor="ctr"/>
+          <a:lstStyle/>
+          <a:p>
+            <a:pPr algn="ctr"/>
+            <a:r>
+              <a:rPr lang="en-US" dirty="0"/>
+              <a:t>Base R loop</a:t>
+            </a:r>
+            <a:endParaRPr lang="he-IL" dirty="0"/>
+          </a:p>
+        </p:txBody>
+      </p:sp>
+      <p:sp>
+        <p:nvSpPr>
+          <p:cNvPr id="15" name="Rounded Rectangle 15">
+            <a:extLst>
+              <a:ext uri="{FF2B5EF4-FFF2-40B4-BE49-F238E27FC236}">
+                <a16:creationId xmlns:a16="http://schemas.microsoft.com/office/drawing/2014/main" id="{E80D3E2B-4AC5-4D66-9130-184D8765F515}"/>
+              </a:ext>
+            </a:extLst>
+          </p:cNvPr>
+          <p:cNvSpPr/>
+          <p:nvPr/>
+        </p:nvSpPr>
+        <p:spPr>
+          <a:xfrm>
+            <a:off x="9618561" y="5064142"/>
+            <a:ext cx="1782501" cy="416689"/>
+          </a:xfrm>
+          <a:prstGeom prst="roundRect">
+            <a:avLst/>
+          </a:prstGeom>
+        </p:spPr>
+        <p:style>
+          <a:lnRef idx="2">
+            <a:schemeClr val="accent4">
+              <a:shade val="50000"/>
+            </a:schemeClr>
+          </a:lnRef>
+          <a:fillRef idx="1">
+            <a:schemeClr val="accent4"/>
+          </a:fillRef>
+          <a:effectRef idx="0">
+            <a:schemeClr val="accent4"/>
+          </a:effectRef>
+          <a:fontRef idx="minor">
+            <a:schemeClr val="lt1"/>
+          </a:fontRef>
+        </p:style>
+        <p:txBody>
+          <a:bodyPr rtlCol="1" anchor="ctr"/>
+          <a:lstStyle/>
+          <a:p>
+            <a:pPr algn="ctr"/>
+            <a:r>
+              <a:rPr lang="en-US" dirty="0"/>
+              <a:t>Base R loop</a:t>
+            </a:r>
+            <a:endParaRPr lang="he-IL" dirty="0"/>
+          </a:p>
+        </p:txBody>
+      </p:sp>
+      <p:sp>
+        <p:nvSpPr>
+          <p:cNvPr id="16" name="Rounded Rectangle 16">
+            <a:extLst>
+              <a:ext uri="{FF2B5EF4-FFF2-40B4-BE49-F238E27FC236}">
+                <a16:creationId xmlns:a16="http://schemas.microsoft.com/office/drawing/2014/main" id="{71B741F9-6AFB-4972-A8EB-64D0CB646289}"/>
+              </a:ext>
+            </a:extLst>
+          </p:cNvPr>
+          <p:cNvSpPr/>
+          <p:nvPr/>
+        </p:nvSpPr>
+        <p:spPr>
+          <a:xfrm>
+            <a:off x="8341567" y="3304790"/>
+            <a:ext cx="3059495" cy="416689"/>
+          </a:xfrm>
+          <a:prstGeom prst="roundRect">
+            <a:avLst/>
+          </a:prstGeom>
+        </p:spPr>
+        <p:style>
+          <a:lnRef idx="3">
+            <a:schemeClr val="lt1"/>
+          </a:lnRef>
+          <a:fillRef idx="1">
+            <a:schemeClr val="accent5"/>
+          </a:fillRef>
+          <a:effectRef idx="1">
+            <a:schemeClr val="accent5"/>
+          </a:effectRef>
+          <a:fontRef idx="minor">
+            <a:schemeClr val="lt1"/>
+          </a:fontRef>
+        </p:style>
+        <p:txBody>
+          <a:bodyPr rtlCol="1" anchor="ctr"/>
+          <a:lstStyle/>
+          <a:p>
+            <a:pPr algn="ctr"/>
+            <a:r>
+              <a:rPr lang="en-US" dirty="0" err="1"/>
+              <a:t>purrr</a:t>
+            </a:r>
+            <a:r>
+              <a:rPr lang="en-US" dirty="0"/>
+              <a:t> iteration C++ loop</a:t>
+            </a:r>
+            <a:endParaRPr lang="he-IL" dirty="0"/>
+          </a:p>
+        </p:txBody>
+      </p:sp>
+      <p:sp>
+        <p:nvSpPr>
+          <p:cNvPr id="17" name="Rounded Rectangle 17">
+            <a:extLst>
+              <a:ext uri="{FF2B5EF4-FFF2-40B4-BE49-F238E27FC236}">
+                <a16:creationId xmlns:a16="http://schemas.microsoft.com/office/drawing/2014/main" id="{BDA4D3FD-0569-41A6-8B50-D0AC4D3F1E6B}"/>
+              </a:ext>
+            </a:extLst>
+          </p:cNvPr>
+          <p:cNvSpPr/>
+          <p:nvPr/>
+        </p:nvSpPr>
+        <p:spPr>
+          <a:xfrm>
+            <a:off x="2425959" y="5017843"/>
+            <a:ext cx="3523428" cy="416689"/>
+          </a:xfrm>
+          <a:prstGeom prst="roundRect">
+            <a:avLst/>
+          </a:prstGeom>
+        </p:spPr>
+        <p:style>
+          <a:lnRef idx="2">
+            <a:schemeClr val="accent1">
+              <a:shade val="50000"/>
+            </a:schemeClr>
+          </a:lnRef>
+          <a:fillRef idx="1">
+            <a:schemeClr val="accent1"/>
+          </a:fillRef>
+          <a:effectRef idx="0">
+            <a:schemeClr val="accent1"/>
+          </a:effectRef>
+          <a:fontRef idx="minor">
+            <a:schemeClr val="lt1"/>
+          </a:fontRef>
+        </p:style>
+        <p:txBody>
+          <a:bodyPr rtlCol="1" anchor="ctr"/>
+          <a:lstStyle/>
+          <a:p>
+            <a:pPr algn="ctr"/>
+            <a:r>
+              <a:rPr lang="en-US" dirty="0"/>
+              <a:t>core vector operation (C loop)</a:t>
+            </a:r>
+            <a:endParaRPr lang="he-IL" dirty="0"/>
+          </a:p>
+        </p:txBody>
+      </p:sp>
+      <p:sp>
+        <p:nvSpPr>
+          <p:cNvPr id="18" name="Rectangle 17">
+            <a:extLst>
+              <a:ext uri="{FF2B5EF4-FFF2-40B4-BE49-F238E27FC236}">
+                <a16:creationId xmlns:a16="http://schemas.microsoft.com/office/drawing/2014/main" id="{31485505-608F-473E-A851-2159FBE4CE17}"/>
+              </a:ext>
+            </a:extLst>
+          </p:cNvPr>
+          <p:cNvSpPr/>
+          <p:nvPr/>
+        </p:nvSpPr>
+        <p:spPr>
+          <a:xfrm>
+            <a:off x="9512300" y="6074963"/>
+            <a:ext cx="1615948" cy="609600"/>
+          </a:xfrm>
+          <a:prstGeom prst="rect">
+            <a:avLst/>
+          </a:prstGeom>
+        </p:spPr>
+        <p:style>
+          <a:lnRef idx="2">
+            <a:schemeClr val="accent1">
+              <a:shade val="50000"/>
+            </a:schemeClr>
+          </a:lnRef>
+          <a:fillRef idx="1">
+            <a:schemeClr val="accent1"/>
+          </a:fillRef>
+          <a:effectRef idx="0">
+            <a:schemeClr val="accent1"/>
+          </a:effectRef>
+          <a:fontRef idx="minor">
+            <a:schemeClr val="lt1"/>
+          </a:fontRef>
+        </p:style>
+        <p:txBody>
+          <a:bodyPr rtlCol="1" anchor="ctr"/>
+          <a:lstStyle/>
+          <a:p>
+            <a:pPr algn="ctr"/>
+            <a:endParaRPr lang="he-IL"/>
+          </a:p>
+        </p:txBody>
+      </p:sp>
+      <p:sp>
+        <p:nvSpPr>
+          <p:cNvPr id="19" name="TextBox 18">
+            <a:extLst>
+              <a:ext uri="{FF2B5EF4-FFF2-40B4-BE49-F238E27FC236}">
+                <a16:creationId xmlns:a16="http://schemas.microsoft.com/office/drawing/2014/main" id="{E7814AEB-6CFC-43D2-8388-C2F0292E0FDA}"/>
+              </a:ext>
+            </a:extLst>
+          </p:cNvPr>
+          <p:cNvSpPr txBox="1"/>
+          <p:nvPr/>
+        </p:nvSpPr>
+        <p:spPr>
+          <a:xfrm>
+            <a:off x="7896352" y="5705631"/>
+            <a:ext cx="1324402" cy="369332"/>
+          </a:xfrm>
+          <a:prstGeom prst="rect">
+            <a:avLst/>
+          </a:prstGeom>
+          <a:noFill/>
+        </p:spPr>
+        <p:txBody>
+          <a:bodyPr wrap="none" rtlCol="1">
+            <a:spAutoFit/>
+          </a:bodyPr>
+          <a:lstStyle/>
+          <a:p>
+            <a:r>
+              <a:rPr lang="en-US" dirty="0"/>
+              <a:t>2 minutes</a:t>
+            </a:r>
+            <a:endParaRPr lang="he-IL" dirty="0"/>
+          </a:p>
+        </p:txBody>
+      </p:sp>
+      <p:sp>
+        <p:nvSpPr>
+          <p:cNvPr id="20" name="Rectangle 19">
+            <a:extLst>
+              <a:ext uri="{FF2B5EF4-FFF2-40B4-BE49-F238E27FC236}">
+                <a16:creationId xmlns:a16="http://schemas.microsoft.com/office/drawing/2014/main" id="{D3C130F6-77AD-47B3-AD76-9EAD167761D8}"/>
+              </a:ext>
+            </a:extLst>
+          </p:cNvPr>
+          <p:cNvSpPr/>
+          <p:nvPr/>
+        </p:nvSpPr>
+        <p:spPr>
+          <a:xfrm>
+            <a:off x="7896352" y="6074963"/>
+            <a:ext cx="1615948" cy="609600"/>
+          </a:xfrm>
+          <a:prstGeom prst="rect">
+            <a:avLst/>
+          </a:prstGeom>
+        </p:spPr>
+        <p:style>
+          <a:lnRef idx="2">
+            <a:schemeClr val="accent1">
+              <a:shade val="50000"/>
+            </a:schemeClr>
+          </a:lnRef>
+          <a:fillRef idx="1">
+            <a:schemeClr val="accent1"/>
+          </a:fillRef>
+          <a:effectRef idx="0">
+            <a:schemeClr val="accent1"/>
+          </a:effectRef>
+          <a:fontRef idx="minor">
+            <a:schemeClr val="lt1"/>
+          </a:fontRef>
+        </p:style>
+        <p:txBody>
+          <a:bodyPr rtlCol="1" anchor="ctr"/>
+          <a:lstStyle/>
+          <a:p>
+            <a:pPr algn="ctr"/>
+            <a:endParaRPr lang="he-IL"/>
+          </a:p>
+        </p:txBody>
+      </p:sp>
+    </p:spTree>
+    <p:extLst>
+      <p:ext uri="{BB962C8B-B14F-4D97-AF65-F5344CB8AC3E}">
+        <p14:creationId xmlns:p14="http://schemas.microsoft.com/office/powerpoint/2010/main" val="1574147744"/>
+      </p:ext>
+    </p:extLst>
+  </p:cSld>
+  <p:clrMapOvr>
+    <a:masterClrMapping/>
+  </p:clrMapOvr>
+  <p:timing>
+    <p:tnLst>
+      <p:par>
+        <p:cTn id="1" dur="indefinite" restart="never" nodeType="tmRoot">
+          <p:childTnLst>
+            <p:seq concurrent="1" nextAc="seek">
+              <p:cTn id="2" dur="indefinite" nodeType="mainSeq">
+                <p:childTnLst>
+                  <p:par>
+                    <p:cTn id="3" fill="hold">
+                      <p:stCondLst>
+                        <p:cond delay="indefinite"/>
+                      </p:stCondLst>
+                      <p:childTnLst>
+                        <p:par>
+                          <p:cTn id="4" fill="hold">
+                            <p:stCondLst>
+                              <p:cond delay="0"/>
+                            </p:stCondLst>
+                            <p:childTnLst>
+                              <p:par>
+                                <p:cTn id="5" presetID="22" presetClass="exit" presetSubtype="2" fill="hold" grpId="0" nodeType="clickEffect">
+                                  <p:stCondLst>
+                                    <p:cond delay="0"/>
+                                  </p:stCondLst>
+                                  <p:childTnLst>
+                                    <p:animEffect transition="out" filter="wipe(right)">
+                                      <p:cBhvr>
+                                        <p:cTn id="6" dur="59000"/>
+                                        <p:tgtEl>
+                                          <p:spTgt spid="18"/>
+                                        </p:tgtEl>
+                                      </p:cBhvr>
+                                    </p:animEffect>
+                                    <p:set>
+                                      <p:cBhvr>
+                                        <p:cTn id="7" dur="1" fill="hold">
+                                          <p:stCondLst>
+                                            <p:cond delay="58999"/>
+                                          </p:stCondLst>
+                                        </p:cTn>
+                                        <p:tgtEl>
+                                          <p:spTgt spid="18"/>
+                                        </p:tgtEl>
+                                        <p:attrNameLst>
+                                          <p:attrName>style.visibility</p:attrName>
+                                        </p:attrNameLst>
+                                      </p:cBhvr>
+                                      <p:to>
+                                        <p:strVal val="hidden"/>
+                                      </p:to>
+                                    </p:set>
+                                  </p:childTnLst>
+                                </p:cTn>
+                              </p:par>
+                            </p:childTnLst>
+                          </p:cTn>
+                        </p:par>
+                        <p:par>
+                          <p:cTn id="8" fill="hold">
+                            <p:stCondLst>
+                              <p:cond delay="59000"/>
+                            </p:stCondLst>
+                            <p:childTnLst>
+                              <p:par>
+                                <p:cTn id="9" presetID="22" presetClass="exit" presetSubtype="2" fill="hold" grpId="0" nodeType="afterEffect">
+                                  <p:stCondLst>
+                                    <p:cond delay="0"/>
+                                  </p:stCondLst>
+                                  <p:childTnLst>
+                                    <p:animEffect transition="out" filter="wipe(right)">
+                                      <p:cBhvr>
+                                        <p:cTn id="10" dur="59000"/>
+                                        <p:tgtEl>
+                                          <p:spTgt spid="20"/>
+                                        </p:tgtEl>
+                                      </p:cBhvr>
+                                    </p:animEffect>
+                                    <p:set>
+                                      <p:cBhvr>
+                                        <p:cTn id="11" dur="1" fill="hold">
+                                          <p:stCondLst>
+                                            <p:cond delay="58999"/>
+                                          </p:stCondLst>
+                                        </p:cTn>
+                                        <p:tgtEl>
+                                          <p:spTgt spid="20"/>
+                                        </p:tgtEl>
+                                        <p:attrNameLst>
+                                          <p:attrName>style.visibility</p:attrName>
+                                        </p:attrNameLst>
+                                      </p:cBhvr>
+                                      <p:to>
+                                        <p:strVal val="hidden"/>
+                                      </p:to>
+                                    </p:set>
+                                  </p:childTnLst>
+                                </p:cTn>
+                              </p:par>
+                            </p:childTnLst>
+                          </p:cTn>
+                        </p:par>
+                      </p:childTnLst>
+                    </p:cTn>
+                  </p:par>
+                  <p:par>
+                    <p:cTn id="12" fill="hold">
+                      <p:stCondLst>
+                        <p:cond delay="indefinite"/>
+                      </p:stCondLst>
+                      <p:childTnLst>
+                        <p:par>
+                          <p:cTn id="13" fill="hold">
+                            <p:stCondLst>
+                              <p:cond delay="0"/>
+                            </p:stCondLst>
+                            <p:childTnLst>
+                              <p:par>
+                                <p:cTn id="14" presetID="10" presetClass="entr" presetSubtype="0" fill="hold" grpId="0" nodeType="clickEffect">
+                                  <p:stCondLst>
+                                    <p:cond delay="0"/>
+                                  </p:stCondLst>
+                                  <p:childTnLst>
+                                    <p:set>
+                                      <p:cBhvr>
+                                        <p:cTn id="15" dur="1" fill="hold">
+                                          <p:stCondLst>
+                                            <p:cond delay="0"/>
+                                          </p:stCondLst>
+                                        </p:cTn>
+                                        <p:tgtEl>
+                                          <p:spTgt spid="15"/>
+                                        </p:tgtEl>
+                                        <p:attrNameLst>
+                                          <p:attrName>style.visibility</p:attrName>
+                                        </p:attrNameLst>
+                                      </p:cBhvr>
+                                      <p:to>
+                                        <p:strVal val="visible"/>
+                                      </p:to>
+                                    </p:set>
+                                    <p:animEffect transition="in" filter="fade">
+                                      <p:cBhvr>
+                                        <p:cTn id="16" dur="500"/>
+                                        <p:tgtEl>
+                                          <p:spTgt spid="15"/>
+                                        </p:tgtEl>
+                                      </p:cBhvr>
+                                    </p:animEffect>
+                                  </p:childTnLst>
+                                </p:cTn>
+                              </p:par>
+                            </p:childTnLst>
+                          </p:cTn>
+                        </p:par>
+                      </p:childTnLst>
+                    </p:cTn>
+                  </p:par>
+                  <p:par>
+                    <p:cTn id="17" fill="hold">
+                      <p:stCondLst>
+                        <p:cond delay="indefinite"/>
+                      </p:stCondLst>
+                      <p:childTnLst>
+                        <p:par>
+                          <p:cTn id="18" fill="hold">
+                            <p:stCondLst>
+                              <p:cond delay="0"/>
+                            </p:stCondLst>
+                            <p:childTnLst>
+                              <p:par>
+                                <p:cTn id="19" presetID="10" presetClass="entr" presetSubtype="0" fill="hold" grpId="0" nodeType="clickEffect">
+                                  <p:stCondLst>
+                                    <p:cond delay="0"/>
+                                  </p:stCondLst>
+                                  <p:childTnLst>
+                                    <p:set>
+                                      <p:cBhvr>
+                                        <p:cTn id="20" dur="1" fill="hold">
+                                          <p:stCondLst>
+                                            <p:cond delay="0"/>
+                                          </p:stCondLst>
+                                        </p:cTn>
+                                        <p:tgtEl>
+                                          <p:spTgt spid="16"/>
+                                        </p:tgtEl>
+                                        <p:attrNameLst>
+                                          <p:attrName>style.visibility</p:attrName>
+                                        </p:attrNameLst>
+                                      </p:cBhvr>
+                                      <p:to>
+                                        <p:strVal val="visible"/>
+                                      </p:to>
+                                    </p:set>
+                                    <p:animEffect transition="in" filter="fade">
+                                      <p:cBhvr>
+                                        <p:cTn id="21" dur="500"/>
+                                        <p:tgtEl>
+                                          <p:spTgt spid="16"/>
+                                        </p:tgtEl>
+                                      </p:cBhvr>
+                                    </p:animEffect>
+                                  </p:childTnLst>
+                                </p:cTn>
+                              </p:par>
+                            </p:childTnLst>
+                          </p:cTn>
+                        </p:par>
+                      </p:childTnLst>
+                    </p:cTn>
+                  </p:par>
+                  <p:par>
+                    <p:cTn id="22" fill="hold">
+                      <p:stCondLst>
+                        <p:cond delay="indefinite"/>
+                      </p:stCondLst>
+                      <p:childTnLst>
+                        <p:par>
+                          <p:cTn id="23" fill="hold">
+                            <p:stCondLst>
+                              <p:cond delay="0"/>
+                            </p:stCondLst>
+                            <p:childTnLst>
+                              <p:par>
+                                <p:cTn id="24" presetID="10" presetClass="entr" presetSubtype="0" fill="hold" grpId="0" nodeType="clickEffect">
+                                  <p:stCondLst>
+                                    <p:cond delay="0"/>
+                                  </p:stCondLst>
+                                  <p:childTnLst>
+                                    <p:set>
+                                      <p:cBhvr>
+                                        <p:cTn id="25" dur="1" fill="hold">
+                                          <p:stCondLst>
+                                            <p:cond delay="0"/>
+                                          </p:stCondLst>
+                                        </p:cTn>
+                                        <p:tgtEl>
+                                          <p:spTgt spid="14"/>
+                                        </p:tgtEl>
+                                        <p:attrNameLst>
+                                          <p:attrName>style.visibility</p:attrName>
+                                        </p:attrNameLst>
+                                      </p:cBhvr>
+                                      <p:to>
+                                        <p:strVal val="visible"/>
+                                      </p:to>
+                                    </p:set>
+                                    <p:animEffect transition="in" filter="fade">
+                                      <p:cBhvr>
+                                        <p:cTn id="26" dur="500"/>
+                                        <p:tgtEl>
+                                          <p:spTgt spid="14"/>
+                                        </p:tgtEl>
+                                      </p:cBhvr>
+                                    </p:animEffect>
+                                  </p:childTnLst>
+                                </p:cTn>
+                              </p:par>
+                            </p:childTnLst>
+                          </p:cTn>
+                        </p:par>
+                      </p:childTnLst>
+                    </p:cTn>
+                  </p:par>
+                  <p:par>
+                    <p:cTn id="27" fill="hold">
+                      <p:stCondLst>
+                        <p:cond delay="indefinite"/>
+                      </p:stCondLst>
+                      <p:childTnLst>
+                        <p:par>
+                          <p:cTn id="28" fill="hold">
+                            <p:stCondLst>
+                              <p:cond delay="0"/>
+                            </p:stCondLst>
+                            <p:childTnLst>
+                              <p:par>
+                                <p:cTn id="29" presetID="10" presetClass="entr" presetSubtype="0" fill="hold" grpId="0" nodeType="clickEffect">
+                                  <p:stCondLst>
+                                    <p:cond delay="0"/>
+                                  </p:stCondLst>
+                                  <p:childTnLst>
+                                    <p:set>
+                                      <p:cBhvr>
+                                        <p:cTn id="30" dur="1" fill="hold">
+                                          <p:stCondLst>
+                                            <p:cond delay="0"/>
+                                          </p:stCondLst>
+                                        </p:cTn>
+                                        <p:tgtEl>
+                                          <p:spTgt spid="17"/>
+                                        </p:tgtEl>
+                                        <p:attrNameLst>
+                                          <p:attrName>style.visibility</p:attrName>
+                                        </p:attrNameLst>
+                                      </p:cBhvr>
+                                      <p:to>
+                                        <p:strVal val="visible"/>
+                                      </p:to>
+                                    </p:set>
+                                    <p:animEffect transition="in" filter="fade">
+                                      <p:cBhvr>
+                                        <p:cTn id="31" dur="500"/>
+                                        <p:tgtEl>
+                                          <p:spTgt spid="17"/>
+                                        </p:tgtEl>
+                                      </p:cBhvr>
+                                    </p:animEffect>
+                                  </p:childTnLst>
+                                </p:cTn>
+                              </p:par>
+                            </p:childTnLst>
+                          </p:cTn>
+                        </p:par>
+                      </p:childTnLst>
+                    </p:cTn>
+                  </p:par>
+                </p:childTnLst>
+              </p:cTn>
+              <p:prevCondLst>
+                <p:cond evt="onPrev" delay="0">
+                  <p:tgtEl>
+                    <p:sldTgt/>
+                  </p:tgtEl>
+                </p:cond>
+              </p:prevCondLst>
+              <p:nextCondLst>
+                <p:cond evt="onNext" delay="0">
+                  <p:tgtEl>
+                    <p:sldTgt/>
+                  </p:tgtEl>
+                </p:cond>
+              </p:nextCondLst>
+            </p:seq>
+          </p:childTnLst>
+        </p:cTn>
+      </p:par>
+    </p:tnLst>
+    <p:bldLst>
+      <p:bldP spid="14" grpId="0" animBg="1"/>
+      <p:bldP spid="15" grpId="0" animBg="1"/>
+      <p:bldP spid="16" grpId="0" animBg="1"/>
+      <p:bldP spid="17" grpId="0" animBg="1"/>
+      <p:bldP spid="18" grpId="0" animBg="1"/>
+      <p:bldP spid="20" grpId="0" animBg="1"/>
+    </p:bldLst>
+  </p:timing>
+</p:sld>
+</file>
+
+<file path=ppt/slides/slide3.xml><?xml version="1.0" encoding="utf-8"?>
+<p:sld xmlns:a="http://schemas.openxmlformats.org/drawingml/2006/main" xmlns:r="http://schemas.openxmlformats.org/officeDocument/2006/relationships" xmlns:p="http://schemas.openxmlformats.org/presentationml/2006/main">
+  <p:cSld>
+    <p:spTree>
+      <p:nvGrpSpPr>
+        <p:cNvPr id="1" name=""/>
+        <p:cNvGrpSpPr/>
+        <p:nvPr/>
+      </p:nvGrpSpPr>
+      <p:grpSpPr>
+        <a:xfrm>
+          <a:off x="0" y="0"/>
+          <a:ext cx="0" cy="0"/>
+          <a:chOff x="0" y="0"/>
+          <a:chExt cx="0" cy="0"/>
+        </a:xfrm>
+      </p:grpSpPr>
+      <p:sp>
+        <p:nvSpPr>
+          <p:cNvPr id="2" name="Title 1">
+            <a:extLst>
+              <a:ext uri="{FF2B5EF4-FFF2-40B4-BE49-F238E27FC236}">
+                <a16:creationId xmlns:a16="http://schemas.microsoft.com/office/drawing/2014/main" id="{A2992973-ABCE-4744-94FF-8CEE1D8BFF8F}"/>
+              </a:ext>
+            </a:extLst>
+          </p:cNvPr>
+          <p:cNvSpPr>
+            <a:spLocks noGrp="1"/>
+          </p:cNvSpPr>
+          <p:nvPr>
+            <p:ph type="title"/>
+          </p:nvPr>
+        </p:nvSpPr>
+        <p:spPr/>
+        <p:txBody>
+          <a:bodyPr/>
+          <a:lstStyle/>
+          <a:p>
+            <a:r>
+              <a:rPr lang="en-US" dirty="0"/>
+              <a:t>Why </a:t>
+            </a:r>
+            <a:r>
+              <a:rPr lang="en-US" dirty="0" err="1"/>
+              <a:t>purrr</a:t>
+            </a:r>
+            <a:r>
+              <a:rPr lang="en-US" dirty="0"/>
+              <a:t>? </a:t>
+            </a:r>
+            <a:br>
+              <a:rPr lang="en-US" dirty="0"/>
+            </a:br>
+            <a:r>
+              <a:rPr lang="en-US" dirty="0"/>
+              <a:t>What is functional programming?</a:t>
+            </a:r>
+            <a:endParaRPr lang="en-IL" dirty="0"/>
+          </a:p>
+        </p:txBody>
+      </p:sp>
+      <p:sp>
+        <p:nvSpPr>
+          <p:cNvPr id="3" name="Content Placeholder 2">
+            <a:extLst>
+              <a:ext uri="{FF2B5EF4-FFF2-40B4-BE49-F238E27FC236}">
+                <a16:creationId xmlns:a16="http://schemas.microsoft.com/office/drawing/2014/main" id="{3D32442E-0F4D-4FDE-8312-B884AB1A08A6}"/>
+              </a:ext>
+            </a:extLst>
+          </p:cNvPr>
+          <p:cNvSpPr>
+            <a:spLocks noGrp="1"/>
+          </p:cNvSpPr>
+          <p:nvPr>
+            <p:ph idx="1"/>
+          </p:nvPr>
+        </p:nvSpPr>
+        <p:spPr/>
+        <p:txBody>
+          <a:bodyPr>
+            <a:normAutofit lnSpcReduction="10000"/>
+          </a:bodyPr>
+          <a:lstStyle/>
+          <a:p>
+            <a:r>
+              <a:rPr lang="en-US" sz="2400" dirty="0"/>
+              <a:t>“</a:t>
+            </a:r>
+            <a:r>
+              <a:rPr lang="en-US" sz="2400" i="1" dirty="0" err="1"/>
+              <a:t>purrr</a:t>
+            </a:r>
+            <a:r>
+              <a:rPr lang="en-US" sz="2400" i="1" dirty="0"/>
+              <a:t> enhances R’s functional programming (FP) toolkit by providing a complete and consistent set of tools for working with functions and vectors</a:t>
+            </a:r>
+            <a:r>
+              <a:rPr lang="en-US" sz="2400" dirty="0"/>
+              <a:t>”</a:t>
+            </a:r>
+          </a:p>
+          <a:p>
+            <a:pPr lvl="1"/>
+            <a:r>
+              <a:rPr lang="en-US" sz="2000" dirty="0" err="1"/>
+              <a:t>purrr’s</a:t>
+            </a:r>
+            <a:r>
+              <a:rPr lang="en-US" sz="2000" dirty="0"/>
+              <a:t> overview (</a:t>
+            </a:r>
+            <a:r>
+              <a:rPr lang="en-US" sz="2000" dirty="0">
+                <a:hlinkClick r:id="rId2"/>
+              </a:rPr>
+              <a:t>https://purrr.tidyverse.org/</a:t>
+            </a:r>
+            <a:r>
+              <a:rPr lang="en-US" sz="2000" dirty="0"/>
+              <a:t>)</a:t>
+            </a:r>
+            <a:endParaRPr lang="en-US" sz="2000" i="1" dirty="0"/>
+          </a:p>
+          <a:p>
+            <a:r>
+              <a:rPr lang="en-US" sz="2200" dirty="0"/>
+              <a:t>What makes a programming language “</a:t>
+            </a:r>
+            <a:r>
+              <a:rPr lang="en-US" sz="2200" i="1" dirty="0"/>
+              <a:t>functional</a:t>
+            </a:r>
+            <a:r>
+              <a:rPr lang="en-US" sz="2200" dirty="0"/>
+              <a:t>”?</a:t>
+            </a:r>
+          </a:p>
+          <a:p>
+            <a:pPr lvl="1"/>
+            <a:r>
+              <a:rPr lang="en-US" sz="2000" dirty="0"/>
+              <a:t>Functions behave like any other data structure (e.g. you can “pass them” as a variable)</a:t>
+            </a:r>
+          </a:p>
+          <a:p>
+            <a:pPr lvl="1"/>
+            <a:r>
+              <a:rPr lang="en-US" sz="2000" dirty="0"/>
+              <a:t>Functions are </a:t>
+            </a:r>
+            <a:r>
+              <a:rPr lang="en-US" sz="2000" i="1" dirty="0"/>
+              <a:t>pure</a:t>
+            </a:r>
+            <a:endParaRPr lang="en-US" sz="2000" dirty="0"/>
+          </a:p>
+          <a:p>
+            <a:pPr lvl="2"/>
+            <a:r>
+              <a:rPr lang="en-US" sz="1800" dirty="0"/>
+              <a:t>Output depends only on input (consistent), i.e., </a:t>
+            </a:r>
+            <a:r>
+              <a:rPr lang="en-US" sz="1800" dirty="0" err="1"/>
+              <a:t>runif</a:t>
+            </a:r>
+            <a:r>
+              <a:rPr lang="en-US" sz="1800" dirty="0"/>
+              <a:t>(), </a:t>
+            </a:r>
+            <a:r>
+              <a:rPr lang="en-US" sz="1800" dirty="0" err="1"/>
+              <a:t>read_csv</a:t>
+            </a:r>
+            <a:r>
+              <a:rPr lang="en-US" sz="1800" dirty="0"/>
+              <a:t>(), </a:t>
+            </a:r>
+            <a:r>
+              <a:rPr lang="en-US" sz="1800" dirty="0" err="1"/>
+              <a:t>Sys.time</a:t>
+            </a:r>
+            <a:r>
+              <a:rPr lang="en-US" sz="1800" dirty="0"/>
+              <a:t>() are not pure</a:t>
+            </a:r>
+          </a:p>
+          <a:p>
+            <a:pPr lvl="2"/>
+            <a:r>
+              <a:rPr lang="en-US" sz="1800" dirty="0"/>
+              <a:t>No side-effects (e.g., not changing global variables or writing to a file)</a:t>
+            </a:r>
+          </a:p>
+          <a:p>
+            <a:pPr lvl="2"/>
+            <a:r>
+              <a:rPr lang="en-US" sz="1800" dirty="0"/>
+              <a:t>Hence, R is not entirely “</a:t>
+            </a:r>
+            <a:r>
+              <a:rPr lang="en-US" sz="1800" i="1" dirty="0"/>
+              <a:t>functional</a:t>
+            </a:r>
+            <a:r>
+              <a:rPr lang="en-US" sz="1800" dirty="0"/>
+              <a:t>” but adopts some elements</a:t>
+            </a:r>
+          </a:p>
+          <a:p>
+            <a:pPr lvl="1"/>
+            <a:endParaRPr lang="en-IL" sz="2000" dirty="0"/>
+          </a:p>
+        </p:txBody>
+      </p:sp>
+      <p:sp>
+        <p:nvSpPr>
+          <p:cNvPr id="4" name="Footer Placeholder 3">
+            <a:extLst>
+              <a:ext uri="{FF2B5EF4-FFF2-40B4-BE49-F238E27FC236}">
+                <a16:creationId xmlns:a16="http://schemas.microsoft.com/office/drawing/2014/main" id="{49478C39-79FE-43DB-B774-2DA03F700A33}"/>
+              </a:ext>
+            </a:extLst>
+          </p:cNvPr>
+          <p:cNvSpPr>
+            <a:spLocks noGrp="1"/>
+          </p:cNvSpPr>
+          <p:nvPr>
+            <p:ph type="ftr" sz="quarter" idx="11"/>
+          </p:nvPr>
+        </p:nvSpPr>
+        <p:spPr/>
+        <p:txBody>
+          <a:bodyPr/>
+          <a:lstStyle/>
+          <a:p>
+            <a:r>
+              <a:rPr lang="en-US"/>
+              <a:t>Materials by Adi Sarid https://adisarid.github.io and http://www.sarid-ins.com</a:t>
+            </a:r>
+            <a:endParaRPr lang="en-US" dirty="0"/>
+          </a:p>
+        </p:txBody>
+      </p:sp>
+      <p:sp>
+        <p:nvSpPr>
+          <p:cNvPr id="5" name="Slide Number Placeholder 4">
+            <a:extLst>
+              <a:ext uri="{FF2B5EF4-FFF2-40B4-BE49-F238E27FC236}">
+                <a16:creationId xmlns:a16="http://schemas.microsoft.com/office/drawing/2014/main" id="{DAB25C23-1D89-4AA2-998E-F7B9F0C35768}"/>
+              </a:ext>
+            </a:extLst>
+          </p:cNvPr>
+          <p:cNvSpPr>
+            <a:spLocks noGrp="1"/>
+          </p:cNvSpPr>
+          <p:nvPr>
+            <p:ph type="sldNum" sz="quarter" idx="12"/>
+          </p:nvPr>
+        </p:nvSpPr>
+        <p:spPr/>
+        <p:txBody>
+          <a:bodyPr/>
+          <a:lstStyle/>
+          <a:p>
+            <a:fld id="{4FAB73BC-B049-4115-A692-8D63A059BFB8}" type="slidenum">
+              <a:rPr lang="en-US" smtClean="0"/>
+              <a:t>3</a:t>
+            </a:fld>
+            <a:endParaRPr lang="en-US" dirty="0"/>
+          </a:p>
+        </p:txBody>
+      </p:sp>
+    </p:spTree>
+    <p:extLst>
+      <p:ext uri="{BB962C8B-B14F-4D97-AF65-F5344CB8AC3E}">
+        <p14:creationId xmlns:p14="http://schemas.microsoft.com/office/powerpoint/2010/main" val="800250464"/>
+      </p:ext>
+    </p:extLst>
+  </p:cSld>
+  <p:clrMapOvr>
+    <a:masterClrMapping/>
+  </p:clrMapOvr>
+  <p:timing>
+    <p:tnLst>
+      <p:par>
+        <p:cTn id="1" dur="indefinite" restart="never" nodeType="tmRoot"/>
+      </p:par>
+    </p:tnLst>
+  </p:timing>
+</p:sld>
+</file>
+
+<file path=ppt/slides/slide4.xml><?xml version="1.0" encoding="utf-8"?>
+<p:sld xmlns:a="http://schemas.openxmlformats.org/drawingml/2006/main" xmlns:r="http://schemas.openxmlformats.org/officeDocument/2006/relationships" xmlns:p="http://schemas.openxmlformats.org/presentationml/2006/main">
+  <p:cSld>
+    <p:spTree>
+      <p:nvGrpSpPr>
+        <p:cNvPr id="1" name=""/>
+        <p:cNvGrpSpPr/>
+        <p:nvPr/>
+      </p:nvGrpSpPr>
+      <p:grpSpPr>
+        <a:xfrm>
+          <a:off x="0" y="0"/>
+          <a:ext cx="0" cy="0"/>
+          <a:chOff x="0" y="0"/>
+          <a:chExt cx="0" cy="0"/>
+        </a:xfrm>
+      </p:grpSpPr>
+      <p:sp>
+        <p:nvSpPr>
+          <p:cNvPr id="2" name="Title 1">
+            <a:extLst>
+              <a:ext uri="{FF2B5EF4-FFF2-40B4-BE49-F238E27FC236}">
+                <a16:creationId xmlns:a16="http://schemas.microsoft.com/office/drawing/2014/main" id="{89180BCA-BF5C-441D-9DDD-F8A913063388}"/>
+              </a:ext>
+            </a:extLst>
+          </p:cNvPr>
+          <p:cNvSpPr>
+            <a:spLocks noGrp="1"/>
+          </p:cNvSpPr>
+          <p:nvPr>
+            <p:ph type="title"/>
+          </p:nvPr>
+        </p:nvSpPr>
+        <p:spPr/>
+        <p:txBody>
+          <a:bodyPr/>
+          <a:lstStyle/>
+          <a:p>
+            <a:r>
+              <a:rPr lang="en-US" dirty="0"/>
+              <a:t>A functional</a:t>
+            </a:r>
+            <a:endParaRPr lang="en-IL" dirty="0"/>
+          </a:p>
+        </p:txBody>
+      </p:sp>
+      <p:sp>
+        <p:nvSpPr>
+          <p:cNvPr id="3" name="Content Placeholder 2">
+            <a:extLst>
+              <a:ext uri="{FF2B5EF4-FFF2-40B4-BE49-F238E27FC236}">
+                <a16:creationId xmlns:a16="http://schemas.microsoft.com/office/drawing/2014/main" id="{5B037B4C-714F-4C6C-BB15-C878FDAC84D9}"/>
+              </a:ext>
+            </a:extLst>
+          </p:cNvPr>
+          <p:cNvSpPr>
+            <a:spLocks noGrp="1"/>
+          </p:cNvSpPr>
+          <p:nvPr>
+            <p:ph idx="1"/>
+          </p:nvPr>
+        </p:nvSpPr>
+        <p:spPr/>
+        <p:txBody>
+          <a:bodyPr/>
+          <a:lstStyle/>
+          <a:p>
+            <a:r>
+              <a:rPr lang="en-US" dirty="0"/>
+              <a:t>Functional is a function that takes a function as an input and returns a vector as an output (like in math), e.g.:</a:t>
+            </a:r>
+          </a:p>
+          <a:p>
+            <a:pPr marL="0" indent="0">
+              <a:buNone/>
+            </a:pPr>
+            <a:r>
+              <a:rPr lang="en-US" dirty="0">
+                <a:latin typeface="Courier New" panose="02070309020205020404" pitchFamily="49" charset="0"/>
+                <a:cs typeface="Courier New" panose="02070309020205020404" pitchFamily="49" charset="0"/>
+              </a:rPr>
+              <a:t>randomize &lt;- function(f) f(</a:t>
+            </a:r>
+            <a:r>
+              <a:rPr lang="en-US" dirty="0" err="1">
+                <a:latin typeface="Courier New" panose="02070309020205020404" pitchFamily="49" charset="0"/>
+                <a:cs typeface="Courier New" panose="02070309020205020404" pitchFamily="49" charset="0"/>
+              </a:rPr>
+              <a:t>runif</a:t>
+            </a:r>
+            <a:r>
+              <a:rPr lang="en-US" dirty="0">
+                <a:latin typeface="Courier New" panose="02070309020205020404" pitchFamily="49" charset="0"/>
+                <a:cs typeface="Courier New" panose="02070309020205020404" pitchFamily="49" charset="0"/>
+              </a:rPr>
+              <a:t>(1e3))</a:t>
+            </a:r>
+          </a:p>
+          <a:p>
+            <a:pPr marL="0" indent="0">
+              <a:buNone/>
+            </a:pPr>
+            <a:r>
+              <a:rPr lang="en-US" dirty="0">
+                <a:latin typeface="Courier New" panose="02070309020205020404" pitchFamily="49" charset="0"/>
+                <a:cs typeface="Courier New" panose="02070309020205020404" pitchFamily="49" charset="0"/>
+              </a:rPr>
+              <a:t>randomize(mean)</a:t>
+            </a:r>
+          </a:p>
+          <a:p>
+            <a:pPr marL="0" indent="0">
+              <a:buNone/>
+            </a:pPr>
+            <a:r>
+              <a:rPr lang="en-US" dirty="0">
+                <a:latin typeface="Courier New" panose="02070309020205020404" pitchFamily="49" charset="0"/>
+                <a:cs typeface="Courier New" panose="02070309020205020404" pitchFamily="49" charset="0"/>
+              </a:rPr>
+              <a:t>randomize(</a:t>
+            </a:r>
+            <a:r>
+              <a:rPr lang="en-US" dirty="0" err="1">
+                <a:latin typeface="Courier New" panose="02070309020205020404" pitchFamily="49" charset="0"/>
+                <a:cs typeface="Courier New" panose="02070309020205020404" pitchFamily="49" charset="0"/>
+              </a:rPr>
+              <a:t>sd</a:t>
+            </a:r>
+            <a:r>
+              <a:rPr lang="en-US" dirty="0">
+                <a:latin typeface="Courier New" panose="02070309020205020404" pitchFamily="49" charset="0"/>
+                <a:cs typeface="Courier New" panose="02070309020205020404" pitchFamily="49" charset="0"/>
+              </a:rPr>
+              <a:t>)</a:t>
+            </a:r>
+          </a:p>
+          <a:p>
+            <a:pPr marL="0" indent="0">
+              <a:buNone/>
+            </a:pPr>
+            <a:r>
+              <a:rPr lang="en-US" dirty="0">
+                <a:latin typeface="Courier New" panose="02070309020205020404" pitchFamily="49" charset="0"/>
+                <a:cs typeface="Courier New" panose="02070309020205020404" pitchFamily="49" charset="0"/>
+              </a:rPr>
+              <a:t>randomize(plot)</a:t>
+            </a:r>
+          </a:p>
+          <a:p>
+            <a:pPr marL="0" indent="0">
+              <a:buNone/>
+            </a:pPr>
+            <a:r>
+              <a:rPr lang="en-US" dirty="0">
+                <a:latin typeface="Courier New" panose="02070309020205020404" pitchFamily="49" charset="0"/>
+                <a:cs typeface="Courier New" panose="02070309020205020404" pitchFamily="49" charset="0"/>
+              </a:rPr>
+              <a:t>integrate(sin, lower = 0, upper = pi/2)</a:t>
+            </a:r>
+          </a:p>
+          <a:p>
+            <a:pPr marL="0" indent="0">
+              <a:buNone/>
+            </a:pPr>
+            <a:r>
+              <a:rPr lang="en-US" dirty="0">
+                <a:latin typeface="Courier New" panose="02070309020205020404" pitchFamily="49" charset="0"/>
+                <a:cs typeface="Courier New" panose="02070309020205020404" pitchFamily="49" charset="0"/>
+              </a:rPr>
+              <a:t>map, </a:t>
+            </a:r>
+            <a:r>
+              <a:rPr lang="en-US" dirty="0" err="1">
+                <a:latin typeface="Courier New" panose="02070309020205020404" pitchFamily="49" charset="0"/>
+                <a:cs typeface="Courier New" panose="02070309020205020404" pitchFamily="49" charset="0"/>
+              </a:rPr>
+              <a:t>lapply</a:t>
+            </a:r>
+            <a:r>
+              <a:rPr lang="en-US" dirty="0">
+                <a:latin typeface="Courier New" panose="02070309020205020404" pitchFamily="49" charset="0"/>
+                <a:cs typeface="Courier New" panose="02070309020205020404" pitchFamily="49" charset="0"/>
+              </a:rPr>
+              <a:t>, apply,…</a:t>
+            </a:r>
+            <a:endParaRPr lang="en-IL" dirty="0">
+              <a:latin typeface="Courier New" panose="02070309020205020404" pitchFamily="49" charset="0"/>
+              <a:cs typeface="Courier New" panose="02070309020205020404" pitchFamily="49" charset="0"/>
+            </a:endParaRPr>
+          </a:p>
+        </p:txBody>
+      </p:sp>
+      <p:sp>
+        <p:nvSpPr>
+          <p:cNvPr id="4" name="Footer Placeholder 3">
+            <a:extLst>
+              <a:ext uri="{FF2B5EF4-FFF2-40B4-BE49-F238E27FC236}">
+                <a16:creationId xmlns:a16="http://schemas.microsoft.com/office/drawing/2014/main" id="{E5513B86-F51A-4AD7-9D59-4E73D9692F17}"/>
+              </a:ext>
+            </a:extLst>
+          </p:cNvPr>
+          <p:cNvSpPr>
+            <a:spLocks noGrp="1"/>
+          </p:cNvSpPr>
+          <p:nvPr>
+            <p:ph type="ftr" sz="quarter" idx="11"/>
+          </p:nvPr>
+        </p:nvSpPr>
+        <p:spPr/>
+        <p:txBody>
+          <a:bodyPr/>
+          <a:lstStyle/>
+          <a:p>
+            <a:r>
+              <a:rPr lang="en-US"/>
+              <a:t>Materials by Adi Sarid https://adisarid.github.io and http://www.sarid-ins.com</a:t>
+            </a:r>
+            <a:endParaRPr lang="en-US" dirty="0"/>
+          </a:p>
+        </p:txBody>
+      </p:sp>
+      <p:sp>
+        <p:nvSpPr>
+          <p:cNvPr id="5" name="Slide Number Placeholder 4">
+            <a:extLst>
+              <a:ext uri="{FF2B5EF4-FFF2-40B4-BE49-F238E27FC236}">
+                <a16:creationId xmlns:a16="http://schemas.microsoft.com/office/drawing/2014/main" id="{E225B4B7-FDBE-4C4C-BC33-E27BAA8072FB}"/>
+              </a:ext>
+            </a:extLst>
+          </p:cNvPr>
+          <p:cNvSpPr>
+            <a:spLocks noGrp="1"/>
+          </p:cNvSpPr>
+          <p:nvPr>
+            <p:ph type="sldNum" sz="quarter" idx="12"/>
+          </p:nvPr>
+        </p:nvSpPr>
+        <p:spPr/>
+        <p:txBody>
+          <a:bodyPr/>
+          <a:lstStyle/>
+          <a:p>
+            <a:fld id="{4FAB73BC-B049-4115-A692-8D63A059BFB8}" type="slidenum">
+              <a:rPr lang="en-US" smtClean="0"/>
+              <a:t>4</a:t>
+            </a:fld>
+            <a:endParaRPr lang="en-US" dirty="0"/>
+          </a:p>
+        </p:txBody>
+      </p:sp>
+    </p:spTree>
+    <p:extLst>
+      <p:ext uri="{BB962C8B-B14F-4D97-AF65-F5344CB8AC3E}">
+        <p14:creationId xmlns:p14="http://schemas.microsoft.com/office/powerpoint/2010/main" val="202388887"/>
+      </p:ext>
+    </p:extLst>
+  </p:cSld>
+  <p:clrMapOvr>
+    <a:masterClrMapping/>
+  </p:clrMapOvr>
+  <p:timing>
+    <p:tnLst>
+      <p:par>
+        <p:cTn id="1" dur="indefinite" restart="never" nodeType="tmRoot"/>
+      </p:par>
+    </p:tnLst>
+  </p:timing>
+</p:sld>
+</file>
+
+<file path=ppt/slides/slide5.xml><?xml version="1.0" encoding="utf-8"?>
+<p:sld xmlns:a="http://schemas.openxmlformats.org/drawingml/2006/main" xmlns:r="http://schemas.openxmlformats.org/officeDocument/2006/relationships" xmlns:p="http://schemas.openxmlformats.org/presentationml/2006/main" show="0">
+  <p:cSld>
+    <p:spTree>
+      <p:nvGrpSpPr>
+        <p:cNvPr id="1" name=""/>
+        <p:cNvGrpSpPr/>
+        <p:nvPr/>
+      </p:nvGrpSpPr>
+      <p:grpSpPr>
+        <a:xfrm>
+          <a:off x="0" y="0"/>
+          <a:ext cx="0" cy="0"/>
+          <a:chOff x="0" y="0"/>
+          <a:chExt cx="0" cy="0"/>
+        </a:xfrm>
+      </p:grpSpPr>
+      <p:sp>
+        <p:nvSpPr>
+          <p:cNvPr id="2" name="Title 1">
+            <a:extLst>
+              <a:ext uri="{FF2B5EF4-FFF2-40B4-BE49-F238E27FC236}">
+                <a16:creationId xmlns:a16="http://schemas.microsoft.com/office/drawing/2014/main" id="{4E845991-19E7-46CE-A706-A6AB32FB95DB}"/>
+              </a:ext>
+            </a:extLst>
+          </p:cNvPr>
+          <p:cNvSpPr>
+            <a:spLocks noGrp="1"/>
+          </p:cNvSpPr>
+          <p:nvPr>
+            <p:ph type="title"/>
+          </p:nvPr>
+        </p:nvSpPr>
+        <p:spPr/>
+        <p:txBody>
+          <a:bodyPr/>
+          <a:lstStyle/>
+          <a:p>
+            <a:r>
+              <a:rPr lang="en-US" dirty="0"/>
+              <a:t>Be specific</a:t>
+            </a:r>
+            <a:endParaRPr lang="en-IL" dirty="0"/>
+          </a:p>
+        </p:txBody>
+      </p:sp>
+      <p:sp>
+        <p:nvSpPr>
+          <p:cNvPr id="3" name="Content Placeholder 2">
+            <a:extLst>
+              <a:ext uri="{FF2B5EF4-FFF2-40B4-BE49-F238E27FC236}">
+                <a16:creationId xmlns:a16="http://schemas.microsoft.com/office/drawing/2014/main" id="{7F742DAE-0B4B-4BD3-88E6-476E488ED7F5}"/>
+              </a:ext>
+            </a:extLst>
+          </p:cNvPr>
+          <p:cNvSpPr>
+            <a:spLocks noGrp="1"/>
+          </p:cNvSpPr>
+          <p:nvPr>
+            <p:ph idx="1"/>
+          </p:nvPr>
+        </p:nvSpPr>
+        <p:spPr/>
+        <p:txBody>
+          <a:bodyPr/>
+          <a:lstStyle/>
+          <a:p>
+            <a:r>
+              <a:rPr lang="en-US" dirty="0"/>
+              <a:t>As a “best practice”, when you are using iterations, you should be as specific as possible, and pre-allocate as much as possible.</a:t>
+            </a:r>
+          </a:p>
+          <a:p>
+            <a:r>
+              <a:rPr lang="en-US" dirty="0"/>
+              <a:t>In other words your preference should be:</a:t>
+            </a:r>
+          </a:p>
+          <a:p>
+            <a:pPr lvl="1"/>
+            <a:r>
+              <a:rPr lang="en-US" dirty="0" err="1"/>
+              <a:t>purrr</a:t>
+            </a:r>
+            <a:r>
+              <a:rPr lang="en-US" dirty="0"/>
+              <a:t> &gt; for &gt; while &gt; repeat</a:t>
+            </a:r>
+          </a:p>
+          <a:p>
+            <a:endParaRPr lang="en-IL" dirty="0"/>
+          </a:p>
+        </p:txBody>
+      </p:sp>
+      <p:sp>
+        <p:nvSpPr>
+          <p:cNvPr id="4" name="Footer Placeholder 3">
+            <a:extLst>
+              <a:ext uri="{FF2B5EF4-FFF2-40B4-BE49-F238E27FC236}">
+                <a16:creationId xmlns:a16="http://schemas.microsoft.com/office/drawing/2014/main" id="{86DFC2BD-5534-4B78-A616-48FE5D57B7E7}"/>
+              </a:ext>
+            </a:extLst>
+          </p:cNvPr>
+          <p:cNvSpPr>
+            <a:spLocks noGrp="1"/>
+          </p:cNvSpPr>
+          <p:nvPr>
+            <p:ph type="ftr" sz="quarter" idx="11"/>
+          </p:nvPr>
+        </p:nvSpPr>
+        <p:spPr/>
+        <p:txBody>
+          <a:bodyPr/>
+          <a:lstStyle/>
+          <a:p>
+            <a:r>
+              <a:rPr lang="en-US"/>
+              <a:t>Materials by Adi Sarid https://adisarid.github.io and http://www.sarid-ins.com</a:t>
+            </a:r>
+            <a:endParaRPr lang="en-US" dirty="0"/>
+          </a:p>
+        </p:txBody>
+      </p:sp>
+      <p:sp>
+        <p:nvSpPr>
+          <p:cNvPr id="5" name="Slide Number Placeholder 4">
+            <a:extLst>
+              <a:ext uri="{FF2B5EF4-FFF2-40B4-BE49-F238E27FC236}">
+                <a16:creationId xmlns:a16="http://schemas.microsoft.com/office/drawing/2014/main" id="{04CE614E-9172-45D0-B7BA-66D99F548630}"/>
+              </a:ext>
+            </a:extLst>
+          </p:cNvPr>
+          <p:cNvSpPr>
+            <a:spLocks noGrp="1"/>
+          </p:cNvSpPr>
+          <p:nvPr>
+            <p:ph type="sldNum" sz="quarter" idx="12"/>
+          </p:nvPr>
+        </p:nvSpPr>
+        <p:spPr/>
+        <p:txBody>
+          <a:bodyPr/>
+          <a:lstStyle/>
+          <a:p>
+            <a:fld id="{4FAB73BC-B049-4115-A692-8D63A059BFB8}" type="slidenum">
+              <a:rPr lang="en-US" smtClean="0"/>
+              <a:t>5</a:t>
+            </a:fld>
+            <a:endParaRPr lang="en-US" dirty="0"/>
+          </a:p>
+        </p:txBody>
+      </p:sp>
+    </p:spTree>
+    <p:extLst>
+      <p:ext uri="{BB962C8B-B14F-4D97-AF65-F5344CB8AC3E}">
+        <p14:creationId xmlns:p14="http://schemas.microsoft.com/office/powerpoint/2010/main" val="1285495968"/>
+      </p:ext>
+    </p:extLst>
+  </p:cSld>
+  <p:clrMapOvr>
+    <a:masterClrMapping/>
+  </p:clrMapOvr>
+  <mc:AlternateContent xmlns:mc="http://schemas.openxmlformats.org/markup-compatibility/2006">
+    <mc:Choice xmlns:p14="http://schemas.microsoft.com/office/powerpoint/2010/main" Requires="p14">
+      <p:transition spd="slow" p14:dur="2000"/>
+    </mc:Choice>
+    <mc:Fallback>
+      <p:transition spd="slow"/>
+    </mc:Fallback>
+  </mc:AlternateContent>
+  <p:timing>
+    <p:tnLst>
+      <p:par>
+        <p:cTn id="1" dur="indefinite" restart="never" nodeType="tmRoot"/>
+      </p:par>
+    </p:tnLst>
+  </p:timing>
+</p:sld>
+</file>
+
+<file path=ppt/slides/slide6.xml><?xml version="1.0" encoding="utf-8"?>
+<p:sld xmlns:a="http://schemas.openxmlformats.org/drawingml/2006/main" xmlns:r="http://schemas.openxmlformats.org/officeDocument/2006/relationships" xmlns:p="http://schemas.openxmlformats.org/presentationml/2006/main">
+  <p:cSld>
+    <p:spTree>
+      <p:nvGrpSpPr>
+        <p:cNvPr id="1" name=""/>
+        <p:cNvGrpSpPr/>
+        <p:nvPr/>
+      </p:nvGrpSpPr>
+      <p:grpSpPr>
+        <a:xfrm>
+          <a:off x="0" y="0"/>
+          <a:ext cx="0" cy="0"/>
+          <a:chOff x="0" y="0"/>
+          <a:chExt cx="0" cy="0"/>
+        </a:xfrm>
+      </p:grpSpPr>
+      <p:sp>
+        <p:nvSpPr>
+          <p:cNvPr id="2" name="Title 1">
+            <a:extLst>
+              <a:ext uri="{FF2B5EF4-FFF2-40B4-BE49-F238E27FC236}">
+                <a16:creationId xmlns:a16="http://schemas.microsoft.com/office/drawing/2014/main" id="{DE376234-FF2E-49D6-B9EB-716F60664C94}"/>
+              </a:ext>
+            </a:extLst>
+          </p:cNvPr>
+          <p:cNvSpPr>
+            <a:spLocks noGrp="1"/>
+          </p:cNvSpPr>
+          <p:nvPr>
+            <p:ph type="title"/>
+          </p:nvPr>
+        </p:nvSpPr>
+        <p:spPr/>
+        <p:txBody>
+          <a:bodyPr/>
+          <a:lstStyle/>
+          <a:p>
+            <a:r>
+              <a:rPr lang="en-US" dirty="0" err="1"/>
+              <a:t>purrr</a:t>
+            </a:r>
+            <a:r>
+              <a:rPr lang="en-US" dirty="0"/>
+              <a:t>::map</a:t>
+            </a:r>
+            <a:endParaRPr lang="en-IL" dirty="0"/>
+          </a:p>
+        </p:txBody>
+      </p:sp>
+      <p:sp>
+        <p:nvSpPr>
+          <p:cNvPr id="3" name="Content Placeholder 2">
+            <a:extLst>
+              <a:ext uri="{FF2B5EF4-FFF2-40B4-BE49-F238E27FC236}">
+                <a16:creationId xmlns:a16="http://schemas.microsoft.com/office/drawing/2014/main" id="{D550A6E6-1042-415F-AD8A-943DFD49D2EB}"/>
+              </a:ext>
+            </a:extLst>
+          </p:cNvPr>
+          <p:cNvSpPr>
+            <a:spLocks noGrp="1"/>
+          </p:cNvSpPr>
+          <p:nvPr>
+            <p:ph idx="1"/>
+          </p:nvPr>
+        </p:nvSpPr>
+        <p:spPr/>
+        <p:txBody>
+          <a:bodyPr/>
+          <a:lstStyle/>
+          <a:p>
+            <a:r>
+              <a:rPr lang="en-US" dirty="0"/>
+              <a:t>Takes a vector and a function and does this:</a:t>
+            </a:r>
+          </a:p>
+          <a:p>
+            <a:r>
+              <a:rPr lang="en-US" dirty="0"/>
+              <a:t>The </a:t>
+            </a:r>
+            <a:r>
+              <a:rPr lang="en-US" b="1" dirty="0"/>
+              <a:t>implementation is in C code</a:t>
+            </a:r>
+            <a:r>
+              <a:rPr lang="en-US" dirty="0"/>
+              <a:t>, </a:t>
+            </a:r>
+          </a:p>
+          <a:p>
+            <a:r>
+              <a:rPr lang="en-US" dirty="0"/>
+              <a:t>but is equivalent logically to something like:</a:t>
+            </a:r>
+          </a:p>
+          <a:p>
+            <a:pPr marL="0" indent="0">
+              <a:buNone/>
+            </a:pPr>
+            <a:r>
+              <a:rPr lang="en-US" sz="1200" dirty="0" err="1">
+                <a:latin typeface="Courier New" panose="02070309020205020404" pitchFamily="49" charset="0"/>
+                <a:cs typeface="Courier New" panose="02070309020205020404" pitchFamily="49" charset="0"/>
+              </a:rPr>
+              <a:t>simple_map</a:t>
+            </a:r>
+            <a:r>
+              <a:rPr lang="en-US" sz="1200" dirty="0">
+                <a:latin typeface="Courier New" panose="02070309020205020404" pitchFamily="49" charset="0"/>
+                <a:cs typeface="Courier New" panose="02070309020205020404" pitchFamily="49" charset="0"/>
+              </a:rPr>
+              <a:t> &lt;- function(x, f, ...) {</a:t>
+            </a:r>
+            <a:br>
+              <a:rPr lang="en-US" sz="1200" dirty="0">
+                <a:latin typeface="Courier New" panose="02070309020205020404" pitchFamily="49" charset="0"/>
+                <a:cs typeface="Courier New" panose="02070309020205020404" pitchFamily="49" charset="0"/>
+              </a:rPr>
+            </a:br>
+            <a:r>
+              <a:rPr lang="en-US" sz="1200" dirty="0">
+                <a:latin typeface="Courier New" panose="02070309020205020404" pitchFamily="49" charset="0"/>
+                <a:cs typeface="Courier New" panose="02070309020205020404" pitchFamily="49" charset="0"/>
+              </a:rPr>
+              <a:t>   out &lt;- vector("list", length(x))</a:t>
+            </a:r>
+            <a:br>
+              <a:rPr lang="en-US" sz="1200" dirty="0">
+                <a:latin typeface="Courier New" panose="02070309020205020404" pitchFamily="49" charset="0"/>
+                <a:cs typeface="Courier New" panose="02070309020205020404" pitchFamily="49" charset="0"/>
+              </a:rPr>
+            </a:br>
+            <a:r>
+              <a:rPr lang="en-US" sz="1200" dirty="0">
+                <a:latin typeface="Courier New" panose="02070309020205020404" pitchFamily="49" charset="0"/>
+                <a:cs typeface="Courier New" panose="02070309020205020404" pitchFamily="49" charset="0"/>
+              </a:rPr>
+              <a:t>   for (</a:t>
+            </a:r>
+            <a:r>
+              <a:rPr lang="en-US" sz="1200" dirty="0" err="1">
+                <a:latin typeface="Courier New" panose="02070309020205020404" pitchFamily="49" charset="0"/>
+                <a:cs typeface="Courier New" panose="02070309020205020404" pitchFamily="49" charset="0"/>
+              </a:rPr>
+              <a:t>i</a:t>
+            </a:r>
+            <a:r>
+              <a:rPr lang="en-US" sz="1200" dirty="0">
+                <a:latin typeface="Courier New" panose="02070309020205020404" pitchFamily="49" charset="0"/>
+                <a:cs typeface="Courier New" panose="02070309020205020404" pitchFamily="49" charset="0"/>
+              </a:rPr>
+              <a:t> in </a:t>
+            </a:r>
+            <a:r>
+              <a:rPr lang="en-US" sz="1200" dirty="0" err="1">
+                <a:latin typeface="Courier New" panose="02070309020205020404" pitchFamily="49" charset="0"/>
+                <a:cs typeface="Courier New" panose="02070309020205020404" pitchFamily="49" charset="0"/>
+              </a:rPr>
+              <a:t>seq_along</a:t>
+            </a:r>
+            <a:r>
+              <a:rPr lang="en-US" sz="1200" dirty="0">
+                <a:latin typeface="Courier New" panose="02070309020205020404" pitchFamily="49" charset="0"/>
+                <a:cs typeface="Courier New" panose="02070309020205020404" pitchFamily="49" charset="0"/>
+              </a:rPr>
+              <a:t>(x)) {</a:t>
+            </a:r>
+            <a:br>
+              <a:rPr lang="en-US" sz="1200" dirty="0">
+                <a:latin typeface="Courier New" panose="02070309020205020404" pitchFamily="49" charset="0"/>
+                <a:cs typeface="Courier New" panose="02070309020205020404" pitchFamily="49" charset="0"/>
+              </a:rPr>
+            </a:br>
+            <a:r>
+              <a:rPr lang="en-US" sz="1200" dirty="0">
+                <a:latin typeface="Courier New" panose="02070309020205020404" pitchFamily="49" charset="0"/>
+                <a:cs typeface="Courier New" panose="02070309020205020404" pitchFamily="49" charset="0"/>
+              </a:rPr>
+              <a:t>      out[[</a:t>
+            </a:r>
+            <a:r>
+              <a:rPr lang="en-US" sz="1200" dirty="0" err="1">
+                <a:latin typeface="Courier New" panose="02070309020205020404" pitchFamily="49" charset="0"/>
+                <a:cs typeface="Courier New" panose="02070309020205020404" pitchFamily="49" charset="0"/>
+              </a:rPr>
+              <a:t>i</a:t>
+            </a:r>
+            <a:r>
+              <a:rPr lang="en-US" sz="1200" dirty="0">
+                <a:latin typeface="Courier New" panose="02070309020205020404" pitchFamily="49" charset="0"/>
+                <a:cs typeface="Courier New" panose="02070309020205020404" pitchFamily="49" charset="0"/>
+              </a:rPr>
+              <a:t>]] &lt;- f(x[[</a:t>
+            </a:r>
+            <a:r>
+              <a:rPr lang="en-US" sz="1200" dirty="0" err="1">
+                <a:latin typeface="Courier New" panose="02070309020205020404" pitchFamily="49" charset="0"/>
+                <a:cs typeface="Courier New" panose="02070309020205020404" pitchFamily="49" charset="0"/>
+              </a:rPr>
+              <a:t>i</a:t>
+            </a:r>
+            <a:r>
+              <a:rPr lang="en-US" sz="1200" dirty="0">
+                <a:latin typeface="Courier New" panose="02070309020205020404" pitchFamily="49" charset="0"/>
+                <a:cs typeface="Courier New" panose="02070309020205020404" pitchFamily="49" charset="0"/>
+              </a:rPr>
+              <a:t>]], ...)</a:t>
+            </a:r>
+            <a:br>
+              <a:rPr lang="en-US" sz="1200" dirty="0">
+                <a:latin typeface="Courier New" panose="02070309020205020404" pitchFamily="49" charset="0"/>
+                <a:cs typeface="Courier New" panose="02070309020205020404" pitchFamily="49" charset="0"/>
+              </a:rPr>
+            </a:br>
+            <a:r>
+              <a:rPr lang="en-US" sz="1200" dirty="0">
+                <a:latin typeface="Courier New" panose="02070309020205020404" pitchFamily="49" charset="0"/>
+                <a:cs typeface="Courier New" panose="02070309020205020404" pitchFamily="49" charset="0"/>
+              </a:rPr>
+              <a:t>   }</a:t>
+            </a:r>
+            <a:br>
+              <a:rPr lang="en-US" sz="1200" dirty="0">
+                <a:latin typeface="Courier New" panose="02070309020205020404" pitchFamily="49" charset="0"/>
+                <a:cs typeface="Courier New" panose="02070309020205020404" pitchFamily="49" charset="0"/>
+              </a:rPr>
+            </a:br>
+            <a:r>
+              <a:rPr lang="en-US" sz="1200" dirty="0">
+                <a:latin typeface="Courier New" panose="02070309020205020404" pitchFamily="49" charset="0"/>
+                <a:cs typeface="Courier New" panose="02070309020205020404" pitchFamily="49" charset="0"/>
+              </a:rPr>
+              <a:t>   out</a:t>
+            </a:r>
+            <a:br>
+              <a:rPr lang="en-US" sz="1200" dirty="0">
+                <a:latin typeface="Courier New" panose="02070309020205020404" pitchFamily="49" charset="0"/>
+                <a:cs typeface="Courier New" panose="02070309020205020404" pitchFamily="49" charset="0"/>
+              </a:rPr>
+            </a:br>
+            <a:r>
+              <a:rPr lang="en-US" sz="1200" dirty="0">
+                <a:latin typeface="Courier New" panose="02070309020205020404" pitchFamily="49" charset="0"/>
+                <a:cs typeface="Courier New" panose="02070309020205020404" pitchFamily="49" charset="0"/>
+              </a:rPr>
+              <a:t>}</a:t>
+            </a:r>
+          </a:p>
+          <a:p>
+            <a:pPr marL="0" indent="0">
+              <a:buNone/>
+            </a:pPr>
+            <a:endParaRPr lang="en-IL" sz="1200" dirty="0">
+              <a:latin typeface="Courier New" panose="02070309020205020404" pitchFamily="49" charset="0"/>
+              <a:cs typeface="Courier New" panose="02070309020205020404" pitchFamily="49" charset="0"/>
+            </a:endParaRPr>
+          </a:p>
+          <a:p>
+            <a:r>
+              <a:rPr lang="en-US" dirty="0"/>
+              <a:t>map() returns a list, </a:t>
+            </a:r>
+            <a:r>
+              <a:rPr lang="en-US" dirty="0" err="1"/>
+              <a:t>map_dbl</a:t>
+            </a:r>
+            <a:r>
+              <a:rPr lang="en-US" dirty="0"/>
+              <a:t>(), </a:t>
+            </a:r>
+            <a:r>
+              <a:rPr lang="en-US" dirty="0" err="1"/>
+              <a:t>map_lgl</a:t>
+            </a:r>
+            <a:r>
+              <a:rPr lang="en-US" dirty="0"/>
+              <a:t>(), </a:t>
+            </a:r>
+            <a:r>
+              <a:rPr lang="en-US" dirty="0" err="1"/>
+              <a:t>map_int</a:t>
+            </a:r>
+            <a:r>
+              <a:rPr lang="en-US" dirty="0"/>
+              <a:t>(), </a:t>
+            </a:r>
+            <a:r>
+              <a:rPr lang="en-US" dirty="0" err="1"/>
+              <a:t>map_chr</a:t>
+            </a:r>
+            <a:r>
+              <a:rPr lang="en-US" dirty="0"/>
+              <a:t>() return a </a:t>
+            </a:r>
+            <a:r>
+              <a:rPr lang="en-US" dirty="0" err="1"/>
+              <a:t>vecor</a:t>
+            </a:r>
+            <a:r>
+              <a:rPr lang="en-US" dirty="0"/>
+              <a:t> of type double, logical, integer, and character.</a:t>
+            </a:r>
+          </a:p>
+        </p:txBody>
+      </p:sp>
+      <p:sp>
+        <p:nvSpPr>
+          <p:cNvPr id="4" name="Footer Placeholder 3">
+            <a:extLst>
+              <a:ext uri="{FF2B5EF4-FFF2-40B4-BE49-F238E27FC236}">
+                <a16:creationId xmlns:a16="http://schemas.microsoft.com/office/drawing/2014/main" id="{47CCA91D-765B-4BD0-80FE-07F0351E5727}"/>
+              </a:ext>
+            </a:extLst>
+          </p:cNvPr>
+          <p:cNvSpPr>
+            <a:spLocks noGrp="1"/>
+          </p:cNvSpPr>
+          <p:nvPr>
+            <p:ph type="ftr" sz="quarter" idx="11"/>
+          </p:nvPr>
+        </p:nvSpPr>
+        <p:spPr/>
+        <p:txBody>
+          <a:bodyPr/>
+          <a:lstStyle/>
+          <a:p>
+            <a:r>
+              <a:rPr lang="en-US"/>
+              <a:t>Materials by Adi Sarid https://adisarid.github.io and http://www.sarid-ins.com</a:t>
+            </a:r>
+            <a:endParaRPr lang="en-US" dirty="0"/>
+          </a:p>
+        </p:txBody>
+      </p:sp>
+      <p:sp>
+        <p:nvSpPr>
+          <p:cNvPr id="5" name="Slide Number Placeholder 4">
+            <a:extLst>
+              <a:ext uri="{FF2B5EF4-FFF2-40B4-BE49-F238E27FC236}">
+                <a16:creationId xmlns:a16="http://schemas.microsoft.com/office/drawing/2014/main" id="{EFDC0F16-25B5-4F02-B3FA-CA058A17C590}"/>
+              </a:ext>
+            </a:extLst>
+          </p:cNvPr>
+          <p:cNvSpPr>
+            <a:spLocks noGrp="1"/>
+          </p:cNvSpPr>
+          <p:nvPr>
+            <p:ph type="sldNum" sz="quarter" idx="12"/>
+          </p:nvPr>
+        </p:nvSpPr>
+        <p:spPr/>
+        <p:txBody>
+          <a:bodyPr/>
+          <a:lstStyle/>
+          <a:p>
+            <a:fld id="{4FAB73BC-B049-4115-A692-8D63A059BFB8}" type="slidenum">
+              <a:rPr lang="en-US" smtClean="0"/>
+              <a:t>6</a:t>
+            </a:fld>
+            <a:endParaRPr lang="en-US" dirty="0"/>
+          </a:p>
+        </p:txBody>
+      </p:sp>
+      <p:pic>
+        <p:nvPicPr>
+          <p:cNvPr id="6" name="Picture 5">
+            <a:extLst>
+              <a:ext uri="{FF2B5EF4-FFF2-40B4-BE49-F238E27FC236}">
+                <a16:creationId xmlns:a16="http://schemas.microsoft.com/office/drawing/2014/main" id="{A3C058F5-DE12-4D5A-88E5-26297C2459A7}"/>
+              </a:ext>
+            </a:extLst>
+          </p:cNvPr>
+          <p:cNvPicPr>
+            <a:picLocks noChangeAspect="1"/>
+          </p:cNvPicPr>
+          <p:nvPr/>
+        </p:nvPicPr>
+        <p:blipFill>
+          <a:blip r:embed="rId2"/>
+          <a:stretch>
+            <a:fillRect/>
+          </a:stretch>
+        </p:blipFill>
+        <p:spPr>
+          <a:xfrm>
+            <a:off x="7976501" y="1423358"/>
+            <a:ext cx="2475699" cy="1892060"/>
+          </a:xfrm>
+          <a:prstGeom prst="rect">
+            <a:avLst/>
+          </a:prstGeom>
+        </p:spPr>
+      </p:pic>
+    </p:spTree>
+    <p:extLst>
+      <p:ext uri="{BB962C8B-B14F-4D97-AF65-F5344CB8AC3E}">
+        <p14:creationId xmlns:p14="http://schemas.microsoft.com/office/powerpoint/2010/main" val="4231588211"/>
+      </p:ext>
+    </p:extLst>
+  </p:cSld>
+  <p:clrMapOvr>
+    <a:masterClrMapping/>
+  </p:clrMapOvr>
+  <p:timing>
+    <p:tnLst>
+      <p:par>
+        <p:cTn id="1" dur="indefinite" restart="never" nodeType="tmRoot"/>
+      </p:par>
+    </p:tnLst>
+  </p:timing>
+</p:sld>
+</file>
+
+<file path=ppt/slides/slide7.xml><?xml version="1.0" encoding="utf-8"?>
+<p:sld xmlns:a="http://schemas.openxmlformats.org/drawingml/2006/main" xmlns:r="http://schemas.openxmlformats.org/officeDocument/2006/relationships" xmlns:p="http://schemas.openxmlformats.org/presentationml/2006/main">
+  <p:cSld>
+    <p:spTree>
+      <p:nvGrpSpPr>
+        <p:cNvPr id="1" name=""/>
+        <p:cNvGrpSpPr/>
+        <p:nvPr/>
+      </p:nvGrpSpPr>
+      <p:grpSpPr>
+        <a:xfrm>
+          <a:off x="0" y="0"/>
+          <a:ext cx="0" cy="0"/>
+          <a:chOff x="0" y="0"/>
+          <a:chExt cx="0" cy="0"/>
+        </a:xfrm>
+      </p:grpSpPr>
+      <p:sp>
+        <p:nvSpPr>
+          <p:cNvPr id="2" name="Title 1">
+            <a:extLst>
+              <a:ext uri="{FF2B5EF4-FFF2-40B4-BE49-F238E27FC236}">
                 <a16:creationId xmlns:a16="http://schemas.microsoft.com/office/drawing/2014/main" id="{4AC46FC5-BD7C-4CE5-B7B4-083BD7A2A322}"/>
               </a:ext>
             </a:extLst>
@@ -4902,7 +8500,7 @@
           <a:p>
             <a:fld id="{4FAB73BC-B049-4115-A692-8D63A059BFB8}" type="slidenum">
               <a:rPr lang="en-US" smtClean="0"/>
-              <a:t>10</a:t>
+              <a:t>7</a:t>
             </a:fld>
             <a:endParaRPr lang="en-US" dirty="0"/>
           </a:p>
@@ -5982,7 +9580,7 @@
 </p:sld>
 </file>
 
-<file path=ppt/slides/slide11.xml><?xml version="1.0" encoding="utf-8"?>
+<file path=ppt/slides/slide8.xml><?xml version="1.0" encoding="utf-8"?>
 <p:sld xmlns:a="http://schemas.openxmlformats.org/drawingml/2006/main" xmlns:r="http://schemas.openxmlformats.org/officeDocument/2006/relationships" xmlns:p="http://schemas.openxmlformats.org/presentationml/2006/main">
   <p:cSld>
     <p:spTree>
@@ -6004,3293 +9602,6 @@
           <p:cNvPr id="2" name="Title 1">
             <a:extLst>
               <a:ext uri="{FF2B5EF4-FFF2-40B4-BE49-F238E27FC236}">
-                <a16:creationId xmlns:a16="http://schemas.microsoft.com/office/drawing/2014/main" id="{7B23A2F1-8AF7-442C-A3C6-CE78DBA411D7}"/>
-              </a:ext>
-            </a:extLst>
-          </p:cNvPr>
-          <p:cNvSpPr>
-            <a:spLocks noGrp="1"/>
-          </p:cNvSpPr>
-          <p:nvPr>
-            <p:ph type="title"/>
-          </p:nvPr>
-        </p:nvSpPr>
-        <p:spPr/>
-        <p:txBody>
-          <a:bodyPr/>
-          <a:lstStyle/>
-          <a:p>
-            <a:r>
-              <a:rPr lang="en-US" dirty="0"/>
-              <a:t>Exercise (question 1)</a:t>
-            </a:r>
-            <a:br>
-              <a:rPr lang="en-US" dirty="0"/>
-            </a:br>
-            <a:r>
-              <a:rPr lang="en-US" sz="3600" dirty="0"/>
-              <a:t>(code available at 06-Purrr.R)</a:t>
-            </a:r>
-            <a:endParaRPr lang="en-IL" sz="3600" dirty="0"/>
-          </a:p>
-        </p:txBody>
-      </p:sp>
-      <p:sp>
-        <p:nvSpPr>
-          <p:cNvPr id="3" name="Content Placeholder 2">
-            <a:extLst>
-              <a:ext uri="{FF2B5EF4-FFF2-40B4-BE49-F238E27FC236}">
-                <a16:creationId xmlns:a16="http://schemas.microsoft.com/office/drawing/2014/main" id="{051EA1D0-D7C5-40C4-A252-F2CADEAF5470}"/>
-              </a:ext>
-            </a:extLst>
-          </p:cNvPr>
-          <p:cNvSpPr>
-            <a:spLocks noGrp="1"/>
-          </p:cNvSpPr>
-          <p:nvPr>
-            <p:ph idx="1"/>
-          </p:nvPr>
-        </p:nvSpPr>
-        <p:spPr>
-          <a:xfrm>
-            <a:off x="1069848" y="2121408"/>
-            <a:ext cx="10058400" cy="3787686"/>
-          </a:xfrm>
-        </p:spPr>
-        <p:txBody>
-          <a:bodyPr>
-            <a:normAutofit fontScale="92500" lnSpcReduction="10000"/>
-          </a:bodyPr>
-          <a:lstStyle/>
-          <a:p>
-            <a:r>
-              <a:rPr lang="en-US" dirty="0"/>
-              <a:t>Explain the differences between the following four code segments. Explain what happens in each:</a:t>
-            </a:r>
-          </a:p>
-          <a:p>
-            <a:pPr marL="0" indent="0">
-              <a:buNone/>
-            </a:pPr>
-            <a:r>
-              <a:rPr lang="en-US" sz="1100" dirty="0">
-                <a:latin typeface="Courier New" panose="02070309020205020404" pitchFamily="49" charset="0"/>
-                <a:cs typeface="Courier New" panose="02070309020205020404" pitchFamily="49" charset="0"/>
-              </a:rPr>
-              <a:t>iris %&gt;% </a:t>
-            </a:r>
-          </a:p>
-          <a:p>
-            <a:pPr marL="0" indent="0">
-              <a:lnSpc>
-                <a:spcPct val="120000"/>
-              </a:lnSpc>
-              <a:spcBef>
-                <a:spcPts val="0"/>
-              </a:spcBef>
-              <a:buNone/>
-            </a:pPr>
-            <a:r>
-              <a:rPr lang="en-US" sz="1100" dirty="0">
-                <a:latin typeface="Courier New" panose="02070309020205020404" pitchFamily="49" charset="0"/>
-                <a:cs typeface="Courier New" panose="02070309020205020404" pitchFamily="49" charset="0"/>
-              </a:rPr>
-              <a:t>  </a:t>
-            </a:r>
-            <a:r>
-              <a:rPr lang="en-US" sz="1100" dirty="0" err="1">
-                <a:latin typeface="Courier New" panose="02070309020205020404" pitchFamily="49" charset="0"/>
-                <a:cs typeface="Courier New" panose="02070309020205020404" pitchFamily="49" charset="0"/>
-              </a:rPr>
-              <a:t>group_by</a:t>
-            </a:r>
-            <a:r>
-              <a:rPr lang="en-US" sz="1100" dirty="0">
-                <a:latin typeface="Courier New" panose="02070309020205020404" pitchFamily="49" charset="0"/>
-                <a:cs typeface="Courier New" panose="02070309020205020404" pitchFamily="49" charset="0"/>
-              </a:rPr>
-              <a:t>(Species) %&gt;% </a:t>
-            </a:r>
-          </a:p>
-          <a:p>
-            <a:pPr marL="0" indent="0">
-              <a:lnSpc>
-                <a:spcPct val="120000"/>
-              </a:lnSpc>
-              <a:spcBef>
-                <a:spcPts val="0"/>
-              </a:spcBef>
-              <a:buNone/>
-            </a:pPr>
-            <a:r>
-              <a:rPr lang="en-US" sz="1100" dirty="0">
-                <a:latin typeface="Courier New" panose="02070309020205020404" pitchFamily="49" charset="0"/>
-                <a:cs typeface="Courier New" panose="02070309020205020404" pitchFamily="49" charset="0"/>
-              </a:rPr>
-              <a:t>  </a:t>
-            </a:r>
-            <a:r>
-              <a:rPr lang="en-US" sz="1100" dirty="0" err="1">
-                <a:latin typeface="Courier New" panose="02070309020205020404" pitchFamily="49" charset="0"/>
-                <a:cs typeface="Courier New" panose="02070309020205020404" pitchFamily="49" charset="0"/>
-              </a:rPr>
-              <a:t>map_dbl</a:t>
-            </a:r>
-            <a:r>
-              <a:rPr lang="en-US" sz="1100" dirty="0">
-                <a:latin typeface="Courier New" panose="02070309020205020404" pitchFamily="49" charset="0"/>
-                <a:cs typeface="Courier New" panose="02070309020205020404" pitchFamily="49" charset="0"/>
-              </a:rPr>
-              <a:t>(length)</a:t>
-            </a:r>
-          </a:p>
-          <a:p>
-            <a:pPr marL="0" indent="0">
-              <a:lnSpc>
-                <a:spcPct val="120000"/>
-              </a:lnSpc>
-              <a:spcBef>
-                <a:spcPts val="0"/>
-              </a:spcBef>
-              <a:buNone/>
-            </a:pPr>
-            <a:endParaRPr lang="en-US" sz="1100" dirty="0">
-              <a:latin typeface="Courier New" panose="02070309020205020404" pitchFamily="49" charset="0"/>
-              <a:cs typeface="Courier New" panose="02070309020205020404" pitchFamily="49" charset="0"/>
-            </a:endParaRPr>
-          </a:p>
-          <a:p>
-            <a:pPr marL="0" indent="0">
-              <a:lnSpc>
-                <a:spcPct val="120000"/>
-              </a:lnSpc>
-              <a:spcBef>
-                <a:spcPts val="0"/>
-              </a:spcBef>
-              <a:buNone/>
-            </a:pPr>
-            <a:r>
-              <a:rPr lang="en-US" sz="1100" dirty="0">
-                <a:latin typeface="Courier New" panose="02070309020205020404" pitchFamily="49" charset="0"/>
-                <a:cs typeface="Courier New" panose="02070309020205020404" pitchFamily="49" charset="0"/>
-              </a:rPr>
-              <a:t>iris %&gt;% </a:t>
-            </a:r>
-          </a:p>
-          <a:p>
-            <a:pPr marL="0" indent="0">
-              <a:lnSpc>
-                <a:spcPct val="120000"/>
-              </a:lnSpc>
-              <a:spcBef>
-                <a:spcPts val="0"/>
-              </a:spcBef>
-              <a:buNone/>
-            </a:pPr>
-            <a:r>
-              <a:rPr lang="en-US" sz="1100" dirty="0">
-                <a:latin typeface="Courier New" panose="02070309020205020404" pitchFamily="49" charset="0"/>
-                <a:cs typeface="Courier New" panose="02070309020205020404" pitchFamily="49" charset="0"/>
-              </a:rPr>
-              <a:t>  </a:t>
-            </a:r>
-            <a:r>
-              <a:rPr lang="en-US" sz="1100" dirty="0" err="1">
-                <a:latin typeface="Courier New" panose="02070309020205020404" pitchFamily="49" charset="0"/>
-                <a:cs typeface="Courier New" panose="02070309020205020404" pitchFamily="49" charset="0"/>
-              </a:rPr>
-              <a:t>group_by</a:t>
-            </a:r>
-            <a:r>
-              <a:rPr lang="en-US" sz="1100" dirty="0">
-                <a:latin typeface="Courier New" panose="02070309020205020404" pitchFamily="49" charset="0"/>
-                <a:cs typeface="Courier New" panose="02070309020205020404" pitchFamily="49" charset="0"/>
-              </a:rPr>
-              <a:t>(Species) %&gt;%</a:t>
-            </a:r>
-          </a:p>
-          <a:p>
-            <a:pPr marL="0" indent="0">
-              <a:lnSpc>
-                <a:spcPct val="120000"/>
-              </a:lnSpc>
-              <a:spcBef>
-                <a:spcPts val="0"/>
-              </a:spcBef>
-              <a:buNone/>
-            </a:pPr>
-            <a:r>
-              <a:rPr lang="en-US" sz="1100" dirty="0">
-                <a:latin typeface="Courier New" panose="02070309020205020404" pitchFamily="49" charset="0"/>
-                <a:cs typeface="Courier New" panose="02070309020205020404" pitchFamily="49" charset="0"/>
-              </a:rPr>
-              <a:t>  nest() %&gt;% </a:t>
-            </a:r>
-          </a:p>
-          <a:p>
-            <a:pPr marL="0" indent="0">
-              <a:lnSpc>
-                <a:spcPct val="120000"/>
-              </a:lnSpc>
-              <a:spcBef>
-                <a:spcPts val="0"/>
-              </a:spcBef>
-              <a:buNone/>
-            </a:pPr>
-            <a:r>
-              <a:rPr lang="en-US" sz="1100" dirty="0">
-                <a:latin typeface="Courier New" panose="02070309020205020404" pitchFamily="49" charset="0"/>
-                <a:cs typeface="Courier New" panose="02070309020205020404" pitchFamily="49" charset="0"/>
-              </a:rPr>
-              <a:t>  mutate(mean1 = </a:t>
-            </a:r>
-            <a:r>
-              <a:rPr lang="en-US" sz="1100" dirty="0" err="1">
-                <a:latin typeface="Courier New" panose="02070309020205020404" pitchFamily="49" charset="0"/>
-                <a:cs typeface="Courier New" panose="02070309020205020404" pitchFamily="49" charset="0"/>
-              </a:rPr>
-              <a:t>map_int</a:t>
-            </a:r>
-            <a:r>
-              <a:rPr lang="en-US" sz="1100" dirty="0">
-                <a:latin typeface="Courier New" panose="02070309020205020404" pitchFamily="49" charset="0"/>
-                <a:cs typeface="Courier New" panose="02070309020205020404" pitchFamily="49" charset="0"/>
-              </a:rPr>
-              <a:t>(data, length))</a:t>
-            </a:r>
-          </a:p>
-          <a:p>
-            <a:pPr marL="0" indent="0">
-              <a:lnSpc>
-                <a:spcPct val="120000"/>
-              </a:lnSpc>
-              <a:spcBef>
-                <a:spcPts val="0"/>
-              </a:spcBef>
-              <a:buNone/>
-            </a:pPr>
-            <a:endParaRPr lang="en-US" sz="1100" dirty="0">
-              <a:latin typeface="Courier New" panose="02070309020205020404" pitchFamily="49" charset="0"/>
-              <a:cs typeface="Courier New" panose="02070309020205020404" pitchFamily="49" charset="0"/>
-            </a:endParaRPr>
-          </a:p>
-          <a:p>
-            <a:pPr marL="0" indent="0">
-              <a:lnSpc>
-                <a:spcPct val="120000"/>
-              </a:lnSpc>
-              <a:spcBef>
-                <a:spcPts val="0"/>
-              </a:spcBef>
-              <a:buNone/>
-            </a:pPr>
-            <a:r>
-              <a:rPr lang="en-US" sz="1100" dirty="0">
-                <a:latin typeface="Courier New" panose="02070309020205020404" pitchFamily="49" charset="0"/>
-                <a:cs typeface="Courier New" panose="02070309020205020404" pitchFamily="49" charset="0"/>
-              </a:rPr>
-              <a:t>iris %&gt;% </a:t>
-            </a:r>
-          </a:p>
-          <a:p>
-            <a:pPr marL="0" indent="0">
-              <a:lnSpc>
-                <a:spcPct val="120000"/>
-              </a:lnSpc>
-              <a:spcBef>
-                <a:spcPts val="0"/>
-              </a:spcBef>
-              <a:buNone/>
-            </a:pPr>
-            <a:r>
-              <a:rPr lang="en-US" sz="1100" dirty="0">
-                <a:latin typeface="Courier New" panose="02070309020205020404" pitchFamily="49" charset="0"/>
-                <a:cs typeface="Courier New" panose="02070309020205020404" pitchFamily="49" charset="0"/>
-              </a:rPr>
-              <a:t>  </a:t>
-            </a:r>
-            <a:r>
-              <a:rPr lang="en-US" sz="1100" dirty="0" err="1">
-                <a:latin typeface="Courier New" panose="02070309020205020404" pitchFamily="49" charset="0"/>
-                <a:cs typeface="Courier New" panose="02070309020205020404" pitchFamily="49" charset="0"/>
-              </a:rPr>
-              <a:t>group_by</a:t>
-            </a:r>
-            <a:r>
-              <a:rPr lang="en-US" sz="1100" dirty="0">
-                <a:latin typeface="Courier New" panose="02070309020205020404" pitchFamily="49" charset="0"/>
-                <a:cs typeface="Courier New" panose="02070309020205020404" pitchFamily="49" charset="0"/>
-              </a:rPr>
-              <a:t>(Species) %&gt;%</a:t>
-            </a:r>
-          </a:p>
-          <a:p>
-            <a:pPr marL="0" indent="0">
-              <a:lnSpc>
-                <a:spcPct val="120000"/>
-              </a:lnSpc>
-              <a:spcBef>
-                <a:spcPts val="0"/>
-              </a:spcBef>
-              <a:buNone/>
-            </a:pPr>
-            <a:r>
-              <a:rPr lang="en-US" sz="1100" dirty="0">
-                <a:latin typeface="Courier New" panose="02070309020205020404" pitchFamily="49" charset="0"/>
-                <a:cs typeface="Courier New" panose="02070309020205020404" pitchFamily="49" charset="0"/>
-              </a:rPr>
-              <a:t>  nest() %&gt;% </a:t>
-            </a:r>
-          </a:p>
-          <a:p>
-            <a:pPr marL="0" indent="0">
-              <a:lnSpc>
-                <a:spcPct val="120000"/>
-              </a:lnSpc>
-              <a:spcBef>
-                <a:spcPts val="0"/>
-              </a:spcBef>
-              <a:buNone/>
-            </a:pPr>
-            <a:r>
-              <a:rPr lang="en-US" sz="1100" dirty="0">
-                <a:latin typeface="Courier New" panose="02070309020205020404" pitchFamily="49" charset="0"/>
-                <a:cs typeface="Courier New" panose="02070309020205020404" pitchFamily="49" charset="0"/>
-              </a:rPr>
-              <a:t>  mutate(mean2 = </a:t>
-            </a:r>
-            <a:r>
-              <a:rPr lang="en-US" sz="1100" dirty="0" err="1">
-                <a:latin typeface="Courier New" panose="02070309020205020404" pitchFamily="49" charset="0"/>
-                <a:cs typeface="Courier New" panose="02070309020205020404" pitchFamily="49" charset="0"/>
-              </a:rPr>
-              <a:t>map_int</a:t>
-            </a:r>
-            <a:r>
-              <a:rPr lang="en-US" sz="1100" dirty="0">
-                <a:latin typeface="Courier New" panose="02070309020205020404" pitchFamily="49" charset="0"/>
-                <a:cs typeface="Courier New" panose="02070309020205020404" pitchFamily="49" charset="0"/>
-              </a:rPr>
-              <a:t>(data, NROW))</a:t>
-            </a:r>
-          </a:p>
-          <a:p>
-            <a:pPr marL="0" indent="0">
-              <a:lnSpc>
-                <a:spcPct val="120000"/>
-              </a:lnSpc>
-              <a:spcBef>
-                <a:spcPts val="0"/>
-              </a:spcBef>
-              <a:buNone/>
-            </a:pPr>
-            <a:endParaRPr lang="en-US" sz="1100" dirty="0">
-              <a:latin typeface="Courier New" panose="02070309020205020404" pitchFamily="49" charset="0"/>
-              <a:cs typeface="Courier New" panose="02070309020205020404" pitchFamily="49" charset="0"/>
-            </a:endParaRPr>
-          </a:p>
-          <a:p>
-            <a:pPr marL="0" indent="0">
-              <a:lnSpc>
-                <a:spcPct val="120000"/>
-              </a:lnSpc>
-              <a:spcBef>
-                <a:spcPts val="0"/>
-              </a:spcBef>
-              <a:buNone/>
-            </a:pPr>
-            <a:r>
-              <a:rPr lang="en-US" sz="1100" dirty="0">
-                <a:latin typeface="Courier New" panose="02070309020205020404" pitchFamily="49" charset="0"/>
-                <a:cs typeface="Courier New" panose="02070309020205020404" pitchFamily="49" charset="0"/>
-              </a:rPr>
-              <a:t>iris %&gt;% </a:t>
-            </a:r>
-          </a:p>
-          <a:p>
-            <a:pPr marL="0" indent="0">
-              <a:lnSpc>
-                <a:spcPct val="120000"/>
-              </a:lnSpc>
-              <a:spcBef>
-                <a:spcPts val="0"/>
-              </a:spcBef>
-              <a:buNone/>
-            </a:pPr>
-            <a:r>
-              <a:rPr lang="en-US" sz="1100" dirty="0">
-                <a:latin typeface="Courier New" panose="02070309020205020404" pitchFamily="49" charset="0"/>
-                <a:cs typeface="Courier New" panose="02070309020205020404" pitchFamily="49" charset="0"/>
-              </a:rPr>
-              <a:t>  </a:t>
-            </a:r>
-            <a:r>
-              <a:rPr lang="en-US" sz="1100" dirty="0" err="1">
-                <a:latin typeface="Courier New" panose="02070309020205020404" pitchFamily="49" charset="0"/>
-                <a:cs typeface="Courier New" panose="02070309020205020404" pitchFamily="49" charset="0"/>
-              </a:rPr>
-              <a:t>group_by</a:t>
-            </a:r>
-            <a:r>
-              <a:rPr lang="en-US" sz="1100" dirty="0">
-                <a:latin typeface="Courier New" panose="02070309020205020404" pitchFamily="49" charset="0"/>
-                <a:cs typeface="Courier New" panose="02070309020205020404" pitchFamily="49" charset="0"/>
-              </a:rPr>
-              <a:t>(Species) %&gt;%</a:t>
-            </a:r>
-          </a:p>
-          <a:p>
-            <a:pPr marL="0" indent="0">
-              <a:lnSpc>
-                <a:spcPct val="120000"/>
-              </a:lnSpc>
-              <a:spcBef>
-                <a:spcPts val="0"/>
-              </a:spcBef>
-              <a:buNone/>
-            </a:pPr>
-            <a:r>
-              <a:rPr lang="en-US" sz="1100" dirty="0">
-                <a:latin typeface="Courier New" panose="02070309020205020404" pitchFamily="49" charset="0"/>
-                <a:cs typeface="Courier New" panose="02070309020205020404" pitchFamily="49" charset="0"/>
-              </a:rPr>
-              <a:t>  nest() %&gt;% </a:t>
-            </a:r>
-          </a:p>
-          <a:p>
-            <a:pPr marL="0" indent="0">
-              <a:lnSpc>
-                <a:spcPct val="120000"/>
-              </a:lnSpc>
-              <a:spcBef>
-                <a:spcPts val="0"/>
-              </a:spcBef>
-              <a:buNone/>
-            </a:pPr>
-            <a:r>
-              <a:rPr lang="en-US" sz="1100" dirty="0">
-                <a:latin typeface="Courier New" panose="02070309020205020404" pitchFamily="49" charset="0"/>
-                <a:cs typeface="Courier New" panose="02070309020205020404" pitchFamily="49" charset="0"/>
-              </a:rPr>
-              <a:t>  mutate(</a:t>
-            </a:r>
-            <a:r>
-              <a:rPr lang="en-US" sz="1100" dirty="0" err="1">
-                <a:latin typeface="Courier New" panose="02070309020205020404" pitchFamily="49" charset="0"/>
-                <a:cs typeface="Courier New" panose="02070309020205020404" pitchFamily="49" charset="0"/>
-              </a:rPr>
-              <a:t>lm</a:t>
-            </a:r>
-            <a:r>
-              <a:rPr lang="en-US" sz="1100" dirty="0">
-                <a:latin typeface="Courier New" panose="02070309020205020404" pitchFamily="49" charset="0"/>
-                <a:cs typeface="Courier New" panose="02070309020205020404" pitchFamily="49" charset="0"/>
-              </a:rPr>
-              <a:t> = map(data, function(df) </a:t>
-            </a:r>
-            <a:r>
-              <a:rPr lang="en-US" sz="1100" dirty="0" err="1">
-                <a:latin typeface="Courier New" panose="02070309020205020404" pitchFamily="49" charset="0"/>
-                <a:cs typeface="Courier New" panose="02070309020205020404" pitchFamily="49" charset="0"/>
-              </a:rPr>
-              <a:t>lm</a:t>
-            </a:r>
-            <a:r>
-              <a:rPr lang="en-US" sz="1100" dirty="0">
-                <a:latin typeface="Courier New" panose="02070309020205020404" pitchFamily="49" charset="0"/>
-                <a:cs typeface="Courier New" panose="02070309020205020404" pitchFamily="49" charset="0"/>
-              </a:rPr>
-              <a:t>(data = df, </a:t>
-            </a:r>
-            <a:r>
-              <a:rPr lang="en-US" sz="1100" dirty="0" err="1">
-                <a:latin typeface="Courier New" panose="02070309020205020404" pitchFamily="49" charset="0"/>
-                <a:cs typeface="Courier New" panose="02070309020205020404" pitchFamily="49" charset="0"/>
-              </a:rPr>
-              <a:t>Sepal.Length</a:t>
-            </a:r>
-            <a:r>
-              <a:rPr lang="en-US" sz="1100" dirty="0">
-                <a:latin typeface="Courier New" panose="02070309020205020404" pitchFamily="49" charset="0"/>
-                <a:cs typeface="Courier New" panose="02070309020205020404" pitchFamily="49" charset="0"/>
-              </a:rPr>
-              <a:t> ~ .)))</a:t>
-            </a:r>
-            <a:endParaRPr lang="en-IL" sz="1100" dirty="0">
-              <a:latin typeface="Courier New" panose="02070309020205020404" pitchFamily="49" charset="0"/>
-              <a:cs typeface="Courier New" panose="02070309020205020404" pitchFamily="49" charset="0"/>
-            </a:endParaRPr>
-          </a:p>
-        </p:txBody>
-      </p:sp>
-      <p:sp>
-        <p:nvSpPr>
-          <p:cNvPr id="4" name="Footer Placeholder 3">
-            <a:extLst>
-              <a:ext uri="{FF2B5EF4-FFF2-40B4-BE49-F238E27FC236}">
-                <a16:creationId xmlns:a16="http://schemas.microsoft.com/office/drawing/2014/main" id="{53086374-6218-480F-B2CC-89DD0C826AA2}"/>
-              </a:ext>
-            </a:extLst>
-          </p:cNvPr>
-          <p:cNvSpPr>
-            <a:spLocks noGrp="1"/>
-          </p:cNvSpPr>
-          <p:nvPr>
-            <p:ph type="ftr" sz="quarter" idx="11"/>
-          </p:nvPr>
-        </p:nvSpPr>
-        <p:spPr/>
-        <p:txBody>
-          <a:bodyPr/>
-          <a:lstStyle/>
-          <a:p>
-            <a:r>
-              <a:rPr lang="en-US"/>
-              <a:t>Materials by Adi Sarid https://adisarid.github.io and http://www.sarid-ins.com</a:t>
-            </a:r>
-            <a:endParaRPr lang="en-US" dirty="0"/>
-          </a:p>
-        </p:txBody>
-      </p:sp>
-      <p:sp>
-        <p:nvSpPr>
-          <p:cNvPr id="5" name="Slide Number Placeholder 4">
-            <a:extLst>
-              <a:ext uri="{FF2B5EF4-FFF2-40B4-BE49-F238E27FC236}">
-                <a16:creationId xmlns:a16="http://schemas.microsoft.com/office/drawing/2014/main" id="{EB52CB8C-5F1B-4EBB-9CF0-274837BD913E}"/>
-              </a:ext>
-            </a:extLst>
-          </p:cNvPr>
-          <p:cNvSpPr>
-            <a:spLocks noGrp="1"/>
-          </p:cNvSpPr>
-          <p:nvPr>
-            <p:ph type="sldNum" sz="quarter" idx="12"/>
-          </p:nvPr>
-        </p:nvSpPr>
-        <p:spPr/>
-        <p:txBody>
-          <a:bodyPr/>
-          <a:lstStyle/>
-          <a:p>
-            <a:fld id="{4FAB73BC-B049-4115-A692-8D63A059BFB8}" type="slidenum">
-              <a:rPr lang="en-US" smtClean="0"/>
-              <a:t>11</a:t>
-            </a:fld>
-            <a:endParaRPr lang="en-US" dirty="0"/>
-          </a:p>
-        </p:txBody>
-      </p:sp>
-    </p:spTree>
-    <p:extLst>
-      <p:ext uri="{BB962C8B-B14F-4D97-AF65-F5344CB8AC3E}">
-        <p14:creationId xmlns:p14="http://schemas.microsoft.com/office/powerpoint/2010/main" val="1456093150"/>
-      </p:ext>
-    </p:extLst>
-  </p:cSld>
-  <p:clrMapOvr>
-    <a:masterClrMapping/>
-  </p:clrMapOvr>
-</p:sld>
-</file>
-
-<file path=ppt/slides/slide12.xml><?xml version="1.0" encoding="utf-8"?>
-<p:sld xmlns:a="http://schemas.openxmlformats.org/drawingml/2006/main" xmlns:r="http://schemas.openxmlformats.org/officeDocument/2006/relationships" xmlns:p="http://schemas.openxmlformats.org/presentationml/2006/main">
-  <p:cSld>
-    <p:spTree>
-      <p:nvGrpSpPr>
-        <p:cNvPr id="1" name=""/>
-        <p:cNvGrpSpPr/>
-        <p:nvPr/>
-      </p:nvGrpSpPr>
-      <p:grpSpPr>
-        <a:xfrm>
-          <a:off x="0" y="0"/>
-          <a:ext cx="0" cy="0"/>
-          <a:chOff x="0" y="0"/>
-          <a:chExt cx="0" cy="0"/>
-        </a:xfrm>
-      </p:grpSpPr>
-      <p:sp>
-        <p:nvSpPr>
-          <p:cNvPr id="2" name="Title 1">
-            <a:extLst>
-              <a:ext uri="{FF2B5EF4-FFF2-40B4-BE49-F238E27FC236}">
-                <a16:creationId xmlns:a16="http://schemas.microsoft.com/office/drawing/2014/main" id="{64F8E03E-D32E-4DBD-B37B-497E869704FC}"/>
-              </a:ext>
-            </a:extLst>
-          </p:cNvPr>
-          <p:cNvSpPr>
-            <a:spLocks noGrp="1"/>
-          </p:cNvSpPr>
-          <p:nvPr>
-            <p:ph type="title"/>
-          </p:nvPr>
-        </p:nvSpPr>
-        <p:spPr/>
-        <p:txBody>
-          <a:bodyPr/>
-          <a:lstStyle/>
-          <a:p>
-            <a:r>
-              <a:rPr lang="en-US" dirty="0"/>
-              <a:t>Exercise (question 2)</a:t>
-            </a:r>
-            <a:br>
-              <a:rPr lang="en-US" dirty="0"/>
-            </a:br>
-            <a:r>
-              <a:rPr lang="en-US" dirty="0"/>
-              <a:t>(code available at 06-Purrr.R)</a:t>
-            </a:r>
-            <a:endParaRPr lang="en-IL" dirty="0"/>
-          </a:p>
-        </p:txBody>
-      </p:sp>
-      <p:sp>
-        <p:nvSpPr>
-          <p:cNvPr id="3" name="Content Placeholder 2">
-            <a:extLst>
-              <a:ext uri="{FF2B5EF4-FFF2-40B4-BE49-F238E27FC236}">
-                <a16:creationId xmlns:a16="http://schemas.microsoft.com/office/drawing/2014/main" id="{704B2C5F-BDD7-4648-8FE8-8494F216562A}"/>
-              </a:ext>
-            </a:extLst>
-          </p:cNvPr>
-          <p:cNvSpPr>
-            <a:spLocks noGrp="1"/>
-          </p:cNvSpPr>
-          <p:nvPr>
-            <p:ph idx="1"/>
-          </p:nvPr>
-        </p:nvSpPr>
-        <p:spPr/>
-        <p:txBody>
-          <a:bodyPr/>
-          <a:lstStyle/>
-          <a:p>
-            <a:r>
-              <a:rPr lang="en-US" dirty="0"/>
-              <a:t>Reading multiple files using map and extracting information out of them, using map_*</a:t>
-            </a:r>
-            <a:endParaRPr lang="en-IL" dirty="0"/>
-          </a:p>
-        </p:txBody>
-      </p:sp>
-      <p:sp>
-        <p:nvSpPr>
-          <p:cNvPr id="4" name="Footer Placeholder 3">
-            <a:extLst>
-              <a:ext uri="{FF2B5EF4-FFF2-40B4-BE49-F238E27FC236}">
-                <a16:creationId xmlns:a16="http://schemas.microsoft.com/office/drawing/2014/main" id="{4C692D46-F197-4049-9F78-FA39FEBB65EC}"/>
-              </a:ext>
-            </a:extLst>
-          </p:cNvPr>
-          <p:cNvSpPr>
-            <a:spLocks noGrp="1"/>
-          </p:cNvSpPr>
-          <p:nvPr>
-            <p:ph type="ftr" sz="quarter" idx="11"/>
-          </p:nvPr>
-        </p:nvSpPr>
-        <p:spPr/>
-        <p:txBody>
-          <a:bodyPr/>
-          <a:lstStyle/>
-          <a:p>
-            <a:r>
-              <a:rPr lang="en-US"/>
-              <a:t>Materials by Adi Sarid https://adisarid.github.io and http://www.sarid-ins.com</a:t>
-            </a:r>
-            <a:endParaRPr lang="en-US" dirty="0"/>
-          </a:p>
-        </p:txBody>
-      </p:sp>
-      <p:sp>
-        <p:nvSpPr>
-          <p:cNvPr id="5" name="Slide Number Placeholder 4">
-            <a:extLst>
-              <a:ext uri="{FF2B5EF4-FFF2-40B4-BE49-F238E27FC236}">
-                <a16:creationId xmlns:a16="http://schemas.microsoft.com/office/drawing/2014/main" id="{6156C53A-8821-47CA-88C7-66377B44B4F9}"/>
-              </a:ext>
-            </a:extLst>
-          </p:cNvPr>
-          <p:cNvSpPr>
-            <a:spLocks noGrp="1"/>
-          </p:cNvSpPr>
-          <p:nvPr>
-            <p:ph type="sldNum" sz="quarter" idx="12"/>
-          </p:nvPr>
-        </p:nvSpPr>
-        <p:spPr/>
-        <p:txBody>
-          <a:bodyPr/>
-          <a:lstStyle/>
-          <a:p>
-            <a:fld id="{4FAB73BC-B049-4115-A692-8D63A059BFB8}" type="slidenum">
-              <a:rPr lang="en-US" smtClean="0"/>
-              <a:t>12</a:t>
-            </a:fld>
-            <a:endParaRPr lang="en-US" dirty="0"/>
-          </a:p>
-        </p:txBody>
-      </p:sp>
-    </p:spTree>
-    <p:extLst>
-      <p:ext uri="{BB962C8B-B14F-4D97-AF65-F5344CB8AC3E}">
-        <p14:creationId xmlns:p14="http://schemas.microsoft.com/office/powerpoint/2010/main" val="3314034414"/>
-      </p:ext>
-    </p:extLst>
-  </p:cSld>
-  <p:clrMapOvr>
-    <a:masterClrMapping/>
-  </p:clrMapOvr>
-</p:sld>
-</file>
-
-<file path=ppt/slides/slide13.xml><?xml version="1.0" encoding="utf-8"?>
-<p:sld xmlns:a="http://schemas.openxmlformats.org/drawingml/2006/main" xmlns:r="http://schemas.openxmlformats.org/officeDocument/2006/relationships" xmlns:p="http://schemas.openxmlformats.org/presentationml/2006/main">
-  <p:cSld>
-    <p:spTree>
-      <p:nvGrpSpPr>
-        <p:cNvPr id="1" name=""/>
-        <p:cNvGrpSpPr/>
-        <p:nvPr/>
-      </p:nvGrpSpPr>
-      <p:grpSpPr>
-        <a:xfrm>
-          <a:off x="0" y="0"/>
-          <a:ext cx="0" cy="0"/>
-          <a:chOff x="0" y="0"/>
-          <a:chExt cx="0" cy="0"/>
-        </a:xfrm>
-      </p:grpSpPr>
-      <p:sp>
-        <p:nvSpPr>
-          <p:cNvPr id="2" name="Title 1">
-            <a:extLst>
-              <a:ext uri="{FF2B5EF4-FFF2-40B4-BE49-F238E27FC236}">
-                <a16:creationId xmlns:a16="http://schemas.microsoft.com/office/drawing/2014/main" id="{64F8E03E-D32E-4DBD-B37B-497E869704FC}"/>
-              </a:ext>
-            </a:extLst>
-          </p:cNvPr>
-          <p:cNvSpPr>
-            <a:spLocks noGrp="1"/>
-          </p:cNvSpPr>
-          <p:nvPr>
-            <p:ph type="title"/>
-          </p:nvPr>
-        </p:nvSpPr>
-        <p:spPr/>
-        <p:txBody>
-          <a:bodyPr/>
-          <a:lstStyle/>
-          <a:p>
-            <a:r>
-              <a:rPr lang="en-US" dirty="0"/>
-              <a:t>Exercise (question 3)</a:t>
-            </a:r>
-            <a:br>
-              <a:rPr lang="en-US" dirty="0"/>
-            </a:br>
-            <a:r>
-              <a:rPr lang="en-US" dirty="0"/>
-              <a:t>(code available at 06-Purrr.R)</a:t>
-            </a:r>
-            <a:endParaRPr lang="en-IL" dirty="0"/>
-          </a:p>
-        </p:txBody>
-      </p:sp>
-      <p:sp>
-        <p:nvSpPr>
-          <p:cNvPr id="3" name="Content Placeholder 2">
-            <a:extLst>
-              <a:ext uri="{FF2B5EF4-FFF2-40B4-BE49-F238E27FC236}">
-                <a16:creationId xmlns:a16="http://schemas.microsoft.com/office/drawing/2014/main" id="{704B2C5F-BDD7-4648-8FE8-8494F216562A}"/>
-              </a:ext>
-            </a:extLst>
-          </p:cNvPr>
-          <p:cNvSpPr>
-            <a:spLocks noGrp="1"/>
-          </p:cNvSpPr>
-          <p:nvPr>
-            <p:ph idx="1"/>
-          </p:nvPr>
-        </p:nvSpPr>
-        <p:spPr/>
-        <p:txBody>
-          <a:bodyPr/>
-          <a:lstStyle/>
-          <a:p>
-            <a:r>
-              <a:rPr lang="en-US" dirty="0"/>
-              <a:t>Using walk to get the function’s side effect.</a:t>
-            </a:r>
-            <a:endParaRPr lang="en-IL" dirty="0"/>
-          </a:p>
-        </p:txBody>
-      </p:sp>
-      <p:sp>
-        <p:nvSpPr>
-          <p:cNvPr id="4" name="Footer Placeholder 3">
-            <a:extLst>
-              <a:ext uri="{FF2B5EF4-FFF2-40B4-BE49-F238E27FC236}">
-                <a16:creationId xmlns:a16="http://schemas.microsoft.com/office/drawing/2014/main" id="{4C692D46-F197-4049-9F78-FA39FEBB65EC}"/>
-              </a:ext>
-            </a:extLst>
-          </p:cNvPr>
-          <p:cNvSpPr>
-            <a:spLocks noGrp="1"/>
-          </p:cNvSpPr>
-          <p:nvPr>
-            <p:ph type="ftr" sz="quarter" idx="11"/>
-          </p:nvPr>
-        </p:nvSpPr>
-        <p:spPr/>
-        <p:txBody>
-          <a:bodyPr/>
-          <a:lstStyle/>
-          <a:p>
-            <a:r>
-              <a:rPr lang="en-US"/>
-              <a:t>Materials by Adi Sarid https://adisarid.github.io and http://www.sarid-ins.com</a:t>
-            </a:r>
-            <a:endParaRPr lang="en-US" dirty="0"/>
-          </a:p>
-        </p:txBody>
-      </p:sp>
-      <p:sp>
-        <p:nvSpPr>
-          <p:cNvPr id="5" name="Slide Number Placeholder 4">
-            <a:extLst>
-              <a:ext uri="{FF2B5EF4-FFF2-40B4-BE49-F238E27FC236}">
-                <a16:creationId xmlns:a16="http://schemas.microsoft.com/office/drawing/2014/main" id="{6156C53A-8821-47CA-88C7-66377B44B4F9}"/>
-              </a:ext>
-            </a:extLst>
-          </p:cNvPr>
-          <p:cNvSpPr>
-            <a:spLocks noGrp="1"/>
-          </p:cNvSpPr>
-          <p:nvPr>
-            <p:ph type="sldNum" sz="quarter" idx="12"/>
-          </p:nvPr>
-        </p:nvSpPr>
-        <p:spPr/>
-        <p:txBody>
-          <a:bodyPr/>
-          <a:lstStyle/>
-          <a:p>
-            <a:fld id="{4FAB73BC-B049-4115-A692-8D63A059BFB8}" type="slidenum">
-              <a:rPr lang="en-US" smtClean="0"/>
-              <a:t>13</a:t>
-            </a:fld>
-            <a:endParaRPr lang="en-US" dirty="0"/>
-          </a:p>
-        </p:txBody>
-      </p:sp>
-    </p:spTree>
-    <p:extLst>
-      <p:ext uri="{BB962C8B-B14F-4D97-AF65-F5344CB8AC3E}">
-        <p14:creationId xmlns:p14="http://schemas.microsoft.com/office/powerpoint/2010/main" val="2851889973"/>
-      </p:ext>
-    </p:extLst>
-  </p:cSld>
-  <p:clrMapOvr>
-    <a:masterClrMapping/>
-  </p:clrMapOvr>
-</p:sld>
-</file>
-
-<file path=ppt/slides/slide2.xml><?xml version="1.0" encoding="utf-8"?>
-<p:sld xmlns:a="http://schemas.openxmlformats.org/drawingml/2006/main" xmlns:r="http://schemas.openxmlformats.org/officeDocument/2006/relationships" xmlns:p="http://schemas.openxmlformats.org/presentationml/2006/main">
-  <p:cSld>
-    <p:spTree>
-      <p:nvGrpSpPr>
-        <p:cNvPr id="1" name=""/>
-        <p:cNvGrpSpPr/>
-        <p:nvPr/>
-      </p:nvGrpSpPr>
-      <p:grpSpPr>
-        <a:xfrm>
-          <a:off x="0" y="0"/>
-          <a:ext cx="0" cy="0"/>
-          <a:chOff x="0" y="0"/>
-          <a:chExt cx="0" cy="0"/>
-        </a:xfrm>
-      </p:grpSpPr>
-      <p:sp>
-        <p:nvSpPr>
-          <p:cNvPr id="2" name="Title 1">
-            <a:extLst>
-              <a:ext uri="{FF2B5EF4-FFF2-40B4-BE49-F238E27FC236}">
-                <a16:creationId xmlns:a16="http://schemas.microsoft.com/office/drawing/2014/main" id="{A2992973-ABCE-4744-94FF-8CEE1D8BFF8F}"/>
-              </a:ext>
-            </a:extLst>
-          </p:cNvPr>
-          <p:cNvSpPr>
-            <a:spLocks noGrp="1"/>
-          </p:cNvSpPr>
-          <p:nvPr>
-            <p:ph type="title"/>
-          </p:nvPr>
-        </p:nvSpPr>
-        <p:spPr/>
-        <p:txBody>
-          <a:bodyPr/>
-          <a:lstStyle/>
-          <a:p>
-            <a:r>
-              <a:rPr lang="en-US" dirty="0"/>
-              <a:t>Why </a:t>
-            </a:r>
-            <a:r>
-              <a:rPr lang="en-US" dirty="0" err="1"/>
-              <a:t>purrr</a:t>
-            </a:r>
-            <a:r>
-              <a:rPr lang="en-US" dirty="0"/>
-              <a:t>? </a:t>
-            </a:r>
-            <a:br>
-              <a:rPr lang="en-US" dirty="0"/>
-            </a:br>
-            <a:r>
-              <a:rPr lang="en-US" dirty="0"/>
-              <a:t>What is functional programming?</a:t>
-            </a:r>
-            <a:endParaRPr lang="en-IL" dirty="0"/>
-          </a:p>
-        </p:txBody>
-      </p:sp>
-      <p:sp>
-        <p:nvSpPr>
-          <p:cNvPr id="3" name="Content Placeholder 2">
-            <a:extLst>
-              <a:ext uri="{FF2B5EF4-FFF2-40B4-BE49-F238E27FC236}">
-                <a16:creationId xmlns:a16="http://schemas.microsoft.com/office/drawing/2014/main" id="{3D32442E-0F4D-4FDE-8312-B884AB1A08A6}"/>
-              </a:ext>
-            </a:extLst>
-          </p:cNvPr>
-          <p:cNvSpPr>
-            <a:spLocks noGrp="1"/>
-          </p:cNvSpPr>
-          <p:nvPr>
-            <p:ph idx="1"/>
-          </p:nvPr>
-        </p:nvSpPr>
-        <p:spPr/>
-        <p:txBody>
-          <a:bodyPr>
-            <a:normAutofit lnSpcReduction="10000"/>
-          </a:bodyPr>
-          <a:lstStyle/>
-          <a:p>
-            <a:r>
-              <a:rPr lang="en-US" sz="2400" dirty="0"/>
-              <a:t>“</a:t>
-            </a:r>
-            <a:r>
-              <a:rPr lang="en-US" sz="2400" i="1" dirty="0" err="1"/>
-              <a:t>purrr</a:t>
-            </a:r>
-            <a:r>
-              <a:rPr lang="en-US" sz="2400" i="1" dirty="0"/>
-              <a:t> enhances R’s functional programming (FP) toolkit by providing a complete and consistent set of tools for working with functions and vectors</a:t>
-            </a:r>
-            <a:r>
-              <a:rPr lang="en-US" sz="2400" dirty="0"/>
-              <a:t>”</a:t>
-            </a:r>
-          </a:p>
-          <a:p>
-            <a:pPr lvl="1"/>
-            <a:r>
-              <a:rPr lang="en-US" sz="2000" dirty="0" err="1"/>
-              <a:t>purrr’s</a:t>
-            </a:r>
-            <a:r>
-              <a:rPr lang="en-US" sz="2000" dirty="0"/>
-              <a:t> overview (</a:t>
-            </a:r>
-            <a:r>
-              <a:rPr lang="en-US" sz="2000" dirty="0">
-                <a:hlinkClick r:id="rId2"/>
-              </a:rPr>
-              <a:t>https://purrr.tidyverse.org/</a:t>
-            </a:r>
-            <a:r>
-              <a:rPr lang="en-US" sz="2000" dirty="0"/>
-              <a:t>)</a:t>
-            </a:r>
-            <a:endParaRPr lang="en-US" sz="2000" i="1" dirty="0"/>
-          </a:p>
-          <a:p>
-            <a:r>
-              <a:rPr lang="en-US" sz="2200" dirty="0"/>
-              <a:t>What makes a programming language “</a:t>
-            </a:r>
-            <a:r>
-              <a:rPr lang="en-US" sz="2200" i="1" dirty="0"/>
-              <a:t>functional</a:t>
-            </a:r>
-            <a:r>
-              <a:rPr lang="en-US" sz="2200" dirty="0"/>
-              <a:t>”?</a:t>
-            </a:r>
-          </a:p>
-          <a:p>
-            <a:pPr lvl="1"/>
-            <a:r>
-              <a:rPr lang="en-US" sz="2000" dirty="0"/>
-              <a:t>Functions behave like any other data structure (e.g. you can “pass them” as a variable)</a:t>
-            </a:r>
-          </a:p>
-          <a:p>
-            <a:pPr lvl="1"/>
-            <a:r>
-              <a:rPr lang="en-US" sz="2000" dirty="0"/>
-              <a:t>Functions are </a:t>
-            </a:r>
-            <a:r>
-              <a:rPr lang="en-US" sz="2000" i="1" dirty="0"/>
-              <a:t>pure</a:t>
-            </a:r>
-            <a:endParaRPr lang="en-US" sz="2000" dirty="0"/>
-          </a:p>
-          <a:p>
-            <a:pPr lvl="2"/>
-            <a:r>
-              <a:rPr lang="en-US" sz="1800" dirty="0"/>
-              <a:t>Output depends only on input (consistent), i.e., </a:t>
-            </a:r>
-            <a:r>
-              <a:rPr lang="en-US" sz="1800" dirty="0" err="1"/>
-              <a:t>runif</a:t>
-            </a:r>
-            <a:r>
-              <a:rPr lang="en-US" sz="1800" dirty="0"/>
-              <a:t>(), </a:t>
-            </a:r>
-            <a:r>
-              <a:rPr lang="en-US" sz="1800" dirty="0" err="1"/>
-              <a:t>read_csv</a:t>
-            </a:r>
-            <a:r>
-              <a:rPr lang="en-US" sz="1800" dirty="0"/>
-              <a:t>(), </a:t>
-            </a:r>
-            <a:r>
-              <a:rPr lang="en-US" sz="1800" dirty="0" err="1"/>
-              <a:t>Sys.time</a:t>
-            </a:r>
-            <a:r>
-              <a:rPr lang="en-US" sz="1800" dirty="0"/>
-              <a:t>() are not pure</a:t>
-            </a:r>
-          </a:p>
-          <a:p>
-            <a:pPr lvl="2"/>
-            <a:r>
-              <a:rPr lang="en-US" sz="1800" dirty="0"/>
-              <a:t>No side-effects (e.g., not changing global variables or writing to a file)</a:t>
-            </a:r>
-          </a:p>
-          <a:p>
-            <a:pPr lvl="2"/>
-            <a:r>
-              <a:rPr lang="en-US" sz="1800" dirty="0"/>
-              <a:t>Hence, R is not entirely “</a:t>
-            </a:r>
-            <a:r>
-              <a:rPr lang="en-US" sz="1800" i="1" dirty="0"/>
-              <a:t>functional</a:t>
-            </a:r>
-            <a:r>
-              <a:rPr lang="en-US" sz="1800" dirty="0"/>
-              <a:t>” but adopts some elements</a:t>
-            </a:r>
-          </a:p>
-          <a:p>
-            <a:pPr lvl="1"/>
-            <a:endParaRPr lang="en-IL" sz="2000" dirty="0"/>
-          </a:p>
-        </p:txBody>
-      </p:sp>
-      <p:sp>
-        <p:nvSpPr>
-          <p:cNvPr id="4" name="Footer Placeholder 3">
-            <a:extLst>
-              <a:ext uri="{FF2B5EF4-FFF2-40B4-BE49-F238E27FC236}">
-                <a16:creationId xmlns:a16="http://schemas.microsoft.com/office/drawing/2014/main" id="{49478C39-79FE-43DB-B774-2DA03F700A33}"/>
-              </a:ext>
-            </a:extLst>
-          </p:cNvPr>
-          <p:cNvSpPr>
-            <a:spLocks noGrp="1"/>
-          </p:cNvSpPr>
-          <p:nvPr>
-            <p:ph type="ftr" sz="quarter" idx="11"/>
-          </p:nvPr>
-        </p:nvSpPr>
-        <p:spPr/>
-        <p:txBody>
-          <a:bodyPr/>
-          <a:lstStyle/>
-          <a:p>
-            <a:r>
-              <a:rPr lang="en-US"/>
-              <a:t>Materials by Adi Sarid https://adisarid.github.io and http://www.sarid-ins.com</a:t>
-            </a:r>
-            <a:endParaRPr lang="en-US" dirty="0"/>
-          </a:p>
-        </p:txBody>
-      </p:sp>
-      <p:sp>
-        <p:nvSpPr>
-          <p:cNvPr id="5" name="Slide Number Placeholder 4">
-            <a:extLst>
-              <a:ext uri="{FF2B5EF4-FFF2-40B4-BE49-F238E27FC236}">
-                <a16:creationId xmlns:a16="http://schemas.microsoft.com/office/drawing/2014/main" id="{DAB25C23-1D89-4AA2-998E-F7B9F0C35768}"/>
-              </a:ext>
-            </a:extLst>
-          </p:cNvPr>
-          <p:cNvSpPr>
-            <a:spLocks noGrp="1"/>
-          </p:cNvSpPr>
-          <p:nvPr>
-            <p:ph type="sldNum" sz="quarter" idx="12"/>
-          </p:nvPr>
-        </p:nvSpPr>
-        <p:spPr/>
-        <p:txBody>
-          <a:bodyPr/>
-          <a:lstStyle/>
-          <a:p>
-            <a:fld id="{4FAB73BC-B049-4115-A692-8D63A059BFB8}" type="slidenum">
-              <a:rPr lang="en-US" smtClean="0"/>
-              <a:t>2</a:t>
-            </a:fld>
-            <a:endParaRPr lang="en-US" dirty="0"/>
-          </a:p>
-        </p:txBody>
-      </p:sp>
-    </p:spTree>
-    <p:extLst>
-      <p:ext uri="{BB962C8B-B14F-4D97-AF65-F5344CB8AC3E}">
-        <p14:creationId xmlns:p14="http://schemas.microsoft.com/office/powerpoint/2010/main" val="800250464"/>
-      </p:ext>
-    </p:extLst>
-  </p:cSld>
-  <p:clrMapOvr>
-    <a:masterClrMapping/>
-  </p:clrMapOvr>
-</p:sld>
-</file>
-
-<file path=ppt/slides/slide3.xml><?xml version="1.0" encoding="utf-8"?>
-<p:sld xmlns:a="http://schemas.openxmlformats.org/drawingml/2006/main" xmlns:r="http://schemas.openxmlformats.org/officeDocument/2006/relationships" xmlns:p="http://schemas.openxmlformats.org/presentationml/2006/main">
-  <p:cSld>
-    <p:spTree>
-      <p:nvGrpSpPr>
-        <p:cNvPr id="1" name=""/>
-        <p:cNvGrpSpPr/>
-        <p:nvPr/>
-      </p:nvGrpSpPr>
-      <p:grpSpPr>
-        <a:xfrm>
-          <a:off x="0" y="0"/>
-          <a:ext cx="0" cy="0"/>
-          <a:chOff x="0" y="0"/>
-          <a:chExt cx="0" cy="0"/>
-        </a:xfrm>
-      </p:grpSpPr>
-      <p:sp>
-        <p:nvSpPr>
-          <p:cNvPr id="2" name="Title 1">
-            <a:extLst>
-              <a:ext uri="{FF2B5EF4-FFF2-40B4-BE49-F238E27FC236}">
-                <a16:creationId xmlns:a16="http://schemas.microsoft.com/office/drawing/2014/main" id="{89180BCA-BF5C-441D-9DDD-F8A913063388}"/>
-              </a:ext>
-            </a:extLst>
-          </p:cNvPr>
-          <p:cNvSpPr>
-            <a:spLocks noGrp="1"/>
-          </p:cNvSpPr>
-          <p:nvPr>
-            <p:ph type="title"/>
-          </p:nvPr>
-        </p:nvSpPr>
-        <p:spPr/>
-        <p:txBody>
-          <a:bodyPr/>
-          <a:lstStyle/>
-          <a:p>
-            <a:r>
-              <a:rPr lang="en-US" dirty="0"/>
-              <a:t>A functional</a:t>
-            </a:r>
-            <a:endParaRPr lang="en-IL" dirty="0"/>
-          </a:p>
-        </p:txBody>
-      </p:sp>
-      <p:sp>
-        <p:nvSpPr>
-          <p:cNvPr id="3" name="Content Placeholder 2">
-            <a:extLst>
-              <a:ext uri="{FF2B5EF4-FFF2-40B4-BE49-F238E27FC236}">
-                <a16:creationId xmlns:a16="http://schemas.microsoft.com/office/drawing/2014/main" id="{5B037B4C-714F-4C6C-BB15-C878FDAC84D9}"/>
-              </a:ext>
-            </a:extLst>
-          </p:cNvPr>
-          <p:cNvSpPr>
-            <a:spLocks noGrp="1"/>
-          </p:cNvSpPr>
-          <p:nvPr>
-            <p:ph idx="1"/>
-          </p:nvPr>
-        </p:nvSpPr>
-        <p:spPr/>
-        <p:txBody>
-          <a:bodyPr/>
-          <a:lstStyle/>
-          <a:p>
-            <a:r>
-              <a:rPr lang="en-US" dirty="0"/>
-              <a:t>Functional is a function that takes a function as an input and returns a vector as an output (like in math), e.g.:</a:t>
-            </a:r>
-          </a:p>
-          <a:p>
-            <a:pPr marL="0" indent="0">
-              <a:buNone/>
-            </a:pPr>
-            <a:r>
-              <a:rPr lang="en-US" dirty="0">
-                <a:latin typeface="Courier New" panose="02070309020205020404" pitchFamily="49" charset="0"/>
-                <a:cs typeface="Courier New" panose="02070309020205020404" pitchFamily="49" charset="0"/>
-              </a:rPr>
-              <a:t>randomize &lt;- function(f) f(</a:t>
-            </a:r>
-            <a:r>
-              <a:rPr lang="en-US" dirty="0" err="1">
-                <a:latin typeface="Courier New" panose="02070309020205020404" pitchFamily="49" charset="0"/>
-                <a:cs typeface="Courier New" panose="02070309020205020404" pitchFamily="49" charset="0"/>
-              </a:rPr>
-              <a:t>runif</a:t>
-            </a:r>
-            <a:r>
-              <a:rPr lang="en-US" dirty="0">
-                <a:latin typeface="Courier New" panose="02070309020205020404" pitchFamily="49" charset="0"/>
-                <a:cs typeface="Courier New" panose="02070309020205020404" pitchFamily="49" charset="0"/>
-              </a:rPr>
-              <a:t>(1e3))</a:t>
-            </a:r>
-          </a:p>
-          <a:p>
-            <a:pPr marL="0" indent="0">
-              <a:buNone/>
-            </a:pPr>
-            <a:r>
-              <a:rPr lang="en-US" dirty="0">
-                <a:latin typeface="Courier New" panose="02070309020205020404" pitchFamily="49" charset="0"/>
-                <a:cs typeface="Courier New" panose="02070309020205020404" pitchFamily="49" charset="0"/>
-              </a:rPr>
-              <a:t>randomize(mean)</a:t>
-            </a:r>
-          </a:p>
-          <a:p>
-            <a:pPr marL="0" indent="0">
-              <a:buNone/>
-            </a:pPr>
-            <a:r>
-              <a:rPr lang="en-US" dirty="0">
-                <a:latin typeface="Courier New" panose="02070309020205020404" pitchFamily="49" charset="0"/>
-                <a:cs typeface="Courier New" panose="02070309020205020404" pitchFamily="49" charset="0"/>
-              </a:rPr>
-              <a:t>randomize(</a:t>
-            </a:r>
-            <a:r>
-              <a:rPr lang="en-US" dirty="0" err="1">
-                <a:latin typeface="Courier New" panose="02070309020205020404" pitchFamily="49" charset="0"/>
-                <a:cs typeface="Courier New" panose="02070309020205020404" pitchFamily="49" charset="0"/>
-              </a:rPr>
-              <a:t>sd</a:t>
-            </a:r>
-            <a:r>
-              <a:rPr lang="en-US" dirty="0">
-                <a:latin typeface="Courier New" panose="02070309020205020404" pitchFamily="49" charset="0"/>
-                <a:cs typeface="Courier New" panose="02070309020205020404" pitchFamily="49" charset="0"/>
-              </a:rPr>
-              <a:t>)</a:t>
-            </a:r>
-          </a:p>
-          <a:p>
-            <a:pPr marL="0" indent="0">
-              <a:buNone/>
-            </a:pPr>
-            <a:r>
-              <a:rPr lang="en-US" dirty="0">
-                <a:latin typeface="Courier New" panose="02070309020205020404" pitchFamily="49" charset="0"/>
-                <a:cs typeface="Courier New" panose="02070309020205020404" pitchFamily="49" charset="0"/>
-              </a:rPr>
-              <a:t>randomize(plot)</a:t>
-            </a:r>
-          </a:p>
-          <a:p>
-            <a:pPr marL="0" indent="0">
-              <a:buNone/>
-            </a:pPr>
-            <a:r>
-              <a:rPr lang="en-US" dirty="0">
-                <a:latin typeface="Courier New" panose="02070309020205020404" pitchFamily="49" charset="0"/>
-                <a:cs typeface="Courier New" panose="02070309020205020404" pitchFamily="49" charset="0"/>
-              </a:rPr>
-              <a:t>integrate(sin, lower = 0, upper = pi/2)</a:t>
-            </a:r>
-          </a:p>
-          <a:p>
-            <a:pPr marL="0" indent="0">
-              <a:buNone/>
-            </a:pPr>
-            <a:r>
-              <a:rPr lang="en-US" dirty="0">
-                <a:latin typeface="Courier New" panose="02070309020205020404" pitchFamily="49" charset="0"/>
-                <a:cs typeface="Courier New" panose="02070309020205020404" pitchFamily="49" charset="0"/>
-              </a:rPr>
-              <a:t>map, </a:t>
-            </a:r>
-            <a:r>
-              <a:rPr lang="en-US" dirty="0" err="1">
-                <a:latin typeface="Courier New" panose="02070309020205020404" pitchFamily="49" charset="0"/>
-                <a:cs typeface="Courier New" panose="02070309020205020404" pitchFamily="49" charset="0"/>
-              </a:rPr>
-              <a:t>lapply</a:t>
-            </a:r>
-            <a:r>
-              <a:rPr lang="en-US" dirty="0">
-                <a:latin typeface="Courier New" panose="02070309020205020404" pitchFamily="49" charset="0"/>
-                <a:cs typeface="Courier New" panose="02070309020205020404" pitchFamily="49" charset="0"/>
-              </a:rPr>
-              <a:t>, apply,…</a:t>
-            </a:r>
-            <a:endParaRPr lang="en-IL" dirty="0">
-              <a:latin typeface="Courier New" panose="02070309020205020404" pitchFamily="49" charset="0"/>
-              <a:cs typeface="Courier New" panose="02070309020205020404" pitchFamily="49" charset="0"/>
-            </a:endParaRPr>
-          </a:p>
-        </p:txBody>
-      </p:sp>
-      <p:sp>
-        <p:nvSpPr>
-          <p:cNvPr id="4" name="Footer Placeholder 3">
-            <a:extLst>
-              <a:ext uri="{FF2B5EF4-FFF2-40B4-BE49-F238E27FC236}">
-                <a16:creationId xmlns:a16="http://schemas.microsoft.com/office/drawing/2014/main" id="{E5513B86-F51A-4AD7-9D59-4E73D9692F17}"/>
-              </a:ext>
-            </a:extLst>
-          </p:cNvPr>
-          <p:cNvSpPr>
-            <a:spLocks noGrp="1"/>
-          </p:cNvSpPr>
-          <p:nvPr>
-            <p:ph type="ftr" sz="quarter" idx="11"/>
-          </p:nvPr>
-        </p:nvSpPr>
-        <p:spPr/>
-        <p:txBody>
-          <a:bodyPr/>
-          <a:lstStyle/>
-          <a:p>
-            <a:r>
-              <a:rPr lang="en-US"/>
-              <a:t>Materials by Adi Sarid https://adisarid.github.io and http://www.sarid-ins.com</a:t>
-            </a:r>
-            <a:endParaRPr lang="en-US" dirty="0"/>
-          </a:p>
-        </p:txBody>
-      </p:sp>
-      <p:sp>
-        <p:nvSpPr>
-          <p:cNvPr id="5" name="Slide Number Placeholder 4">
-            <a:extLst>
-              <a:ext uri="{FF2B5EF4-FFF2-40B4-BE49-F238E27FC236}">
-                <a16:creationId xmlns:a16="http://schemas.microsoft.com/office/drawing/2014/main" id="{E225B4B7-FDBE-4C4C-BC33-E27BAA8072FB}"/>
-              </a:ext>
-            </a:extLst>
-          </p:cNvPr>
-          <p:cNvSpPr>
-            <a:spLocks noGrp="1"/>
-          </p:cNvSpPr>
-          <p:nvPr>
-            <p:ph type="sldNum" sz="quarter" idx="12"/>
-          </p:nvPr>
-        </p:nvSpPr>
-        <p:spPr/>
-        <p:txBody>
-          <a:bodyPr/>
-          <a:lstStyle/>
-          <a:p>
-            <a:fld id="{4FAB73BC-B049-4115-A692-8D63A059BFB8}" type="slidenum">
-              <a:rPr lang="en-US" smtClean="0"/>
-              <a:t>3</a:t>
-            </a:fld>
-            <a:endParaRPr lang="en-US" dirty="0"/>
-          </a:p>
-        </p:txBody>
-      </p:sp>
-    </p:spTree>
-    <p:extLst>
-      <p:ext uri="{BB962C8B-B14F-4D97-AF65-F5344CB8AC3E}">
-        <p14:creationId xmlns:p14="http://schemas.microsoft.com/office/powerpoint/2010/main" val="202388887"/>
-      </p:ext>
-    </p:extLst>
-  </p:cSld>
-  <p:clrMapOvr>
-    <a:masterClrMapping/>
-  </p:clrMapOvr>
-</p:sld>
-</file>
-
-<file path=ppt/slides/slide4.xml><?xml version="1.0" encoding="utf-8"?>
-<p:sld xmlns:a="http://schemas.openxmlformats.org/drawingml/2006/main" xmlns:r="http://schemas.openxmlformats.org/officeDocument/2006/relationships" xmlns:p="http://schemas.openxmlformats.org/presentationml/2006/main">
-  <p:cSld>
-    <p:spTree>
-      <p:nvGrpSpPr>
-        <p:cNvPr id="1" name=""/>
-        <p:cNvGrpSpPr/>
-        <p:nvPr/>
-      </p:nvGrpSpPr>
-      <p:grpSpPr>
-        <a:xfrm>
-          <a:off x="0" y="0"/>
-          <a:ext cx="0" cy="0"/>
-          <a:chOff x="0" y="0"/>
-          <a:chExt cx="0" cy="0"/>
-        </a:xfrm>
-      </p:grpSpPr>
-      <p:sp>
-        <p:nvSpPr>
-          <p:cNvPr id="2" name="Title 1">
-            <a:extLst>
-              <a:ext uri="{FF2B5EF4-FFF2-40B4-BE49-F238E27FC236}">
-                <a16:creationId xmlns:a16="http://schemas.microsoft.com/office/drawing/2014/main" id="{4E845991-19E7-46CE-A706-A6AB32FB95DB}"/>
-              </a:ext>
-            </a:extLst>
-          </p:cNvPr>
-          <p:cNvSpPr>
-            <a:spLocks noGrp="1"/>
-          </p:cNvSpPr>
-          <p:nvPr>
-            <p:ph type="title"/>
-          </p:nvPr>
-        </p:nvSpPr>
-        <p:spPr/>
-        <p:txBody>
-          <a:bodyPr/>
-          <a:lstStyle/>
-          <a:p>
-            <a:r>
-              <a:rPr lang="en-US" dirty="0"/>
-              <a:t>Be specific</a:t>
-            </a:r>
-            <a:endParaRPr lang="en-IL" dirty="0"/>
-          </a:p>
-        </p:txBody>
-      </p:sp>
-      <p:sp>
-        <p:nvSpPr>
-          <p:cNvPr id="3" name="Content Placeholder 2">
-            <a:extLst>
-              <a:ext uri="{FF2B5EF4-FFF2-40B4-BE49-F238E27FC236}">
-                <a16:creationId xmlns:a16="http://schemas.microsoft.com/office/drawing/2014/main" id="{7F742DAE-0B4B-4BD3-88E6-476E488ED7F5}"/>
-              </a:ext>
-            </a:extLst>
-          </p:cNvPr>
-          <p:cNvSpPr>
-            <a:spLocks noGrp="1"/>
-          </p:cNvSpPr>
-          <p:nvPr>
-            <p:ph idx="1"/>
-          </p:nvPr>
-        </p:nvSpPr>
-        <p:spPr/>
-        <p:txBody>
-          <a:bodyPr/>
-          <a:lstStyle/>
-          <a:p>
-            <a:r>
-              <a:rPr lang="en-US" dirty="0"/>
-              <a:t>As a “best practice”, when you are using iterations, you should be as specific as possible, and pre-allocate as much as possible.</a:t>
-            </a:r>
-          </a:p>
-          <a:p>
-            <a:r>
-              <a:rPr lang="en-US" dirty="0"/>
-              <a:t>In other words your preference should be:</a:t>
-            </a:r>
-          </a:p>
-          <a:p>
-            <a:pPr lvl="1"/>
-            <a:r>
-              <a:rPr lang="en-US" dirty="0" err="1"/>
-              <a:t>purrr</a:t>
-            </a:r>
-            <a:r>
-              <a:rPr lang="en-US" dirty="0"/>
-              <a:t> &gt; for &gt; while &gt; repeat</a:t>
-            </a:r>
-          </a:p>
-          <a:p>
-            <a:endParaRPr lang="en-IL" dirty="0"/>
-          </a:p>
-        </p:txBody>
-      </p:sp>
-      <p:sp>
-        <p:nvSpPr>
-          <p:cNvPr id="4" name="Footer Placeholder 3">
-            <a:extLst>
-              <a:ext uri="{FF2B5EF4-FFF2-40B4-BE49-F238E27FC236}">
-                <a16:creationId xmlns:a16="http://schemas.microsoft.com/office/drawing/2014/main" id="{86DFC2BD-5534-4B78-A616-48FE5D57B7E7}"/>
-              </a:ext>
-            </a:extLst>
-          </p:cNvPr>
-          <p:cNvSpPr>
-            <a:spLocks noGrp="1"/>
-          </p:cNvSpPr>
-          <p:nvPr>
-            <p:ph type="ftr" sz="quarter" idx="11"/>
-          </p:nvPr>
-        </p:nvSpPr>
-        <p:spPr/>
-        <p:txBody>
-          <a:bodyPr/>
-          <a:lstStyle/>
-          <a:p>
-            <a:r>
-              <a:rPr lang="en-US"/>
-              <a:t>Materials by Adi Sarid https://adisarid.github.io and http://www.sarid-ins.com</a:t>
-            </a:r>
-            <a:endParaRPr lang="en-US" dirty="0"/>
-          </a:p>
-        </p:txBody>
-      </p:sp>
-      <p:sp>
-        <p:nvSpPr>
-          <p:cNvPr id="5" name="Slide Number Placeholder 4">
-            <a:extLst>
-              <a:ext uri="{FF2B5EF4-FFF2-40B4-BE49-F238E27FC236}">
-                <a16:creationId xmlns:a16="http://schemas.microsoft.com/office/drawing/2014/main" id="{04CE614E-9172-45D0-B7BA-66D99F548630}"/>
-              </a:ext>
-            </a:extLst>
-          </p:cNvPr>
-          <p:cNvSpPr>
-            <a:spLocks noGrp="1"/>
-          </p:cNvSpPr>
-          <p:nvPr>
-            <p:ph type="sldNum" sz="quarter" idx="12"/>
-          </p:nvPr>
-        </p:nvSpPr>
-        <p:spPr/>
-        <p:txBody>
-          <a:bodyPr/>
-          <a:lstStyle/>
-          <a:p>
-            <a:fld id="{4FAB73BC-B049-4115-A692-8D63A059BFB8}" type="slidenum">
-              <a:rPr lang="en-US" smtClean="0"/>
-              <a:t>4</a:t>
-            </a:fld>
-            <a:endParaRPr lang="en-US" dirty="0"/>
-          </a:p>
-        </p:txBody>
-      </p:sp>
-    </p:spTree>
-    <p:extLst>
-      <p:ext uri="{BB962C8B-B14F-4D97-AF65-F5344CB8AC3E}">
-        <p14:creationId xmlns:p14="http://schemas.microsoft.com/office/powerpoint/2010/main" val="1285495968"/>
-      </p:ext>
-    </p:extLst>
-  </p:cSld>
-  <p:clrMapOvr>
-    <a:masterClrMapping/>
-  </p:clrMapOvr>
-</p:sld>
-</file>
-
-<file path=ppt/slides/slide5.xml><?xml version="1.0" encoding="utf-8"?>
-<p:sld xmlns:a="http://schemas.openxmlformats.org/drawingml/2006/main" xmlns:r="http://schemas.openxmlformats.org/officeDocument/2006/relationships" xmlns:p="http://schemas.openxmlformats.org/presentationml/2006/main">
-  <p:cSld>
-    <p:spTree>
-      <p:nvGrpSpPr>
-        <p:cNvPr id="1" name=""/>
-        <p:cNvGrpSpPr/>
-        <p:nvPr/>
-      </p:nvGrpSpPr>
-      <p:grpSpPr>
-        <a:xfrm>
-          <a:off x="0" y="0"/>
-          <a:ext cx="0" cy="0"/>
-          <a:chOff x="0" y="0"/>
-          <a:chExt cx="0" cy="0"/>
-        </a:xfrm>
-      </p:grpSpPr>
-      <p:sp>
-        <p:nvSpPr>
-          <p:cNvPr id="2" name="Title 1">
-            <a:extLst>
-              <a:ext uri="{FF2B5EF4-FFF2-40B4-BE49-F238E27FC236}">
-                <a16:creationId xmlns:a16="http://schemas.microsoft.com/office/drawing/2014/main" id="{DE376234-FF2E-49D6-B9EB-716F60664C94}"/>
-              </a:ext>
-            </a:extLst>
-          </p:cNvPr>
-          <p:cNvSpPr>
-            <a:spLocks noGrp="1"/>
-          </p:cNvSpPr>
-          <p:nvPr>
-            <p:ph type="title"/>
-          </p:nvPr>
-        </p:nvSpPr>
-        <p:spPr/>
-        <p:txBody>
-          <a:bodyPr/>
-          <a:lstStyle/>
-          <a:p>
-            <a:r>
-              <a:rPr lang="en-US" dirty="0" err="1"/>
-              <a:t>purrr</a:t>
-            </a:r>
-            <a:r>
-              <a:rPr lang="en-US" dirty="0"/>
-              <a:t>::map</a:t>
-            </a:r>
-            <a:endParaRPr lang="en-IL" dirty="0"/>
-          </a:p>
-        </p:txBody>
-      </p:sp>
-      <p:sp>
-        <p:nvSpPr>
-          <p:cNvPr id="3" name="Content Placeholder 2">
-            <a:extLst>
-              <a:ext uri="{FF2B5EF4-FFF2-40B4-BE49-F238E27FC236}">
-                <a16:creationId xmlns:a16="http://schemas.microsoft.com/office/drawing/2014/main" id="{D550A6E6-1042-415F-AD8A-943DFD49D2EB}"/>
-              </a:ext>
-            </a:extLst>
-          </p:cNvPr>
-          <p:cNvSpPr>
-            <a:spLocks noGrp="1"/>
-          </p:cNvSpPr>
-          <p:nvPr>
-            <p:ph idx="1"/>
-          </p:nvPr>
-        </p:nvSpPr>
-        <p:spPr/>
-        <p:txBody>
-          <a:bodyPr/>
-          <a:lstStyle/>
-          <a:p>
-            <a:r>
-              <a:rPr lang="en-US" dirty="0"/>
-              <a:t>Takes a vector and a function and does this:</a:t>
-            </a:r>
-          </a:p>
-          <a:p>
-            <a:r>
-              <a:rPr lang="en-US" dirty="0"/>
-              <a:t>The </a:t>
-            </a:r>
-            <a:r>
-              <a:rPr lang="en-US" b="1" dirty="0"/>
-              <a:t>implementation is in C code</a:t>
-            </a:r>
-            <a:r>
-              <a:rPr lang="en-US" dirty="0"/>
-              <a:t>, </a:t>
-            </a:r>
-          </a:p>
-          <a:p>
-            <a:r>
-              <a:rPr lang="en-US" dirty="0"/>
-              <a:t>but is equivalent logically to something like:</a:t>
-            </a:r>
-          </a:p>
-          <a:p>
-            <a:pPr marL="0" indent="0">
-              <a:buNone/>
-            </a:pPr>
-            <a:r>
-              <a:rPr lang="en-US" sz="1200" dirty="0" err="1">
-                <a:latin typeface="Courier New" panose="02070309020205020404" pitchFamily="49" charset="0"/>
-                <a:cs typeface="Courier New" panose="02070309020205020404" pitchFamily="49" charset="0"/>
-              </a:rPr>
-              <a:t>simple_map</a:t>
-            </a:r>
-            <a:r>
-              <a:rPr lang="en-US" sz="1200" dirty="0">
-                <a:latin typeface="Courier New" panose="02070309020205020404" pitchFamily="49" charset="0"/>
-                <a:cs typeface="Courier New" panose="02070309020205020404" pitchFamily="49" charset="0"/>
-              </a:rPr>
-              <a:t> &lt;- function(x, f, ...) {</a:t>
-            </a:r>
-            <a:br>
-              <a:rPr lang="en-US" sz="1200" dirty="0">
-                <a:latin typeface="Courier New" panose="02070309020205020404" pitchFamily="49" charset="0"/>
-                <a:cs typeface="Courier New" panose="02070309020205020404" pitchFamily="49" charset="0"/>
-              </a:rPr>
-            </a:br>
-            <a:r>
-              <a:rPr lang="en-US" sz="1200" dirty="0">
-                <a:latin typeface="Courier New" panose="02070309020205020404" pitchFamily="49" charset="0"/>
-                <a:cs typeface="Courier New" panose="02070309020205020404" pitchFamily="49" charset="0"/>
-              </a:rPr>
-              <a:t>   out &lt;- vector("list", length(x))</a:t>
-            </a:r>
-            <a:br>
-              <a:rPr lang="en-US" sz="1200" dirty="0">
-                <a:latin typeface="Courier New" panose="02070309020205020404" pitchFamily="49" charset="0"/>
-                <a:cs typeface="Courier New" panose="02070309020205020404" pitchFamily="49" charset="0"/>
-              </a:rPr>
-            </a:br>
-            <a:r>
-              <a:rPr lang="en-US" sz="1200" dirty="0">
-                <a:latin typeface="Courier New" panose="02070309020205020404" pitchFamily="49" charset="0"/>
-                <a:cs typeface="Courier New" panose="02070309020205020404" pitchFamily="49" charset="0"/>
-              </a:rPr>
-              <a:t>   for (</a:t>
-            </a:r>
-            <a:r>
-              <a:rPr lang="en-US" sz="1200" dirty="0" err="1">
-                <a:latin typeface="Courier New" panose="02070309020205020404" pitchFamily="49" charset="0"/>
-                <a:cs typeface="Courier New" panose="02070309020205020404" pitchFamily="49" charset="0"/>
-              </a:rPr>
-              <a:t>i</a:t>
-            </a:r>
-            <a:r>
-              <a:rPr lang="en-US" sz="1200" dirty="0">
-                <a:latin typeface="Courier New" panose="02070309020205020404" pitchFamily="49" charset="0"/>
-                <a:cs typeface="Courier New" panose="02070309020205020404" pitchFamily="49" charset="0"/>
-              </a:rPr>
-              <a:t> in </a:t>
-            </a:r>
-            <a:r>
-              <a:rPr lang="en-US" sz="1200" dirty="0" err="1">
-                <a:latin typeface="Courier New" panose="02070309020205020404" pitchFamily="49" charset="0"/>
-                <a:cs typeface="Courier New" panose="02070309020205020404" pitchFamily="49" charset="0"/>
-              </a:rPr>
-              <a:t>seq_along</a:t>
-            </a:r>
-            <a:r>
-              <a:rPr lang="en-US" sz="1200" dirty="0">
-                <a:latin typeface="Courier New" panose="02070309020205020404" pitchFamily="49" charset="0"/>
-                <a:cs typeface="Courier New" panose="02070309020205020404" pitchFamily="49" charset="0"/>
-              </a:rPr>
-              <a:t>(x)) {</a:t>
-            </a:r>
-            <a:br>
-              <a:rPr lang="en-US" sz="1200" dirty="0">
-                <a:latin typeface="Courier New" panose="02070309020205020404" pitchFamily="49" charset="0"/>
-                <a:cs typeface="Courier New" panose="02070309020205020404" pitchFamily="49" charset="0"/>
-              </a:rPr>
-            </a:br>
-            <a:r>
-              <a:rPr lang="en-US" sz="1200" dirty="0">
-                <a:latin typeface="Courier New" panose="02070309020205020404" pitchFamily="49" charset="0"/>
-                <a:cs typeface="Courier New" panose="02070309020205020404" pitchFamily="49" charset="0"/>
-              </a:rPr>
-              <a:t>      out[[</a:t>
-            </a:r>
-            <a:r>
-              <a:rPr lang="en-US" sz="1200" dirty="0" err="1">
-                <a:latin typeface="Courier New" panose="02070309020205020404" pitchFamily="49" charset="0"/>
-                <a:cs typeface="Courier New" panose="02070309020205020404" pitchFamily="49" charset="0"/>
-              </a:rPr>
-              <a:t>i</a:t>
-            </a:r>
-            <a:r>
-              <a:rPr lang="en-US" sz="1200" dirty="0">
-                <a:latin typeface="Courier New" panose="02070309020205020404" pitchFamily="49" charset="0"/>
-                <a:cs typeface="Courier New" panose="02070309020205020404" pitchFamily="49" charset="0"/>
-              </a:rPr>
-              <a:t>]] &lt;- f(x[[</a:t>
-            </a:r>
-            <a:r>
-              <a:rPr lang="en-US" sz="1200" dirty="0" err="1">
-                <a:latin typeface="Courier New" panose="02070309020205020404" pitchFamily="49" charset="0"/>
-                <a:cs typeface="Courier New" panose="02070309020205020404" pitchFamily="49" charset="0"/>
-              </a:rPr>
-              <a:t>i</a:t>
-            </a:r>
-            <a:r>
-              <a:rPr lang="en-US" sz="1200" dirty="0">
-                <a:latin typeface="Courier New" panose="02070309020205020404" pitchFamily="49" charset="0"/>
-                <a:cs typeface="Courier New" panose="02070309020205020404" pitchFamily="49" charset="0"/>
-              </a:rPr>
-              <a:t>]], ...)</a:t>
-            </a:r>
-            <a:br>
-              <a:rPr lang="en-US" sz="1200" dirty="0">
-                <a:latin typeface="Courier New" panose="02070309020205020404" pitchFamily="49" charset="0"/>
-                <a:cs typeface="Courier New" panose="02070309020205020404" pitchFamily="49" charset="0"/>
-              </a:rPr>
-            </a:br>
-            <a:r>
-              <a:rPr lang="en-US" sz="1200" dirty="0">
-                <a:latin typeface="Courier New" panose="02070309020205020404" pitchFamily="49" charset="0"/>
-                <a:cs typeface="Courier New" panose="02070309020205020404" pitchFamily="49" charset="0"/>
-              </a:rPr>
-              <a:t>   }</a:t>
-            </a:r>
-            <a:br>
-              <a:rPr lang="en-US" sz="1200" dirty="0">
-                <a:latin typeface="Courier New" panose="02070309020205020404" pitchFamily="49" charset="0"/>
-                <a:cs typeface="Courier New" panose="02070309020205020404" pitchFamily="49" charset="0"/>
-              </a:rPr>
-            </a:br>
-            <a:r>
-              <a:rPr lang="en-US" sz="1200" dirty="0">
-                <a:latin typeface="Courier New" panose="02070309020205020404" pitchFamily="49" charset="0"/>
-                <a:cs typeface="Courier New" panose="02070309020205020404" pitchFamily="49" charset="0"/>
-              </a:rPr>
-              <a:t>   out</a:t>
-            </a:r>
-            <a:br>
-              <a:rPr lang="en-US" sz="1200" dirty="0">
-                <a:latin typeface="Courier New" panose="02070309020205020404" pitchFamily="49" charset="0"/>
-                <a:cs typeface="Courier New" panose="02070309020205020404" pitchFamily="49" charset="0"/>
-              </a:rPr>
-            </a:br>
-            <a:r>
-              <a:rPr lang="en-US" sz="1200" dirty="0">
-                <a:latin typeface="Courier New" panose="02070309020205020404" pitchFamily="49" charset="0"/>
-                <a:cs typeface="Courier New" panose="02070309020205020404" pitchFamily="49" charset="0"/>
-              </a:rPr>
-              <a:t>}</a:t>
-            </a:r>
-          </a:p>
-          <a:p>
-            <a:pPr marL="0" indent="0">
-              <a:buNone/>
-            </a:pPr>
-            <a:endParaRPr lang="en-IL" sz="1200" dirty="0">
-              <a:latin typeface="Courier New" panose="02070309020205020404" pitchFamily="49" charset="0"/>
-              <a:cs typeface="Courier New" panose="02070309020205020404" pitchFamily="49" charset="0"/>
-            </a:endParaRPr>
-          </a:p>
-          <a:p>
-            <a:r>
-              <a:rPr lang="en-US" dirty="0"/>
-              <a:t>map() returns a list, </a:t>
-            </a:r>
-            <a:r>
-              <a:rPr lang="en-US" dirty="0" err="1"/>
-              <a:t>map_dbl</a:t>
-            </a:r>
-            <a:r>
-              <a:rPr lang="en-US" dirty="0"/>
-              <a:t>(), </a:t>
-            </a:r>
-            <a:r>
-              <a:rPr lang="en-US" dirty="0" err="1"/>
-              <a:t>map_lgl</a:t>
-            </a:r>
-            <a:r>
-              <a:rPr lang="en-US" dirty="0"/>
-              <a:t>(), </a:t>
-            </a:r>
-            <a:r>
-              <a:rPr lang="en-US" dirty="0" err="1"/>
-              <a:t>map_int</a:t>
-            </a:r>
-            <a:r>
-              <a:rPr lang="en-US" dirty="0"/>
-              <a:t>(), </a:t>
-            </a:r>
-            <a:r>
-              <a:rPr lang="en-US" dirty="0" err="1"/>
-              <a:t>map_chr</a:t>
-            </a:r>
-            <a:r>
-              <a:rPr lang="en-US" dirty="0"/>
-              <a:t>() return a </a:t>
-            </a:r>
-            <a:r>
-              <a:rPr lang="en-US" dirty="0" err="1"/>
-              <a:t>vecor</a:t>
-            </a:r>
-            <a:r>
-              <a:rPr lang="en-US" dirty="0"/>
-              <a:t> of type double, logical, integer, and character.</a:t>
-            </a:r>
-          </a:p>
-        </p:txBody>
-      </p:sp>
-      <p:sp>
-        <p:nvSpPr>
-          <p:cNvPr id="4" name="Footer Placeholder 3">
-            <a:extLst>
-              <a:ext uri="{FF2B5EF4-FFF2-40B4-BE49-F238E27FC236}">
-                <a16:creationId xmlns:a16="http://schemas.microsoft.com/office/drawing/2014/main" id="{47CCA91D-765B-4BD0-80FE-07F0351E5727}"/>
-              </a:ext>
-            </a:extLst>
-          </p:cNvPr>
-          <p:cNvSpPr>
-            <a:spLocks noGrp="1"/>
-          </p:cNvSpPr>
-          <p:nvPr>
-            <p:ph type="ftr" sz="quarter" idx="11"/>
-          </p:nvPr>
-        </p:nvSpPr>
-        <p:spPr/>
-        <p:txBody>
-          <a:bodyPr/>
-          <a:lstStyle/>
-          <a:p>
-            <a:r>
-              <a:rPr lang="en-US"/>
-              <a:t>Materials by Adi Sarid https://adisarid.github.io and http://www.sarid-ins.com</a:t>
-            </a:r>
-            <a:endParaRPr lang="en-US" dirty="0"/>
-          </a:p>
-        </p:txBody>
-      </p:sp>
-      <p:sp>
-        <p:nvSpPr>
-          <p:cNvPr id="5" name="Slide Number Placeholder 4">
-            <a:extLst>
-              <a:ext uri="{FF2B5EF4-FFF2-40B4-BE49-F238E27FC236}">
-                <a16:creationId xmlns:a16="http://schemas.microsoft.com/office/drawing/2014/main" id="{EFDC0F16-25B5-4F02-B3FA-CA058A17C590}"/>
-              </a:ext>
-            </a:extLst>
-          </p:cNvPr>
-          <p:cNvSpPr>
-            <a:spLocks noGrp="1"/>
-          </p:cNvSpPr>
-          <p:nvPr>
-            <p:ph type="sldNum" sz="quarter" idx="12"/>
-          </p:nvPr>
-        </p:nvSpPr>
-        <p:spPr/>
-        <p:txBody>
-          <a:bodyPr/>
-          <a:lstStyle/>
-          <a:p>
-            <a:fld id="{4FAB73BC-B049-4115-A692-8D63A059BFB8}" type="slidenum">
-              <a:rPr lang="en-US" smtClean="0"/>
-              <a:t>5</a:t>
-            </a:fld>
-            <a:endParaRPr lang="en-US" dirty="0"/>
-          </a:p>
-        </p:txBody>
-      </p:sp>
-      <p:pic>
-        <p:nvPicPr>
-          <p:cNvPr id="6" name="Picture 5">
-            <a:extLst>
-              <a:ext uri="{FF2B5EF4-FFF2-40B4-BE49-F238E27FC236}">
-                <a16:creationId xmlns:a16="http://schemas.microsoft.com/office/drawing/2014/main" id="{A3C058F5-DE12-4D5A-88E5-26297C2459A7}"/>
-              </a:ext>
-            </a:extLst>
-          </p:cNvPr>
-          <p:cNvPicPr>
-            <a:picLocks noChangeAspect="1"/>
-          </p:cNvPicPr>
-          <p:nvPr/>
-        </p:nvPicPr>
-        <p:blipFill>
-          <a:blip r:embed="rId2"/>
-          <a:stretch>
-            <a:fillRect/>
-          </a:stretch>
-        </p:blipFill>
-        <p:spPr>
-          <a:xfrm>
-            <a:off x="7976501" y="1423358"/>
-            <a:ext cx="2475699" cy="1892060"/>
-          </a:xfrm>
-          <a:prstGeom prst="rect">
-            <a:avLst/>
-          </a:prstGeom>
-        </p:spPr>
-      </p:pic>
-    </p:spTree>
-    <p:extLst>
-      <p:ext uri="{BB962C8B-B14F-4D97-AF65-F5344CB8AC3E}">
-        <p14:creationId xmlns:p14="http://schemas.microsoft.com/office/powerpoint/2010/main" val="4231588211"/>
-      </p:ext>
-    </p:extLst>
-  </p:cSld>
-  <p:clrMapOvr>
-    <a:masterClrMapping/>
-  </p:clrMapOvr>
-</p:sld>
-</file>
-
-<file path=ppt/slides/slide6.xml><?xml version="1.0" encoding="utf-8"?>
-<p:sld xmlns:a="http://schemas.openxmlformats.org/drawingml/2006/main" xmlns:r="http://schemas.openxmlformats.org/officeDocument/2006/relationships" xmlns:p="http://schemas.openxmlformats.org/presentationml/2006/main">
-  <p:cSld>
-    <p:spTree>
-      <p:nvGrpSpPr>
-        <p:cNvPr id="1" name=""/>
-        <p:cNvGrpSpPr/>
-        <p:nvPr/>
-      </p:nvGrpSpPr>
-      <p:grpSpPr>
-        <a:xfrm>
-          <a:off x="0" y="0"/>
-          <a:ext cx="0" cy="0"/>
-          <a:chOff x="0" y="0"/>
-          <a:chExt cx="0" cy="0"/>
-        </a:xfrm>
-      </p:grpSpPr>
-      <p:sp>
-        <p:nvSpPr>
-          <p:cNvPr id="2" name="Title 1">
-            <a:extLst>
-              <a:ext uri="{FF2B5EF4-FFF2-40B4-BE49-F238E27FC236}">
-                <a16:creationId xmlns:a16="http://schemas.microsoft.com/office/drawing/2014/main" id="{D2AC8D4D-D8EB-4870-8716-D75DC1D78066}"/>
-              </a:ext>
-            </a:extLst>
-          </p:cNvPr>
-          <p:cNvSpPr>
-            <a:spLocks noGrp="1"/>
-          </p:cNvSpPr>
-          <p:nvPr>
-            <p:ph type="title"/>
-          </p:nvPr>
-        </p:nvSpPr>
-        <p:spPr/>
-        <p:txBody>
-          <a:bodyPr/>
-          <a:lstStyle/>
-          <a:p>
-            <a:r>
-              <a:rPr lang="en-US" dirty="0"/>
-              <a:t>Short “quiz” </a:t>
-            </a:r>
-            <a:br>
-              <a:rPr lang="en-US" dirty="0"/>
-            </a:br>
-            <a:r>
-              <a:rPr lang="en-US" dirty="0"/>
-              <a:t>Which of these are iterations?</a:t>
-            </a:r>
-            <a:endParaRPr lang="en-IL" dirty="0"/>
-          </a:p>
-        </p:txBody>
-      </p:sp>
-      <p:sp>
-        <p:nvSpPr>
-          <p:cNvPr id="4" name="Footer Placeholder 3">
-            <a:extLst>
-              <a:ext uri="{FF2B5EF4-FFF2-40B4-BE49-F238E27FC236}">
-                <a16:creationId xmlns:a16="http://schemas.microsoft.com/office/drawing/2014/main" id="{027ECB56-EE8F-4CB8-8692-4AD65AC82BEC}"/>
-              </a:ext>
-            </a:extLst>
-          </p:cNvPr>
-          <p:cNvSpPr>
-            <a:spLocks noGrp="1"/>
-          </p:cNvSpPr>
-          <p:nvPr>
-            <p:ph type="ftr" sz="quarter" idx="11"/>
-          </p:nvPr>
-        </p:nvSpPr>
-        <p:spPr/>
-        <p:txBody>
-          <a:bodyPr/>
-          <a:lstStyle/>
-          <a:p>
-            <a:r>
-              <a:rPr lang="en-US"/>
-              <a:t>Materials by Adi Sarid https://adisarid.github.io and http://www.sarid-ins.com</a:t>
-            </a:r>
-            <a:endParaRPr lang="en-US" dirty="0"/>
-          </a:p>
-        </p:txBody>
-      </p:sp>
-      <p:sp>
-        <p:nvSpPr>
-          <p:cNvPr id="5" name="Slide Number Placeholder 4">
-            <a:extLst>
-              <a:ext uri="{FF2B5EF4-FFF2-40B4-BE49-F238E27FC236}">
-                <a16:creationId xmlns:a16="http://schemas.microsoft.com/office/drawing/2014/main" id="{8321800A-3469-42B6-AB8D-AFEEAB318F59}"/>
-              </a:ext>
-            </a:extLst>
-          </p:cNvPr>
-          <p:cNvSpPr>
-            <a:spLocks noGrp="1"/>
-          </p:cNvSpPr>
-          <p:nvPr>
-            <p:ph type="sldNum" sz="quarter" idx="12"/>
-          </p:nvPr>
-        </p:nvSpPr>
-        <p:spPr/>
-        <p:txBody>
-          <a:bodyPr/>
-          <a:lstStyle/>
-          <a:p>
-            <a:fld id="{4FAB73BC-B049-4115-A692-8D63A059BFB8}" type="slidenum">
-              <a:rPr lang="en-US" smtClean="0"/>
-              <a:t>6</a:t>
-            </a:fld>
-            <a:endParaRPr lang="en-US" dirty="0"/>
-          </a:p>
-        </p:txBody>
-      </p:sp>
-      <p:sp>
-        <p:nvSpPr>
-          <p:cNvPr id="6" name="Rounded Rectangle 5">
-            <a:extLst>
-              <a:ext uri="{FF2B5EF4-FFF2-40B4-BE49-F238E27FC236}">
-                <a16:creationId xmlns:a16="http://schemas.microsoft.com/office/drawing/2014/main" id="{F90A866C-CA13-4918-B1BB-ED9BBA1D8AD5}"/>
-              </a:ext>
-            </a:extLst>
-          </p:cNvPr>
-          <p:cNvSpPr/>
-          <p:nvPr/>
-        </p:nvSpPr>
-        <p:spPr>
-          <a:xfrm>
-            <a:off x="1064873" y="2205195"/>
-            <a:ext cx="4988689" cy="1597307"/>
-          </a:xfrm>
-          <a:prstGeom prst="roundRect">
-            <a:avLst/>
-          </a:prstGeom>
-        </p:spPr>
-        <p:style>
-          <a:lnRef idx="2">
-            <a:schemeClr val="accent1"/>
-          </a:lnRef>
-          <a:fillRef idx="1">
-            <a:schemeClr val="lt1"/>
-          </a:fillRef>
-          <a:effectRef idx="0">
-            <a:schemeClr val="accent1"/>
-          </a:effectRef>
-          <a:fontRef idx="minor">
-            <a:schemeClr val="dk1"/>
-          </a:fontRef>
-        </p:style>
-        <p:txBody>
-          <a:bodyPr rtlCol="1" anchor="ctr"/>
-          <a:lstStyle/>
-          <a:p>
-            <a:pPr algn="ctr"/>
-            <a:endParaRPr lang="he-IL"/>
-          </a:p>
-        </p:txBody>
-      </p:sp>
-      <p:sp>
-        <p:nvSpPr>
-          <p:cNvPr id="7" name="Rounded Rectangle 7">
-            <a:extLst>
-              <a:ext uri="{FF2B5EF4-FFF2-40B4-BE49-F238E27FC236}">
-                <a16:creationId xmlns:a16="http://schemas.microsoft.com/office/drawing/2014/main" id="{850ABDB3-49EF-47C4-B913-5EE854FFB35B}"/>
-              </a:ext>
-            </a:extLst>
-          </p:cNvPr>
-          <p:cNvSpPr/>
-          <p:nvPr/>
-        </p:nvSpPr>
-        <p:spPr>
-          <a:xfrm>
-            <a:off x="6551273" y="2205195"/>
-            <a:ext cx="4988689" cy="1597307"/>
-          </a:xfrm>
-          <a:prstGeom prst="roundRect">
-            <a:avLst/>
-          </a:prstGeom>
-        </p:spPr>
-        <p:style>
-          <a:lnRef idx="2">
-            <a:schemeClr val="accent1"/>
-          </a:lnRef>
-          <a:fillRef idx="1">
-            <a:schemeClr val="lt1"/>
-          </a:fillRef>
-          <a:effectRef idx="0">
-            <a:schemeClr val="accent1"/>
-          </a:effectRef>
-          <a:fontRef idx="minor">
-            <a:schemeClr val="dk1"/>
-          </a:fontRef>
-        </p:style>
-        <p:txBody>
-          <a:bodyPr rtlCol="1" anchor="ctr"/>
-          <a:lstStyle/>
-          <a:p>
-            <a:pPr algn="ctr"/>
-            <a:endParaRPr lang="he-IL" dirty="0"/>
-          </a:p>
-        </p:txBody>
-      </p:sp>
-      <p:sp>
-        <p:nvSpPr>
-          <p:cNvPr id="8" name="Rounded Rectangle 8">
-            <a:extLst>
-              <a:ext uri="{FF2B5EF4-FFF2-40B4-BE49-F238E27FC236}">
-                <a16:creationId xmlns:a16="http://schemas.microsoft.com/office/drawing/2014/main" id="{D7FF959E-2E77-4875-9CE1-E13B07E41966}"/>
-              </a:ext>
-            </a:extLst>
-          </p:cNvPr>
-          <p:cNvSpPr/>
-          <p:nvPr/>
-        </p:nvSpPr>
-        <p:spPr>
-          <a:xfrm>
-            <a:off x="6551273" y="3976121"/>
-            <a:ext cx="4988689" cy="1597307"/>
-          </a:xfrm>
-          <a:prstGeom prst="roundRect">
-            <a:avLst/>
-          </a:prstGeom>
-        </p:spPr>
-        <p:style>
-          <a:lnRef idx="2">
-            <a:schemeClr val="accent1"/>
-          </a:lnRef>
-          <a:fillRef idx="1">
-            <a:schemeClr val="lt1"/>
-          </a:fillRef>
-          <a:effectRef idx="0">
-            <a:schemeClr val="accent1"/>
-          </a:effectRef>
-          <a:fontRef idx="minor">
-            <a:schemeClr val="dk1"/>
-          </a:fontRef>
-        </p:style>
-        <p:txBody>
-          <a:bodyPr rtlCol="1" anchor="ctr"/>
-          <a:lstStyle/>
-          <a:p>
-            <a:pPr algn="ctr"/>
-            <a:endParaRPr lang="he-IL"/>
-          </a:p>
-        </p:txBody>
-      </p:sp>
-      <p:sp>
-        <p:nvSpPr>
-          <p:cNvPr id="9" name="Rounded Rectangle 10">
-            <a:extLst>
-              <a:ext uri="{FF2B5EF4-FFF2-40B4-BE49-F238E27FC236}">
-                <a16:creationId xmlns:a16="http://schemas.microsoft.com/office/drawing/2014/main" id="{B33E5364-FEEE-4DE5-8966-C61FD57AD295}"/>
-              </a:ext>
-            </a:extLst>
-          </p:cNvPr>
-          <p:cNvSpPr/>
-          <p:nvPr/>
-        </p:nvSpPr>
-        <p:spPr>
-          <a:xfrm>
-            <a:off x="1064873" y="3976121"/>
-            <a:ext cx="4988689" cy="1597307"/>
-          </a:xfrm>
-          <a:prstGeom prst="roundRect">
-            <a:avLst/>
-          </a:prstGeom>
-        </p:spPr>
-        <p:style>
-          <a:lnRef idx="2">
-            <a:schemeClr val="accent1"/>
-          </a:lnRef>
-          <a:fillRef idx="1">
-            <a:schemeClr val="lt1"/>
-          </a:fillRef>
-          <a:effectRef idx="0">
-            <a:schemeClr val="accent1"/>
-          </a:effectRef>
-          <a:fontRef idx="minor">
-            <a:schemeClr val="dk1"/>
-          </a:fontRef>
-        </p:style>
-        <p:txBody>
-          <a:bodyPr rtlCol="1" anchor="ctr"/>
-          <a:lstStyle/>
-          <a:p>
-            <a:pPr algn="ctr"/>
-            <a:endParaRPr lang="he-IL"/>
-          </a:p>
-        </p:txBody>
-      </p:sp>
-      <p:sp>
-        <p:nvSpPr>
-          <p:cNvPr id="10" name="TextBox 9">
-            <a:extLst>
-              <a:ext uri="{FF2B5EF4-FFF2-40B4-BE49-F238E27FC236}">
-                <a16:creationId xmlns:a16="http://schemas.microsoft.com/office/drawing/2014/main" id="{E6AF1F79-A742-49DE-93BD-79B28C714136}"/>
-              </a:ext>
-            </a:extLst>
-          </p:cNvPr>
-          <p:cNvSpPr txBox="1"/>
-          <p:nvPr/>
-        </p:nvSpPr>
-        <p:spPr>
-          <a:xfrm>
-            <a:off x="6759615" y="4126593"/>
-            <a:ext cx="4641448" cy="1200329"/>
-          </a:xfrm>
-          <a:prstGeom prst="rect">
-            <a:avLst/>
-          </a:prstGeom>
-          <a:noFill/>
-        </p:spPr>
-        <p:txBody>
-          <a:bodyPr wrap="square" rtlCol="1">
-            <a:spAutoFit/>
-          </a:bodyPr>
-          <a:lstStyle/>
-          <a:p>
-            <a:r>
-              <a:rPr lang="en-US" dirty="0">
-                <a:latin typeface="Courier New" panose="02070309020205020404" pitchFamily="49" charset="0"/>
-                <a:cs typeface="Courier New" panose="02070309020205020404" pitchFamily="49" charset="0"/>
-              </a:rPr>
-              <a:t>a &lt;- 0</a:t>
-            </a:r>
-          </a:p>
-          <a:p>
-            <a:r>
-              <a:rPr lang="en-US" dirty="0">
-                <a:latin typeface="Courier New" panose="02070309020205020404" pitchFamily="49" charset="0"/>
-                <a:cs typeface="Courier New" panose="02070309020205020404" pitchFamily="49" charset="0"/>
-              </a:rPr>
-              <a:t>for (</a:t>
-            </a:r>
-            <a:r>
-              <a:rPr lang="en-US" dirty="0" err="1">
-                <a:latin typeface="Courier New" panose="02070309020205020404" pitchFamily="49" charset="0"/>
-                <a:cs typeface="Courier New" panose="02070309020205020404" pitchFamily="49" charset="0"/>
-              </a:rPr>
-              <a:t>i</a:t>
-            </a:r>
-            <a:r>
-              <a:rPr lang="en-US" dirty="0">
-                <a:latin typeface="Courier New" panose="02070309020205020404" pitchFamily="49" charset="0"/>
-                <a:cs typeface="Courier New" panose="02070309020205020404" pitchFamily="49" charset="0"/>
-              </a:rPr>
-              <a:t> in 1:10){</a:t>
-            </a:r>
-          </a:p>
-          <a:p>
-            <a:r>
-              <a:rPr lang="en-US" dirty="0">
-                <a:latin typeface="Courier New" panose="02070309020205020404" pitchFamily="49" charset="0"/>
-                <a:cs typeface="Courier New" panose="02070309020205020404" pitchFamily="49" charset="0"/>
-              </a:rPr>
-              <a:t>   a &lt;- a+1</a:t>
-            </a:r>
-          </a:p>
-          <a:p>
-            <a:r>
-              <a:rPr lang="en-US" dirty="0">
-                <a:latin typeface="Courier New" panose="02070309020205020404" pitchFamily="49" charset="0"/>
-                <a:cs typeface="Courier New" panose="02070309020205020404" pitchFamily="49" charset="0"/>
-              </a:rPr>
-              <a:t>}</a:t>
-            </a:r>
-            <a:endParaRPr lang="he-IL" dirty="0">
-              <a:latin typeface="Courier New" panose="02070309020205020404" pitchFamily="49" charset="0"/>
-              <a:cs typeface="Courier New" panose="02070309020205020404" pitchFamily="49" charset="0"/>
-            </a:endParaRPr>
-          </a:p>
-        </p:txBody>
-      </p:sp>
-      <p:sp>
-        <p:nvSpPr>
-          <p:cNvPr id="11" name="TextBox 10">
-            <a:extLst>
-              <a:ext uri="{FF2B5EF4-FFF2-40B4-BE49-F238E27FC236}">
-                <a16:creationId xmlns:a16="http://schemas.microsoft.com/office/drawing/2014/main" id="{EF8B2C04-0696-48C4-A399-0426F2B4F0A8}"/>
-              </a:ext>
-            </a:extLst>
-          </p:cNvPr>
-          <p:cNvSpPr txBox="1"/>
-          <p:nvPr/>
-        </p:nvSpPr>
-        <p:spPr>
-          <a:xfrm>
-            <a:off x="1250066" y="2367241"/>
-            <a:ext cx="4641448" cy="1200329"/>
-          </a:xfrm>
-          <a:prstGeom prst="rect">
-            <a:avLst/>
-          </a:prstGeom>
-          <a:noFill/>
-        </p:spPr>
-        <p:txBody>
-          <a:bodyPr wrap="square" rtlCol="1">
-            <a:spAutoFit/>
-          </a:bodyPr>
-          <a:lstStyle/>
-          <a:p>
-            <a:r>
-              <a:rPr lang="en-US" dirty="0">
-                <a:latin typeface="Courier New" panose="02070309020205020404" pitchFamily="49" charset="0"/>
-                <a:cs typeface="Courier New" panose="02070309020205020404" pitchFamily="49" charset="0"/>
-              </a:rPr>
-              <a:t>a &lt;- 0</a:t>
-            </a:r>
-          </a:p>
-          <a:p>
-            <a:r>
-              <a:rPr lang="en-US" dirty="0">
-                <a:latin typeface="Courier New" panose="02070309020205020404" pitchFamily="49" charset="0"/>
-                <a:cs typeface="Courier New" panose="02070309020205020404" pitchFamily="49" charset="0"/>
-              </a:rPr>
-              <a:t>while (a &lt; 100){</a:t>
-            </a:r>
-          </a:p>
-          <a:p>
-            <a:r>
-              <a:rPr lang="en-US" dirty="0">
-                <a:latin typeface="Courier New" panose="02070309020205020404" pitchFamily="49" charset="0"/>
-                <a:cs typeface="Courier New" panose="02070309020205020404" pitchFamily="49" charset="0"/>
-              </a:rPr>
-              <a:t>   a &lt;- a+1</a:t>
-            </a:r>
-          </a:p>
-          <a:p>
-            <a:r>
-              <a:rPr lang="en-US" dirty="0">
-                <a:latin typeface="Courier New" panose="02070309020205020404" pitchFamily="49" charset="0"/>
-                <a:cs typeface="Courier New" panose="02070309020205020404" pitchFamily="49" charset="0"/>
-              </a:rPr>
-              <a:t>}</a:t>
-            </a:r>
-            <a:endParaRPr lang="he-IL" dirty="0">
-              <a:latin typeface="Courier New" panose="02070309020205020404" pitchFamily="49" charset="0"/>
-              <a:cs typeface="Courier New" panose="02070309020205020404" pitchFamily="49" charset="0"/>
-            </a:endParaRPr>
-          </a:p>
-        </p:txBody>
-      </p:sp>
-      <p:sp>
-        <p:nvSpPr>
-          <p:cNvPr id="12" name="TextBox 11">
-            <a:extLst>
-              <a:ext uri="{FF2B5EF4-FFF2-40B4-BE49-F238E27FC236}">
-                <a16:creationId xmlns:a16="http://schemas.microsoft.com/office/drawing/2014/main" id="{1394BD88-6C83-487D-BDA3-5B0E76585B4D}"/>
-              </a:ext>
-            </a:extLst>
-          </p:cNvPr>
-          <p:cNvSpPr txBox="1"/>
-          <p:nvPr/>
-        </p:nvSpPr>
-        <p:spPr>
-          <a:xfrm>
-            <a:off x="6759615" y="2645034"/>
-            <a:ext cx="4641448" cy="646331"/>
-          </a:xfrm>
-          <a:prstGeom prst="rect">
-            <a:avLst/>
-          </a:prstGeom>
-          <a:noFill/>
-        </p:spPr>
-        <p:txBody>
-          <a:bodyPr wrap="square" rtlCol="1">
-            <a:spAutoFit/>
-          </a:bodyPr>
-          <a:lstStyle/>
-          <a:p>
-            <a:r>
-              <a:rPr lang="en-US" dirty="0">
-                <a:latin typeface="Courier New" panose="02070309020205020404" pitchFamily="49" charset="0"/>
-                <a:cs typeface="Courier New" panose="02070309020205020404" pitchFamily="49" charset="0"/>
-              </a:rPr>
-              <a:t>library(</a:t>
-            </a:r>
-            <a:r>
-              <a:rPr lang="en-US" dirty="0" err="1">
-                <a:latin typeface="Courier New" panose="02070309020205020404" pitchFamily="49" charset="0"/>
-                <a:cs typeface="Courier New" panose="02070309020205020404" pitchFamily="49" charset="0"/>
-              </a:rPr>
-              <a:t>purrr</a:t>
-            </a:r>
-            <a:r>
-              <a:rPr lang="en-US" dirty="0">
-                <a:latin typeface="Courier New" panose="02070309020205020404" pitchFamily="49" charset="0"/>
-                <a:cs typeface="Courier New" panose="02070309020205020404" pitchFamily="49" charset="0"/>
-              </a:rPr>
-              <a:t>)</a:t>
-            </a:r>
-          </a:p>
-          <a:p>
-            <a:r>
-              <a:rPr lang="en-US" dirty="0" err="1">
-                <a:latin typeface="Courier New" panose="02070309020205020404" pitchFamily="49" charset="0"/>
-                <a:cs typeface="Courier New" panose="02070309020205020404" pitchFamily="49" charset="0"/>
-              </a:rPr>
-              <a:t>map_dbl</a:t>
-            </a:r>
-            <a:r>
-              <a:rPr lang="en-US" dirty="0">
-                <a:latin typeface="Courier New" panose="02070309020205020404" pitchFamily="49" charset="0"/>
-                <a:cs typeface="Courier New" panose="02070309020205020404" pitchFamily="49" charset="0"/>
-              </a:rPr>
-              <a:t>(1:100, function(a){a+1})</a:t>
-            </a:r>
-          </a:p>
-        </p:txBody>
-      </p:sp>
-      <p:sp>
-        <p:nvSpPr>
-          <p:cNvPr id="13" name="TextBox 12">
-            <a:extLst>
-              <a:ext uri="{FF2B5EF4-FFF2-40B4-BE49-F238E27FC236}">
-                <a16:creationId xmlns:a16="http://schemas.microsoft.com/office/drawing/2014/main" id="{355A2C28-C99E-4B62-BA7D-CC9F401E7F87}"/>
-              </a:ext>
-            </a:extLst>
-          </p:cNvPr>
-          <p:cNvSpPr txBox="1"/>
-          <p:nvPr/>
-        </p:nvSpPr>
-        <p:spPr>
-          <a:xfrm>
-            <a:off x="1250066" y="4462258"/>
-            <a:ext cx="4641448" cy="646331"/>
-          </a:xfrm>
-          <a:prstGeom prst="rect">
-            <a:avLst/>
-          </a:prstGeom>
-          <a:noFill/>
-        </p:spPr>
-        <p:txBody>
-          <a:bodyPr wrap="square" rtlCol="1">
-            <a:spAutoFit/>
-          </a:bodyPr>
-          <a:lstStyle/>
-          <a:p>
-            <a:r>
-              <a:rPr lang="en-US" dirty="0">
-                <a:latin typeface="Courier New" panose="02070309020205020404" pitchFamily="49" charset="0"/>
-                <a:cs typeface="Courier New" panose="02070309020205020404" pitchFamily="49" charset="0"/>
-              </a:rPr>
-              <a:t>a &lt;- 1:100</a:t>
-            </a:r>
-          </a:p>
-          <a:p>
-            <a:r>
-              <a:rPr lang="en-US" dirty="0">
-                <a:latin typeface="Courier New" panose="02070309020205020404" pitchFamily="49" charset="0"/>
-                <a:cs typeface="Courier New" panose="02070309020205020404" pitchFamily="49" charset="0"/>
-              </a:rPr>
-              <a:t>a &lt;- a + 1</a:t>
-            </a:r>
-            <a:endParaRPr lang="he-IL" dirty="0">
-              <a:latin typeface="Courier New" panose="02070309020205020404" pitchFamily="49" charset="0"/>
-              <a:cs typeface="Courier New" panose="02070309020205020404" pitchFamily="49" charset="0"/>
-            </a:endParaRPr>
-          </a:p>
-        </p:txBody>
-      </p:sp>
-      <p:sp>
-        <p:nvSpPr>
-          <p:cNvPr id="14" name="Rounded Rectangle 6">
-            <a:extLst>
-              <a:ext uri="{FF2B5EF4-FFF2-40B4-BE49-F238E27FC236}">
-                <a16:creationId xmlns:a16="http://schemas.microsoft.com/office/drawing/2014/main" id="{BF280F82-1DE2-40A7-AFD8-7B22C37ABA8A}"/>
-              </a:ext>
-            </a:extLst>
-          </p:cNvPr>
-          <p:cNvSpPr/>
-          <p:nvPr/>
-        </p:nvSpPr>
-        <p:spPr>
-          <a:xfrm>
-            <a:off x="4132161" y="3281641"/>
-            <a:ext cx="1782501" cy="416689"/>
-          </a:xfrm>
-          <a:prstGeom prst="roundRect">
-            <a:avLst/>
-          </a:prstGeom>
-        </p:spPr>
-        <p:style>
-          <a:lnRef idx="2">
-            <a:schemeClr val="accent4">
-              <a:shade val="50000"/>
-            </a:schemeClr>
-          </a:lnRef>
-          <a:fillRef idx="1">
-            <a:schemeClr val="accent4"/>
-          </a:fillRef>
-          <a:effectRef idx="0">
-            <a:schemeClr val="accent4"/>
-          </a:effectRef>
-          <a:fontRef idx="minor">
-            <a:schemeClr val="lt1"/>
-          </a:fontRef>
-        </p:style>
-        <p:txBody>
-          <a:bodyPr rtlCol="1" anchor="ctr"/>
-          <a:lstStyle/>
-          <a:p>
-            <a:pPr algn="ctr"/>
-            <a:r>
-              <a:rPr lang="en-US" dirty="0"/>
-              <a:t>Base R loop</a:t>
-            </a:r>
-            <a:endParaRPr lang="he-IL" dirty="0"/>
-          </a:p>
-        </p:txBody>
-      </p:sp>
-      <p:sp>
-        <p:nvSpPr>
-          <p:cNvPr id="15" name="Rounded Rectangle 15">
-            <a:extLst>
-              <a:ext uri="{FF2B5EF4-FFF2-40B4-BE49-F238E27FC236}">
-                <a16:creationId xmlns:a16="http://schemas.microsoft.com/office/drawing/2014/main" id="{E80D3E2B-4AC5-4D66-9130-184D8765F515}"/>
-              </a:ext>
-            </a:extLst>
-          </p:cNvPr>
-          <p:cNvSpPr/>
-          <p:nvPr/>
-        </p:nvSpPr>
-        <p:spPr>
-          <a:xfrm>
-            <a:off x="9618561" y="5064142"/>
-            <a:ext cx="1782501" cy="416689"/>
-          </a:xfrm>
-          <a:prstGeom prst="roundRect">
-            <a:avLst/>
-          </a:prstGeom>
-        </p:spPr>
-        <p:style>
-          <a:lnRef idx="2">
-            <a:schemeClr val="accent4">
-              <a:shade val="50000"/>
-            </a:schemeClr>
-          </a:lnRef>
-          <a:fillRef idx="1">
-            <a:schemeClr val="accent4"/>
-          </a:fillRef>
-          <a:effectRef idx="0">
-            <a:schemeClr val="accent4"/>
-          </a:effectRef>
-          <a:fontRef idx="minor">
-            <a:schemeClr val="lt1"/>
-          </a:fontRef>
-        </p:style>
-        <p:txBody>
-          <a:bodyPr rtlCol="1" anchor="ctr"/>
-          <a:lstStyle/>
-          <a:p>
-            <a:pPr algn="ctr"/>
-            <a:r>
-              <a:rPr lang="en-US" dirty="0"/>
-              <a:t>Base R loop</a:t>
-            </a:r>
-            <a:endParaRPr lang="he-IL" dirty="0"/>
-          </a:p>
-        </p:txBody>
-      </p:sp>
-      <p:sp>
-        <p:nvSpPr>
-          <p:cNvPr id="16" name="Rounded Rectangle 16">
-            <a:extLst>
-              <a:ext uri="{FF2B5EF4-FFF2-40B4-BE49-F238E27FC236}">
-                <a16:creationId xmlns:a16="http://schemas.microsoft.com/office/drawing/2014/main" id="{71B741F9-6AFB-4972-A8EB-64D0CB646289}"/>
-              </a:ext>
-            </a:extLst>
-          </p:cNvPr>
-          <p:cNvSpPr/>
-          <p:nvPr/>
-        </p:nvSpPr>
-        <p:spPr>
-          <a:xfrm>
-            <a:off x="8341567" y="3304790"/>
-            <a:ext cx="3059495" cy="416689"/>
-          </a:xfrm>
-          <a:prstGeom prst="roundRect">
-            <a:avLst/>
-          </a:prstGeom>
-        </p:spPr>
-        <p:style>
-          <a:lnRef idx="3">
-            <a:schemeClr val="lt1"/>
-          </a:lnRef>
-          <a:fillRef idx="1">
-            <a:schemeClr val="accent5"/>
-          </a:fillRef>
-          <a:effectRef idx="1">
-            <a:schemeClr val="accent5"/>
-          </a:effectRef>
-          <a:fontRef idx="minor">
-            <a:schemeClr val="lt1"/>
-          </a:fontRef>
-        </p:style>
-        <p:txBody>
-          <a:bodyPr rtlCol="1" anchor="ctr"/>
-          <a:lstStyle/>
-          <a:p>
-            <a:pPr algn="ctr"/>
-            <a:r>
-              <a:rPr lang="en-US" dirty="0" err="1"/>
-              <a:t>purrr</a:t>
-            </a:r>
-            <a:r>
-              <a:rPr lang="en-US" dirty="0"/>
-              <a:t> iteration C++ loop</a:t>
-            </a:r>
-            <a:endParaRPr lang="he-IL" dirty="0"/>
-          </a:p>
-        </p:txBody>
-      </p:sp>
-      <p:sp>
-        <p:nvSpPr>
-          <p:cNvPr id="17" name="Rounded Rectangle 17">
-            <a:extLst>
-              <a:ext uri="{FF2B5EF4-FFF2-40B4-BE49-F238E27FC236}">
-                <a16:creationId xmlns:a16="http://schemas.microsoft.com/office/drawing/2014/main" id="{BDA4D3FD-0569-41A6-8B50-D0AC4D3F1E6B}"/>
-              </a:ext>
-            </a:extLst>
-          </p:cNvPr>
-          <p:cNvSpPr/>
-          <p:nvPr/>
-        </p:nvSpPr>
-        <p:spPr>
-          <a:xfrm>
-            <a:off x="2425959" y="5017843"/>
-            <a:ext cx="3523428" cy="416689"/>
-          </a:xfrm>
-          <a:prstGeom prst="roundRect">
-            <a:avLst/>
-          </a:prstGeom>
-        </p:spPr>
-        <p:style>
-          <a:lnRef idx="2">
-            <a:schemeClr val="accent1">
-              <a:shade val="50000"/>
-            </a:schemeClr>
-          </a:lnRef>
-          <a:fillRef idx="1">
-            <a:schemeClr val="accent1"/>
-          </a:fillRef>
-          <a:effectRef idx="0">
-            <a:schemeClr val="accent1"/>
-          </a:effectRef>
-          <a:fontRef idx="minor">
-            <a:schemeClr val="lt1"/>
-          </a:fontRef>
-        </p:style>
-        <p:txBody>
-          <a:bodyPr rtlCol="1" anchor="ctr"/>
-          <a:lstStyle/>
-          <a:p>
-            <a:pPr algn="ctr"/>
-            <a:r>
-              <a:rPr lang="en-US" dirty="0"/>
-              <a:t>core vector operation (C loop)</a:t>
-            </a:r>
-            <a:endParaRPr lang="he-IL" dirty="0"/>
-          </a:p>
-        </p:txBody>
-      </p:sp>
-      <p:sp>
-        <p:nvSpPr>
-          <p:cNvPr id="18" name="Rectangle 17">
-            <a:extLst>
-              <a:ext uri="{FF2B5EF4-FFF2-40B4-BE49-F238E27FC236}">
-                <a16:creationId xmlns:a16="http://schemas.microsoft.com/office/drawing/2014/main" id="{31485505-608F-473E-A851-2159FBE4CE17}"/>
-              </a:ext>
-            </a:extLst>
-          </p:cNvPr>
-          <p:cNvSpPr/>
-          <p:nvPr/>
-        </p:nvSpPr>
-        <p:spPr>
-          <a:xfrm>
-            <a:off x="9512300" y="6074963"/>
-            <a:ext cx="1615948" cy="609600"/>
-          </a:xfrm>
-          <a:prstGeom prst="rect">
-            <a:avLst/>
-          </a:prstGeom>
-        </p:spPr>
-        <p:style>
-          <a:lnRef idx="2">
-            <a:schemeClr val="accent1">
-              <a:shade val="50000"/>
-            </a:schemeClr>
-          </a:lnRef>
-          <a:fillRef idx="1">
-            <a:schemeClr val="accent1"/>
-          </a:fillRef>
-          <a:effectRef idx="0">
-            <a:schemeClr val="accent1"/>
-          </a:effectRef>
-          <a:fontRef idx="minor">
-            <a:schemeClr val="lt1"/>
-          </a:fontRef>
-        </p:style>
-        <p:txBody>
-          <a:bodyPr rtlCol="1" anchor="ctr"/>
-          <a:lstStyle/>
-          <a:p>
-            <a:pPr algn="ctr"/>
-            <a:endParaRPr lang="he-IL"/>
-          </a:p>
-        </p:txBody>
-      </p:sp>
-      <p:sp>
-        <p:nvSpPr>
-          <p:cNvPr id="19" name="TextBox 18">
-            <a:extLst>
-              <a:ext uri="{FF2B5EF4-FFF2-40B4-BE49-F238E27FC236}">
-                <a16:creationId xmlns:a16="http://schemas.microsoft.com/office/drawing/2014/main" id="{E7814AEB-6CFC-43D2-8388-C2F0292E0FDA}"/>
-              </a:ext>
-            </a:extLst>
-          </p:cNvPr>
-          <p:cNvSpPr txBox="1"/>
-          <p:nvPr/>
-        </p:nvSpPr>
-        <p:spPr>
-          <a:xfrm>
-            <a:off x="7896352" y="5705631"/>
-            <a:ext cx="1324402" cy="369332"/>
-          </a:xfrm>
-          <a:prstGeom prst="rect">
-            <a:avLst/>
-          </a:prstGeom>
-          <a:noFill/>
-        </p:spPr>
-        <p:txBody>
-          <a:bodyPr wrap="none" rtlCol="1">
-            <a:spAutoFit/>
-          </a:bodyPr>
-          <a:lstStyle/>
-          <a:p>
-            <a:r>
-              <a:rPr lang="en-US" dirty="0"/>
-              <a:t>2 minutes</a:t>
-            </a:r>
-            <a:endParaRPr lang="he-IL" dirty="0"/>
-          </a:p>
-        </p:txBody>
-      </p:sp>
-      <p:sp>
-        <p:nvSpPr>
-          <p:cNvPr id="20" name="Rectangle 19">
-            <a:extLst>
-              <a:ext uri="{FF2B5EF4-FFF2-40B4-BE49-F238E27FC236}">
-                <a16:creationId xmlns:a16="http://schemas.microsoft.com/office/drawing/2014/main" id="{D3C130F6-77AD-47B3-AD76-9EAD167761D8}"/>
-              </a:ext>
-            </a:extLst>
-          </p:cNvPr>
-          <p:cNvSpPr/>
-          <p:nvPr/>
-        </p:nvSpPr>
-        <p:spPr>
-          <a:xfrm>
-            <a:off x="7896352" y="6074963"/>
-            <a:ext cx="1615948" cy="609600"/>
-          </a:xfrm>
-          <a:prstGeom prst="rect">
-            <a:avLst/>
-          </a:prstGeom>
-        </p:spPr>
-        <p:style>
-          <a:lnRef idx="2">
-            <a:schemeClr val="accent1">
-              <a:shade val="50000"/>
-            </a:schemeClr>
-          </a:lnRef>
-          <a:fillRef idx="1">
-            <a:schemeClr val="accent1"/>
-          </a:fillRef>
-          <a:effectRef idx="0">
-            <a:schemeClr val="accent1"/>
-          </a:effectRef>
-          <a:fontRef idx="minor">
-            <a:schemeClr val="lt1"/>
-          </a:fontRef>
-        </p:style>
-        <p:txBody>
-          <a:bodyPr rtlCol="1" anchor="ctr"/>
-          <a:lstStyle/>
-          <a:p>
-            <a:pPr algn="ctr"/>
-            <a:endParaRPr lang="he-IL"/>
-          </a:p>
-        </p:txBody>
-      </p:sp>
-    </p:spTree>
-    <p:extLst>
-      <p:ext uri="{BB962C8B-B14F-4D97-AF65-F5344CB8AC3E}">
-        <p14:creationId xmlns:p14="http://schemas.microsoft.com/office/powerpoint/2010/main" val="1574147744"/>
-      </p:ext>
-    </p:extLst>
-  </p:cSld>
-  <p:clrMapOvr>
-    <a:masterClrMapping/>
-  </p:clrMapOvr>
-  <p:timing>
-    <p:tnLst>
-      <p:par>
-        <p:cTn id="1" dur="indefinite" restart="never" nodeType="tmRoot">
-          <p:childTnLst>
-            <p:seq concurrent="1" nextAc="seek">
-              <p:cTn id="2" dur="indefinite" nodeType="mainSeq">
-                <p:childTnLst>
-                  <p:par>
-                    <p:cTn id="3" fill="hold">
-                      <p:stCondLst>
-                        <p:cond delay="indefinite"/>
-                      </p:stCondLst>
-                      <p:childTnLst>
-                        <p:par>
-                          <p:cTn id="4" fill="hold">
-                            <p:stCondLst>
-                              <p:cond delay="0"/>
-                            </p:stCondLst>
-                            <p:childTnLst>
-                              <p:par>
-                                <p:cTn id="5" presetID="22" presetClass="exit" presetSubtype="2" fill="hold" grpId="0" nodeType="clickEffect">
-                                  <p:stCondLst>
-                                    <p:cond delay="0"/>
-                                  </p:stCondLst>
-                                  <p:childTnLst>
-                                    <p:animEffect transition="out" filter="wipe(right)">
-                                      <p:cBhvr>
-                                        <p:cTn id="6" dur="59000"/>
-                                        <p:tgtEl>
-                                          <p:spTgt spid="18"/>
-                                        </p:tgtEl>
-                                      </p:cBhvr>
-                                    </p:animEffect>
-                                    <p:set>
-                                      <p:cBhvr>
-                                        <p:cTn id="7" dur="1" fill="hold">
-                                          <p:stCondLst>
-                                            <p:cond delay="58999"/>
-                                          </p:stCondLst>
-                                        </p:cTn>
-                                        <p:tgtEl>
-                                          <p:spTgt spid="18"/>
-                                        </p:tgtEl>
-                                        <p:attrNameLst>
-                                          <p:attrName>style.visibility</p:attrName>
-                                        </p:attrNameLst>
-                                      </p:cBhvr>
-                                      <p:to>
-                                        <p:strVal val="hidden"/>
-                                      </p:to>
-                                    </p:set>
-                                  </p:childTnLst>
-                                </p:cTn>
-                              </p:par>
-                            </p:childTnLst>
-                          </p:cTn>
-                        </p:par>
-                        <p:par>
-                          <p:cTn id="8" fill="hold">
-                            <p:stCondLst>
-                              <p:cond delay="59000"/>
-                            </p:stCondLst>
-                            <p:childTnLst>
-                              <p:par>
-                                <p:cTn id="9" presetID="22" presetClass="exit" presetSubtype="2" fill="hold" grpId="0" nodeType="afterEffect">
-                                  <p:stCondLst>
-                                    <p:cond delay="0"/>
-                                  </p:stCondLst>
-                                  <p:childTnLst>
-                                    <p:animEffect transition="out" filter="wipe(right)">
-                                      <p:cBhvr>
-                                        <p:cTn id="10" dur="59000"/>
-                                        <p:tgtEl>
-                                          <p:spTgt spid="20"/>
-                                        </p:tgtEl>
-                                      </p:cBhvr>
-                                    </p:animEffect>
-                                    <p:set>
-                                      <p:cBhvr>
-                                        <p:cTn id="11" dur="1" fill="hold">
-                                          <p:stCondLst>
-                                            <p:cond delay="58999"/>
-                                          </p:stCondLst>
-                                        </p:cTn>
-                                        <p:tgtEl>
-                                          <p:spTgt spid="20"/>
-                                        </p:tgtEl>
-                                        <p:attrNameLst>
-                                          <p:attrName>style.visibility</p:attrName>
-                                        </p:attrNameLst>
-                                      </p:cBhvr>
-                                      <p:to>
-                                        <p:strVal val="hidden"/>
-                                      </p:to>
-                                    </p:set>
-                                  </p:childTnLst>
-                                </p:cTn>
-                              </p:par>
-                            </p:childTnLst>
-                          </p:cTn>
-                        </p:par>
-                      </p:childTnLst>
-                    </p:cTn>
-                  </p:par>
-                  <p:par>
-                    <p:cTn id="12" fill="hold">
-                      <p:stCondLst>
-                        <p:cond delay="indefinite"/>
-                      </p:stCondLst>
-                      <p:childTnLst>
-                        <p:par>
-                          <p:cTn id="13" fill="hold">
-                            <p:stCondLst>
-                              <p:cond delay="0"/>
-                            </p:stCondLst>
-                            <p:childTnLst>
-                              <p:par>
-                                <p:cTn id="14" presetID="10" presetClass="entr" presetSubtype="0" fill="hold" grpId="0" nodeType="clickEffect">
-                                  <p:stCondLst>
-                                    <p:cond delay="0"/>
-                                  </p:stCondLst>
-                                  <p:childTnLst>
-                                    <p:set>
-                                      <p:cBhvr>
-                                        <p:cTn id="15" dur="1" fill="hold">
-                                          <p:stCondLst>
-                                            <p:cond delay="0"/>
-                                          </p:stCondLst>
-                                        </p:cTn>
-                                        <p:tgtEl>
-                                          <p:spTgt spid="15"/>
-                                        </p:tgtEl>
-                                        <p:attrNameLst>
-                                          <p:attrName>style.visibility</p:attrName>
-                                        </p:attrNameLst>
-                                      </p:cBhvr>
-                                      <p:to>
-                                        <p:strVal val="visible"/>
-                                      </p:to>
-                                    </p:set>
-                                    <p:animEffect transition="in" filter="fade">
-                                      <p:cBhvr>
-                                        <p:cTn id="16" dur="500"/>
-                                        <p:tgtEl>
-                                          <p:spTgt spid="15"/>
-                                        </p:tgtEl>
-                                      </p:cBhvr>
-                                    </p:animEffect>
-                                  </p:childTnLst>
-                                </p:cTn>
-                              </p:par>
-                            </p:childTnLst>
-                          </p:cTn>
-                        </p:par>
-                      </p:childTnLst>
-                    </p:cTn>
-                  </p:par>
-                  <p:par>
-                    <p:cTn id="17" fill="hold">
-                      <p:stCondLst>
-                        <p:cond delay="indefinite"/>
-                      </p:stCondLst>
-                      <p:childTnLst>
-                        <p:par>
-                          <p:cTn id="18" fill="hold">
-                            <p:stCondLst>
-                              <p:cond delay="0"/>
-                            </p:stCondLst>
-                            <p:childTnLst>
-                              <p:par>
-                                <p:cTn id="19" presetID="10" presetClass="entr" presetSubtype="0" fill="hold" grpId="0" nodeType="clickEffect">
-                                  <p:stCondLst>
-                                    <p:cond delay="0"/>
-                                  </p:stCondLst>
-                                  <p:childTnLst>
-                                    <p:set>
-                                      <p:cBhvr>
-                                        <p:cTn id="20" dur="1" fill="hold">
-                                          <p:stCondLst>
-                                            <p:cond delay="0"/>
-                                          </p:stCondLst>
-                                        </p:cTn>
-                                        <p:tgtEl>
-                                          <p:spTgt spid="16"/>
-                                        </p:tgtEl>
-                                        <p:attrNameLst>
-                                          <p:attrName>style.visibility</p:attrName>
-                                        </p:attrNameLst>
-                                      </p:cBhvr>
-                                      <p:to>
-                                        <p:strVal val="visible"/>
-                                      </p:to>
-                                    </p:set>
-                                    <p:animEffect transition="in" filter="fade">
-                                      <p:cBhvr>
-                                        <p:cTn id="21" dur="500"/>
-                                        <p:tgtEl>
-                                          <p:spTgt spid="16"/>
-                                        </p:tgtEl>
-                                      </p:cBhvr>
-                                    </p:animEffect>
-                                  </p:childTnLst>
-                                </p:cTn>
-                              </p:par>
-                            </p:childTnLst>
-                          </p:cTn>
-                        </p:par>
-                      </p:childTnLst>
-                    </p:cTn>
-                  </p:par>
-                  <p:par>
-                    <p:cTn id="22" fill="hold">
-                      <p:stCondLst>
-                        <p:cond delay="indefinite"/>
-                      </p:stCondLst>
-                      <p:childTnLst>
-                        <p:par>
-                          <p:cTn id="23" fill="hold">
-                            <p:stCondLst>
-                              <p:cond delay="0"/>
-                            </p:stCondLst>
-                            <p:childTnLst>
-                              <p:par>
-                                <p:cTn id="24" presetID="10" presetClass="entr" presetSubtype="0" fill="hold" grpId="0" nodeType="clickEffect">
-                                  <p:stCondLst>
-                                    <p:cond delay="0"/>
-                                  </p:stCondLst>
-                                  <p:childTnLst>
-                                    <p:set>
-                                      <p:cBhvr>
-                                        <p:cTn id="25" dur="1" fill="hold">
-                                          <p:stCondLst>
-                                            <p:cond delay="0"/>
-                                          </p:stCondLst>
-                                        </p:cTn>
-                                        <p:tgtEl>
-                                          <p:spTgt spid="14"/>
-                                        </p:tgtEl>
-                                        <p:attrNameLst>
-                                          <p:attrName>style.visibility</p:attrName>
-                                        </p:attrNameLst>
-                                      </p:cBhvr>
-                                      <p:to>
-                                        <p:strVal val="visible"/>
-                                      </p:to>
-                                    </p:set>
-                                    <p:animEffect transition="in" filter="fade">
-                                      <p:cBhvr>
-                                        <p:cTn id="26" dur="500"/>
-                                        <p:tgtEl>
-                                          <p:spTgt spid="14"/>
-                                        </p:tgtEl>
-                                      </p:cBhvr>
-                                    </p:animEffect>
-                                  </p:childTnLst>
-                                </p:cTn>
-                              </p:par>
-                            </p:childTnLst>
-                          </p:cTn>
-                        </p:par>
-                      </p:childTnLst>
-                    </p:cTn>
-                  </p:par>
-                  <p:par>
-                    <p:cTn id="27" fill="hold">
-                      <p:stCondLst>
-                        <p:cond delay="indefinite"/>
-                      </p:stCondLst>
-                      <p:childTnLst>
-                        <p:par>
-                          <p:cTn id="28" fill="hold">
-                            <p:stCondLst>
-                              <p:cond delay="0"/>
-                            </p:stCondLst>
-                            <p:childTnLst>
-                              <p:par>
-                                <p:cTn id="29" presetID="10" presetClass="entr" presetSubtype="0" fill="hold" grpId="0" nodeType="clickEffect">
-                                  <p:stCondLst>
-                                    <p:cond delay="0"/>
-                                  </p:stCondLst>
-                                  <p:childTnLst>
-                                    <p:set>
-                                      <p:cBhvr>
-                                        <p:cTn id="30" dur="1" fill="hold">
-                                          <p:stCondLst>
-                                            <p:cond delay="0"/>
-                                          </p:stCondLst>
-                                        </p:cTn>
-                                        <p:tgtEl>
-                                          <p:spTgt spid="17"/>
-                                        </p:tgtEl>
-                                        <p:attrNameLst>
-                                          <p:attrName>style.visibility</p:attrName>
-                                        </p:attrNameLst>
-                                      </p:cBhvr>
-                                      <p:to>
-                                        <p:strVal val="visible"/>
-                                      </p:to>
-                                    </p:set>
-                                    <p:animEffect transition="in" filter="fade">
-                                      <p:cBhvr>
-                                        <p:cTn id="31" dur="500"/>
-                                        <p:tgtEl>
-                                          <p:spTgt spid="17"/>
-                                        </p:tgtEl>
-                                      </p:cBhvr>
-                                    </p:animEffect>
-                                  </p:childTnLst>
-                                </p:cTn>
-                              </p:par>
-                            </p:childTnLst>
-                          </p:cTn>
-                        </p:par>
-                      </p:childTnLst>
-                    </p:cTn>
-                  </p:par>
-                </p:childTnLst>
-              </p:cTn>
-              <p:prevCondLst>
-                <p:cond evt="onPrev" delay="0">
-                  <p:tgtEl>
-                    <p:sldTgt/>
-                  </p:tgtEl>
-                </p:cond>
-              </p:prevCondLst>
-              <p:nextCondLst>
-                <p:cond evt="onNext" delay="0">
-                  <p:tgtEl>
-                    <p:sldTgt/>
-                  </p:tgtEl>
-                </p:cond>
-              </p:nextCondLst>
-            </p:seq>
-          </p:childTnLst>
-        </p:cTn>
-      </p:par>
-    </p:tnLst>
-    <p:bldLst>
-      <p:bldP spid="14" grpId="0" animBg="1"/>
-      <p:bldP spid="15" grpId="0" animBg="1"/>
-      <p:bldP spid="16" grpId="0" animBg="1"/>
-      <p:bldP spid="17" grpId="0" animBg="1"/>
-      <p:bldP spid="18" grpId="0" animBg="1"/>
-      <p:bldP spid="20" grpId="0" animBg="1"/>
-    </p:bldLst>
-  </p:timing>
-</p:sld>
-</file>
-
-<file path=ppt/slides/slide7.xml><?xml version="1.0" encoding="utf-8"?>
-<p:sld xmlns:a="http://schemas.openxmlformats.org/drawingml/2006/main" xmlns:r="http://schemas.openxmlformats.org/officeDocument/2006/relationships" xmlns:p="http://schemas.openxmlformats.org/presentationml/2006/main">
-  <p:cSld>
-    <p:spTree>
-      <p:nvGrpSpPr>
-        <p:cNvPr id="1" name=""/>
-        <p:cNvGrpSpPr/>
-        <p:nvPr/>
-      </p:nvGrpSpPr>
-      <p:grpSpPr>
-        <a:xfrm>
-          <a:off x="0" y="0"/>
-          <a:ext cx="0" cy="0"/>
-          <a:chOff x="0" y="0"/>
-          <a:chExt cx="0" cy="0"/>
-        </a:xfrm>
-      </p:grpSpPr>
-      <p:sp>
-        <p:nvSpPr>
-          <p:cNvPr id="2" name="Title 1">
-            <a:extLst>
-              <a:ext uri="{FF2B5EF4-FFF2-40B4-BE49-F238E27FC236}">
                 <a16:creationId xmlns:a16="http://schemas.microsoft.com/office/drawing/2014/main" id="{553F31FD-5525-4713-80D8-364E83AC45BC}"/>
               </a:ext>
             </a:extLst>
@@ -9568,7 +9879,7 @@
           <a:p>
             <a:fld id="{4FAB73BC-B049-4115-A692-8D63A059BFB8}" type="slidenum">
               <a:rPr lang="en-US" smtClean="0"/>
-              <a:t>7</a:t>
+              <a:t>8</a:t>
             </a:fld>
             <a:endParaRPr lang="en-US" dirty="0"/>
           </a:p>
@@ -10028,249 +10339,6 @@
 </p:sld>
 </file>
 
-<file path=ppt/slides/slide8.xml><?xml version="1.0" encoding="utf-8"?>
-<p:sld xmlns:a="http://schemas.openxmlformats.org/drawingml/2006/main" xmlns:r="http://schemas.openxmlformats.org/officeDocument/2006/relationships" xmlns:p="http://schemas.openxmlformats.org/presentationml/2006/main">
-  <p:cSld>
-    <p:spTree>
-      <p:nvGrpSpPr>
-        <p:cNvPr id="1" name=""/>
-        <p:cNvGrpSpPr/>
-        <p:nvPr/>
-      </p:nvGrpSpPr>
-      <p:grpSpPr>
-        <a:xfrm>
-          <a:off x="0" y="0"/>
-          <a:ext cx="0" cy="0"/>
-          <a:chOff x="0" y="0"/>
-          <a:chExt cx="0" cy="0"/>
-        </a:xfrm>
-      </p:grpSpPr>
-      <p:sp>
-        <p:nvSpPr>
-          <p:cNvPr id="2" name="Title 1">
-            <a:extLst>
-              <a:ext uri="{FF2B5EF4-FFF2-40B4-BE49-F238E27FC236}">
-                <a16:creationId xmlns:a16="http://schemas.microsoft.com/office/drawing/2014/main" id="{55C90AEE-7DAB-4A9D-B0F4-04B6D2F839CC}"/>
-              </a:ext>
-            </a:extLst>
-          </p:cNvPr>
-          <p:cNvSpPr>
-            <a:spLocks noGrp="1"/>
-          </p:cNvSpPr>
-          <p:nvPr>
-            <p:ph type="title"/>
-          </p:nvPr>
-        </p:nvSpPr>
-        <p:spPr/>
-        <p:txBody>
-          <a:bodyPr/>
-          <a:lstStyle/>
-          <a:p>
-            <a:r>
-              <a:rPr lang="en-US" dirty="0"/>
-              <a:t>Defining functions for the use of map/map_*</a:t>
-            </a:r>
-            <a:endParaRPr lang="en-IL" dirty="0"/>
-          </a:p>
-        </p:txBody>
-      </p:sp>
-      <p:sp>
-        <p:nvSpPr>
-          <p:cNvPr id="3" name="Content Placeholder 2">
-            <a:extLst>
-              <a:ext uri="{FF2B5EF4-FFF2-40B4-BE49-F238E27FC236}">
-                <a16:creationId xmlns:a16="http://schemas.microsoft.com/office/drawing/2014/main" id="{00934A37-AEDE-42C8-B8FF-960016F16C03}"/>
-              </a:ext>
-            </a:extLst>
-          </p:cNvPr>
-          <p:cNvSpPr>
-            <a:spLocks noGrp="1"/>
-          </p:cNvSpPr>
-          <p:nvPr>
-            <p:ph idx="1"/>
-          </p:nvPr>
-        </p:nvSpPr>
-        <p:spPr/>
-        <p:txBody>
-          <a:bodyPr/>
-          <a:lstStyle/>
-          <a:p>
-            <a:r>
-              <a:rPr lang="en-US" dirty="0"/>
-              <a:t>Inline anonymous function:</a:t>
-            </a:r>
-          </a:p>
-          <a:p>
-            <a:pPr lvl="1"/>
-            <a:r>
-              <a:rPr lang="en-US" dirty="0" err="1">
-                <a:latin typeface="Courier New" panose="02070309020205020404" pitchFamily="49" charset="0"/>
-                <a:cs typeface="Courier New" panose="02070309020205020404" pitchFamily="49" charset="0"/>
-              </a:rPr>
-              <a:t>map_dbl</a:t>
-            </a:r>
-            <a:r>
-              <a:rPr lang="en-US" dirty="0">
-                <a:latin typeface="Courier New" panose="02070309020205020404" pitchFamily="49" charset="0"/>
-                <a:cs typeface="Courier New" panose="02070309020205020404" pitchFamily="49" charset="0"/>
-              </a:rPr>
-              <a:t>(iris, function(x) length(unique(x)))</a:t>
-            </a:r>
-          </a:p>
-          <a:p>
-            <a:r>
-              <a:rPr lang="en-US" dirty="0"/>
-              <a:t>Formula ~ shortcut</a:t>
-            </a:r>
-          </a:p>
-          <a:p>
-            <a:pPr lvl="1"/>
-            <a:r>
-              <a:rPr lang="en-US" dirty="0" err="1">
-                <a:latin typeface="Courier New" panose="02070309020205020404" pitchFamily="49" charset="0"/>
-                <a:cs typeface="Courier New" panose="02070309020205020404" pitchFamily="49" charset="0"/>
-              </a:rPr>
-              <a:t>map_dbl</a:t>
-            </a:r>
-            <a:r>
-              <a:rPr lang="en-US" dirty="0">
-                <a:latin typeface="Courier New" panose="02070309020205020404" pitchFamily="49" charset="0"/>
-                <a:cs typeface="Courier New" panose="02070309020205020404" pitchFamily="49" charset="0"/>
-              </a:rPr>
-              <a:t>(iris, ~length(unique(.x)))</a:t>
-            </a:r>
-          </a:p>
-          <a:p>
-            <a:r>
-              <a:rPr lang="en-US" dirty="0"/>
-              <a:t>Or define it then use it:</a:t>
-            </a:r>
-          </a:p>
-          <a:p>
-            <a:pPr lvl="1"/>
-            <a:r>
-              <a:rPr lang="en-US" dirty="0" err="1">
-                <a:latin typeface="Courier New" panose="02070309020205020404" pitchFamily="49" charset="0"/>
-                <a:cs typeface="Courier New" panose="02070309020205020404" pitchFamily="49" charset="0"/>
-              </a:rPr>
-              <a:t>my_func</a:t>
-            </a:r>
-            <a:r>
-              <a:rPr lang="en-US" dirty="0">
-                <a:latin typeface="Courier New" panose="02070309020205020404" pitchFamily="49" charset="0"/>
-                <a:cs typeface="Courier New" panose="02070309020205020404" pitchFamily="49" charset="0"/>
-              </a:rPr>
-              <a:t> &lt;- function(x) { length(unique(x)) }</a:t>
-            </a:r>
-          </a:p>
-          <a:p>
-            <a:pPr lvl="1"/>
-            <a:r>
-              <a:rPr lang="en-US" dirty="0" err="1">
-                <a:latin typeface="Courier New" panose="02070309020205020404" pitchFamily="49" charset="0"/>
-                <a:cs typeface="Courier New" panose="02070309020205020404" pitchFamily="49" charset="0"/>
-              </a:rPr>
-              <a:t>map_dbl</a:t>
-            </a:r>
-            <a:r>
-              <a:rPr lang="en-US" dirty="0">
-                <a:latin typeface="Courier New" panose="02070309020205020404" pitchFamily="49" charset="0"/>
-                <a:cs typeface="Courier New" panose="02070309020205020404" pitchFamily="49" charset="0"/>
-              </a:rPr>
-              <a:t>(iris, </a:t>
-            </a:r>
-            <a:r>
-              <a:rPr lang="en-US" dirty="0" err="1">
-                <a:latin typeface="Courier New" panose="02070309020205020404" pitchFamily="49" charset="0"/>
-                <a:cs typeface="Courier New" panose="02070309020205020404" pitchFamily="49" charset="0"/>
-              </a:rPr>
-              <a:t>my_func</a:t>
-            </a:r>
-            <a:r>
-              <a:rPr lang="en-US" dirty="0">
-                <a:latin typeface="Courier New" panose="02070309020205020404" pitchFamily="49" charset="0"/>
-                <a:cs typeface="Courier New" panose="02070309020205020404" pitchFamily="49" charset="0"/>
-              </a:rPr>
-              <a:t>)</a:t>
-            </a:r>
-            <a:endParaRPr lang="en-IL" dirty="0">
-              <a:latin typeface="Courier New" panose="02070309020205020404" pitchFamily="49" charset="0"/>
-              <a:cs typeface="Courier New" panose="02070309020205020404" pitchFamily="49" charset="0"/>
-            </a:endParaRPr>
-          </a:p>
-        </p:txBody>
-      </p:sp>
-      <p:sp>
-        <p:nvSpPr>
-          <p:cNvPr id="4" name="Footer Placeholder 3">
-            <a:extLst>
-              <a:ext uri="{FF2B5EF4-FFF2-40B4-BE49-F238E27FC236}">
-                <a16:creationId xmlns:a16="http://schemas.microsoft.com/office/drawing/2014/main" id="{0755AE6F-6758-4C10-9A0F-1B0C99D87E0A}"/>
-              </a:ext>
-            </a:extLst>
-          </p:cNvPr>
-          <p:cNvSpPr>
-            <a:spLocks noGrp="1"/>
-          </p:cNvSpPr>
-          <p:nvPr>
-            <p:ph type="ftr" sz="quarter" idx="11"/>
-          </p:nvPr>
-        </p:nvSpPr>
-        <p:spPr/>
-        <p:txBody>
-          <a:bodyPr/>
-          <a:lstStyle/>
-          <a:p>
-            <a:r>
-              <a:rPr lang="en-US"/>
-              <a:t>Materials by Adi Sarid https://adisarid.github.io and http://www.sarid-ins.com</a:t>
-            </a:r>
-            <a:endParaRPr lang="en-US" dirty="0"/>
-          </a:p>
-        </p:txBody>
-      </p:sp>
-      <p:sp>
-        <p:nvSpPr>
-          <p:cNvPr id="5" name="Slide Number Placeholder 4">
-            <a:extLst>
-              <a:ext uri="{FF2B5EF4-FFF2-40B4-BE49-F238E27FC236}">
-                <a16:creationId xmlns:a16="http://schemas.microsoft.com/office/drawing/2014/main" id="{7B6A5F4E-7693-4B8E-BB91-9DEFBD276166}"/>
-              </a:ext>
-            </a:extLst>
-          </p:cNvPr>
-          <p:cNvSpPr>
-            <a:spLocks noGrp="1"/>
-          </p:cNvSpPr>
-          <p:nvPr>
-            <p:ph type="sldNum" sz="quarter" idx="12"/>
-          </p:nvPr>
-        </p:nvSpPr>
-        <p:spPr/>
-        <p:txBody>
-          <a:bodyPr/>
-          <a:lstStyle/>
-          <a:p>
-            <a:fld id="{4FAB73BC-B049-4115-A692-8D63A059BFB8}" type="slidenum">
-              <a:rPr lang="en-US" smtClean="0"/>
-              <a:t>8</a:t>
-            </a:fld>
-            <a:endParaRPr lang="en-US" dirty="0"/>
-          </a:p>
-        </p:txBody>
-      </p:sp>
-    </p:spTree>
-    <p:extLst>
-      <p:ext uri="{BB962C8B-B14F-4D97-AF65-F5344CB8AC3E}">
-        <p14:creationId xmlns:p14="http://schemas.microsoft.com/office/powerpoint/2010/main" val="2363038896"/>
-      </p:ext>
-    </p:extLst>
-  </p:cSld>
-  <p:clrMapOvr>
-    <a:masterClrMapping/>
-  </p:clrMapOvr>
-</p:sld>
-</file>
-
 <file path=ppt/slides/slide9.xml><?xml version="1.0" encoding="utf-8"?>
 <p:sld xmlns:a="http://schemas.openxmlformats.org/drawingml/2006/main" xmlns:r="http://schemas.openxmlformats.org/officeDocument/2006/relationships" xmlns:p="http://schemas.openxmlformats.org/presentationml/2006/main">
   <p:cSld>
@@ -10293,7 +10361,7 @@
           <p:cNvPr id="2" name="Title 1">
             <a:extLst>
               <a:ext uri="{FF2B5EF4-FFF2-40B4-BE49-F238E27FC236}">
-                <a16:creationId xmlns:a16="http://schemas.microsoft.com/office/drawing/2014/main" id="{24570F96-9F5C-4DEC-9537-BA8E526CB72F}"/>
+                <a16:creationId xmlns:a16="http://schemas.microsoft.com/office/drawing/2014/main" id="{55C90AEE-7DAB-4A9D-B0F4-04B6D2F839CC}"/>
               </a:ext>
             </a:extLst>
           </p:cNvPr>
@@ -10311,7 +10379,7 @@
           <a:p>
             <a:r>
               <a:rPr lang="en-US" dirty="0"/>
-              <a:t>Passing additional arguments to map</a:t>
+              <a:t>Defining functions for the use of map/map_*</a:t>
             </a:r>
             <a:endParaRPr lang="en-IL" dirty="0"/>
           </a:p>
@@ -10322,7 +10390,7 @@
           <p:cNvPr id="3" name="Content Placeholder 2">
             <a:extLst>
               <a:ext uri="{FF2B5EF4-FFF2-40B4-BE49-F238E27FC236}">
-                <a16:creationId xmlns:a16="http://schemas.microsoft.com/office/drawing/2014/main" id="{0379A6CD-577C-4493-A0A2-54677FC017E8}"/>
+                <a16:creationId xmlns:a16="http://schemas.microsoft.com/office/drawing/2014/main" id="{00934A37-AEDE-42C8-B8FF-960016F16C03}"/>
               </a:ext>
             </a:extLst>
           </p:cNvPr>
@@ -10335,103 +10403,112 @@
         </p:nvSpPr>
         <p:spPr/>
         <p:txBody>
-          <a:bodyPr>
-            <a:normAutofit/>
-          </a:bodyPr>
-          <a:lstStyle/>
-          <a:p>
-            <a:pPr marL="0" indent="0">
-              <a:buNone/>
-            </a:pPr>
-            <a:r>
-              <a:rPr lang="en-US" sz="1800" dirty="0">
-                <a:latin typeface="Courier New" panose="02070309020205020404" pitchFamily="49" charset="0"/>
-                <a:cs typeface="Courier New" panose="02070309020205020404" pitchFamily="49" charset="0"/>
-              </a:rPr>
-              <a:t>x &lt;- list(1:5, c(1:10, NA))</a:t>
-            </a:r>
-          </a:p>
-          <a:p>
-            <a:pPr marL="0" indent="0">
-              <a:buNone/>
-            </a:pPr>
-            <a:endParaRPr lang="en-US" sz="1800" dirty="0">
+          <a:bodyPr/>
+          <a:lstStyle/>
+          <a:p>
+            <a:r>
+              <a:rPr lang="en-US" dirty="0"/>
+              <a:t>Inline anonymous function:</a:t>
+            </a:r>
+          </a:p>
+          <a:p>
+            <a:pPr lvl="1"/>
+            <a:r>
+              <a:rPr lang="en-US" dirty="0" err="1">
+                <a:latin typeface="Courier New" panose="02070309020205020404" pitchFamily="49" charset="0"/>
+                <a:cs typeface="Courier New" panose="02070309020205020404" pitchFamily="49" charset="0"/>
+              </a:rPr>
+              <a:t>map_dbl</a:t>
+            </a:r>
+            <a:r>
+              <a:rPr lang="en-US" dirty="0">
+                <a:latin typeface="Courier New" panose="02070309020205020404" pitchFamily="49" charset="0"/>
+                <a:cs typeface="Courier New" panose="02070309020205020404" pitchFamily="49" charset="0"/>
+              </a:rPr>
+              <a:t>(iris, function(x) length(unique(x)))</a:t>
+            </a:r>
+          </a:p>
+          <a:p>
+            <a:r>
+              <a:rPr lang="en-US" dirty="0"/>
+              <a:t>Formula ~ shortcut</a:t>
+            </a:r>
+          </a:p>
+          <a:p>
+            <a:pPr lvl="1"/>
+            <a:r>
+              <a:rPr lang="en-US" dirty="0" err="1">
+                <a:latin typeface="Courier New" panose="02070309020205020404" pitchFamily="49" charset="0"/>
+                <a:cs typeface="Courier New" panose="02070309020205020404" pitchFamily="49" charset="0"/>
+              </a:rPr>
+              <a:t>map_dbl</a:t>
+            </a:r>
+            <a:r>
+              <a:rPr lang="en-US" dirty="0">
+                <a:latin typeface="Courier New" panose="02070309020205020404" pitchFamily="49" charset="0"/>
+                <a:cs typeface="Courier New" panose="02070309020205020404" pitchFamily="49" charset="0"/>
+              </a:rPr>
+              <a:t>(iris, ~length(unique(.x)))</a:t>
+            </a:r>
+          </a:p>
+          <a:p>
+            <a:r>
+              <a:rPr lang="en-US" dirty="0"/>
+              <a:t>Or define it then use it:</a:t>
+            </a:r>
+          </a:p>
+          <a:p>
+            <a:pPr lvl="1"/>
+            <a:r>
+              <a:rPr lang="en-US" dirty="0" err="1">
+                <a:latin typeface="Courier New" panose="02070309020205020404" pitchFamily="49" charset="0"/>
+                <a:cs typeface="Courier New" panose="02070309020205020404" pitchFamily="49" charset="0"/>
+              </a:rPr>
+              <a:t>my_func</a:t>
+            </a:r>
+            <a:r>
+              <a:rPr lang="en-US" dirty="0">
+                <a:latin typeface="Courier New" panose="02070309020205020404" pitchFamily="49" charset="0"/>
+                <a:cs typeface="Courier New" panose="02070309020205020404" pitchFamily="49" charset="0"/>
+              </a:rPr>
+              <a:t> &lt;- function(x) { length(unique(x)) }</a:t>
+            </a:r>
+          </a:p>
+          <a:p>
+            <a:pPr lvl="1"/>
+            <a:r>
+              <a:rPr lang="en-US" dirty="0" err="1">
+                <a:latin typeface="Courier New" panose="02070309020205020404" pitchFamily="49" charset="0"/>
+                <a:cs typeface="Courier New" panose="02070309020205020404" pitchFamily="49" charset="0"/>
+              </a:rPr>
+              <a:t>map_dbl</a:t>
+            </a:r>
+            <a:r>
+              <a:rPr lang="en-US" dirty="0">
+                <a:latin typeface="Courier New" panose="02070309020205020404" pitchFamily="49" charset="0"/>
+                <a:cs typeface="Courier New" panose="02070309020205020404" pitchFamily="49" charset="0"/>
+              </a:rPr>
+              <a:t>(iris, </a:t>
+            </a:r>
+            <a:r>
+              <a:rPr lang="en-US" dirty="0" err="1">
+                <a:latin typeface="Courier New" panose="02070309020205020404" pitchFamily="49" charset="0"/>
+                <a:cs typeface="Courier New" panose="02070309020205020404" pitchFamily="49" charset="0"/>
+              </a:rPr>
+              <a:t>my_func</a:t>
+            </a:r>
+            <a:r>
+              <a:rPr lang="en-US" dirty="0">
+                <a:latin typeface="Courier New" panose="02070309020205020404" pitchFamily="49" charset="0"/>
+                <a:cs typeface="Courier New" panose="02070309020205020404" pitchFamily="49" charset="0"/>
+              </a:rPr>
+              <a:t>)</a:t>
+            </a:r>
+            <a:endParaRPr lang="en-IL" dirty="0">
               <a:latin typeface="Courier New" panose="02070309020205020404" pitchFamily="49" charset="0"/>
               <a:cs typeface="Courier New" panose="02070309020205020404" pitchFamily="49" charset="0"/>
             </a:endParaRPr>
           </a:p>
-          <a:p>
-            <a:pPr marL="0" indent="0">
-              <a:buNone/>
-            </a:pPr>
-            <a:r>
-              <a:rPr lang="en-US" sz="1800" dirty="0">
-                <a:cs typeface="Courier New" panose="02070309020205020404" pitchFamily="49" charset="0"/>
-              </a:rPr>
-              <a:t>Using an inline function:</a:t>
-            </a:r>
-          </a:p>
-          <a:p>
-            <a:pPr marL="0" indent="0">
-              <a:buNone/>
-            </a:pPr>
-            <a:r>
-              <a:rPr lang="en-US" sz="1800" dirty="0" err="1">
-                <a:latin typeface="Courier New" panose="02070309020205020404" pitchFamily="49" charset="0"/>
-                <a:cs typeface="Courier New" panose="02070309020205020404" pitchFamily="49" charset="0"/>
-              </a:rPr>
-              <a:t>map_dbl</a:t>
-            </a:r>
-            <a:r>
-              <a:rPr lang="en-US" sz="1800" dirty="0">
-                <a:latin typeface="Courier New" panose="02070309020205020404" pitchFamily="49" charset="0"/>
-                <a:cs typeface="Courier New" panose="02070309020205020404" pitchFamily="49" charset="0"/>
-              </a:rPr>
-              <a:t>(x, ~ mean(.x, na.rm = TRUE))</a:t>
-            </a:r>
-          </a:p>
-          <a:p>
-            <a:pPr marL="0" indent="0">
-              <a:buNone/>
-            </a:pPr>
-            <a:endParaRPr lang="en-US" sz="1800" dirty="0">
-              <a:cs typeface="Courier New" panose="02070309020205020404" pitchFamily="49" charset="0"/>
-            </a:endParaRPr>
-          </a:p>
-          <a:p>
-            <a:pPr marL="0" indent="0">
-              <a:buNone/>
-            </a:pPr>
-            <a:r>
-              <a:rPr lang="en-US" sz="1800" dirty="0">
-                <a:cs typeface="Courier New" panose="02070309020205020404" pitchFamily="49" charset="0"/>
-              </a:rPr>
-              <a:t>Map also passes the ..., so you can just keep on specifying:</a:t>
-            </a:r>
-          </a:p>
-          <a:p>
-            <a:pPr marL="0" indent="0">
-              <a:buNone/>
-            </a:pPr>
-            <a:r>
-              <a:rPr lang="en-US" sz="1800" dirty="0" err="1">
-                <a:latin typeface="Courier New" panose="02070309020205020404" pitchFamily="49" charset="0"/>
-                <a:cs typeface="Courier New" panose="02070309020205020404" pitchFamily="49" charset="0"/>
-              </a:rPr>
-              <a:t>map_dbl</a:t>
-            </a:r>
-            <a:r>
-              <a:rPr lang="en-US" sz="1800" dirty="0">
-                <a:latin typeface="Courier New" panose="02070309020205020404" pitchFamily="49" charset="0"/>
-                <a:cs typeface="Courier New" panose="02070309020205020404" pitchFamily="49" charset="0"/>
-              </a:rPr>
-              <a:t>(x, mean, na.rm = TRUE)</a:t>
-            </a:r>
-            <a:endParaRPr lang="en-IL" sz="1800" dirty="0">
-              <a:latin typeface="Courier New" panose="02070309020205020404" pitchFamily="49" charset="0"/>
-              <a:cs typeface="Courier New" panose="02070309020205020404" pitchFamily="49" charset="0"/>
-            </a:endParaRPr>
-          </a:p>
         </p:txBody>
       </p:sp>
       <p:sp>
@@ -10439,7 +10516,7 @@
           <p:cNvPr id="4" name="Footer Placeholder 3">
             <a:extLst>
               <a:ext uri="{FF2B5EF4-FFF2-40B4-BE49-F238E27FC236}">
-                <a16:creationId xmlns:a16="http://schemas.microsoft.com/office/drawing/2014/main" id="{87821B7F-BFA6-491D-8D66-A2900660A5E1}"/>
+                <a16:creationId xmlns:a16="http://schemas.microsoft.com/office/drawing/2014/main" id="{0755AE6F-6758-4C10-9A0F-1B0C99D87E0A}"/>
               </a:ext>
             </a:extLst>
           </p:cNvPr>
@@ -10468,7 +10545,7 @@
           <p:cNvPr id="5" name="Slide Number Placeholder 4">
             <a:extLst>
               <a:ext uri="{FF2B5EF4-FFF2-40B4-BE49-F238E27FC236}">
-                <a16:creationId xmlns:a16="http://schemas.microsoft.com/office/drawing/2014/main" id="{16A9F158-9DD2-477B-8115-FF7F6FDF495A}"/>
+                <a16:creationId xmlns:a16="http://schemas.microsoft.com/office/drawing/2014/main" id="{7B6A5F4E-7693-4B8E-BB91-9DEFBD276166}"/>
               </a:ext>
             </a:extLst>
           </p:cNvPr>
@@ -10492,40 +10569,10 @@
           </a:p>
         </p:txBody>
       </p:sp>
-      <p:pic>
-        <p:nvPicPr>
-          <p:cNvPr id="6" name="Picture 5">
-            <a:extLst>
-              <a:ext uri="{FF2B5EF4-FFF2-40B4-BE49-F238E27FC236}">
-                <a16:creationId xmlns:a16="http://schemas.microsoft.com/office/drawing/2014/main" id="{A853284A-7422-4666-974D-ED62354BAB23}"/>
-              </a:ext>
-            </a:extLst>
-          </p:cNvPr>
-          <p:cNvPicPr>
-            <a:picLocks noChangeAspect="1"/>
-          </p:cNvPicPr>
-          <p:nvPr/>
-        </p:nvPicPr>
-        <p:blipFill>
-          <a:blip r:embed="rId2"/>
-          <a:stretch>
-            <a:fillRect/>
-          </a:stretch>
-        </p:blipFill>
-        <p:spPr>
-          <a:xfrm>
-            <a:off x="9497683" y="1726722"/>
-            <a:ext cx="2331882" cy="1289424"/>
-          </a:xfrm>
-          <a:prstGeom prst="rect">
-            <a:avLst/>
-          </a:prstGeom>
-        </p:spPr>
-      </p:pic>
     </p:spTree>
     <p:extLst>
       <p:ext uri="{BB962C8B-B14F-4D97-AF65-F5344CB8AC3E}">
-        <p14:creationId xmlns:p14="http://schemas.microsoft.com/office/powerpoint/2010/main" val="2761124793"/>
+        <p14:creationId xmlns:p14="http://schemas.microsoft.com/office/powerpoint/2010/main" val="2363038896"/>
       </p:ext>
     </p:extLst>
   </p:cSld>
